--- a/mid/何康镐中期答辩.pptx
+++ b/mid/何康镐中期答辩.pptx
@@ -271,7 +271,7 @@
           <a:p>
             <a:fld id="{3031F270-B309-4F2B-BEBA-5AB538143F7E}" type="datetimeFigureOut">
               <a:rPr lang="zh-CN" altLang="en-US" smtClean="0"/>
-              <a:t>2020/9/22</a:t>
+              <a:t>2020/9/23</a:t>
             </a:fld>
             <a:endParaRPr lang="zh-CN" altLang="en-US"/>
           </a:p>
@@ -448,7 +448,7 @@
           <a:p>
             <a:fld id="{52F5E8A4-1712-46CC-A4FA-762128F4DA7D}" type="datetimeFigureOut">
               <a:rPr lang="zh-CN" altLang="en-US" smtClean="0"/>
-              <a:t>2020/9/22</a:t>
+              <a:t>2020/9/23</a:t>
             </a:fld>
             <a:endParaRPr lang="zh-CN" altLang="en-US"/>
           </a:p>
@@ -6764,14 +6764,6 @@
                   </a:rPr>
                   <a:t>句子</a:t>
                 </a:r>
-                <a:endParaRPr lang="zh-CN" altLang="en-US" sz="1200" dirty="0">
-                  <a:solidFill>
-                    <a:schemeClr val="tx1">
-                      <a:lumMod val="95000"/>
-                      <a:lumOff val="5000"/>
-                    </a:schemeClr>
-                  </a:solidFill>
-                </a:endParaRPr>
               </a:p>
             </p:txBody>
           </p:sp>
@@ -7832,11 +7824,7 @@
             <a:p>
               <a:r>
                 <a:rPr lang="zh-CN" altLang="en-US" sz="1600" b="1" dirty="0" smtClean="0"/>
-                <a:t>预</a:t>
-              </a:r>
-              <a:r>
-                <a:rPr lang="zh-CN" altLang="en-US" sz="1600" b="1" dirty="0" smtClean="0"/>
-                <a:t>处理</a:t>
+                <a:t>预处理</a:t>
               </a:r>
               <a:r>
                 <a:rPr lang="zh-CN" altLang="en-US" sz="1600" b="1" dirty="0"/>
@@ -18816,8 +18804,8 @@
           </a:p>
         </p:txBody>
       </p:sp>
-      <mc:AlternateContent xmlns:mc="http://schemas.openxmlformats.org/markup-compatibility/2006">
-        <mc:Choice xmlns:a14="http://schemas.microsoft.com/office/drawing/2010/main" Requires="a14">
+      <mc:AlternateContent xmlns:mc="http://schemas.openxmlformats.org/markup-compatibility/2006" xmlns:a14="http://schemas.microsoft.com/office/drawing/2010/main">
+        <mc:Choice Requires="a14">
           <p:sp>
             <p:nvSpPr>
               <p:cNvPr id="19" name="文本框 18">
@@ -18866,11 +18854,7 @@
                 </a:r>
                 <a:r>
                   <a:rPr lang="zh-CN" altLang="en-US" sz="2000" b="1" dirty="0" smtClean="0"/>
-                  <a:t>关系抽取任务</a:t>
-                </a:r>
-                <a:r>
-                  <a:rPr lang="zh-CN" altLang="en-US" sz="2000" b="1" dirty="0" smtClean="0"/>
-                  <a:t>：</a:t>
+                  <a:t>关系抽取任务：</a:t>
                 </a:r>
                 <a:r>
                   <a:rPr lang="zh-CN" altLang="en-US" sz="2000" dirty="0" smtClean="0"/>
@@ -19087,7 +19071,7 @@
                     <m:d>
                       <m:dPr>
                         <m:ctrlPr>
-                          <a:rPr lang="en-US" altLang="zh-CN" sz="2000">
+                          <a:rPr lang="en-US" altLang="zh-CN" sz="2000" i="1">
                             <a:latin typeface="Cambria Math" panose="02040503050406030204" pitchFamily="18" charset="0"/>
                           </a:rPr>
                         </m:ctrlPr>
@@ -19172,7 +19156,7 @@
             </p:txBody>
           </p:sp>
         </mc:Choice>
-        <mc:Fallback>
+        <mc:Fallback xmlns="">
           <p:sp>
             <p:nvSpPr>
               <p:cNvPr id="19" name="文本框 18">
@@ -19302,11 +19286,7 @@
                 </a:r>
                 <a:r>
                   <a:rPr sz="2000" dirty="0" smtClean="0"/>
-                  <a:t>: </a:t>
-                </a:r>
-                <a:r>
-                  <a:rPr sz="2000" dirty="0" smtClean="0"/>
-                  <a:t>“</a:t>
+                  <a:t>: “</a:t>
                 </a:r>
                 <a:r>
                   <a:rPr lang="zh-CN" altLang="en-US" sz="2000" dirty="0" smtClean="0"/>
@@ -20218,11 +20198,6 @@
               </a:rPr>
               <a:t>苹果</a:t>
             </a:r>
-            <a:endParaRPr lang="zh-CN" altLang="en-US" sz="1200" dirty="0">
-              <a:solidFill>
-                <a:schemeClr val="tx1"/>
-              </a:solidFill>
-            </a:endParaRPr>
           </a:p>
         </p:txBody>
       </p:sp>
@@ -20368,8 +20343,8 @@
           </a:p>
         </p:txBody>
       </p:sp>
-      <mc:AlternateContent xmlns:mc="http://schemas.openxmlformats.org/markup-compatibility/2006">
-        <mc:Choice xmlns:a14="http://schemas.microsoft.com/office/drawing/2010/main" Requires="a14">
+      <mc:AlternateContent xmlns:mc="http://schemas.openxmlformats.org/markup-compatibility/2006" xmlns:a14="http://schemas.microsoft.com/office/drawing/2010/main">
+        <mc:Choice Requires="a14">
           <p:sp>
             <p:nvSpPr>
               <p:cNvPr id="10" name="矩形 9"/>
@@ -20431,7 +20406,7 @@
             </p:txBody>
           </p:sp>
         </mc:Choice>
-        <mc:Fallback>
+        <mc:Fallback xmlns="">
           <p:sp>
             <p:nvSpPr>
               <p:cNvPr id="10" name="矩形 9"/>
@@ -20929,15 +20904,7 @@
                     <a:srgbClr val="FF0000"/>
                   </a:solidFill>
                 </a:rPr>
-                <a:t>BERT+</a:t>
-              </a:r>
-              <a:r>
-                <a:rPr lang="en-US" altLang="zh-CN" sz="2000" b="1" dirty="0" smtClean="0">
-                  <a:solidFill>
-                    <a:srgbClr val="FF0000"/>
-                  </a:solidFill>
-                </a:rPr>
-                <a:t>PCNN</a:t>
+                <a:t>BERT+PCNN</a:t>
               </a:r>
               <a:r>
                 <a:rPr lang="zh-CN" altLang="en-US" sz="2000" b="1" dirty="0" smtClean="0">
@@ -21715,7 +21682,7 @@
       </p:cxnSp>
       <p:pic>
         <p:nvPicPr>
-          <p:cNvPr id="7" name="图片 6"/>
+          <p:cNvPr id="2" name="图片 1"/>
           <p:cNvPicPr>
             <a:picLocks noChangeAspect="1"/>
           </p:cNvPicPr>
@@ -21729,8 +21696,8 @@
         </p:blipFill>
         <p:spPr>
           <a:xfrm>
-            <a:off x="5918501" y="1645809"/>
-            <a:ext cx="6047840" cy="4221591"/>
+            <a:off x="5953275" y="1561787"/>
+            <a:ext cx="5861859" cy="4282023"/>
           </a:xfrm>
           <a:prstGeom prst="rect">
             <a:avLst/>
@@ -21927,94 +21894,439 @@
         </p:nvGrpSpPr>
         <p:grpSpPr>
           <a:xfrm>
-            <a:off x="30480" y="1265794"/>
+            <a:off x="221866" y="1302989"/>
             <a:ext cx="6065520" cy="5295393"/>
             <a:chOff x="362160" y="1013823"/>
             <a:chExt cx="6065520" cy="5295393"/>
           </a:xfrm>
         </p:grpSpPr>
-        <p:sp>
-          <p:nvSpPr>
-            <p:cNvPr id="3" name="文本框 2">
-              <a:extLst>
-                <a:ext uri="{FF2B5EF4-FFF2-40B4-BE49-F238E27FC236}">
-                  <a16:creationId xmlns:a16="http://schemas.microsoft.com/office/drawing/2014/main" id="{31398BD1-D8A9-40EA-8968-813F0398289B}"/>
-                </a:ext>
-              </a:extLst>
-            </p:cNvPr>
-            <p:cNvSpPr txBox="1"/>
-            <p:nvPr/>
-          </p:nvSpPr>
-          <p:spPr>
-            <a:xfrm>
-              <a:off x="362160" y="1013823"/>
-              <a:ext cx="6065520" cy="707886"/>
-            </a:xfrm>
-            <a:prstGeom prst="rect">
-              <a:avLst/>
-            </a:prstGeom>
-            <a:noFill/>
-          </p:spPr>
-          <p:txBody>
-            <a:bodyPr wrap="square" rtlCol="0">
-              <a:spAutoFit/>
-            </a:bodyPr>
-            <a:lstStyle/>
-            <a:p>
-              <a:r>
-                <a:rPr lang="en-US" altLang="zh-CN" sz="2000" dirty="0">
-                  <a:solidFill>
-                    <a:schemeClr val="tx1">
-                      <a:lumMod val="75000"/>
-                      <a:lumOff val="25000"/>
-                    </a:schemeClr>
-                  </a:solidFill>
-                  <a:latin typeface="微软雅黑" panose="020B0503020204020204" pitchFamily="34" charset="-122"/>
-                  <a:ea typeface="微软雅黑" panose="020B0503020204020204" pitchFamily="34" charset="-122"/>
-                </a:rPr>
-                <a:t>1</a:t>
-              </a:r>
-              <a:r>
-                <a:rPr lang="zh-CN" altLang="en-US" sz="2000" dirty="0">
-                  <a:solidFill>
-                    <a:schemeClr val="tx1">
-                      <a:lumMod val="75000"/>
-                      <a:lumOff val="25000"/>
-                    </a:schemeClr>
-                  </a:solidFill>
-                  <a:latin typeface="微软雅黑" panose="020B0503020204020204" pitchFamily="34" charset="-122"/>
-                  <a:ea typeface="微软雅黑" panose="020B0503020204020204" pitchFamily="34" charset="-122"/>
-                </a:rPr>
-                <a:t>、</a:t>
-              </a:r>
-              <a:r>
-                <a:rPr lang="zh-CN" altLang="en-US" sz="2000" dirty="0"/>
-                <a:t>基于</a:t>
-              </a:r>
-              <a:r>
-                <a:rPr lang="en-US" altLang="zh-CN" sz="2000" dirty="0"/>
-                <a:t>BERT</a:t>
-              </a:r>
-              <a:r>
-                <a:rPr lang="zh-CN" altLang="en-US" sz="2000" dirty="0"/>
-                <a:t>的编码层</a:t>
-              </a:r>
-              <a:endParaRPr lang="en-US" altLang="zh-CN" sz="2000" dirty="0"/>
-            </a:p>
-            <a:p>
-              <a:endParaRPr lang="zh-CN" altLang="en-US" sz="2000" dirty="0">
-                <a:solidFill>
-                  <a:schemeClr val="tx1">
-                    <a:lumMod val="75000"/>
-                    <a:lumOff val="25000"/>
-                  </a:schemeClr>
-                </a:solidFill>
-                <a:latin typeface="微软雅黑" panose="020B0503020204020204" pitchFamily="34" charset="-122"/>
-                <a:ea typeface="微软雅黑" panose="020B0503020204020204" pitchFamily="34" charset="-122"/>
-              </a:endParaRPr>
-            </a:p>
-          </p:txBody>
-        </p:sp>
+        <mc:AlternateContent xmlns:mc="http://schemas.openxmlformats.org/markup-compatibility/2006">
+          <mc:Choice xmlns:a14="http://schemas.microsoft.com/office/drawing/2010/main" Requires="a14">
+            <p:sp>
+              <p:nvSpPr>
+                <p:cNvPr id="3" name="文本框 2">
+                  <a:extLst>
+                    <a:ext uri="{FF2B5EF4-FFF2-40B4-BE49-F238E27FC236}">
+                      <a16:creationId xmlns:a16="http://schemas.microsoft.com/office/drawing/2014/main" id="{31398BD1-D8A9-40EA-8968-813F0398289B}"/>
+                    </a:ext>
+                  </a:extLst>
+                </p:cNvPr>
+                <p:cNvSpPr txBox="1"/>
+                <p:nvPr/>
+              </p:nvSpPr>
+              <p:spPr>
+                <a:xfrm>
+                  <a:off x="362160" y="1013823"/>
+                  <a:ext cx="6065520" cy="1262205"/>
+                </a:xfrm>
+                <a:prstGeom prst="rect">
+                  <a:avLst/>
+                </a:prstGeom>
+                <a:noFill/>
+              </p:spPr>
+              <p:txBody>
+                <a:bodyPr wrap="square" rtlCol="0">
+                  <a:spAutoFit/>
+                </a:bodyPr>
+                <a:lstStyle/>
+                <a:p>
+                  <a:r>
+                    <a:rPr lang="en-US" altLang="zh-CN" sz="2000" dirty="0">
+                      <a:solidFill>
+                        <a:schemeClr val="tx1">
+                          <a:lumMod val="75000"/>
+                          <a:lumOff val="25000"/>
+                        </a:schemeClr>
+                      </a:solidFill>
+                      <a:latin typeface="微软雅黑" panose="020B0503020204020204" pitchFamily="34" charset="-122"/>
+                      <a:ea typeface="微软雅黑" panose="020B0503020204020204" pitchFamily="34" charset="-122"/>
+                    </a:rPr>
+                    <a:t>1</a:t>
+                  </a:r>
+                  <a:r>
+                    <a:rPr lang="zh-CN" altLang="en-US" sz="2000" dirty="0">
+                      <a:solidFill>
+                        <a:schemeClr val="tx1">
+                          <a:lumMod val="75000"/>
+                          <a:lumOff val="25000"/>
+                        </a:schemeClr>
+                      </a:solidFill>
+                      <a:latin typeface="微软雅黑" panose="020B0503020204020204" pitchFamily="34" charset="-122"/>
+                      <a:ea typeface="微软雅黑" panose="020B0503020204020204" pitchFamily="34" charset="-122"/>
+                    </a:rPr>
+                    <a:t>、</a:t>
+                  </a:r>
+                  <a:r>
+                    <a:rPr lang="zh-CN" altLang="en-US" sz="2000" dirty="0"/>
+                    <a:t>基于</a:t>
+                  </a:r>
+                  <a:r>
+                    <a:rPr lang="en-US" altLang="zh-CN" sz="2000" dirty="0"/>
+                    <a:t>BERT</a:t>
+                  </a:r>
+                  <a:r>
+                    <a:rPr lang="zh-CN" altLang="en-US" sz="2000" dirty="0"/>
+                    <a:t>的编码</a:t>
+                  </a:r>
+                  <a:r>
+                    <a:rPr lang="zh-CN" altLang="en-US" sz="2000" dirty="0" smtClean="0"/>
+                    <a:t>层</a:t>
+                  </a:r>
+                  <a:endParaRPr lang="en-US" altLang="zh-CN" sz="2000" dirty="0" smtClean="0"/>
+                </a:p>
+                <a:p>
+                  <a:r>
+                    <a:rPr lang="en-US" altLang="zh-CN" dirty="0" smtClean="0"/>
+                    <a:t>      BERT</a:t>
+                  </a:r>
+                  <a:r>
+                    <a:rPr lang="zh-CN" altLang="zh-CN" dirty="0" smtClean="0"/>
+                    <a:t>模型</a:t>
+                  </a:r>
+                  <a:r>
+                    <a:rPr lang="zh-CN" altLang="en-US" dirty="0" smtClean="0"/>
+                    <a:t>是一种双向</a:t>
+                  </a:r>
+                  <a:r>
+                    <a:rPr lang="en-US" altLang="zh-CN" dirty="0" smtClean="0"/>
+                    <a:t>Transformer</a:t>
+                  </a:r>
+                  <a:r>
+                    <a:rPr lang="zh-CN" altLang="en-US" dirty="0" smtClean="0"/>
+                    <a:t>模型，</a:t>
+                  </a:r>
+                  <a:r>
+                    <a:rPr lang="zh-CN" altLang="zh-CN" dirty="0" smtClean="0"/>
+                    <a:t>采用</a:t>
+                  </a:r>
+                  <a:r>
+                    <a:rPr lang="zh-CN" altLang="zh-CN" dirty="0"/>
+                    <a:t>多头注意力</a:t>
+                  </a:r>
+                  <a:r>
+                    <a:rPr lang="zh-CN" altLang="zh-CN" dirty="0" smtClean="0"/>
+                    <a:t>机制。</a:t>
+                  </a:r>
+                  <a:r>
+                    <a:rPr lang="zh-CN" altLang="zh-CN" dirty="0"/>
+                    <a:t>对于每个头</a:t>
+                  </a:r>
+                  <a14:m>
+                    <m:oMath xmlns:m="http://schemas.openxmlformats.org/officeDocument/2006/math">
+                      <m:sSub>
+                        <m:sSubPr>
+                          <m:ctrlPr>
+                            <a:rPr lang="zh-CN" altLang="zh-CN" i="1"/>
+                          </m:ctrlPr>
+                        </m:sSubPr>
+                        <m:e>
+                          <m:r>
+                            <a:rPr lang="en-US" altLang="zh-CN" i="1"/>
+                            <m:t>h𝑒𝑎𝑑</m:t>
+                          </m:r>
+                        </m:e>
+                        <m:sub>
+                          <m:r>
+                            <a:rPr lang="en-US" altLang="zh-CN" i="1"/>
+                            <m:t>𝑖</m:t>
+                          </m:r>
+                        </m:sub>
+                      </m:sSub>
+                    </m:oMath>
+                  </a14:m>
+                  <a:r>
+                    <a:rPr lang="en-US" altLang="zh-CN" dirty="0"/>
+                    <a:t>, </a:t>
+                  </a:r>
+                  <a:r>
+                    <a:rPr lang="zh-CN" altLang="zh-CN" dirty="0"/>
+                    <a:t>首先由输入向量</a:t>
+                  </a:r>
+                  <a14:m>
+                    <m:oMath xmlns:m="http://schemas.openxmlformats.org/officeDocument/2006/math">
+                      <m:sSub>
+                        <m:sSubPr>
+                          <m:ctrlPr>
+                            <a:rPr lang="zh-CN" altLang="zh-CN" i="1"/>
+                          </m:ctrlPr>
+                        </m:sSubPr>
+                        <m:e>
+                          <m:r>
+                            <a:rPr lang="en-US" altLang="zh-CN" i="1"/>
+                            <m:t>𝑋</m:t>
+                          </m:r>
+                        </m:e>
+                        <m:sub>
+                          <m:r>
+                            <a:rPr lang="en-US" altLang="zh-CN" i="1"/>
+                            <m:t>𝑖</m:t>
+                          </m:r>
+                        </m:sub>
+                      </m:sSub>
+                    </m:oMath>
+                  </a14:m>
+                  <a:r>
+                    <a:rPr lang="zh-CN" altLang="zh-CN" dirty="0"/>
+                    <a:t>分别点乘</a:t>
+                  </a:r>
+                  <a14:m>
+                    <m:oMath xmlns:m="http://schemas.openxmlformats.org/officeDocument/2006/math">
+                      <m:sSubSup>
+                        <m:sSubSupPr>
+                          <m:ctrlPr>
+                            <a:rPr lang="zh-CN" altLang="zh-CN" i="1"/>
+                          </m:ctrlPr>
+                        </m:sSubSupPr>
+                        <m:e>
+                          <m:r>
+                            <a:rPr lang="en-US" altLang="zh-CN" i="1"/>
+                            <m:t>𝑊</m:t>
+                          </m:r>
+                        </m:e>
+                        <m:sub>
+                          <m:r>
+                            <a:rPr lang="en-US" altLang="zh-CN" i="1"/>
+                            <m:t>𝑖</m:t>
+                          </m:r>
+                        </m:sub>
+                        <m:sup>
+                          <m:r>
+                            <a:rPr lang="en-US" altLang="zh-CN" i="1"/>
+                            <m:t>𝑞</m:t>
+                          </m:r>
+                        </m:sup>
+                      </m:sSubSup>
+                    </m:oMath>
+                  </a14:m>
+                  <a:r>
+                    <a:rPr lang="zh-CN" altLang="zh-CN" dirty="0"/>
+                    <a:t>，</a:t>
+                  </a:r>
+                  <a14:m>
+                    <m:oMath xmlns:m="http://schemas.openxmlformats.org/officeDocument/2006/math">
+                      <m:sSubSup>
+                        <m:sSubSupPr>
+                          <m:ctrlPr>
+                            <a:rPr lang="zh-CN" altLang="zh-CN" i="1"/>
+                          </m:ctrlPr>
+                        </m:sSubSupPr>
+                        <m:e>
+                          <m:sSup>
+                            <m:sSupPr>
+                              <m:ctrlPr>
+                                <a:rPr lang="zh-CN" altLang="zh-CN" i="1"/>
+                              </m:ctrlPr>
+                            </m:sSupPr>
+                            <m:e>
+                              <m:r>
+                                <a:rPr lang="en-US" altLang="zh-CN" i="1"/>
+                                <m:t>𝑊</m:t>
+                              </m:r>
+                            </m:e>
+                            <m:sup>
+                              <m:r>
+                                <a:rPr lang="en-US" altLang="zh-CN" i="1"/>
+                                <m:t> </m:t>
+                              </m:r>
+                            </m:sup>
+                          </m:sSup>
+                        </m:e>
+                        <m:sub>
+                          <m:r>
+                            <a:rPr lang="en-US" altLang="zh-CN" i="1"/>
+                            <m:t>𝑖</m:t>
+                          </m:r>
+                        </m:sub>
+                        <m:sup>
+                          <m:r>
+                            <a:rPr lang="en-US" altLang="zh-CN" i="1"/>
+                            <m:t>𝑘</m:t>
+                          </m:r>
+                        </m:sup>
+                      </m:sSubSup>
+                    </m:oMath>
+                  </a14:m>
+                  <a:r>
+                    <a:rPr lang="zh-CN" altLang="zh-CN" dirty="0"/>
+                    <a:t>，</a:t>
+                  </a:r>
+                  <a14:m>
+                    <m:oMath xmlns:m="http://schemas.openxmlformats.org/officeDocument/2006/math">
+                      <m:sSubSup>
+                        <m:sSubSupPr>
+                          <m:ctrlPr>
+                            <a:rPr lang="zh-CN" altLang="zh-CN" i="1"/>
+                          </m:ctrlPr>
+                        </m:sSubSupPr>
+                        <m:e>
+                          <m:r>
+                            <a:rPr lang="en-US" altLang="zh-CN" i="1"/>
+                            <m:t>𝑊</m:t>
+                          </m:r>
+                        </m:e>
+                        <m:sub>
+                          <m:r>
+                            <a:rPr lang="en-US" altLang="zh-CN" i="1"/>
+                            <m:t>𝑖</m:t>
+                          </m:r>
+                        </m:sub>
+                        <m:sup>
+                          <m:r>
+                            <a:rPr lang="en-US" altLang="zh-CN" i="1"/>
+                            <m:t>𝑣</m:t>
+                          </m:r>
+                        </m:sup>
+                      </m:sSubSup>
+                    </m:oMath>
+                  </a14:m>
+                  <a:r>
+                    <a:rPr lang="zh-CN" altLang="zh-CN" dirty="0"/>
+                    <a:t>形成三个向量</a:t>
+                  </a:r>
+                  <a14:m>
+                    <m:oMath xmlns:m="http://schemas.openxmlformats.org/officeDocument/2006/math">
+                      <m:sSub>
+                        <m:sSubPr>
+                          <m:ctrlPr>
+                            <a:rPr lang="zh-CN" altLang="zh-CN" i="1"/>
+                          </m:ctrlPr>
+                        </m:sSubPr>
+                        <m:e>
+                          <m:r>
+                            <a:rPr lang="en-US" altLang="zh-CN" i="1"/>
+                            <m:t>𝑄</m:t>
+                          </m:r>
+                        </m:e>
+                        <m:sub>
+                          <m:r>
+                            <a:rPr lang="en-US" altLang="zh-CN" i="1"/>
+                            <m:t>𝑖</m:t>
+                          </m:r>
+                        </m:sub>
+                      </m:sSub>
+                      <m:r>
+                        <a:rPr lang="en-US" altLang="zh-CN"/>
+                        <m:t> </m:t>
+                      </m:r>
+                    </m:oMath>
+                  </a14:m>
+                  <a:r>
+                    <a:rPr lang="zh-CN" altLang="zh-CN" dirty="0"/>
+                    <a:t>，</a:t>
+                  </a:r>
+                  <a14:m>
+                    <m:oMath xmlns:m="http://schemas.openxmlformats.org/officeDocument/2006/math">
+                      <m:sSub>
+                        <m:sSubPr>
+                          <m:ctrlPr>
+                            <a:rPr lang="zh-CN" altLang="zh-CN" i="1"/>
+                          </m:ctrlPr>
+                        </m:sSubPr>
+                        <m:e>
+                          <m:r>
+                            <a:rPr lang="en-US" altLang="zh-CN" i="1"/>
+                            <m:t>𝐾</m:t>
+                          </m:r>
+                        </m:e>
+                        <m:sub>
+                          <m:r>
+                            <a:rPr lang="en-US" altLang="zh-CN" i="1"/>
+                            <m:t>𝑖</m:t>
+                          </m:r>
+                        </m:sub>
+                      </m:sSub>
+                    </m:oMath>
+                  </a14:m>
+                  <a:r>
+                    <a:rPr lang="zh-CN" altLang="zh-CN" dirty="0"/>
+                    <a:t>，</a:t>
+                  </a:r>
+                  <a14:m>
+                    <m:oMath xmlns:m="http://schemas.openxmlformats.org/officeDocument/2006/math">
+                      <m:sSub>
+                        <m:sSubPr>
+                          <m:ctrlPr>
+                            <a:rPr lang="zh-CN" altLang="zh-CN" i="1"/>
+                          </m:ctrlPr>
+                        </m:sSubPr>
+                        <m:e>
+                          <m:r>
+                            <a:rPr lang="en-US" altLang="zh-CN" i="1"/>
+                            <m:t>𝑉</m:t>
+                          </m:r>
+                        </m:e>
+                        <m:sub>
+                          <m:r>
+                            <a:rPr lang="en-US" altLang="zh-CN" i="1"/>
+                            <m:t>𝑖</m:t>
+                          </m:r>
+                        </m:sub>
+                      </m:sSub>
+                    </m:oMath>
+                  </a14:m>
+                  <a:r>
+                    <a:rPr lang="zh-CN" altLang="zh-CN" dirty="0"/>
+                    <a:t>，</a:t>
+                  </a:r>
+                  <a:endParaRPr lang="zh-CN" altLang="en-US" sz="2000" dirty="0">
+                    <a:solidFill>
+                      <a:schemeClr val="tx1">
+                        <a:lumMod val="75000"/>
+                        <a:lumOff val="25000"/>
+                      </a:schemeClr>
+                    </a:solidFill>
+                    <a:latin typeface="微软雅黑" panose="020B0503020204020204" pitchFamily="34" charset="-122"/>
+                    <a:ea typeface="微软雅黑" panose="020B0503020204020204" pitchFamily="34" charset="-122"/>
+                  </a:endParaRPr>
+                </a:p>
+              </p:txBody>
+            </p:sp>
+          </mc:Choice>
+          <mc:Fallback>
+            <p:sp>
+              <p:nvSpPr>
+                <p:cNvPr id="3" name="文本框 2">
+                  <a:extLst>
+                    <a:ext uri="{FF2B5EF4-FFF2-40B4-BE49-F238E27FC236}">
+                      <a16:creationId xmlns:a16="http://schemas.microsoft.com/office/drawing/2014/main" id="{31398BD1-D8A9-40EA-8968-813F0398289B}"/>
+                    </a:ext>
+                  </a:extLst>
+                </p:cNvPr>
+                <p:cNvSpPr txBox="1">
+                  <a:spLocks noRot="1" noChangeAspect="1" noMove="1" noResize="1" noEditPoints="1" noAdjustHandles="1" noChangeArrowheads="1" noChangeShapeType="1" noTextEdit="1"/>
+                </p:cNvSpPr>
+                <p:nvPr/>
+              </p:nvSpPr>
+              <p:spPr>
+                <a:xfrm>
+                  <a:off x="362160" y="1013823"/>
+                  <a:ext cx="6065520" cy="1262205"/>
+                </a:xfrm>
+                <a:prstGeom prst="rect">
+                  <a:avLst/>
+                </a:prstGeom>
+                <a:blipFill>
+                  <a:blip r:embed="rId3"/>
+                  <a:stretch>
+                    <a:fillRect l="-1005" t="-2899" b="-5797"/>
+                  </a:stretch>
+                </a:blipFill>
+              </p:spPr>
+              <p:txBody>
+                <a:bodyPr/>
+                <a:lstStyle/>
+                <a:p>
+                  <a:r>
+                    <a:rPr lang="zh-CN" altLang="en-US">
+                      <a:noFill/>
+                    </a:rPr>
+                    <a:t> </a:t>
+                  </a:r>
+                </a:p>
+              </p:txBody>
+            </p:sp>
+          </mc:Fallback>
+        </mc:AlternateContent>
         <p:grpSp>
           <p:nvGrpSpPr>
             <p:cNvPr id="2" name="组合 1">
@@ -22029,87 +22341,14 @@
           </p:nvGrpSpPr>
           <p:grpSpPr>
             <a:xfrm>
-              <a:off x="426771" y="1470747"/>
-              <a:ext cx="5161706" cy="4838469"/>
-              <a:chOff x="426771" y="1470747"/>
-              <a:chExt cx="5161706" cy="4838469"/>
+              <a:off x="535970" y="2309156"/>
+              <a:ext cx="5094074" cy="4000060"/>
+              <a:chOff x="535970" y="2309156"/>
+              <a:chExt cx="5094074" cy="4000060"/>
             </a:xfrm>
           </p:grpSpPr>
-          <p:sp>
-            <p:nvSpPr>
-              <p:cNvPr id="6" name="文本框 5">
-                <a:extLst>
-                  <a:ext uri="{FF2B5EF4-FFF2-40B4-BE49-F238E27FC236}">
-                    <a16:creationId xmlns:a16="http://schemas.microsoft.com/office/drawing/2014/main" id="{2E1EA9C2-2237-4DE1-858C-99222A040056}"/>
-                  </a:ext>
-                </a:extLst>
-              </p:cNvPr>
-              <p:cNvSpPr txBox="1"/>
-              <p:nvPr/>
-            </p:nvSpPr>
-            <p:spPr>
-              <a:xfrm>
-                <a:off x="426771" y="2341295"/>
-                <a:ext cx="5161706" cy="400110"/>
-              </a:xfrm>
-              <a:prstGeom prst="rect">
-                <a:avLst/>
-              </a:prstGeom>
-              <a:noFill/>
-            </p:spPr>
-            <p:txBody>
-              <a:bodyPr wrap="square" rtlCol="0">
-                <a:spAutoFit/>
-              </a:bodyPr>
-              <a:lstStyle/>
-              <a:p>
-                <a:r>
-                  <a:rPr lang="en-US" altLang="zh-CN" sz="2000" dirty="0">
-                    <a:solidFill>
-                      <a:schemeClr val="tx1">
-                        <a:lumMod val="75000"/>
-                        <a:lumOff val="25000"/>
-                      </a:schemeClr>
-                    </a:solidFill>
-                    <a:latin typeface="微软雅黑" panose="020B0503020204020204" pitchFamily="34" charset="-122"/>
-                    <a:ea typeface="微软雅黑" panose="020B0503020204020204" pitchFamily="34" charset="-122"/>
-                  </a:rPr>
-                  <a:t>2</a:t>
-                </a:r>
-                <a:r>
-                  <a:rPr lang="zh-CN" altLang="en-US" sz="2000" dirty="0">
-                    <a:solidFill>
-                      <a:schemeClr val="tx1">
-                        <a:lumMod val="75000"/>
-                        <a:lumOff val="25000"/>
-                      </a:schemeClr>
-                    </a:solidFill>
-                    <a:latin typeface="微软雅黑" panose="020B0503020204020204" pitchFamily="34" charset="-122"/>
-                    <a:ea typeface="微软雅黑" panose="020B0503020204020204" pitchFamily="34" charset="-122"/>
-                  </a:rPr>
-                  <a:t>、</a:t>
-                </a:r>
-                <a:r>
-                  <a:rPr lang="zh-CN" altLang="en-US" sz="2000" dirty="0" smtClean="0"/>
-                  <a:t>基于</a:t>
-                </a:r>
-                <a:r>
-                  <a:rPr lang="en-US" altLang="zh-CN" sz="2000" dirty="0" smtClean="0"/>
-                  <a:t>PCNN</a:t>
-                </a:r>
-                <a:r>
-                  <a:rPr lang="zh-CN" altLang="en-US" sz="2000" dirty="0" smtClean="0"/>
-                  <a:t>网络的句子向量</a:t>
-                </a:r>
-                <a:r>
-                  <a:rPr lang="zh-CN" altLang="en-US" sz="2000" dirty="0"/>
-                  <a:t>表示</a:t>
-                </a:r>
-              </a:p>
-            </p:txBody>
-          </p:sp>
-          <mc:AlternateContent xmlns:mc="http://schemas.openxmlformats.org/markup-compatibility/2006" xmlns:a14="http://schemas.microsoft.com/office/drawing/2010/main">
-            <mc:Choice Requires="a14">
+          <mc:AlternateContent xmlns:mc="http://schemas.openxmlformats.org/markup-compatibility/2006">
+            <mc:Choice xmlns:a14="http://schemas.microsoft.com/office/drawing/2010/main" Requires="a14">
               <p:sp>
                 <p:nvSpPr>
                   <p:cNvPr id="4" name="矩形 3">
@@ -22124,7 +22363,7 @@
                 </p:nvSpPr>
                 <p:spPr>
                   <a:xfrm>
-                    <a:off x="596289" y="1470747"/>
+                    <a:off x="535970" y="3170040"/>
                     <a:ext cx="4969437" cy="369332"/>
                   </a:xfrm>
                   <a:prstGeom prst="rect">
@@ -22285,7 +22524,7 @@
                 </p:txBody>
               </p:sp>
             </mc:Choice>
-            <mc:Fallback xmlns="">
+            <mc:Fallback>
               <p:sp>
                 <p:nvSpPr>
                   <p:cNvPr id="4" name="矩形 3">
@@ -22302,16 +22541,16 @@
                 </p:nvSpPr>
                 <p:spPr>
                   <a:xfrm>
-                    <a:off x="596289" y="1470747"/>
+                    <a:off x="535970" y="3170040"/>
                     <a:ext cx="4969437" cy="369332"/>
                   </a:xfrm>
                   <a:prstGeom prst="rect">
                     <a:avLst/>
                   </a:prstGeom>
                   <a:blipFill>
-                    <a:blip r:embed="rId5"/>
+                    <a:blip r:embed="rId4"/>
                     <a:stretch>
-                      <a:fillRect t="-120000" r="-9693" b="-190000"/>
+                      <a:fillRect t="-118033" r="-9693" b="-185246"/>
                     </a:stretch>
                   </a:blipFill>
                 </p:spPr>
@@ -22330,8 +22569,8 @@
               </p:sp>
             </mc:Fallback>
           </mc:AlternateContent>
-          <mc:AlternateContent xmlns:mc="http://schemas.openxmlformats.org/markup-compatibility/2006" xmlns:a14="http://schemas.microsoft.com/office/drawing/2010/main">
-            <mc:Choice Requires="a14">
+          <mc:AlternateContent xmlns:mc="http://schemas.openxmlformats.org/markup-compatibility/2006">
+            <mc:Choice xmlns:a14="http://schemas.microsoft.com/office/drawing/2010/main" Requires="a14">
               <p:sp>
                 <p:nvSpPr>
                   <p:cNvPr id="9" name="矩形 8">
@@ -22346,8 +22585,8 @@
                 </p:nvSpPr>
                 <p:spPr>
                   <a:xfrm>
-                    <a:off x="652661" y="1917431"/>
-                    <a:ext cx="3115276" cy="369332"/>
+                    <a:off x="613863" y="2309156"/>
+                    <a:ext cx="5016181" cy="606320"/>
                   </a:xfrm>
                   <a:prstGeom prst="rect">
                     <a:avLst/>
@@ -22516,7 +22755,144 @@
                       </m:oMath>
                     </a14:m>
                     <a:r>
-                      <a:rPr lang="en-US" altLang="zh-CN" i="1" kern="100" dirty="0">
+                      <a:rPr lang="en-US" altLang="zh-CN" i="1" kern="100" dirty="0" smtClean="0">
+                        <a:latin typeface="Cambria Math" panose="02040503050406030204" pitchFamily="18" charset="0"/>
+                        <a:ea typeface="宋体" panose="02010600030101010101" pitchFamily="2" charset="-122"/>
+                        <a:cs typeface="Times New Roman" panose="02020603050405020304" pitchFamily="18" charset="0"/>
+                      </a:rPr>
+                      <a:t>=</a:t>
+                    </a:r>
+                    <a14:m>
+                      <m:oMath xmlns:m="http://schemas.openxmlformats.org/officeDocument/2006/math">
+                        <m:r>
+                          <a:rPr lang="en-US" altLang="zh-CN" i="1"/>
+                          <m:t>𝑠𝑜𝑓𝑡𝑚𝑎𝑥</m:t>
+                        </m:r>
+                        <m:r>
+                          <a:rPr lang="en-US" altLang="zh-CN"/>
+                          <m:t>(</m:t>
+                        </m:r>
+                        <m:f>
+                          <m:fPr>
+                            <m:ctrlPr>
+                              <a:rPr lang="zh-CN" altLang="zh-CN" i="1"/>
+                            </m:ctrlPr>
+                          </m:fPr>
+                          <m:num>
+                            <m:sSup>
+                              <m:sSupPr>
+                                <m:ctrlPr>
+                                  <a:rPr lang="zh-CN" altLang="zh-CN" i="1"/>
+                                </m:ctrlPr>
+                              </m:sSupPr>
+                              <m:e>
+                                <m:sSub>
+                                  <m:sSubPr>
+                                    <m:ctrlPr>
+                                      <a:rPr lang="zh-CN" altLang="zh-CN" i="1"/>
+                                    </m:ctrlPr>
+                                  </m:sSubPr>
+                                  <m:e>
+                                    <m:r>
+                                      <a:rPr lang="en-US" altLang="zh-CN" i="1"/>
+                                      <m:t>𝑄</m:t>
+                                    </m:r>
+                                  </m:e>
+                                  <m:sub>
+                                    <m:r>
+                                      <a:rPr lang="en-US" altLang="zh-CN" i="1"/>
+                                      <m:t>𝑖</m:t>
+                                    </m:r>
+                                  </m:sub>
+                                </m:sSub>
+                                <m:sSub>
+                                  <m:sSubPr>
+                                    <m:ctrlPr>
+                                      <a:rPr lang="zh-CN" altLang="zh-CN" i="1"/>
+                                    </m:ctrlPr>
+                                  </m:sSubPr>
+                                  <m:e>
+                                    <m:r>
+                                      <a:rPr lang="en-US" altLang="zh-CN" i="1"/>
+                                      <m:t>𝐾</m:t>
+                                    </m:r>
+                                  </m:e>
+                                  <m:sub>
+                                    <m:r>
+                                      <a:rPr lang="en-US" altLang="zh-CN" i="1"/>
+                                      <m:t>𝑖</m:t>
+                                    </m:r>
+                                  </m:sub>
+                                </m:sSub>
+                              </m:e>
+                              <m:sup>
+                                <m:r>
+                                  <a:rPr lang="en-US" altLang="zh-CN" i="1"/>
+                                  <m:t>𝑇</m:t>
+                                </m:r>
+                              </m:sup>
+                            </m:sSup>
+                          </m:num>
+                          <m:den>
+                            <m:rad>
+                              <m:radPr>
+                                <m:degHide m:val="on"/>
+                                <m:ctrlPr>
+                                  <a:rPr lang="zh-CN" altLang="zh-CN" i="1"/>
+                                </m:ctrlPr>
+                              </m:radPr>
+                              <m:deg/>
+                              <m:e>
+                                <m:sSub>
+                                  <m:sSubPr>
+                                    <m:ctrlPr>
+                                      <a:rPr lang="zh-CN" altLang="zh-CN" i="1"/>
+                                    </m:ctrlPr>
+                                  </m:sSubPr>
+                                  <m:e>
+                                    <m:r>
+                                      <a:rPr lang="en-US" altLang="zh-CN" i="1"/>
+                                      <m:t>𝑑</m:t>
+                                    </m:r>
+                                  </m:e>
+                                  <m:sub>
+                                    <m:r>
+                                      <a:rPr lang="en-US" altLang="zh-CN" i="1"/>
+                                      <m:t>𝑘</m:t>
+                                    </m:r>
+                                  </m:sub>
+                                </m:sSub>
+                              </m:e>
+                            </m:rad>
+                          </m:den>
+                        </m:f>
+                        <m:r>
+                          <a:rPr lang="en-US" altLang="zh-CN"/>
+                          <m:t>)</m:t>
+                        </m:r>
+                        <m:sSub>
+                          <m:sSubPr>
+                            <m:ctrlPr>
+                              <a:rPr lang="zh-CN" altLang="zh-CN" i="1"/>
+                            </m:ctrlPr>
+                          </m:sSubPr>
+                          <m:e>
+                            <m:r>
+                              <a:rPr lang="en-US" altLang="zh-CN" i="1"/>
+                              <m:t>𝑉</m:t>
+                            </m:r>
+                          </m:e>
+                          <m:sub>
+                            <m:r>
+                              <a:rPr lang="en-US" altLang="zh-CN" i="1"/>
+                              <m:t>𝑖</m:t>
+                            </m:r>
+                          </m:sub>
+                        </m:sSub>
+                      </m:oMath>
+                    </a14:m>
+                    <a:r>
+                      <a:rPr lang="en-US" altLang="zh-CN" i="1" kern="100" dirty="0" smtClean="0">
                         <a:latin typeface="Cambria Math" panose="02040503050406030204" pitchFamily="18" charset="0"/>
                         <a:ea typeface="宋体" panose="02010600030101010101" pitchFamily="2" charset="-122"/>
                         <a:cs typeface="Times New Roman" panose="02020603050405020304" pitchFamily="18" charset="0"/>
@@ -22528,7 +22904,7 @@
                 </p:txBody>
               </p:sp>
             </mc:Choice>
-            <mc:Fallback xmlns="">
+            <mc:Fallback>
               <p:sp>
                 <p:nvSpPr>
                   <p:cNvPr id="9" name="矩形 8">
@@ -22545,320 +22921,14 @@
                 </p:nvSpPr>
                 <p:spPr>
                   <a:xfrm>
-                    <a:off x="652661" y="1917431"/>
-                    <a:ext cx="3115276" cy="369332"/>
+                    <a:off x="613863" y="2309156"/>
+                    <a:ext cx="5016181" cy="606320"/>
                   </a:xfrm>
                   <a:prstGeom prst="rect">
                     <a:avLst/>
                   </a:prstGeom>
                   <a:blipFill>
-                    <a:blip r:embed="rId6"/>
-                    <a:stretch>
-                      <a:fillRect t="-11475" b="-22951"/>
-                    </a:stretch>
-                  </a:blipFill>
-                </p:spPr>
-                <p:txBody>
-                  <a:bodyPr/>
-                  <a:lstStyle/>
-                  <a:p>
-                    <a:r>
-                      <a:rPr lang="zh-CN" altLang="en-US">
-                        <a:noFill/>
-                      </a:rPr>
-                      <a:t> </a:t>
-                    </a:r>
-                  </a:p>
-                </p:txBody>
-              </p:sp>
-            </mc:Fallback>
-          </mc:AlternateContent>
-          <mc:AlternateContent xmlns:mc="http://schemas.openxmlformats.org/markup-compatibility/2006" xmlns:a14="http://schemas.microsoft.com/office/drawing/2010/main">
-            <mc:Choice Requires="a14">
-              <p:sp>
-                <p:nvSpPr>
-                  <p:cNvPr id="11" name="矩形 10">
-                    <a:extLst>
-                      <a:ext uri="{FF2B5EF4-FFF2-40B4-BE49-F238E27FC236}">
-                        <a16:creationId xmlns:a16="http://schemas.microsoft.com/office/drawing/2014/main" id="{6ABC7EC0-A810-43BC-A0A9-74472F9AFE9F}"/>
-                      </a:ext>
-                    </a:extLst>
-                  </p:cNvPr>
-                  <p:cNvSpPr/>
-                  <p:nvPr/>
-                </p:nvSpPr>
-                <p:spPr>
-                  <a:xfrm>
-                    <a:off x="652661" y="2623777"/>
-                    <a:ext cx="3156057" cy="853888"/>
-                  </a:xfrm>
-                  <a:prstGeom prst="rect">
-                    <a:avLst/>
-                  </a:prstGeom>
-                </p:spPr>
-                <p:txBody>
-                  <a:bodyPr wrap="none">
-                    <a:spAutoFit/>
-                  </a:bodyPr>
-                  <a:lstStyle/>
-                  <a:p>
-                    <a:pPr/>
-                    <a14:m>
-                      <m:oMathPara xmlns:m="http://schemas.openxmlformats.org/officeDocument/2006/math">
-                        <m:oMathParaPr>
-                          <m:jc m:val="centerGroup"/>
-                        </m:oMathParaPr>
-                        <m:oMath xmlns:m="http://schemas.openxmlformats.org/officeDocument/2006/math">
-                          <m:sSubSup>
-                            <m:sSubSupPr>
-                              <m:ctrlPr>
-                                <a:rPr lang="zh-CN" altLang="zh-CN" i="1">
-                                  <a:latin typeface="Cambria Math" panose="02040503050406030204" pitchFamily="18" charset="0"/>
-                                </a:rPr>
-                              </m:ctrlPr>
-                            </m:sSubSupPr>
-                            <m:e>
-                              <m:r>
-                                <a:rPr lang="en-US" altLang="zh-CN" i="1">
-                                  <a:latin typeface="Cambria Math" panose="02040503050406030204" pitchFamily="18" charset="0"/>
-                                </a:rPr>
-                                <m:t>𝐴</m:t>
-                              </m:r>
-                            </m:e>
-                            <m:sub>
-                              <m:r>
-                                <a:rPr lang="en-US" altLang="zh-CN" i="1">
-                                  <a:latin typeface="Cambria Math" panose="02040503050406030204" pitchFamily="18" charset="0"/>
-                                </a:rPr>
-                                <m:t>𝑖</m:t>
-                              </m:r>
-                            </m:sub>
-                            <m:sup>
-                              <m:r>
-                                <a:rPr lang="en-US" altLang="zh-CN" i="1">
-                                  <a:latin typeface="Cambria Math" panose="02040503050406030204" pitchFamily="18" charset="0"/>
-                                </a:rPr>
-                                <m:t>′</m:t>
-                              </m:r>
-                            </m:sup>
-                          </m:sSubSup>
-                          <m:r>
-                            <a:rPr lang="en-US" altLang="zh-CN" i="1">
-                              <a:latin typeface="Cambria Math" panose="02040503050406030204" pitchFamily="18" charset="0"/>
-                            </a:rPr>
-                            <m:t>=</m:t>
-                          </m:r>
-                          <m:r>
-                            <a:rPr lang="en-US" altLang="zh-CN" i="1">
-                              <a:latin typeface="Cambria Math" panose="02040503050406030204" pitchFamily="18" charset="0"/>
-                            </a:rPr>
-                            <m:t>𝑠𝑜𝑓𝑡𝑚𝑎𝑥</m:t>
-                          </m:r>
-                          <m:r>
-                            <a:rPr lang="en-US" altLang="zh-CN" i="1">
-                              <a:latin typeface="Cambria Math" panose="02040503050406030204" pitchFamily="18" charset="0"/>
-                            </a:rPr>
-                            <m:t>(</m:t>
-                          </m:r>
-                          <m:f>
-                            <m:fPr>
-                              <m:ctrlPr>
-                                <a:rPr lang="zh-CN" altLang="zh-CN" i="1">
-                                  <a:latin typeface="Cambria Math" panose="02040503050406030204" pitchFamily="18" charset="0"/>
-                                </a:rPr>
-                              </m:ctrlPr>
-                            </m:fPr>
-                            <m:num>
-                              <m:r>
-                                <a:rPr lang="en-US" altLang="zh-CN" i="1">
-                                  <a:latin typeface="Cambria Math" panose="02040503050406030204" pitchFamily="18" charset="0"/>
-                                </a:rPr>
-                                <m:t>𝑀</m:t>
-                              </m:r>
-                              <m:r>
-                                <a:rPr lang="zh-CN" altLang="zh-CN" i="1">
-                                  <a:latin typeface="Cambria Math" panose="02040503050406030204" pitchFamily="18" charset="0"/>
-                                </a:rPr>
-                                <m:t>·</m:t>
-                              </m:r>
-                              <m:r>
-                                <a:rPr lang="en-US" altLang="zh-CN" i="1">
-                                  <a:latin typeface="Cambria Math" panose="02040503050406030204" pitchFamily="18" charset="0"/>
-                                </a:rPr>
-                                <m:t>(</m:t>
-                              </m:r>
-                              <m:sSubSup>
-                                <m:sSubSupPr>
-                                  <m:ctrlPr>
-                                    <a:rPr lang="zh-CN" altLang="zh-CN" i="1">
-                                      <a:latin typeface="Cambria Math" panose="02040503050406030204" pitchFamily="18" charset="0"/>
-                                    </a:rPr>
-                                  </m:ctrlPr>
-                                </m:sSubSupPr>
-                                <m:e>
-                                  <m:r>
-                                    <a:rPr lang="en-US" altLang="zh-CN" i="1">
-                                      <a:latin typeface="Cambria Math" panose="02040503050406030204" pitchFamily="18" charset="0"/>
-                                    </a:rPr>
-                                    <m:t>𝑄</m:t>
-                                  </m:r>
-                                </m:e>
-                                <m:sub>
-                                  <m:r>
-                                    <a:rPr lang="en-US" altLang="zh-CN" i="1">
-                                      <a:latin typeface="Cambria Math" panose="02040503050406030204" pitchFamily="18" charset="0"/>
-                                    </a:rPr>
-                                    <m:t>𝑖</m:t>
-                                  </m:r>
-                                </m:sub>
-                                <m:sup>
-                                  <m:r>
-                                    <a:rPr lang="en-US" altLang="zh-CN" i="1">
-                                      <a:latin typeface="Cambria Math" panose="02040503050406030204" pitchFamily="18" charset="0"/>
-                                    </a:rPr>
-                                    <m:t>′</m:t>
-                                  </m:r>
-                                </m:sup>
-                              </m:sSubSup>
-                              <m:sSup>
-                                <m:sSupPr>
-                                  <m:ctrlPr>
-                                    <a:rPr lang="zh-CN" altLang="zh-CN" i="1">
-                                      <a:latin typeface="Cambria Math" panose="02040503050406030204" pitchFamily="18" charset="0"/>
-                                    </a:rPr>
-                                  </m:ctrlPr>
-                                </m:sSupPr>
-                                <m:e>
-                                  <m:sSubSup>
-                                    <m:sSubSupPr>
-                                      <m:ctrlPr>
-                                        <a:rPr lang="zh-CN" altLang="zh-CN" i="1">
-                                          <a:latin typeface="Cambria Math" panose="02040503050406030204" pitchFamily="18" charset="0"/>
-                                        </a:rPr>
-                                      </m:ctrlPr>
-                                    </m:sSubSupPr>
-                                    <m:e>
-                                      <m:r>
-                                        <a:rPr lang="en-US" altLang="zh-CN" i="1">
-                                          <a:latin typeface="Cambria Math" panose="02040503050406030204" pitchFamily="18" charset="0"/>
-                                        </a:rPr>
-                                        <m:t>𝐾</m:t>
-                                      </m:r>
-                                    </m:e>
-                                    <m:sub>
-                                      <m:r>
-                                        <a:rPr lang="en-US" altLang="zh-CN" i="1">
-                                          <a:latin typeface="Cambria Math" panose="02040503050406030204" pitchFamily="18" charset="0"/>
-                                        </a:rPr>
-                                        <m:t>𝑖</m:t>
-                                      </m:r>
-                                    </m:sub>
-                                    <m:sup>
-                                      <m:r>
-                                        <a:rPr lang="en-US" altLang="zh-CN" i="1">
-                                          <a:latin typeface="Cambria Math" panose="02040503050406030204" pitchFamily="18" charset="0"/>
-                                        </a:rPr>
-                                        <m:t>′</m:t>
-                                      </m:r>
-                                    </m:sup>
-                                  </m:sSubSup>
-                                </m:e>
-                                <m:sup>
-                                  <m:r>
-                                    <a:rPr lang="en-US" altLang="zh-CN" i="1">
-                                      <a:latin typeface="Cambria Math" panose="02040503050406030204" pitchFamily="18" charset="0"/>
-                                    </a:rPr>
-                                    <m:t>𝑇</m:t>
-                                  </m:r>
-                                </m:sup>
-                              </m:sSup>
-                              <m:r>
-                                <a:rPr lang="en-US" altLang="zh-CN" i="1">
-                                  <a:latin typeface="Cambria Math" panose="02040503050406030204" pitchFamily="18" charset="0"/>
-                                </a:rPr>
-                                <m:t>)</m:t>
-                              </m:r>
-                            </m:num>
-                            <m:den>
-                              <m:rad>
-                                <m:radPr>
-                                  <m:degHide m:val="on"/>
-                                  <m:ctrlPr>
-                                    <a:rPr lang="zh-CN" altLang="zh-CN" i="1">
-                                      <a:latin typeface="Cambria Math" panose="02040503050406030204" pitchFamily="18" charset="0"/>
-                                    </a:rPr>
-                                  </m:ctrlPr>
-                                </m:radPr>
-                                <m:deg/>
-                                <m:e>
-                                  <m:sSub>
-                                    <m:sSubPr>
-                                      <m:ctrlPr>
-                                        <a:rPr lang="zh-CN" altLang="zh-CN" i="1">
-                                          <a:latin typeface="Cambria Math" panose="02040503050406030204" pitchFamily="18" charset="0"/>
-                                        </a:rPr>
-                                      </m:ctrlPr>
-                                    </m:sSubPr>
-                                    <m:e>
-                                      <m:r>
-                                        <a:rPr lang="en-US" altLang="zh-CN" i="1">
-                                          <a:latin typeface="Cambria Math" panose="02040503050406030204" pitchFamily="18" charset="0"/>
-                                        </a:rPr>
-                                        <m:t>𝑑</m:t>
-                                      </m:r>
-                                    </m:e>
-                                    <m:sub>
-                                      <m:r>
-                                        <a:rPr lang="en-US" altLang="zh-CN" i="1">
-                                          <a:latin typeface="Cambria Math" panose="02040503050406030204" pitchFamily="18" charset="0"/>
-                                        </a:rPr>
-                                        <m:t>𝑘</m:t>
-                                      </m:r>
-                                    </m:sub>
-                                  </m:sSub>
-                                </m:e>
-                              </m:rad>
-                            </m:den>
-                          </m:f>
-                          <m:r>
-                            <a:rPr lang="zh-CN" altLang="en-US" i="1">
-                              <a:latin typeface="Cambria Math" panose="02040503050406030204" pitchFamily="18" charset="0"/>
-                            </a:rPr>
-                            <m:t>）</m:t>
-                          </m:r>
-                        </m:oMath>
-                      </m:oMathPara>
-                    </a14:m>
-                    <a:endParaRPr lang="zh-CN" altLang="en-US" dirty="0"/>
-                  </a:p>
-                </p:txBody>
-              </p:sp>
-            </mc:Choice>
-            <mc:Fallback xmlns="">
-              <p:sp>
-                <p:nvSpPr>
-                  <p:cNvPr id="11" name="矩形 10">
-                    <a:extLst>
-                      <a:ext uri="{FF2B5EF4-FFF2-40B4-BE49-F238E27FC236}">
-                        <a16:creationId xmlns:a16="http://schemas.microsoft.com/office/drawing/2014/main" id="{6ABC7EC0-A810-43BC-A0A9-74472F9AFE9F}"/>
-                      </a:ext>
-                    </a:extLst>
-                  </p:cNvPr>
-                  <p:cNvSpPr>
-                    <a:spLocks noRot="1" noChangeAspect="1" noMove="1" noResize="1" noEditPoints="1" noAdjustHandles="1" noChangeArrowheads="1" noChangeShapeType="1" noTextEdit="1"/>
-                  </p:cNvSpPr>
-                  <p:nvPr/>
-                </p:nvSpPr>
-                <p:spPr>
-                  <a:xfrm>
-                    <a:off x="652661" y="2623777"/>
-                    <a:ext cx="3156057" cy="853888"/>
-                  </a:xfrm>
-                  <a:prstGeom prst="rect">
-                    <a:avLst/>
-                  </a:prstGeom>
-                  <a:blipFill>
-                    <a:blip r:embed="rId7"/>
+                    <a:blip r:embed="rId5"/>
                     <a:stretch>
                       <a:fillRect/>
                     </a:stretch>
@@ -22879,14 +22949,78 @@
               </p:sp>
             </mc:Fallback>
           </mc:AlternateContent>
-          <mc:AlternateContent xmlns:mc="http://schemas.openxmlformats.org/markup-compatibility/2006" xmlns:a14="http://schemas.microsoft.com/office/drawing/2010/main">
-            <mc:Choice Requires="a14">
+          <p:sp>
+            <p:nvSpPr>
+              <p:cNvPr id="23" name="矩形 22">
+                <a:extLst>
+                  <a:ext uri="{FF2B5EF4-FFF2-40B4-BE49-F238E27FC236}">
+                    <a16:creationId xmlns:a16="http://schemas.microsoft.com/office/drawing/2014/main" id="{5D714695-0934-4958-92D5-9C741B261888}"/>
+                  </a:ext>
+                </a:extLst>
+              </p:cNvPr>
+              <p:cNvSpPr/>
+              <p:nvPr/>
+            </p:nvSpPr>
+            <p:spPr>
+              <a:xfrm>
+                <a:off x="673357" y="4470950"/>
+                <a:ext cx="184731" cy="369332"/>
+              </a:xfrm>
+              <a:prstGeom prst="rect">
+                <a:avLst/>
+              </a:prstGeom>
+            </p:spPr>
+            <p:txBody>
+              <a:bodyPr wrap="none">
+                <a:spAutoFit/>
+              </a:bodyPr>
+              <a:lstStyle/>
+              <a:p>
+                <a:pPr/>
+                <a:endParaRPr lang="zh-CN" altLang="en-US" dirty="0"/>
+              </a:p>
+            </p:txBody>
+          </p:sp>
+          <p:sp>
+            <p:nvSpPr>
+              <p:cNvPr id="27" name="矩形 26">
+                <a:extLst>
+                  <a:ext uri="{FF2B5EF4-FFF2-40B4-BE49-F238E27FC236}">
+                    <a16:creationId xmlns:a16="http://schemas.microsoft.com/office/drawing/2014/main" id="{29CF8765-338D-43FD-8B08-AC8C6BDACFD3}"/>
+                  </a:ext>
+                </a:extLst>
+              </p:cNvPr>
+              <p:cNvSpPr/>
+              <p:nvPr/>
+            </p:nvSpPr>
+            <p:spPr>
+              <a:xfrm>
+                <a:off x="652661" y="5939884"/>
+                <a:ext cx="184731" cy="369332"/>
+              </a:xfrm>
+              <a:prstGeom prst="rect">
+                <a:avLst/>
+              </a:prstGeom>
+            </p:spPr>
+            <p:txBody>
+              <a:bodyPr wrap="none">
+                <a:spAutoFit/>
+              </a:bodyPr>
+              <a:lstStyle/>
+              <a:p>
+                <a:pPr/>
+                <a:endParaRPr lang="zh-CN" altLang="en-US" dirty="0"/>
+              </a:p>
+            </p:txBody>
+          </p:sp>
+          <mc:AlternateContent xmlns:mc="http://schemas.openxmlformats.org/markup-compatibility/2006">
+            <mc:Choice xmlns:a14="http://schemas.microsoft.com/office/drawing/2010/main" Requires="a14">
               <p:sp>
                 <p:nvSpPr>
-                  <p:cNvPr id="21" name="矩形 20">
+                  <p:cNvPr id="31" name="矩形 30">
                     <a:extLst>
                       <a:ext uri="{FF2B5EF4-FFF2-40B4-BE49-F238E27FC236}">
-                        <a16:creationId xmlns:a16="http://schemas.microsoft.com/office/drawing/2014/main" id="{0B50B483-BF7B-49D2-BFF7-2883F1148640}"/>
+                        <a16:creationId xmlns:a16="http://schemas.microsoft.com/office/drawing/2014/main" id="{A55C3D2A-2A4A-4928-AE5F-A55849A3DA27}"/>
                       </a:ext>
                     </a:extLst>
                   </p:cNvPr>
@@ -22895,206 +23029,70 @@
                 </p:nvSpPr>
                 <p:spPr>
                   <a:xfrm>
-                    <a:off x="652661" y="3277845"/>
-                    <a:ext cx="4094134" cy="710194"/>
+                    <a:off x="535970" y="4058348"/>
+                    <a:ext cx="4969437" cy="924740"/>
                   </a:xfrm>
                   <a:prstGeom prst="rect">
                     <a:avLst/>
                   </a:prstGeom>
                 </p:spPr>
                 <p:txBody>
-                  <a:bodyPr wrap="none">
+                  <a:bodyPr wrap="square">
                     <a:spAutoFit/>
                   </a:bodyPr>
                   <a:lstStyle/>
                   <a:p>
                     <a:pPr/>
                     <a14:m>
-                      <m:oMathPara xmlns:m="http://schemas.openxmlformats.org/officeDocument/2006/math">
-                        <m:oMathParaPr>
-                          <m:jc m:val="centerGroup"/>
-                        </m:oMathParaPr>
-                        <m:oMath xmlns:m="http://schemas.openxmlformats.org/officeDocument/2006/math">
-                          <m:sSub>
-                            <m:sSubPr>
-                              <m:ctrlPr>
-                                <a:rPr lang="zh-CN" altLang="en-US" i="1" smtClean="0">
-                                  <a:latin typeface="Cambria Math" panose="02040503050406030204" pitchFamily="18" charset="0"/>
-                                </a:rPr>
-                              </m:ctrlPr>
-                            </m:sSubPr>
-                            <m:e>
-                              <m:r>
-                                <a:rPr lang="zh-CN" altLang="en-US" i="1">
-                                  <a:latin typeface="Cambria Math" panose="02040503050406030204" pitchFamily="18" charset="0"/>
-                                </a:rPr>
-                                <m:t>𝑀</m:t>
-                              </m:r>
-                            </m:e>
-                            <m:sub>
-                              <m:r>
-                                <a:rPr lang="zh-CN" altLang="en-US" i="1">
-                                  <a:latin typeface="Cambria Math" panose="02040503050406030204" pitchFamily="18" charset="0"/>
-                                </a:rPr>
-                                <m:t>𝑖</m:t>
-                              </m:r>
-                              <m:r>
-                                <a:rPr lang="zh-CN" altLang="en-US" i="0">
-                                  <a:latin typeface="Cambria Math" panose="02040503050406030204" pitchFamily="18" charset="0"/>
-                                </a:rPr>
-                                <m:t>,</m:t>
-                              </m:r>
-                              <m:r>
-                                <a:rPr lang="zh-CN" altLang="en-US" i="1">
-                                  <a:latin typeface="Cambria Math" panose="02040503050406030204" pitchFamily="18" charset="0"/>
-                                </a:rPr>
-                                <m:t>𝑗</m:t>
-                              </m:r>
-                            </m:sub>
-                          </m:sSub>
-                          <m:r>
-                            <a:rPr lang="zh-CN" altLang="en-US" i="0">
-                              <a:latin typeface="Cambria Math" panose="02040503050406030204" pitchFamily="18" charset="0"/>
-                            </a:rPr>
-                            <m:t>=</m:t>
-                          </m:r>
-                          <m:d>
-                            <m:dPr>
-                              <m:begChr m:val="{"/>
-                              <m:endChr m:val=""/>
-                              <m:ctrlPr>
-                                <a:rPr lang="zh-CN" altLang="en-US" i="1">
-                                  <a:latin typeface="Cambria Math" panose="02040503050406030204" pitchFamily="18" charset="0"/>
-                                </a:rPr>
-                              </m:ctrlPr>
-                            </m:dPr>
-                            <m:e>
-                              <m:eqArr>
-                                <m:eqArrPr>
-                                  <m:ctrlPr>
-                                    <a:rPr lang="zh-CN" altLang="en-US" i="1">
-                                      <a:latin typeface="Cambria Math" panose="02040503050406030204" pitchFamily="18" charset="0"/>
-                                    </a:rPr>
-                                  </m:ctrlPr>
-                                </m:eqArrPr>
-                                <m:e>
-                                  <m:r>
-                                    <a:rPr lang="zh-CN" altLang="en-US" i="0">
-                                      <a:latin typeface="Cambria Math" panose="02040503050406030204" pitchFamily="18" charset="0"/>
-                                    </a:rPr>
-                                    <m:t>&amp;1      </m:t>
-                                  </m:r>
-                                  <m:r>
-                                    <a:rPr lang="zh-CN" altLang="en-US" i="1">
-                                      <a:latin typeface="Cambria Math" panose="02040503050406030204" pitchFamily="18" charset="0"/>
-                                    </a:rPr>
-                                    <m:t>𝑖𝑓</m:t>
-                                  </m:r>
-                                  <m:r>
-                                    <a:rPr lang="zh-CN" altLang="en-US" i="0">
-                                      <a:latin typeface="Cambria Math" panose="02040503050406030204" pitchFamily="18" charset="0"/>
-                                    </a:rPr>
-                                    <m:t> </m:t>
-                                  </m:r>
-                                  <m:r>
-                                    <a:rPr lang="zh-CN" altLang="en-US" i="1">
-                                      <a:latin typeface="Cambria Math" panose="02040503050406030204" pitchFamily="18" charset="0"/>
-                                    </a:rPr>
-                                    <m:t>𝑖</m:t>
-                                  </m:r>
-                                  <m:r>
-                                    <a:rPr lang="zh-CN" altLang="en-US" i="0">
-                                      <a:latin typeface="Cambria Math" panose="02040503050406030204" pitchFamily="18" charset="0"/>
-                                    </a:rPr>
-                                    <m:t>=</m:t>
-                                  </m:r>
-                                  <m:r>
-                                    <a:rPr lang="zh-CN" altLang="en-US" i="1">
-                                      <a:latin typeface="Cambria Math" panose="02040503050406030204" pitchFamily="18" charset="0"/>
-                                    </a:rPr>
-                                    <m:t>𝑗</m:t>
-                                  </m:r>
-                                  <m:r>
-                                    <a:rPr lang="zh-CN" altLang="en-US" i="0">
-                                      <a:latin typeface="Cambria Math" panose="02040503050406030204" pitchFamily="18" charset="0"/>
-                                    </a:rPr>
-                                    <m:t> </m:t>
-                                  </m:r>
-                                  <m:r>
-                                    <a:rPr lang="zh-CN" altLang="en-US" i="1">
-                                      <a:latin typeface="Cambria Math" panose="02040503050406030204" pitchFamily="18" charset="0"/>
-                                    </a:rPr>
-                                    <m:t>𝑜𝑟</m:t>
-                                  </m:r>
-                                  <m:r>
-                                    <a:rPr lang="zh-CN" altLang="en-US" i="0">
-                                      <a:latin typeface="Cambria Math" panose="02040503050406030204" pitchFamily="18" charset="0"/>
-                                    </a:rPr>
-                                    <m:t> </m:t>
-                                  </m:r>
-                                  <m:r>
-                                    <m:rPr>
-                                      <m:sty m:val="p"/>
-                                    </m:rPr>
-                                    <a:rPr lang="en-US" altLang="zh-CN" i="1">
-                                      <a:latin typeface="Cambria Math" panose="02040503050406030204" pitchFamily="18" charset="0"/>
-                                    </a:rPr>
-                                    <m:t>j</m:t>
-                                  </m:r>
-                                  <m:r>
-                                    <a:rPr lang="zh-CN" altLang="en-US" i="0">
-                                      <a:latin typeface="Cambria Math" panose="02040503050406030204" pitchFamily="18" charset="0"/>
-                                    </a:rPr>
-                                    <m:t>是</m:t>
-                                  </m:r>
-                                  <m:r>
-                                    <m:rPr>
-                                      <m:sty m:val="p"/>
-                                    </m:rPr>
-                                    <a:rPr lang="en-US" altLang="zh-CN" b="0" i="0" smtClean="0">
-                                      <a:latin typeface="Cambria Math" panose="02040503050406030204" pitchFamily="18" charset="0"/>
-                                    </a:rPr>
-                                    <m:t>i</m:t>
-                                  </m:r>
-                                  <m:r>
-                                    <a:rPr lang="zh-CN" altLang="en-US" i="0">
-                                      <a:latin typeface="Cambria Math" panose="02040503050406030204" pitchFamily="18" charset="0"/>
-                                    </a:rPr>
-                                    <m:t>的祖先节点</m:t>
-                                  </m:r>
-                                </m:e>
-                                <m:e>
-                                  <m:r>
-                                    <a:rPr lang="zh-CN" altLang="en-US" i="0">
-                                      <a:latin typeface="Cambria Math" panose="02040503050406030204" pitchFamily="18" charset="0"/>
-                                    </a:rPr>
-                                    <m:t>&amp;0                                  </m:t>
-                                  </m:r>
-                                  <m:r>
-                                    <a:rPr lang="zh-CN" altLang="en-US" i="1">
-                                      <a:latin typeface="Cambria Math" panose="02040503050406030204" pitchFamily="18" charset="0"/>
-                                    </a:rPr>
-                                    <m:t>𝑜𝑡h𝑒𝑟𝑤𝑖𝑠𝑒</m:t>
-                                  </m:r>
-                                </m:e>
-                              </m:eqArr>
-                            </m:e>
-                          </m:d>
-                        </m:oMath>
-                      </m:oMathPara>
+                      <m:oMath xmlns:m="http://schemas.openxmlformats.org/officeDocument/2006/math">
+                        <m:r>
+                          <a:rPr lang="zh-CN" altLang="en-US" i="1">
+                            <a:latin typeface="Cambria Math" panose="02040503050406030204" pitchFamily="18" charset="0"/>
+                          </a:rPr>
+                          <m:t>相较于</m:t>
+                        </m:r>
+                      </m:oMath>
                     </a14:m>
+                    <a:r>
+                      <a:rPr lang="zh-CN" altLang="en-US" dirty="0" smtClean="0"/>
+                      <a:t>过去的</a:t>
+                    </a:r>
+                    <a:r>
+                      <a:rPr lang="en-US" altLang="zh-CN" dirty="0" smtClean="0"/>
+                      <a:t>word2vec</a:t>
+                    </a:r>
+                    <a:r>
+                      <a:rPr lang="zh-CN" altLang="en-US" dirty="0" smtClean="0"/>
+                      <a:t>、</a:t>
+                    </a:r>
+                    <a:r>
+                      <a:rPr lang="en-US" altLang="zh-CN" dirty="0" smtClean="0"/>
+                      <a:t>ELMO</a:t>
+                    </a:r>
+                    <a:r>
+                      <a:rPr lang="zh-CN" altLang="en-US" dirty="0" smtClean="0"/>
+                      <a:t>等语言模型，</a:t>
+                    </a:r>
+                    <a:r>
+                      <a:rPr lang="en-US" altLang="zh-CN" dirty="0" smtClean="0"/>
+                      <a:t>BERT</a:t>
+                    </a:r>
+                    <a:r>
+                      <a:rPr lang="zh-CN" altLang="en-US" dirty="0" smtClean="0"/>
+                      <a:t>解决了一词多义的问题，对于实体关系抽取中的实体语义的表达起了关键性作用。</a:t>
+                    </a:r>
                     <a:endParaRPr lang="zh-CN" altLang="en-US" dirty="0"/>
                   </a:p>
                 </p:txBody>
               </p:sp>
             </mc:Choice>
-            <mc:Fallback xmlns="">
+            <mc:Fallback>
               <p:sp>
                 <p:nvSpPr>
-                  <p:cNvPr id="21" name="矩形 20">
+                  <p:cNvPr id="31" name="矩形 30">
                     <a:extLst>
                       <a:ext uri="{FF2B5EF4-FFF2-40B4-BE49-F238E27FC236}">
-                        <a16:creationId xmlns:a16="http://schemas.microsoft.com/office/drawing/2014/main" id="{0B50B483-BF7B-49D2-BFF7-2883F1148640}"/>
+                        <a16:creationId xmlns:a16="http://schemas.microsoft.com/office/drawing/2014/main" id="{A55C3D2A-2A4A-4928-AE5F-A55849A3DA27}"/>
                       </a:ext>
                     </a:extLst>
                   </p:cNvPr>
@@ -23105,962 +23103,16 @@
                 </p:nvSpPr>
                 <p:spPr>
                   <a:xfrm>
-                    <a:off x="652661" y="3277845"/>
-                    <a:ext cx="4094134" cy="710194"/>
+                    <a:off x="535970" y="4058348"/>
+                    <a:ext cx="4969437" cy="924740"/>
                   </a:xfrm>
                   <a:prstGeom prst="rect">
                     <a:avLst/>
                   </a:prstGeom>
                   <a:blipFill>
-                    <a:blip r:embed="rId8"/>
+                    <a:blip r:embed="rId6"/>
                     <a:stretch>
-                      <a:fillRect/>
-                    </a:stretch>
-                  </a:blipFill>
-                </p:spPr>
-                <p:txBody>
-                  <a:bodyPr/>
-                  <a:lstStyle/>
-                  <a:p>
-                    <a:r>
-                      <a:rPr lang="zh-CN" altLang="en-US">
-                        <a:noFill/>
-                      </a:rPr>
-                      <a:t> </a:t>
-                    </a:r>
-                  </a:p>
-                </p:txBody>
-              </p:sp>
-            </mc:Fallback>
-          </mc:AlternateContent>
-          <mc:AlternateContent xmlns:mc="http://schemas.openxmlformats.org/markup-compatibility/2006" xmlns:a14="http://schemas.microsoft.com/office/drawing/2010/main">
-            <mc:Choice Requires="a14">
-              <p:sp>
-                <p:nvSpPr>
-                  <p:cNvPr id="22" name="矩形 21">
-                    <a:extLst>
-                      <a:ext uri="{FF2B5EF4-FFF2-40B4-BE49-F238E27FC236}">
-                        <a16:creationId xmlns:a16="http://schemas.microsoft.com/office/drawing/2014/main" id="{963D3516-FA4D-410A-ADB1-BBD457A0F7A9}"/>
-                      </a:ext>
-                    </a:extLst>
-                  </p:cNvPr>
-                  <p:cNvSpPr/>
-                  <p:nvPr/>
-                </p:nvSpPr>
-                <p:spPr>
-                  <a:xfrm>
-                    <a:off x="688617" y="3990606"/>
-                    <a:ext cx="1304203" cy="369588"/>
-                  </a:xfrm>
-                  <a:prstGeom prst="rect">
-                    <a:avLst/>
-                  </a:prstGeom>
-                </p:spPr>
-                <p:txBody>
-                  <a:bodyPr wrap="none">
-                    <a:spAutoFit/>
-                  </a:bodyPr>
-                  <a:lstStyle/>
-                  <a:p>
-                    <a:pPr/>
-                    <a14:m>
-                      <m:oMathPara xmlns:m="http://schemas.openxmlformats.org/officeDocument/2006/math">
-                        <m:oMathParaPr>
-                          <m:jc m:val="centerGroup"/>
-                        </m:oMathParaPr>
-                        <m:oMath xmlns:m="http://schemas.openxmlformats.org/officeDocument/2006/math">
-                          <m:sSubSup>
-                            <m:sSubSupPr>
-                              <m:ctrlPr>
-                                <a:rPr lang="zh-CN" altLang="en-US" i="1">
-                                  <a:latin typeface="Cambria Math" panose="02040503050406030204" pitchFamily="18" charset="0"/>
-                                </a:rPr>
-                              </m:ctrlPr>
-                            </m:sSubSupPr>
-                            <m:e>
-                              <m:r>
-                                <a:rPr lang="zh-CN" altLang="en-US" i="1">
-                                  <a:latin typeface="Cambria Math" panose="02040503050406030204" pitchFamily="18" charset="0"/>
-                                </a:rPr>
-                                <m:t>𝑊</m:t>
-                              </m:r>
-                            </m:e>
-                            <m:sub>
-                              <m:r>
-                                <a:rPr lang="zh-CN" altLang="en-US" i="1">
-                                  <a:latin typeface="Cambria Math" panose="02040503050406030204" pitchFamily="18" charset="0"/>
-                                </a:rPr>
-                                <m:t>𝑖</m:t>
-                              </m:r>
-                            </m:sub>
-                            <m:sup>
-                              <m:r>
-                                <a:rPr lang="zh-CN" altLang="en-US" i="0">
-                                  <a:latin typeface="Cambria Math" panose="02040503050406030204" pitchFamily="18" charset="0"/>
-                                </a:rPr>
-                                <m:t>′</m:t>
-                              </m:r>
-                            </m:sup>
-                          </m:sSubSup>
-                          <m:r>
-                            <a:rPr lang="zh-CN" altLang="en-US" i="0">
-                              <a:latin typeface="Cambria Math" panose="02040503050406030204" pitchFamily="18" charset="0"/>
-                            </a:rPr>
-                            <m:t>=</m:t>
-                          </m:r>
-                          <m:sSubSup>
-                            <m:sSubSupPr>
-                              <m:ctrlPr>
-                                <a:rPr lang="zh-CN" altLang="en-US" i="1">
-                                  <a:latin typeface="Cambria Math" panose="02040503050406030204" pitchFamily="18" charset="0"/>
-                                </a:rPr>
-                              </m:ctrlPr>
-                            </m:sSubSupPr>
-                            <m:e>
-                              <m:r>
-                                <a:rPr lang="zh-CN" altLang="en-US" i="1">
-                                  <a:latin typeface="Cambria Math" panose="02040503050406030204" pitchFamily="18" charset="0"/>
-                                </a:rPr>
-                                <m:t>𝐴</m:t>
-                              </m:r>
-                            </m:e>
-                            <m:sub>
-                              <m:r>
-                                <a:rPr lang="zh-CN" altLang="en-US" i="1">
-                                  <a:latin typeface="Cambria Math" panose="02040503050406030204" pitchFamily="18" charset="0"/>
-                                </a:rPr>
-                                <m:t>𝑖</m:t>
-                              </m:r>
-                            </m:sub>
-                            <m:sup>
-                              <m:r>
-                                <a:rPr lang="zh-CN" altLang="en-US" i="0">
-                                  <a:latin typeface="Cambria Math" panose="02040503050406030204" pitchFamily="18" charset="0"/>
-                                </a:rPr>
-                                <m:t>′</m:t>
-                              </m:r>
-                            </m:sup>
-                          </m:sSubSup>
-                          <m:sSubSup>
-                            <m:sSubSupPr>
-                              <m:ctrlPr>
-                                <a:rPr lang="zh-CN" altLang="en-US" i="1">
-                                  <a:latin typeface="Cambria Math" panose="02040503050406030204" pitchFamily="18" charset="0"/>
-                                </a:rPr>
-                              </m:ctrlPr>
-                            </m:sSubSupPr>
-                            <m:e>
-                              <m:r>
-                                <a:rPr lang="zh-CN" altLang="en-US" i="1">
-                                  <a:latin typeface="Cambria Math" panose="02040503050406030204" pitchFamily="18" charset="0"/>
-                                </a:rPr>
-                                <m:t>𝑉</m:t>
-                              </m:r>
-                            </m:e>
-                            <m:sub>
-                              <m:r>
-                                <a:rPr lang="zh-CN" altLang="en-US" i="1">
-                                  <a:latin typeface="Cambria Math" panose="02040503050406030204" pitchFamily="18" charset="0"/>
-                                </a:rPr>
-                                <m:t>𝑖</m:t>
-                              </m:r>
-                            </m:sub>
-                            <m:sup>
-                              <m:r>
-                                <a:rPr lang="zh-CN" altLang="en-US" i="0">
-                                  <a:latin typeface="Cambria Math" panose="02040503050406030204" pitchFamily="18" charset="0"/>
-                                </a:rPr>
-                                <m:t>′</m:t>
-                              </m:r>
-                            </m:sup>
-                          </m:sSubSup>
-                        </m:oMath>
-                      </m:oMathPara>
-                    </a14:m>
-                    <a:endParaRPr lang="zh-CN" altLang="en-US" dirty="0"/>
-                  </a:p>
-                </p:txBody>
-              </p:sp>
-            </mc:Choice>
-            <mc:Fallback xmlns="">
-              <p:sp>
-                <p:nvSpPr>
-                  <p:cNvPr id="22" name="矩形 21">
-                    <a:extLst>
-                      <a:ext uri="{FF2B5EF4-FFF2-40B4-BE49-F238E27FC236}">
-                        <a16:creationId xmlns:a16="http://schemas.microsoft.com/office/drawing/2014/main" id="{963D3516-FA4D-410A-ADB1-BBD457A0F7A9}"/>
-                      </a:ext>
-                    </a:extLst>
-                  </p:cNvPr>
-                  <p:cNvSpPr>
-                    <a:spLocks noRot="1" noChangeAspect="1" noMove="1" noResize="1" noEditPoints="1" noAdjustHandles="1" noChangeArrowheads="1" noChangeShapeType="1" noTextEdit="1"/>
-                  </p:cNvSpPr>
-                  <p:nvPr/>
-                </p:nvSpPr>
-                <p:spPr>
-                  <a:xfrm>
-                    <a:off x="688617" y="3990606"/>
-                    <a:ext cx="1304203" cy="369588"/>
-                  </a:xfrm>
-                  <a:prstGeom prst="rect">
-                    <a:avLst/>
-                  </a:prstGeom>
-                  <a:blipFill>
-                    <a:blip r:embed="rId9"/>
-                    <a:stretch>
-                      <a:fillRect b="-4918"/>
-                    </a:stretch>
-                  </a:blipFill>
-                </p:spPr>
-                <p:txBody>
-                  <a:bodyPr/>
-                  <a:lstStyle/>
-                  <a:p>
-                    <a:r>
-                      <a:rPr lang="zh-CN" altLang="en-US">
-                        <a:noFill/>
-                      </a:rPr>
-                      <a:t> </a:t>
-                    </a:r>
-                  </a:p>
-                </p:txBody>
-              </p:sp>
-            </mc:Fallback>
-          </mc:AlternateContent>
-          <mc:AlternateContent xmlns:mc="http://schemas.openxmlformats.org/markup-compatibility/2006" xmlns:a14="http://schemas.microsoft.com/office/drawing/2010/main">
-            <mc:Choice Requires="a14">
-              <p:sp>
-                <p:nvSpPr>
-                  <p:cNvPr id="23" name="矩形 22">
-                    <a:extLst>
-                      <a:ext uri="{FF2B5EF4-FFF2-40B4-BE49-F238E27FC236}">
-                        <a16:creationId xmlns:a16="http://schemas.microsoft.com/office/drawing/2014/main" id="{5D714695-0934-4958-92D5-9C741B261888}"/>
-                      </a:ext>
-                    </a:extLst>
-                  </p:cNvPr>
-                  <p:cNvSpPr/>
-                  <p:nvPr/>
-                </p:nvSpPr>
-                <p:spPr>
-                  <a:xfrm>
-                    <a:off x="673357" y="4470950"/>
-                    <a:ext cx="2198551" cy="403637"/>
-                  </a:xfrm>
-                  <a:prstGeom prst="rect">
-                    <a:avLst/>
-                  </a:prstGeom>
-                </p:spPr>
-                <p:txBody>
-                  <a:bodyPr wrap="none">
-                    <a:spAutoFit/>
-                  </a:bodyPr>
-                  <a:lstStyle/>
-                  <a:p>
-                    <a:pPr/>
-                    <a14:m>
-                      <m:oMathPara xmlns:m="http://schemas.openxmlformats.org/officeDocument/2006/math">
-                        <m:oMathParaPr>
-                          <m:jc m:val="centerGroup"/>
-                        </m:oMathParaPr>
-                        <m:oMath xmlns:m="http://schemas.openxmlformats.org/officeDocument/2006/math">
-                          <m:d>
-                            <m:dPr>
-                              <m:begChr m:val=""/>
-                              <m:endChr m:val="}"/>
-                              <m:ctrlPr>
-                                <a:rPr lang="zh-CN" altLang="en-US" i="1">
-                                  <a:latin typeface="Cambria Math" panose="02040503050406030204" pitchFamily="18" charset="0"/>
-                                </a:rPr>
-                              </m:ctrlPr>
-                            </m:dPr>
-                            <m:e>
-                              <m:acc>
-                                <m:accPr>
-                                  <m:chr m:val="̅"/>
-                                  <m:ctrlPr>
-                                    <a:rPr lang="zh-CN" altLang="en-US" i="1">
-                                      <a:latin typeface="Cambria Math" panose="02040503050406030204" pitchFamily="18" charset="0"/>
-                                    </a:rPr>
-                                  </m:ctrlPr>
-                                </m:accPr>
-                                <m:e>
-                                  <m:r>
-                                    <a:rPr lang="zh-CN" altLang="en-US" i="1">
-                                      <a:latin typeface="Cambria Math" panose="02040503050406030204" pitchFamily="18" charset="0"/>
-                                    </a:rPr>
-                                    <m:t>𝐻</m:t>
-                                  </m:r>
-                                  <m:r>
-                                    <a:rPr lang="zh-CN" altLang="en-US" i="0">
-                                      <a:latin typeface="Cambria Math" panose="02040503050406030204" pitchFamily="18" charset="0"/>
-                                    </a:rPr>
-                                    <m:t> </m:t>
-                                  </m:r>
-                                </m:e>
-                              </m:acc>
-                              <m:r>
-                                <a:rPr lang="zh-CN" altLang="en-US" i="0">
-                                  <a:latin typeface="Cambria Math" panose="02040503050406030204" pitchFamily="18" charset="0"/>
-                                </a:rPr>
-                                <m:t>={</m:t>
-                              </m:r>
-                              <m:acc>
-                                <m:accPr>
-                                  <m:chr m:val="̅"/>
-                                  <m:ctrlPr>
-                                    <a:rPr lang="zh-CN" altLang="en-US" i="1">
-                                      <a:latin typeface="Cambria Math" panose="02040503050406030204" pitchFamily="18" charset="0"/>
-                                    </a:rPr>
-                                  </m:ctrlPr>
-                                </m:accPr>
-                                <m:e>
-                                  <m:sSub>
-                                    <m:sSubPr>
-                                      <m:ctrlPr>
-                                        <a:rPr lang="zh-CN" altLang="en-US" i="1">
-                                          <a:latin typeface="Cambria Math" panose="02040503050406030204" pitchFamily="18" charset="0"/>
-                                        </a:rPr>
-                                      </m:ctrlPr>
-                                    </m:sSubPr>
-                                    <m:e>
-                                      <m:r>
-                                        <a:rPr lang="zh-CN" altLang="en-US" i="1">
-                                          <a:latin typeface="Cambria Math" panose="02040503050406030204" pitchFamily="18" charset="0"/>
-                                        </a:rPr>
-                                        <m:t>h</m:t>
-                                      </m:r>
-                                    </m:e>
-                                    <m:sub>
-                                      <m:r>
-                                        <a:rPr lang="zh-CN" altLang="en-US" i="0">
-                                          <a:latin typeface="Cambria Math" panose="02040503050406030204" pitchFamily="18" charset="0"/>
-                                        </a:rPr>
-                                        <m:t>1</m:t>
-                                      </m:r>
-                                    </m:sub>
-                                  </m:sSub>
-                                </m:e>
-                              </m:acc>
-                              <m:r>
-                                <a:rPr lang="zh-CN" altLang="en-US" i="0">
-                                  <a:latin typeface="Cambria Math" panose="02040503050406030204" pitchFamily="18" charset="0"/>
-                                </a:rPr>
-                                <m:t> ,</m:t>
-                              </m:r>
-                              <m:acc>
-                                <m:accPr>
-                                  <m:chr m:val="̅"/>
-                                  <m:ctrlPr>
-                                    <a:rPr lang="zh-CN" altLang="en-US" i="1">
-                                      <a:latin typeface="Cambria Math" panose="02040503050406030204" pitchFamily="18" charset="0"/>
-                                    </a:rPr>
-                                  </m:ctrlPr>
-                                </m:accPr>
-                                <m:e>
-                                  <m:sSub>
-                                    <m:sSubPr>
-                                      <m:ctrlPr>
-                                        <a:rPr lang="zh-CN" altLang="en-US" i="1">
-                                          <a:latin typeface="Cambria Math" panose="02040503050406030204" pitchFamily="18" charset="0"/>
-                                        </a:rPr>
-                                      </m:ctrlPr>
-                                    </m:sSubPr>
-                                    <m:e>
-                                      <m:r>
-                                        <a:rPr lang="zh-CN" altLang="en-US" i="1">
-                                          <a:latin typeface="Cambria Math" panose="02040503050406030204" pitchFamily="18" charset="0"/>
-                                        </a:rPr>
-                                        <m:t>h</m:t>
-                                      </m:r>
-                                    </m:e>
-                                    <m:sub>
-                                      <m:r>
-                                        <a:rPr lang="zh-CN" altLang="en-US" i="0">
-                                          <a:latin typeface="Cambria Math" panose="02040503050406030204" pitchFamily="18" charset="0"/>
-                                        </a:rPr>
-                                        <m:t>2</m:t>
-                                      </m:r>
-                                    </m:sub>
-                                  </m:sSub>
-                                </m:e>
-                              </m:acc>
-                              <m:r>
-                                <a:rPr lang="zh-CN" altLang="en-US" i="0">
-                                  <a:latin typeface="Cambria Math" panose="02040503050406030204" pitchFamily="18" charset="0"/>
-                                </a:rPr>
-                                <m:t>,…,</m:t>
-                              </m:r>
-                              <m:acc>
-                                <m:accPr>
-                                  <m:chr m:val="̅"/>
-                                  <m:ctrlPr>
-                                    <a:rPr lang="zh-CN" altLang="en-US" i="1">
-                                      <a:latin typeface="Cambria Math" panose="02040503050406030204" pitchFamily="18" charset="0"/>
-                                    </a:rPr>
-                                  </m:ctrlPr>
-                                </m:accPr>
-                                <m:e>
-                                  <m:sSub>
-                                    <m:sSubPr>
-                                      <m:ctrlPr>
-                                        <a:rPr lang="zh-CN" altLang="en-US" i="1">
-                                          <a:latin typeface="Cambria Math" panose="02040503050406030204" pitchFamily="18" charset="0"/>
-                                        </a:rPr>
-                                      </m:ctrlPr>
-                                    </m:sSubPr>
-                                    <m:e>
-                                      <m:r>
-                                        <a:rPr lang="zh-CN" altLang="en-US" i="1">
-                                          <a:latin typeface="Cambria Math" panose="02040503050406030204" pitchFamily="18" charset="0"/>
-                                        </a:rPr>
-                                        <m:t>h</m:t>
-                                      </m:r>
-                                    </m:e>
-                                    <m:sub>
-                                      <m:r>
-                                        <a:rPr lang="zh-CN" altLang="en-US" i="1">
-                                          <a:latin typeface="Cambria Math" panose="02040503050406030204" pitchFamily="18" charset="0"/>
-                                        </a:rPr>
-                                        <m:t>𝑛</m:t>
-                                      </m:r>
-                                    </m:sub>
-                                  </m:sSub>
-                                </m:e>
-                              </m:acc>
-                            </m:e>
-                          </m:d>
-                        </m:oMath>
-                      </m:oMathPara>
-                    </a14:m>
-                    <a:endParaRPr lang="zh-CN" altLang="en-US" dirty="0"/>
-                  </a:p>
-                </p:txBody>
-              </p:sp>
-            </mc:Choice>
-            <mc:Fallback xmlns="">
-              <p:sp>
-                <p:nvSpPr>
-                  <p:cNvPr id="23" name="矩形 22">
-                    <a:extLst>
-                      <a:ext uri="{FF2B5EF4-FFF2-40B4-BE49-F238E27FC236}">
-                        <a16:creationId xmlns:a16="http://schemas.microsoft.com/office/drawing/2014/main" id="{5D714695-0934-4958-92D5-9C741B261888}"/>
-                      </a:ext>
-                    </a:extLst>
-                  </p:cNvPr>
-                  <p:cNvSpPr>
-                    <a:spLocks noRot="1" noChangeAspect="1" noMove="1" noResize="1" noEditPoints="1" noAdjustHandles="1" noChangeArrowheads="1" noChangeShapeType="1" noTextEdit="1"/>
-                  </p:cNvSpPr>
-                  <p:nvPr/>
-                </p:nvSpPr>
-                <p:spPr>
-                  <a:xfrm>
-                    <a:off x="673357" y="4470950"/>
-                    <a:ext cx="2198551" cy="403637"/>
-                  </a:xfrm>
-                  <a:prstGeom prst="rect">
-                    <a:avLst/>
-                  </a:prstGeom>
-                  <a:blipFill>
-                    <a:blip r:embed="rId10"/>
-                    <a:stretch>
-                      <a:fillRect t="-156061" r="-29917" b="-233333"/>
-                    </a:stretch>
-                  </a:blipFill>
-                </p:spPr>
-                <p:txBody>
-                  <a:bodyPr/>
-                  <a:lstStyle/>
-                  <a:p>
-                    <a:r>
-                      <a:rPr lang="zh-CN" altLang="en-US">
-                        <a:noFill/>
-                      </a:rPr>
-                      <a:t> </a:t>
-                    </a:r>
-                  </a:p>
-                </p:txBody>
-              </p:sp>
-            </mc:Fallback>
-          </mc:AlternateContent>
-          <p:sp>
-            <p:nvSpPr>
-              <p:cNvPr id="24" name="矩形 23">
-                <a:extLst>
-                  <a:ext uri="{FF2B5EF4-FFF2-40B4-BE49-F238E27FC236}">
-                    <a16:creationId xmlns:a16="http://schemas.microsoft.com/office/drawing/2014/main" id="{6446B867-31FB-4F1B-B772-645CF5D113AA}"/>
-                  </a:ext>
-                </a:extLst>
-              </p:cNvPr>
-              <p:cNvSpPr/>
-              <p:nvPr/>
-            </p:nvSpPr>
-            <p:spPr>
-              <a:xfrm>
-                <a:off x="426771" y="4935896"/>
-                <a:ext cx="2383660" cy="400110"/>
-              </a:xfrm>
-              <a:prstGeom prst="rect">
-                <a:avLst/>
-              </a:prstGeom>
-            </p:spPr>
-            <p:txBody>
-              <a:bodyPr wrap="square">
-                <a:spAutoFit/>
-              </a:bodyPr>
-              <a:lstStyle/>
-              <a:p>
-                <a:r>
-                  <a:rPr lang="en-US" altLang="zh-CN" sz="2000" dirty="0">
-                    <a:solidFill>
-                      <a:schemeClr val="tx1">
-                        <a:lumMod val="75000"/>
-                        <a:lumOff val="25000"/>
-                      </a:schemeClr>
-                    </a:solidFill>
-                    <a:latin typeface="微软雅黑" panose="020B0503020204020204" pitchFamily="34" charset="-122"/>
-                    <a:ea typeface="微软雅黑" panose="020B0503020204020204" pitchFamily="34" charset="-122"/>
-                  </a:rPr>
-                  <a:t>3</a:t>
-                </a:r>
-                <a:r>
-                  <a:rPr lang="zh-CN" altLang="en-US" sz="2000" dirty="0">
-                    <a:solidFill>
-                      <a:schemeClr val="tx1">
-                        <a:lumMod val="75000"/>
-                        <a:lumOff val="25000"/>
-                      </a:schemeClr>
-                    </a:solidFill>
-                    <a:latin typeface="微软雅黑" panose="020B0503020204020204" pitchFamily="34" charset="-122"/>
-                    <a:ea typeface="微软雅黑" panose="020B0503020204020204" pitchFamily="34" charset="-122"/>
-                  </a:rPr>
-                  <a:t>、</a:t>
-                </a:r>
-                <a:r>
-                  <a:rPr lang="zh-CN" altLang="zh-CN" sz="2000" dirty="0"/>
-                  <a:t>预测答案</a:t>
-                </a:r>
-                <a:r>
-                  <a:rPr lang="zh-CN" altLang="en-US" sz="2000" dirty="0"/>
-                  <a:t>范围</a:t>
-                </a:r>
-              </a:p>
-            </p:txBody>
-          </p:sp>
-          <mc:AlternateContent xmlns:mc="http://schemas.openxmlformats.org/markup-compatibility/2006" xmlns:a14="http://schemas.microsoft.com/office/drawing/2010/main">
-            <mc:Choice Requires="a14">
-              <p:sp>
-                <p:nvSpPr>
-                  <p:cNvPr id="25" name="矩形 24">
-                    <a:extLst>
-                      <a:ext uri="{FF2B5EF4-FFF2-40B4-BE49-F238E27FC236}">
-                        <a16:creationId xmlns:a16="http://schemas.microsoft.com/office/drawing/2014/main" id="{F1BDB851-ED75-48C3-B329-1027BACEB140}"/>
-                      </a:ext>
-                    </a:extLst>
-                  </p:cNvPr>
-                  <p:cNvSpPr/>
-                  <p:nvPr/>
-                </p:nvSpPr>
-                <p:spPr>
-                  <a:xfrm>
-                    <a:off x="652661" y="5446270"/>
-                    <a:ext cx="3184654" cy="369332"/>
-                  </a:xfrm>
-                  <a:prstGeom prst="rect">
-                    <a:avLst/>
-                  </a:prstGeom>
-                </p:spPr>
-                <p:txBody>
-                  <a:bodyPr wrap="none">
-                    <a:spAutoFit/>
-                  </a:bodyPr>
-                  <a:lstStyle/>
-                  <a:p>
-                    <a:pPr/>
-                    <a14:m>
-                      <m:oMathPara xmlns:m="http://schemas.openxmlformats.org/officeDocument/2006/math">
-                        <m:oMathParaPr>
-                          <m:jc m:val="centerGroup"/>
-                        </m:oMathParaPr>
-                        <m:oMath xmlns:m="http://schemas.openxmlformats.org/officeDocument/2006/math">
-                          <m:d>
-                            <m:dPr>
-                              <m:begChr m:val=""/>
-                              <m:ctrlPr>
-                                <a:rPr lang="zh-CN" altLang="en-US" i="1">
-                                  <a:latin typeface="Cambria Math" panose="02040503050406030204" pitchFamily="18" charset="0"/>
-                                </a:rPr>
-                              </m:ctrlPr>
-                            </m:dPr>
-                            <m:e>
-                              <m:sSub>
-                                <m:sSubPr>
-                                  <m:ctrlPr>
-                                    <a:rPr lang="zh-CN" altLang="en-US" i="1">
-                                      <a:latin typeface="Cambria Math" panose="02040503050406030204" pitchFamily="18" charset="0"/>
-                                    </a:rPr>
-                                  </m:ctrlPr>
-                                </m:sSubPr>
-                                <m:e>
-                                  <m:r>
-                                    <a:rPr lang="zh-CN" altLang="en-US" i="1">
-                                      <a:latin typeface="Cambria Math" panose="02040503050406030204" pitchFamily="18" charset="0"/>
-                                    </a:rPr>
-                                    <m:t>𝑃</m:t>
-                                  </m:r>
-                                </m:e>
-                                <m:sub>
-                                  <m:r>
-                                    <a:rPr lang="zh-CN" altLang="en-US" i="1">
-                                      <a:latin typeface="Cambria Math" panose="02040503050406030204" pitchFamily="18" charset="0"/>
-                                    </a:rPr>
-                                    <m:t>𝑠</m:t>
-                                  </m:r>
-                                </m:sub>
-                              </m:sSub>
-                              <m:r>
-                                <a:rPr lang="zh-CN" altLang="en-US" i="0">
-                                  <a:latin typeface="Cambria Math" panose="02040503050406030204" pitchFamily="18" charset="0"/>
-                                </a:rPr>
-                                <m:t>,</m:t>
-                              </m:r>
-                              <m:sSub>
-                                <m:sSubPr>
-                                  <m:ctrlPr>
-                                    <a:rPr lang="zh-CN" altLang="en-US" i="1">
-                                      <a:latin typeface="Cambria Math" panose="02040503050406030204" pitchFamily="18" charset="0"/>
-                                    </a:rPr>
-                                  </m:ctrlPr>
-                                </m:sSubPr>
-                                <m:e>
-                                  <m:r>
-                                    <a:rPr lang="zh-CN" altLang="en-US" i="1">
-                                      <a:latin typeface="Cambria Math" panose="02040503050406030204" pitchFamily="18" charset="0"/>
-                                    </a:rPr>
-                                    <m:t>𝑃</m:t>
-                                  </m:r>
-                                </m:e>
-                                <m:sub>
-                                  <m:r>
-                                    <a:rPr lang="zh-CN" altLang="en-US" i="1">
-                                      <a:latin typeface="Cambria Math" panose="02040503050406030204" pitchFamily="18" charset="0"/>
-                                    </a:rPr>
-                                    <m:t>𝑒</m:t>
-                                  </m:r>
-                                </m:sub>
-                              </m:sSub>
-                              <m:r>
-                                <a:rPr lang="zh-CN" altLang="en-US" i="0">
-                                  <a:latin typeface="Cambria Math" panose="02040503050406030204" pitchFamily="18" charset="0"/>
-                                </a:rPr>
-                                <m:t>=</m:t>
-                              </m:r>
-                              <m:r>
-                                <a:rPr lang="zh-CN" altLang="en-US" i="1">
-                                  <a:latin typeface="Cambria Math" panose="02040503050406030204" pitchFamily="18" charset="0"/>
-                                </a:rPr>
-                                <m:t>𝑠𝑜𝑓𝑡𝑚𝑎𝑥</m:t>
-                              </m:r>
-                              <m:r>
-                                <a:rPr lang="zh-CN" altLang="en-US" i="0">
-                                  <a:latin typeface="Cambria Math" panose="02040503050406030204" pitchFamily="18" charset="0"/>
-                                </a:rPr>
-                                <m:t>(</m:t>
-                              </m:r>
-                              <m:r>
-                                <a:rPr lang="zh-CN" altLang="en-US" i="1">
-                                  <a:latin typeface="Cambria Math" panose="02040503050406030204" pitchFamily="18" charset="0"/>
-                                </a:rPr>
-                                <m:t>𝐿𝑖𝑛𝑒𝑎𝑟</m:t>
-                              </m:r>
-                              <m:r>
-                                <a:rPr lang="zh-CN" altLang="en-US" i="0">
-                                  <a:latin typeface="Cambria Math" panose="02040503050406030204" pitchFamily="18" charset="0"/>
-                                </a:rPr>
-                                <m:t>(</m:t>
-                              </m:r>
-                              <m:acc>
-                                <m:accPr>
-                                  <m:chr m:val="̅"/>
-                                  <m:ctrlPr>
-                                    <a:rPr lang="zh-CN" altLang="en-US" i="1">
-                                      <a:latin typeface="Cambria Math" panose="02040503050406030204" pitchFamily="18" charset="0"/>
-                                    </a:rPr>
-                                  </m:ctrlPr>
-                                </m:accPr>
-                                <m:e>
-                                  <m:r>
-                                    <a:rPr lang="zh-CN" altLang="en-US" i="1">
-                                      <a:latin typeface="Cambria Math" panose="02040503050406030204" pitchFamily="18" charset="0"/>
-                                    </a:rPr>
-                                    <m:t>𝐻</m:t>
-                                  </m:r>
-                                </m:e>
-                              </m:acc>
-                              <m:r>
-                                <a:rPr lang="zh-CN" altLang="en-US" i="0">
-                                  <a:latin typeface="Cambria Math" panose="02040503050406030204" pitchFamily="18" charset="0"/>
-                                </a:rPr>
-                                <m:t>)</m:t>
-                              </m:r>
-                            </m:e>
-                          </m:d>
-                        </m:oMath>
-                      </m:oMathPara>
-                    </a14:m>
-                    <a:endParaRPr lang="zh-CN" altLang="en-US" dirty="0"/>
-                  </a:p>
-                </p:txBody>
-              </p:sp>
-            </mc:Choice>
-            <mc:Fallback xmlns="">
-              <p:sp>
-                <p:nvSpPr>
-                  <p:cNvPr id="25" name="矩形 24">
-                    <a:extLst>
-                      <a:ext uri="{FF2B5EF4-FFF2-40B4-BE49-F238E27FC236}">
-                        <a16:creationId xmlns:a16="http://schemas.microsoft.com/office/drawing/2014/main" id="{F1BDB851-ED75-48C3-B329-1027BACEB140}"/>
-                      </a:ext>
-                    </a:extLst>
-                  </p:cNvPr>
-                  <p:cNvSpPr>
-                    <a:spLocks noRot="1" noChangeAspect="1" noMove="1" noResize="1" noEditPoints="1" noAdjustHandles="1" noChangeArrowheads="1" noChangeShapeType="1" noTextEdit="1"/>
-                  </p:cNvSpPr>
-                  <p:nvPr/>
-                </p:nvSpPr>
-                <p:spPr>
-                  <a:xfrm>
-                    <a:off x="652661" y="5446270"/>
-                    <a:ext cx="3184654" cy="369332"/>
-                  </a:xfrm>
-                  <a:prstGeom prst="rect">
-                    <a:avLst/>
-                  </a:prstGeom>
-                  <a:blipFill>
-                    <a:blip r:embed="rId11"/>
-                    <a:stretch>
-                      <a:fillRect t="-120000" r="-15517" b="-190000"/>
-                    </a:stretch>
-                  </a:blipFill>
-                </p:spPr>
-                <p:txBody>
-                  <a:bodyPr/>
-                  <a:lstStyle/>
-                  <a:p>
-                    <a:r>
-                      <a:rPr lang="zh-CN" altLang="en-US">
-                        <a:noFill/>
-                      </a:rPr>
-                      <a:t> </a:t>
-                    </a:r>
-                  </a:p>
-                </p:txBody>
-              </p:sp>
-            </mc:Fallback>
-          </mc:AlternateContent>
-          <mc:AlternateContent xmlns:mc="http://schemas.openxmlformats.org/markup-compatibility/2006" xmlns:a14="http://schemas.microsoft.com/office/drawing/2010/main">
-            <mc:Choice Requires="a14">
-              <p:sp>
-                <p:nvSpPr>
-                  <p:cNvPr id="27" name="矩形 26">
-                    <a:extLst>
-                      <a:ext uri="{FF2B5EF4-FFF2-40B4-BE49-F238E27FC236}">
-                        <a16:creationId xmlns:a16="http://schemas.microsoft.com/office/drawing/2014/main" id="{29CF8765-338D-43FD-8B08-AC8C6BDACFD3}"/>
-                      </a:ext>
-                    </a:extLst>
-                  </p:cNvPr>
-                  <p:cNvSpPr/>
-                  <p:nvPr/>
-                </p:nvSpPr>
-                <p:spPr>
-                  <a:xfrm>
-                    <a:off x="652661" y="5939884"/>
-                    <a:ext cx="3888500" cy="369332"/>
-                  </a:xfrm>
-                  <a:prstGeom prst="rect">
-                    <a:avLst/>
-                  </a:prstGeom>
-                </p:spPr>
-                <p:txBody>
-                  <a:bodyPr wrap="none">
-                    <a:spAutoFit/>
-                  </a:bodyPr>
-                  <a:lstStyle/>
-                  <a:p>
-                    <a:pPr/>
-                    <a14:m>
-                      <m:oMathPara xmlns:m="http://schemas.openxmlformats.org/officeDocument/2006/math">
-                        <m:oMathParaPr>
-                          <m:jc m:val="centerGroup"/>
-                        </m:oMathParaPr>
-                        <m:oMath xmlns:m="http://schemas.openxmlformats.org/officeDocument/2006/math">
-                          <m:r>
-                            <a:rPr lang="zh-CN" altLang="en-US" i="1">
-                              <a:latin typeface="Cambria Math" panose="02040503050406030204" pitchFamily="18" charset="0"/>
-                            </a:rPr>
-                            <m:t>𝑠</m:t>
-                          </m:r>
-                          <m:r>
-                            <a:rPr lang="zh-CN" altLang="en-US" i="0">
-                              <a:latin typeface="Cambria Math" panose="02040503050406030204" pitchFamily="18" charset="0"/>
-                            </a:rPr>
-                            <m:t>,</m:t>
-                          </m:r>
-                          <m:r>
-                            <a:rPr lang="zh-CN" altLang="en-US" i="1">
-                              <a:latin typeface="Cambria Math" panose="02040503050406030204" pitchFamily="18" charset="0"/>
-                            </a:rPr>
-                            <m:t>𝑒</m:t>
-                          </m:r>
-                          <m:r>
-                            <a:rPr lang="zh-CN" altLang="en-US" i="0">
-                              <a:latin typeface="Cambria Math" panose="02040503050406030204" pitchFamily="18" charset="0"/>
-                            </a:rPr>
-                            <m:t>=</m:t>
-                          </m:r>
-                          <m:r>
-                            <a:rPr lang="zh-CN" altLang="en-US" i="1">
-                              <a:latin typeface="Cambria Math" panose="02040503050406030204" pitchFamily="18" charset="0"/>
-                            </a:rPr>
-                            <m:t>𝑚𝑎𝑥</m:t>
-                          </m:r>
-                          <m:d>
-                            <m:dPr>
-                              <m:ctrlPr>
-                                <a:rPr lang="zh-CN" altLang="en-US" i="1">
-                                  <a:latin typeface="Cambria Math" panose="02040503050406030204" pitchFamily="18" charset="0"/>
-                                </a:rPr>
-                              </m:ctrlPr>
-                            </m:dPr>
-                            <m:e>
-                              <m:sSub>
-                                <m:sSubPr>
-                                  <m:ctrlPr>
-                                    <a:rPr lang="zh-CN" altLang="en-US" i="1">
-                                      <a:latin typeface="Cambria Math" panose="02040503050406030204" pitchFamily="18" charset="0"/>
-                                    </a:rPr>
-                                  </m:ctrlPr>
-                                </m:sSubPr>
-                                <m:e>
-                                  <m:r>
-                                    <a:rPr lang="zh-CN" altLang="en-US" i="1">
-                                      <a:latin typeface="Cambria Math" panose="02040503050406030204" pitchFamily="18" charset="0"/>
-                                    </a:rPr>
-                                    <m:t>𝑝</m:t>
-                                  </m:r>
-                                </m:e>
-                                <m:sub>
-                                  <m:r>
-                                    <a:rPr lang="zh-CN" altLang="en-US" i="1">
-                                      <a:latin typeface="Cambria Math" panose="02040503050406030204" pitchFamily="18" charset="0"/>
-                                    </a:rPr>
-                                    <m:t>𝑒</m:t>
-                                  </m:r>
-                                </m:sub>
-                              </m:sSub>
-                              <m:r>
-                                <a:rPr lang="zh-CN" altLang="en-US" i="0">
-                                  <a:latin typeface="Cambria Math" panose="02040503050406030204" pitchFamily="18" charset="0"/>
-                                </a:rPr>
-                                <m:t>+</m:t>
-                              </m:r>
-                              <m:sSub>
-                                <m:sSubPr>
-                                  <m:ctrlPr>
-                                    <a:rPr lang="zh-CN" altLang="en-US" i="1">
-                                      <a:latin typeface="Cambria Math" panose="02040503050406030204" pitchFamily="18" charset="0"/>
-                                    </a:rPr>
-                                  </m:ctrlPr>
-                                </m:sSubPr>
-                                <m:e>
-                                  <m:r>
-                                    <a:rPr lang="zh-CN" altLang="en-US" i="1">
-                                      <a:latin typeface="Cambria Math" panose="02040503050406030204" pitchFamily="18" charset="0"/>
-                                    </a:rPr>
-                                    <m:t>𝑝</m:t>
-                                  </m:r>
-                                </m:e>
-                                <m:sub>
-                                  <m:r>
-                                    <a:rPr lang="zh-CN" altLang="en-US" i="1">
-                                      <a:latin typeface="Cambria Math" panose="02040503050406030204" pitchFamily="18" charset="0"/>
-                                    </a:rPr>
-                                    <m:t>𝑠</m:t>
-                                  </m:r>
-                                </m:sub>
-                              </m:sSub>
-                            </m:e>
-                          </m:d>
-                          <m:r>
-                            <a:rPr lang="zh-CN" altLang="en-US" i="0">
-                              <a:latin typeface="Cambria Math" panose="02040503050406030204" pitchFamily="18" charset="0"/>
-                            </a:rPr>
-                            <m:t>     0≤</m:t>
-                          </m:r>
-                          <m:r>
-                            <a:rPr lang="zh-CN" altLang="en-US" i="1">
-                              <a:latin typeface="Cambria Math" panose="02040503050406030204" pitchFamily="18" charset="0"/>
-                            </a:rPr>
-                            <m:t>𝑠</m:t>
-                          </m:r>
-                          <m:r>
-                            <a:rPr lang="zh-CN" altLang="en-US" i="0">
-                              <a:latin typeface="Cambria Math" panose="02040503050406030204" pitchFamily="18" charset="0"/>
-                            </a:rPr>
-                            <m:t>≤</m:t>
-                          </m:r>
-                          <m:r>
-                            <a:rPr lang="zh-CN" altLang="en-US" i="1">
-                              <a:latin typeface="Cambria Math" panose="02040503050406030204" pitchFamily="18" charset="0"/>
-                            </a:rPr>
-                            <m:t>𝑒</m:t>
-                          </m:r>
-                          <m:r>
-                            <a:rPr lang="zh-CN" altLang="en-US" i="0">
-                              <a:latin typeface="Cambria Math" panose="02040503050406030204" pitchFamily="18" charset="0"/>
-                            </a:rPr>
-                            <m:t>≤</m:t>
-                          </m:r>
-                          <m:r>
-                            <a:rPr lang="zh-CN" altLang="en-US" i="1">
-                              <a:latin typeface="Cambria Math" panose="02040503050406030204" pitchFamily="18" charset="0"/>
-                            </a:rPr>
-                            <m:t>𝑛</m:t>
-                          </m:r>
-                        </m:oMath>
-                      </m:oMathPara>
-                    </a14:m>
-                    <a:endParaRPr lang="zh-CN" altLang="en-US" dirty="0"/>
-                  </a:p>
-                </p:txBody>
-              </p:sp>
-            </mc:Choice>
-            <mc:Fallback xmlns="">
-              <p:sp>
-                <p:nvSpPr>
-                  <p:cNvPr id="27" name="矩形 26">
-                    <a:extLst>
-                      <a:ext uri="{FF2B5EF4-FFF2-40B4-BE49-F238E27FC236}">
-                        <a16:creationId xmlns:a16="http://schemas.microsoft.com/office/drawing/2014/main" id="{29CF8765-338D-43FD-8B08-AC8C6BDACFD3}"/>
-                      </a:ext>
-                    </a:extLst>
-                  </p:cNvPr>
-                  <p:cNvSpPr>
-                    <a:spLocks noRot="1" noChangeAspect="1" noMove="1" noResize="1" noEditPoints="1" noAdjustHandles="1" noChangeArrowheads="1" noChangeShapeType="1" noTextEdit="1"/>
-                  </p:cNvSpPr>
-                  <p:nvPr/>
-                </p:nvSpPr>
-                <p:spPr>
-                  <a:xfrm>
-                    <a:off x="652661" y="5939884"/>
-                    <a:ext cx="3888500" cy="369332"/>
-                  </a:xfrm>
-                  <a:prstGeom prst="rect">
-                    <a:avLst/>
-                  </a:prstGeom>
-                  <a:blipFill>
-                    <a:blip r:embed="rId12"/>
-                    <a:stretch>
-                      <a:fillRect b="-8333"/>
+                      <a:fillRect l="-1104" t="-3289" b="-9211"/>
                     </a:stretch>
                   </a:blipFill>
                 </p:spPr>
@@ -24139,7 +23191,7 @@
           <p:nvPr/>
         </p:nvPicPr>
         <p:blipFill>
-          <a:blip r:embed="rId13">
+          <a:blip r:embed="rId7">
             <a:extLst>
               <a:ext uri="{28A0092B-C50C-407E-A947-70E740481C1C}">
                 <a14:useLocalDpi xmlns:a14="http://schemas.microsoft.com/office/drawing/2010/main" val="0"/>
@@ -24234,7 +23286,7 @@
           <p:nvPr/>
         </p:nvPicPr>
         <p:blipFill>
-          <a:blip r:embed="rId14">
+          <a:blip r:embed="rId8">
             <a:extLst>
               <a:ext uri="{28A0092B-C50C-407E-A947-70E740481C1C}">
                 <a14:useLocalDpi xmlns:a14="http://schemas.microsoft.com/office/drawing/2010/main" val="0"/>
@@ -24248,8 +23300,8 @@
         </p:blipFill>
         <p:spPr bwMode="auto">
           <a:xfrm>
-            <a:off x="7248524" y="1072156"/>
-            <a:ext cx="4086225" cy="4949322"/>
+            <a:off x="6982710" y="1251805"/>
+            <a:ext cx="4383495" cy="5309382"/>
           </a:xfrm>
           <a:prstGeom prst="rect">
             <a:avLst/>
@@ -24598,76 +23650,393 @@
           </a:prstGeom>
         </p:spPr>
       </p:pic>
-      <p:sp>
-        <p:nvSpPr>
-          <p:cNvPr id="31" name="矩形 30">
-            <a:extLst>
-              <a:ext uri="{FF2B5EF4-FFF2-40B4-BE49-F238E27FC236}">
-                <a16:creationId xmlns:a16="http://schemas.microsoft.com/office/drawing/2014/main" id="{831F41C9-7B5D-4991-BF26-73159B42C589}"/>
-              </a:ext>
-            </a:extLst>
-          </p:cNvPr>
-          <p:cNvSpPr/>
-          <p:nvPr/>
-        </p:nvSpPr>
-        <p:spPr>
-          <a:xfrm>
-            <a:off x="30479" y="1777211"/>
-            <a:ext cx="3865246" cy="830997"/>
-          </a:xfrm>
-          <a:prstGeom prst="rect">
-            <a:avLst/>
-          </a:prstGeom>
-        </p:spPr>
-        <p:txBody>
-          <a:bodyPr wrap="square">
-            <a:spAutoFit/>
-          </a:bodyPr>
-          <a:lstStyle/>
-          <a:p>
-            <a:pPr marL="342900" indent="-342900">
-              <a:buFont typeface="Wingdings" panose="05000000000000000000" pitchFamily="2" charset="2"/>
-              <a:buChar char="p"/>
-            </a:pPr>
-            <a:r>
-              <a:rPr lang="zh-CN" altLang="en-US" sz="2400" b="1" dirty="0" smtClean="0">
-                <a:solidFill>
-                  <a:schemeClr val="accent1"/>
-                </a:solidFill>
-                <a:latin typeface="华文宋体" panose="02010600040101010101" pitchFamily="2" charset="-122"/>
-                <a:ea typeface="华文宋体" panose="02010600040101010101" pitchFamily="2" charset="-122"/>
-              </a:rPr>
-              <a:t>模型特点</a:t>
-            </a:r>
-            <a:endParaRPr lang="en-US" altLang="zh-CN" sz="2400" b="1" dirty="0" smtClean="0">
-              <a:solidFill>
-                <a:schemeClr val="accent1"/>
-              </a:solidFill>
-              <a:latin typeface="华文宋体" panose="02010600040101010101" pitchFamily="2" charset="-122"/>
-              <a:ea typeface="华文宋体" panose="02010600040101010101" pitchFamily="2" charset="-122"/>
-            </a:endParaRPr>
-          </a:p>
-          <a:p>
-            <a:r>
-              <a:rPr lang="en-US" altLang="zh-CN" sz="2400" b="1" dirty="0" smtClean="0">
-                <a:solidFill>
-                  <a:schemeClr val="accent1"/>
-                </a:solidFill>
-                <a:latin typeface="华文宋体" panose="02010600040101010101" pitchFamily="2" charset="-122"/>
-                <a:ea typeface="华文宋体" panose="02010600040101010101" pitchFamily="2" charset="-122"/>
-              </a:rPr>
-              <a:t>(1)</a:t>
-            </a:r>
-            <a:endParaRPr lang="zh-CN" altLang="en-US" sz="2400" b="1" dirty="0">
-              <a:solidFill>
-                <a:schemeClr val="accent1"/>
-              </a:solidFill>
-              <a:latin typeface="华文宋体" panose="02010600040101010101" pitchFamily="2" charset="-122"/>
-              <a:ea typeface="华文宋体" panose="02010600040101010101" pitchFamily="2" charset="-122"/>
-            </a:endParaRPr>
-          </a:p>
-        </p:txBody>
-      </p:sp>
+      <mc:AlternateContent xmlns:mc="http://schemas.openxmlformats.org/markup-compatibility/2006">
+        <mc:Choice xmlns:a14="http://schemas.microsoft.com/office/drawing/2010/main" Requires="a14">
+          <p:sp>
+            <p:nvSpPr>
+              <p:cNvPr id="31" name="矩形 30">
+                <a:extLst>
+                  <a:ext uri="{FF2B5EF4-FFF2-40B4-BE49-F238E27FC236}">
+                    <a16:creationId xmlns:a16="http://schemas.microsoft.com/office/drawing/2014/main" id="{831F41C9-7B5D-4991-BF26-73159B42C589}"/>
+                  </a:ext>
+                </a:extLst>
+              </p:cNvPr>
+              <p:cNvSpPr/>
+              <p:nvPr/>
+            </p:nvSpPr>
+            <p:spPr>
+              <a:xfrm>
+                <a:off x="30478" y="1777211"/>
+                <a:ext cx="5349595" cy="3139321"/>
+              </a:xfrm>
+              <a:prstGeom prst="rect">
+                <a:avLst/>
+              </a:prstGeom>
+            </p:spPr>
+            <p:txBody>
+              <a:bodyPr wrap="square">
+                <a:spAutoFit/>
+              </a:bodyPr>
+              <a:lstStyle/>
+              <a:p>
+                <a:pPr marL="342900" indent="-342900">
+                  <a:buFont typeface="Wingdings" panose="05000000000000000000" pitchFamily="2" charset="2"/>
+                  <a:buChar char="p"/>
+                </a:pPr>
+                <a:r>
+                  <a:rPr lang="zh-CN" altLang="en-US" sz="2400" b="1" dirty="0" smtClean="0">
+                    <a:solidFill>
+                      <a:schemeClr val="accent1"/>
+                    </a:solidFill>
+                    <a:latin typeface="华文宋体" panose="02010600040101010101" pitchFamily="2" charset="-122"/>
+                    <a:ea typeface="华文宋体" panose="02010600040101010101" pitchFamily="2" charset="-122"/>
+                  </a:rPr>
+                  <a:t>模型特点</a:t>
+                </a:r>
+                <a:endParaRPr lang="en-US" altLang="zh-CN" sz="2400" b="1" dirty="0" smtClean="0">
+                  <a:solidFill>
+                    <a:schemeClr val="accent1"/>
+                  </a:solidFill>
+                  <a:latin typeface="华文宋体" panose="02010600040101010101" pitchFamily="2" charset="-122"/>
+                  <a:ea typeface="华文宋体" panose="02010600040101010101" pitchFamily="2" charset="-122"/>
+                </a:endParaRPr>
+              </a:p>
+              <a:p>
+                <a:r>
+                  <a:rPr lang="zh-CN" altLang="en-US" sz="2400" b="1" dirty="0" smtClean="0">
+                    <a:solidFill>
+                      <a:schemeClr val="accent1"/>
+                    </a:solidFill>
+                    <a:latin typeface="华文宋体" panose="02010600040101010101" pitchFamily="2" charset="-122"/>
+                    <a:ea typeface="华文宋体" panose="02010600040101010101" pitchFamily="2" charset="-122"/>
+                  </a:rPr>
+                  <a:t>（</a:t>
+                </a:r>
+                <a:r>
+                  <a:rPr lang="en-US" altLang="zh-CN" sz="2400" b="1" dirty="0" smtClean="0">
+                    <a:solidFill>
+                      <a:schemeClr val="accent1"/>
+                    </a:solidFill>
+                    <a:latin typeface="华文宋体" panose="02010600040101010101" pitchFamily="2" charset="-122"/>
+                    <a:ea typeface="华文宋体" panose="02010600040101010101" pitchFamily="2" charset="-122"/>
+                  </a:rPr>
+                  <a:t>1</a:t>
+                </a:r>
+                <a:r>
+                  <a:rPr lang="zh-CN" altLang="en-US" sz="2400" b="1" dirty="0" smtClean="0">
+                    <a:solidFill>
+                      <a:schemeClr val="accent1"/>
+                    </a:solidFill>
+                    <a:latin typeface="华文宋体" panose="02010600040101010101" pitchFamily="2" charset="-122"/>
+                    <a:ea typeface="华文宋体" panose="02010600040101010101" pitchFamily="2" charset="-122"/>
+                  </a:rPr>
+                  <a:t>）</a:t>
+                </a:r>
+                <a:r>
+                  <a:rPr lang="en-US" altLang="zh-CN" sz="2400" b="1" dirty="0" smtClean="0">
+                    <a:solidFill>
+                      <a:schemeClr val="accent1"/>
+                    </a:solidFill>
+                    <a:latin typeface="华文宋体" panose="02010600040101010101" pitchFamily="2" charset="-122"/>
+                    <a:ea typeface="华文宋体" panose="02010600040101010101" pitchFamily="2" charset="-122"/>
+                  </a:rPr>
+                  <a:t>2d</a:t>
+                </a:r>
+                <a:r>
+                  <a:rPr lang="zh-CN" altLang="en-US" sz="2400" b="1" dirty="0" smtClean="0">
+                    <a:solidFill>
+                      <a:schemeClr val="accent1"/>
+                    </a:solidFill>
+                    <a:latin typeface="华文宋体" panose="02010600040101010101" pitchFamily="2" charset="-122"/>
+                    <a:ea typeface="华文宋体" panose="02010600040101010101" pitchFamily="2" charset="-122"/>
+                  </a:rPr>
+                  <a:t>卷积</a:t>
+                </a:r>
+                <a:endParaRPr lang="en-US" altLang="zh-CN" sz="2400" b="1" dirty="0" smtClean="0">
+                  <a:solidFill>
+                    <a:schemeClr val="accent1"/>
+                  </a:solidFill>
+                  <a:latin typeface="华文宋体" panose="02010600040101010101" pitchFamily="2" charset="-122"/>
+                  <a:ea typeface="华文宋体" panose="02010600040101010101" pitchFamily="2" charset="-122"/>
+                </a:endParaRPr>
+              </a:p>
+              <a:p>
+                <a:r>
+                  <a:rPr lang="en-US" altLang="zh-CN" dirty="0" smtClean="0"/>
+                  <a:t>LSTM</a:t>
+                </a:r>
+                <a:r>
+                  <a:rPr lang="zh-CN" altLang="en-US" dirty="0" smtClean="0"/>
+                  <a:t>网络常用于信息抽取，对于关系抽取任务，</a:t>
+                </a:r>
+                <a:r>
+                  <a:rPr lang="en-US" altLang="zh-CN" dirty="0" smtClean="0"/>
+                  <a:t>CNN</a:t>
+                </a:r>
+                <a:r>
+                  <a:rPr lang="zh-CN" altLang="en-US" dirty="0" smtClean="0"/>
+                  <a:t>网络能够获取到实体上下文信息，相较于</a:t>
+                </a:r>
+                <a:r>
+                  <a:rPr lang="en-US" altLang="zh-CN" dirty="0" smtClean="0"/>
+                  <a:t>LSTM</a:t>
+                </a:r>
+                <a:r>
+                  <a:rPr lang="zh-CN" altLang="en-US" smtClean="0"/>
+                  <a:t>效果更好。</a:t>
+                </a:r>
+                <a:endParaRPr lang="en-US" altLang="zh-CN" dirty="0" smtClean="0"/>
+              </a:p>
+              <a:p>
+                <a:endParaRPr lang="en-US" altLang="zh-CN" dirty="0" smtClean="0"/>
+              </a:p>
+              <a:p>
+                <a:r>
+                  <a:rPr lang="zh-CN" altLang="en-US" sz="2400" b="1" dirty="0" smtClean="0">
+                    <a:solidFill>
+                      <a:schemeClr val="accent1"/>
+                    </a:solidFill>
+                    <a:latin typeface="华文宋体" panose="02010600040101010101" pitchFamily="2" charset="-122"/>
+                    <a:ea typeface="华文宋体" panose="02010600040101010101" pitchFamily="2" charset="-122"/>
+                  </a:rPr>
+                  <a:t>（</a:t>
+                </a:r>
+                <a:r>
+                  <a:rPr lang="en-US" altLang="zh-CN" sz="2400" b="1" dirty="0" smtClean="0">
+                    <a:solidFill>
+                      <a:schemeClr val="accent1"/>
+                    </a:solidFill>
+                    <a:latin typeface="华文宋体" panose="02010600040101010101" pitchFamily="2" charset="-122"/>
+                    <a:ea typeface="华文宋体" panose="02010600040101010101" pitchFamily="2" charset="-122"/>
+                  </a:rPr>
+                  <a:t>2</a:t>
+                </a:r>
+                <a:r>
+                  <a:rPr lang="zh-CN" altLang="en-US" sz="2400" b="1" dirty="0" smtClean="0">
+                    <a:solidFill>
+                      <a:schemeClr val="accent1"/>
+                    </a:solidFill>
+                    <a:latin typeface="华文宋体" panose="02010600040101010101" pitchFamily="2" charset="-122"/>
+                    <a:ea typeface="华文宋体" panose="02010600040101010101" pitchFamily="2" charset="-122"/>
+                  </a:rPr>
+                  <a:t>）分段池化</a:t>
+                </a:r>
+                <a:endParaRPr lang="en-US" altLang="zh-CN" sz="2400" b="1" dirty="0" smtClean="0">
+                  <a:solidFill>
+                    <a:schemeClr val="accent1"/>
+                  </a:solidFill>
+                  <a:latin typeface="华文宋体" panose="02010600040101010101" pitchFamily="2" charset="-122"/>
+                  <a:ea typeface="华文宋体" panose="02010600040101010101" pitchFamily="2" charset="-122"/>
+                </a:endParaRPr>
+              </a:p>
+              <a:p>
+                <a:r>
+                  <a:rPr lang="zh-CN" altLang="zh-CN" dirty="0"/>
+                  <a:t>对于每个过滤器获得的卷积向量</a:t>
+                </a:r>
+                <a14:m>
+                  <m:oMath xmlns:m="http://schemas.openxmlformats.org/officeDocument/2006/math">
+                    <m:sSub>
+                      <m:sSubPr>
+                        <m:ctrlPr>
+                          <a:rPr lang="zh-CN" altLang="zh-CN" i="1"/>
+                        </m:ctrlPr>
+                      </m:sSubPr>
+                      <m:e>
+                        <m:r>
+                          <m:rPr>
+                            <m:sty m:val="p"/>
+                          </m:rPr>
+                          <a:rPr lang="en-US" altLang="zh-CN"/>
+                          <m:t>c</m:t>
+                        </m:r>
+                      </m:e>
+                      <m:sub>
+                        <m:r>
+                          <m:rPr>
+                            <m:sty m:val="p"/>
+                          </m:rPr>
+                          <a:rPr lang="en-US" altLang="zh-CN"/>
+                          <m:t>i</m:t>
+                        </m:r>
+                      </m:sub>
+                    </m:sSub>
+                  </m:oMath>
+                </a14:m>
+                <a:r>
+                  <a:rPr lang="zh-CN" altLang="zh-CN" dirty="0"/>
+                  <a:t>，可以将其分为三个部分</a:t>
+                </a:r>
+                <a14:m>
+                  <m:oMath xmlns:m="http://schemas.openxmlformats.org/officeDocument/2006/math">
+                    <m:d>
+                      <m:dPr>
+                        <m:begChr m:val="{"/>
+                        <m:endChr m:val="}"/>
+                        <m:ctrlPr>
+                          <a:rPr lang="zh-CN" altLang="zh-CN" i="1"/>
+                        </m:ctrlPr>
+                      </m:dPr>
+                      <m:e>
+                        <m:sSub>
+                          <m:sSubPr>
+                            <m:ctrlPr>
+                              <a:rPr lang="zh-CN" altLang="zh-CN" i="1"/>
+                            </m:ctrlPr>
+                          </m:sSubPr>
+                          <m:e>
+                            <m:r>
+                              <m:rPr>
+                                <m:sty m:val="p"/>
+                              </m:rPr>
+                              <a:rPr lang="en-US" altLang="zh-CN"/>
+                              <m:t>c</m:t>
+                            </m:r>
+                          </m:e>
+                          <m:sub>
+                            <m:r>
+                              <m:rPr>
+                                <m:sty m:val="p"/>
+                              </m:rPr>
+                              <a:rPr lang="en-US" altLang="zh-CN"/>
+                              <m:t>i</m:t>
+                            </m:r>
+                            <m:r>
+                              <a:rPr lang="en-US" altLang="zh-CN"/>
+                              <m:t>1</m:t>
+                            </m:r>
+                          </m:sub>
+                        </m:sSub>
+                        <m:r>
+                          <a:rPr lang="en-US" altLang="zh-CN"/>
+                          <m:t>,</m:t>
+                        </m:r>
+                        <m:sSub>
+                          <m:sSubPr>
+                            <m:ctrlPr>
+                              <a:rPr lang="zh-CN" altLang="zh-CN" i="1"/>
+                            </m:ctrlPr>
+                          </m:sSubPr>
+                          <m:e>
+                            <m:r>
+                              <m:rPr>
+                                <m:sty m:val="p"/>
+                              </m:rPr>
+                              <a:rPr lang="en-US" altLang="zh-CN"/>
+                              <m:t>c</m:t>
+                            </m:r>
+                          </m:e>
+                          <m:sub>
+                            <m:r>
+                              <m:rPr>
+                                <m:sty m:val="p"/>
+                              </m:rPr>
+                              <a:rPr lang="en-US" altLang="zh-CN"/>
+                              <m:t>i</m:t>
+                            </m:r>
+                            <m:r>
+                              <a:rPr lang="en-US" altLang="zh-CN"/>
+                              <m:t>2</m:t>
+                            </m:r>
+                          </m:sub>
+                        </m:sSub>
+                        <m:r>
+                          <a:rPr lang="en-US" altLang="zh-CN" i="1"/>
+                          <m:t>,</m:t>
+                        </m:r>
+                        <m:sSub>
+                          <m:sSubPr>
+                            <m:ctrlPr>
+                              <a:rPr lang="zh-CN" altLang="zh-CN" i="1"/>
+                            </m:ctrlPr>
+                          </m:sSubPr>
+                          <m:e>
+                            <m:r>
+                              <m:rPr>
+                                <m:sty m:val="p"/>
+                              </m:rPr>
+                              <a:rPr lang="en-US" altLang="zh-CN"/>
+                              <m:t>c</m:t>
+                            </m:r>
+                          </m:e>
+                          <m:sub>
+                            <m:r>
+                              <m:rPr>
+                                <m:sty m:val="p"/>
+                              </m:rPr>
+                              <a:rPr lang="en-US" altLang="zh-CN"/>
+                              <m:t>i</m:t>
+                            </m:r>
+                            <m:r>
+                              <a:rPr lang="en-US" altLang="zh-CN"/>
+                              <m:t>3</m:t>
+                            </m:r>
+                          </m:sub>
+                        </m:sSub>
+                      </m:e>
+                    </m:d>
+                  </m:oMath>
+                </a14:m>
+                <a:r>
+                  <a:rPr lang="zh-CN" altLang="zh-CN" dirty="0"/>
+                  <a:t>，通过对这三部分分别采用最大化池化进行维度压缩，</a:t>
+                </a:r>
+                <a:endParaRPr lang="zh-CN" altLang="en-US" sz="2400" b="1" dirty="0">
+                  <a:solidFill>
+                    <a:schemeClr val="accent1"/>
+                  </a:solidFill>
+                  <a:latin typeface="华文宋体" panose="02010600040101010101" pitchFamily="2" charset="-122"/>
+                  <a:ea typeface="华文宋体" panose="02010600040101010101" pitchFamily="2" charset="-122"/>
+                </a:endParaRPr>
+              </a:p>
+            </p:txBody>
+          </p:sp>
+        </mc:Choice>
+        <mc:Fallback>
+          <p:sp>
+            <p:nvSpPr>
+              <p:cNvPr id="31" name="矩形 30">
+                <a:extLst>
+                  <a:ext uri="{FF2B5EF4-FFF2-40B4-BE49-F238E27FC236}">
+                    <a16:creationId xmlns:a16="http://schemas.microsoft.com/office/drawing/2014/main" id="{831F41C9-7B5D-4991-BF26-73159B42C589}"/>
+                  </a:ext>
+                </a:extLst>
+              </p:cNvPr>
+              <p:cNvSpPr>
+                <a:spLocks noRot="1" noChangeAspect="1" noMove="1" noResize="1" noEditPoints="1" noAdjustHandles="1" noChangeArrowheads="1" noChangeShapeType="1" noTextEdit="1"/>
+              </p:cNvSpPr>
+              <p:nvPr/>
+            </p:nvSpPr>
+            <p:spPr>
+              <a:xfrm>
+                <a:off x="30478" y="1777211"/>
+                <a:ext cx="5349595" cy="3139321"/>
+              </a:xfrm>
+              <a:prstGeom prst="rect">
+                <a:avLst/>
+              </a:prstGeom>
+              <a:blipFill>
+                <a:blip r:embed="rId5"/>
+                <a:stretch>
+                  <a:fillRect l="-1708" t="-1553" b="-1942"/>
+                </a:stretch>
+              </a:blipFill>
+            </p:spPr>
+            <p:txBody>
+              <a:bodyPr/>
+              <a:lstStyle/>
+              <a:p>
+                <a:r>
+                  <a:rPr lang="zh-CN" altLang="en-US">
+                    <a:noFill/>
+                  </a:rPr>
+                  <a:t> </a:t>
+                </a:r>
+              </a:p>
+            </p:txBody>
+          </p:sp>
+        </mc:Fallback>
+      </mc:AlternateContent>
     </p:spTree>
     <p:extLst>
       <p:ext uri="{BB962C8B-B14F-4D97-AF65-F5344CB8AC3E}">
@@ -25124,21 +24493,7 @@
                 <a:latin typeface="+mn-ea"/>
                 <a:cs typeface="Times New Roman" panose="02020603050405020304" pitchFamily="18" charset="0"/>
               </a:rPr>
-              <a:t>各关系类型数据量扩充后</a:t>
-            </a:r>
-            <a:r>
-              <a:rPr lang="zh-CN" altLang="en-US" sz="1400" kern="100" dirty="0" smtClean="0">
-                <a:latin typeface="+mn-ea"/>
-                <a:cs typeface="Times New Roman" panose="02020603050405020304" pitchFamily="18" charset="0"/>
-              </a:rPr>
-              <a:t>结</a:t>
-            </a:r>
-            <a:r>
-              <a:rPr lang="zh-CN" altLang="en-US" sz="1400" kern="100" dirty="0" smtClean="0">
-                <a:latin typeface="+mn-ea"/>
-                <a:cs typeface="Times New Roman" panose="02020603050405020304" pitchFamily="18" charset="0"/>
-              </a:rPr>
-              <a:t>果</a:t>
+              <a:t>各关系类型数据量扩充后结果</a:t>
             </a:r>
             <a:endParaRPr lang="zh-CN" altLang="en-US" sz="1400" kern="100" dirty="0">
               <a:latin typeface="+mn-ea"/>

--- a/mid/何康镐中期答辩.pptx
+++ b/mid/何康镐中期答辩.pptx
@@ -5,10 +5,10 @@
     <p:sldMasterId id="2147483661" r:id="rId1"/>
   </p:sldMasterIdLst>
   <p:notesMasterIdLst>
-    <p:notesMasterId r:id="rId20"/>
+    <p:notesMasterId r:id="rId22"/>
   </p:notesMasterIdLst>
   <p:handoutMasterIdLst>
-    <p:handoutMasterId r:id="rId21"/>
+    <p:handoutMasterId r:id="rId23"/>
   </p:handoutMasterIdLst>
   <p:sldIdLst>
     <p:sldId id="256" r:id="rId2"/>
@@ -19,21 +19,23 @@
     <p:sldId id="482" r:id="rId7"/>
     <p:sldId id="492" r:id="rId8"/>
     <p:sldId id="453" r:id="rId9"/>
-    <p:sldId id="476" r:id="rId10"/>
-    <p:sldId id="478" r:id="rId11"/>
-    <p:sldId id="458" r:id="rId12"/>
-    <p:sldId id="479" r:id="rId13"/>
-    <p:sldId id="487" r:id="rId14"/>
-    <p:sldId id="488" r:id="rId15"/>
-    <p:sldId id="489" r:id="rId16"/>
-    <p:sldId id="490" r:id="rId17"/>
-    <p:sldId id="491" r:id="rId18"/>
-    <p:sldId id="447" r:id="rId19"/>
+    <p:sldId id="494" r:id="rId10"/>
+    <p:sldId id="476" r:id="rId11"/>
+    <p:sldId id="493" r:id="rId12"/>
+    <p:sldId id="478" r:id="rId13"/>
+    <p:sldId id="458" r:id="rId14"/>
+    <p:sldId id="479" r:id="rId15"/>
+    <p:sldId id="487" r:id="rId16"/>
+    <p:sldId id="488" r:id="rId17"/>
+    <p:sldId id="489" r:id="rId18"/>
+    <p:sldId id="490" r:id="rId19"/>
+    <p:sldId id="491" r:id="rId20"/>
+    <p:sldId id="447" r:id="rId21"/>
   </p:sldIdLst>
   <p:sldSz cx="12192000" cy="6858000"/>
   <p:notesSz cx="6858000" cy="9144000"/>
   <p:custDataLst>
-    <p:tags r:id="rId22"/>
+    <p:tags r:id="rId24"/>
   </p:custDataLst>
   <p:defaultTextStyle>
     <a:defPPr>
@@ -854,8 +856,343 @@
           <a:p>
             <a:r>
               <a:rPr lang="zh-CN" altLang="en-US" dirty="0"/>
-              <a:t>加一个小视频</a:t>
-            </a:r>
+              <a:t>增加，看下论文</a:t>
+            </a:r>
+            <a:endParaRPr lang="en-US" altLang="zh-CN" dirty="0"/>
+          </a:p>
+          <a:p>
+            <a:r>
+              <a:rPr lang="zh-CN" altLang="en-US" dirty="0"/>
+              <a:t>人工标注的效果？</a:t>
+            </a:r>
+            <a:endParaRPr lang="en-US" altLang="zh-CN" dirty="0"/>
+          </a:p>
+          <a:p>
+            <a:r>
+              <a:rPr lang="zh-CN" altLang="en-US" dirty="0"/>
+              <a:t>怎么放这几张图？</a:t>
+            </a:r>
+            <a:endParaRPr lang="en-US" altLang="zh-CN" dirty="0"/>
+          </a:p>
+          <a:p>
+            <a:r>
+              <a:rPr lang="zh-CN" altLang="en-US" dirty="0"/>
+              <a:t>加图说明</a:t>
+            </a:r>
+            <a:endParaRPr lang="en-US" altLang="zh-CN" dirty="0"/>
+          </a:p>
+          <a:p>
+            <a:r>
+              <a:rPr lang="en-US" altLang="zh-CN" sz="1200" kern="100" dirty="0">
+                <a:latin typeface="Times New Roman" panose="02020603050405020304" pitchFamily="18" charset="0"/>
+                <a:ea typeface="宋体" panose="02010600030101010101" pitchFamily="2" charset="-122"/>
+              </a:rPr>
+              <a:t> [2] </a:t>
+            </a:r>
+            <a:r>
+              <a:rPr lang="en-US" altLang="zh-CN" sz="1200" kern="100" dirty="0" err="1">
+                <a:latin typeface="Times New Roman" panose="02020603050405020304" pitchFamily="18" charset="0"/>
+                <a:ea typeface="宋体" panose="02010600030101010101" pitchFamily="2" charset="-122"/>
+              </a:rPr>
+              <a:t>Shuohang</a:t>
+            </a:r>
+            <a:r>
+              <a:rPr lang="en-US" altLang="zh-CN" sz="1200" kern="100" dirty="0">
+                <a:latin typeface="Times New Roman" panose="02020603050405020304" pitchFamily="18" charset="0"/>
+                <a:ea typeface="宋体" panose="02010600030101010101" pitchFamily="2" charset="-122"/>
+              </a:rPr>
+              <a:t> Wang and Jing Jiang. 2016. Machine comprehension using match-</a:t>
+            </a:r>
+            <a:r>
+              <a:rPr lang="en-US" altLang="zh-CN" sz="1200" kern="100" dirty="0" err="1">
+                <a:latin typeface="Times New Roman" panose="02020603050405020304" pitchFamily="18" charset="0"/>
+                <a:ea typeface="宋体" panose="02010600030101010101" pitchFamily="2" charset="-122"/>
+              </a:rPr>
+              <a:t>lstm</a:t>
+            </a:r>
+            <a:r>
+              <a:rPr lang="en-US" altLang="zh-CN" sz="1200" kern="100" dirty="0">
+                <a:latin typeface="Times New Roman" panose="02020603050405020304" pitchFamily="18" charset="0"/>
+                <a:ea typeface="宋体" panose="02010600030101010101" pitchFamily="2" charset="-122"/>
+              </a:rPr>
+              <a:t> and answer pointer.</a:t>
+            </a:r>
+            <a:r>
+              <a:rPr lang="en-US" altLang="zh-CN" sz="1200" kern="100" dirty="0">
+                <a:latin typeface="宋体" panose="02010600030101010101" pitchFamily="2" charset="-122"/>
+                <a:cs typeface="宋体" panose="02010600030101010101" pitchFamily="2" charset="-122"/>
+              </a:rPr>
+              <a:t> </a:t>
+            </a:r>
+            <a:r>
+              <a:rPr lang="en-US" altLang="zh-CN" sz="1200" i="1" kern="100" dirty="0" err="1">
+                <a:latin typeface="Times New Roman" panose="02020603050405020304" pitchFamily="18" charset="0"/>
+                <a:ea typeface="宋体" panose="02010600030101010101" pitchFamily="2" charset="-122"/>
+              </a:rPr>
+              <a:t>arXiv</a:t>
+            </a:r>
+            <a:r>
+              <a:rPr lang="en-US" altLang="zh-CN" sz="1200" i="1" kern="100" dirty="0">
+                <a:latin typeface="Times New Roman" panose="02020603050405020304" pitchFamily="18" charset="0"/>
+                <a:ea typeface="宋体" panose="02010600030101010101" pitchFamily="2" charset="-122"/>
+              </a:rPr>
+              <a:t> preprint arXiv:1608.07905</a:t>
+            </a:r>
+            <a:r>
+              <a:rPr lang="en-US" altLang="zh-CN" sz="1200" kern="100" dirty="0">
+                <a:latin typeface="Times New Roman" panose="02020603050405020304" pitchFamily="18" charset="0"/>
+                <a:ea typeface="宋体" panose="02010600030101010101" pitchFamily="2" charset="-122"/>
+              </a:rPr>
+              <a:t>.</a:t>
+            </a:r>
+          </a:p>
+          <a:p>
+            <a:pPr marL="0" marR="0" lvl="0" indent="0" algn="l" defTabSz="914400" rtl="0" eaLnBrk="1" fontAlgn="auto" latinLnBrk="0" hangingPunct="1">
+              <a:lnSpc>
+                <a:spcPct val="100000"/>
+              </a:lnSpc>
+              <a:spcBef>
+                <a:spcPts val="0"/>
+              </a:spcBef>
+              <a:spcAft>
+                <a:spcPts val="0"/>
+              </a:spcAft>
+              <a:buClrTx/>
+              <a:buSzTx/>
+              <a:buFontTx/>
+              <a:buNone/>
+              <a:tabLst/>
+              <a:defRPr/>
+            </a:pPr>
+            <a:r>
+              <a:rPr lang="en-US" altLang="zh-CN" sz="1200" kern="100" dirty="0">
+                <a:latin typeface="Times New Roman" panose="02020603050405020304" pitchFamily="18" charset="0"/>
+                <a:ea typeface="宋体" panose="02010600030101010101" pitchFamily="2" charset="-122"/>
+                <a:cs typeface="Times New Roman" panose="02020603050405020304" pitchFamily="18" charset="0"/>
+              </a:rPr>
+              <a:t>[4] </a:t>
+            </a:r>
+            <a:r>
+              <a:rPr lang="en-US" altLang="zh-CN" sz="1200" kern="100" dirty="0" err="1">
+                <a:latin typeface="Times New Roman" panose="02020603050405020304" pitchFamily="18" charset="0"/>
+                <a:ea typeface="宋体" panose="02010600030101010101" pitchFamily="2" charset="-122"/>
+                <a:cs typeface="Times New Roman" panose="02020603050405020304" pitchFamily="18" charset="0"/>
+              </a:rPr>
+              <a:t>Minjoon</a:t>
+            </a:r>
+            <a:r>
+              <a:rPr lang="en-US" altLang="zh-CN" sz="1200" kern="100" dirty="0">
+                <a:latin typeface="Times New Roman" panose="02020603050405020304" pitchFamily="18" charset="0"/>
+                <a:ea typeface="宋体" panose="02010600030101010101" pitchFamily="2" charset="-122"/>
+                <a:cs typeface="Times New Roman" panose="02020603050405020304" pitchFamily="18" charset="0"/>
+              </a:rPr>
+              <a:t> </a:t>
+            </a:r>
+            <a:r>
+              <a:rPr lang="en-US" altLang="zh-CN" sz="1200" kern="100" dirty="0" err="1">
+                <a:latin typeface="Times New Roman" panose="02020603050405020304" pitchFamily="18" charset="0"/>
+                <a:ea typeface="宋体" panose="02010600030101010101" pitchFamily="2" charset="-122"/>
+                <a:cs typeface="Times New Roman" panose="02020603050405020304" pitchFamily="18" charset="0"/>
+              </a:rPr>
+              <a:t>Seo</a:t>
+            </a:r>
+            <a:r>
+              <a:rPr lang="en-US" altLang="zh-CN" sz="1200" kern="100" dirty="0">
+                <a:latin typeface="Times New Roman" panose="02020603050405020304" pitchFamily="18" charset="0"/>
+                <a:ea typeface="宋体" panose="02010600030101010101" pitchFamily="2" charset="-122"/>
+                <a:cs typeface="Times New Roman" panose="02020603050405020304" pitchFamily="18" charset="0"/>
+              </a:rPr>
+              <a:t>, Aniruddha </a:t>
+            </a:r>
+            <a:r>
+              <a:rPr lang="en-US" altLang="zh-CN" sz="1200" kern="100" dirty="0" err="1">
+                <a:latin typeface="Times New Roman" panose="02020603050405020304" pitchFamily="18" charset="0"/>
+                <a:ea typeface="宋体" panose="02010600030101010101" pitchFamily="2" charset="-122"/>
+                <a:cs typeface="Times New Roman" panose="02020603050405020304" pitchFamily="18" charset="0"/>
+              </a:rPr>
+              <a:t>Kembhavi</a:t>
+            </a:r>
+            <a:r>
+              <a:rPr lang="en-US" altLang="zh-CN" sz="1200" kern="100" dirty="0">
+                <a:latin typeface="Times New Roman" panose="02020603050405020304" pitchFamily="18" charset="0"/>
+                <a:ea typeface="宋体" panose="02010600030101010101" pitchFamily="2" charset="-122"/>
+                <a:cs typeface="Times New Roman" panose="02020603050405020304" pitchFamily="18" charset="0"/>
+              </a:rPr>
+              <a:t>, Ali Farhadi, and </a:t>
+            </a:r>
+            <a:r>
+              <a:rPr lang="en-US" altLang="zh-CN" sz="1200" kern="100" dirty="0" err="1">
+                <a:latin typeface="Times New Roman" panose="02020603050405020304" pitchFamily="18" charset="0"/>
+                <a:ea typeface="宋体" panose="02010600030101010101" pitchFamily="2" charset="-122"/>
+                <a:cs typeface="Times New Roman" panose="02020603050405020304" pitchFamily="18" charset="0"/>
+              </a:rPr>
+              <a:t>Hannaneh</a:t>
+            </a:r>
+            <a:r>
+              <a:rPr lang="en-US" altLang="zh-CN" sz="1200" kern="100" dirty="0">
+                <a:latin typeface="Times New Roman" panose="02020603050405020304" pitchFamily="18" charset="0"/>
+                <a:ea typeface="宋体" panose="02010600030101010101" pitchFamily="2" charset="-122"/>
+                <a:cs typeface="Times New Roman" panose="02020603050405020304" pitchFamily="18" charset="0"/>
+              </a:rPr>
+              <a:t> </a:t>
+            </a:r>
+            <a:r>
+              <a:rPr lang="en-US" altLang="zh-CN" sz="1200" kern="100" dirty="0" err="1">
+                <a:latin typeface="Times New Roman" panose="02020603050405020304" pitchFamily="18" charset="0"/>
+                <a:ea typeface="宋体" panose="02010600030101010101" pitchFamily="2" charset="-122"/>
+                <a:cs typeface="Times New Roman" panose="02020603050405020304" pitchFamily="18" charset="0"/>
+              </a:rPr>
+              <a:t>Hajishirzi</a:t>
+            </a:r>
+            <a:r>
+              <a:rPr lang="en-US" altLang="zh-CN" sz="1200" kern="100" dirty="0">
+                <a:latin typeface="Times New Roman" panose="02020603050405020304" pitchFamily="18" charset="0"/>
+                <a:ea typeface="宋体" panose="02010600030101010101" pitchFamily="2" charset="-122"/>
+                <a:cs typeface="Times New Roman" panose="02020603050405020304" pitchFamily="18" charset="0"/>
+              </a:rPr>
+              <a:t>. 2016. Bidirectional attention </a:t>
+            </a:r>
+            <a:r>
+              <a:rPr lang="en-US" altLang="zh-CN" sz="1200" kern="100" dirty="0">
+                <a:latin typeface="MS Gothic" panose="020B0609070205080204" pitchFamily="49" charset="-128"/>
+                <a:ea typeface="宋体" panose="02010600030101010101" pitchFamily="2" charset="-122"/>
+                <a:cs typeface="MS Gothic" panose="020B0609070205080204" pitchFamily="49" charset="-128"/>
+              </a:rPr>
+              <a:t>ﬂ</a:t>
+            </a:r>
+            <a:r>
+              <a:rPr lang="en-US" altLang="zh-CN" sz="1200" kern="100" dirty="0">
+                <a:latin typeface="Times New Roman" panose="02020603050405020304" pitchFamily="18" charset="0"/>
+                <a:ea typeface="宋体" panose="02010600030101010101" pitchFamily="2" charset="-122"/>
+                <a:cs typeface="Times New Roman" panose="02020603050405020304" pitchFamily="18" charset="0"/>
+              </a:rPr>
+              <a:t>ow for machine comprehension.</a:t>
+            </a:r>
+            <a:r>
+              <a:rPr lang="en-US" altLang="zh-CN" sz="1200" i="1" kern="100" dirty="0">
+                <a:latin typeface="Times New Roman" panose="02020603050405020304" pitchFamily="18" charset="0"/>
+                <a:ea typeface="宋体" panose="02010600030101010101" pitchFamily="2" charset="-122"/>
+                <a:cs typeface="Times New Roman" panose="02020603050405020304" pitchFamily="18" charset="0"/>
+              </a:rPr>
+              <a:t> </a:t>
+            </a:r>
+            <a:r>
+              <a:rPr lang="en-US" altLang="zh-CN" sz="1200" i="1" kern="100" dirty="0" err="1">
+                <a:latin typeface="Times New Roman" panose="02020603050405020304" pitchFamily="18" charset="0"/>
+                <a:ea typeface="宋体" panose="02010600030101010101" pitchFamily="2" charset="-122"/>
+                <a:cs typeface="Times New Roman" panose="02020603050405020304" pitchFamily="18" charset="0"/>
+              </a:rPr>
+              <a:t>arXiv</a:t>
+            </a:r>
+            <a:r>
+              <a:rPr lang="en-US" altLang="zh-CN" sz="1200" i="1" kern="100" dirty="0">
+                <a:latin typeface="Times New Roman" panose="02020603050405020304" pitchFamily="18" charset="0"/>
+                <a:ea typeface="宋体" panose="02010600030101010101" pitchFamily="2" charset="-122"/>
+                <a:cs typeface="Times New Roman" panose="02020603050405020304" pitchFamily="18" charset="0"/>
+              </a:rPr>
+              <a:t> preprint arXiv:1611.01603</a:t>
+            </a:r>
+            <a:r>
+              <a:rPr lang="en-US" altLang="zh-CN" sz="1200" kern="100" dirty="0">
+                <a:latin typeface="Times New Roman" panose="02020603050405020304" pitchFamily="18" charset="0"/>
+                <a:ea typeface="宋体" panose="02010600030101010101" pitchFamily="2" charset="-122"/>
+                <a:cs typeface="Times New Roman" panose="02020603050405020304" pitchFamily="18" charset="0"/>
+              </a:rPr>
+              <a:t>.</a:t>
+            </a:r>
+          </a:p>
+          <a:p>
+            <a:pPr marL="0" marR="0" lvl="0" indent="0" algn="l" defTabSz="914400" rtl="0" eaLnBrk="1" fontAlgn="auto" latinLnBrk="0" hangingPunct="1">
+              <a:lnSpc>
+                <a:spcPct val="100000"/>
+              </a:lnSpc>
+              <a:spcBef>
+                <a:spcPts val="0"/>
+              </a:spcBef>
+              <a:spcAft>
+                <a:spcPts val="0"/>
+              </a:spcAft>
+              <a:buClrTx/>
+              <a:buSzTx/>
+              <a:buFontTx/>
+              <a:buNone/>
+              <a:tabLst/>
+              <a:defRPr/>
+            </a:pPr>
+            <a:r>
+              <a:rPr lang="en-US" altLang="zh-CN" sz="1600" kern="100" dirty="0">
+                <a:latin typeface="Times New Roman" panose="02020603050405020304" pitchFamily="18" charset="0"/>
+                <a:ea typeface="宋体" panose="02010600030101010101" pitchFamily="2" charset="-122"/>
+                <a:cs typeface="Times New Roman" panose="02020603050405020304" pitchFamily="18" charset="0"/>
+              </a:rPr>
+              <a:t>[6]</a:t>
+            </a:r>
+            <a:r>
+              <a:rPr lang="en-US" altLang="zh-CN" sz="2000" kern="100" dirty="0">
+                <a:latin typeface="Calibri" panose="020F0502020204030204" pitchFamily="34" charset="0"/>
+                <a:ea typeface="宋体" panose="02010600030101010101" pitchFamily="2" charset="-122"/>
+                <a:cs typeface="Times New Roman" panose="02020603050405020304" pitchFamily="18" charset="0"/>
+              </a:rPr>
+              <a:t> </a:t>
+            </a:r>
+            <a:r>
+              <a:rPr lang="en-US" altLang="zh-CN" sz="1600" kern="100" dirty="0">
+                <a:latin typeface="Times New Roman" panose="02020603050405020304" pitchFamily="18" charset="0"/>
+                <a:ea typeface="宋体" panose="02010600030101010101" pitchFamily="2" charset="-122"/>
+                <a:cs typeface="Times New Roman" panose="02020603050405020304" pitchFamily="18" charset="0"/>
+              </a:rPr>
+              <a:t>Jacob Devlin, Ming-Wei Chang, Kenton Lee, and Kristina Toutanova. 2019. BERT: Pre-training of Deep Bidirectional Transformers for Language Understanding. In </a:t>
+            </a:r>
+            <a:r>
+              <a:rPr lang="en-US" altLang="zh-CN" sz="1600" i="1" kern="100" dirty="0">
+                <a:latin typeface="Times New Roman" panose="02020603050405020304" pitchFamily="18" charset="0"/>
+                <a:ea typeface="宋体" panose="02010600030101010101" pitchFamily="2" charset="-122"/>
+                <a:cs typeface="Times New Roman" panose="02020603050405020304" pitchFamily="18" charset="0"/>
+              </a:rPr>
+              <a:t>Annual Conference of the North American Chapter of the Association for Computational Linguistics (NAACL)</a:t>
+            </a:r>
+            <a:r>
+              <a:rPr lang="en-US" altLang="zh-CN" sz="1600" kern="100" dirty="0">
+                <a:latin typeface="Times New Roman" panose="02020603050405020304" pitchFamily="18" charset="0"/>
+                <a:ea typeface="宋体" panose="02010600030101010101" pitchFamily="2" charset="-122"/>
+                <a:cs typeface="Times New Roman" panose="02020603050405020304" pitchFamily="18" charset="0"/>
+              </a:rPr>
+              <a:t>.</a:t>
+            </a:r>
+            <a:endParaRPr lang="zh-CN" altLang="zh-CN" sz="2000" kern="100" dirty="0">
+              <a:effectLst/>
+              <a:latin typeface="Calibri" panose="020F0502020204030204" pitchFamily="34" charset="0"/>
+              <a:ea typeface="宋体" panose="02010600030101010101" pitchFamily="2" charset="-122"/>
+              <a:cs typeface="Times New Roman" panose="02020603050405020304" pitchFamily="18" charset="0"/>
+            </a:endParaRPr>
+          </a:p>
+          <a:p>
+            <a:pPr marL="0" marR="0" lvl="0" indent="0" algn="l" defTabSz="914400" rtl="0" eaLnBrk="1" fontAlgn="auto" latinLnBrk="0" hangingPunct="1">
+              <a:lnSpc>
+                <a:spcPct val="100000"/>
+              </a:lnSpc>
+              <a:spcBef>
+                <a:spcPts val="0"/>
+              </a:spcBef>
+              <a:spcAft>
+                <a:spcPts val="0"/>
+              </a:spcAft>
+              <a:buClrTx/>
+              <a:buSzTx/>
+              <a:buFontTx/>
+              <a:buNone/>
+              <a:tabLst/>
+              <a:defRPr/>
+            </a:pPr>
+            <a:endParaRPr lang="zh-CN" altLang="zh-CN" sz="1600" kern="100" dirty="0">
+              <a:effectLst/>
+              <a:latin typeface="Calibri" panose="020F0502020204030204" pitchFamily="34" charset="0"/>
+              <a:ea typeface="宋体" panose="02010600030101010101" pitchFamily="2" charset="-122"/>
+              <a:cs typeface="Times New Roman" panose="02020603050405020304" pitchFamily="18" charset="0"/>
+            </a:endParaRPr>
+          </a:p>
+          <a:p>
+            <a:endParaRPr lang="en-US" altLang="zh-CN" dirty="0"/>
           </a:p>
         </p:txBody>
       </p:sp>
@@ -885,7 +1222,7 @@
     </p:spTree>
     <p:extLst>
       <p:ext uri="{BB962C8B-B14F-4D97-AF65-F5344CB8AC3E}">
-        <p14:creationId xmlns:p14="http://schemas.microsoft.com/office/powerpoint/2010/main" val="3569892491"/>
+        <p14:creationId xmlns:p14="http://schemas.microsoft.com/office/powerpoint/2010/main" val="4207834024"/>
       </p:ext>
     </p:extLst>
   </p:cSld>
@@ -941,23 +1278,343 @@
           <a:p>
             <a:r>
               <a:rPr lang="zh-CN" altLang="en-US" dirty="0"/>
-              <a:t>完成一篇学术论文，可被</a:t>
-            </a:r>
-            <a:r>
-              <a:rPr lang="en-US" altLang="zh-CN" dirty="0" err="1"/>
-              <a:t>ei</a:t>
-            </a:r>
-            <a:r>
-              <a:rPr lang="zh-CN" altLang="en-US" dirty="0"/>
-              <a:t>检索</a:t>
+              <a:t>增加，看下论文</a:t>
             </a:r>
             <a:endParaRPr lang="en-US" altLang="zh-CN" dirty="0"/>
           </a:p>
           <a:p>
             <a:r>
               <a:rPr lang="zh-CN" altLang="en-US" dirty="0"/>
-              <a:t>提交了一篇专利</a:t>
-            </a:r>
+              <a:t>人工标注的效果？</a:t>
+            </a:r>
+            <a:endParaRPr lang="en-US" altLang="zh-CN" dirty="0"/>
+          </a:p>
+          <a:p>
+            <a:r>
+              <a:rPr lang="zh-CN" altLang="en-US" dirty="0"/>
+              <a:t>怎么放这几张图？</a:t>
+            </a:r>
+            <a:endParaRPr lang="en-US" altLang="zh-CN" dirty="0"/>
+          </a:p>
+          <a:p>
+            <a:r>
+              <a:rPr lang="zh-CN" altLang="en-US" dirty="0"/>
+              <a:t>加图说明</a:t>
+            </a:r>
+            <a:endParaRPr lang="en-US" altLang="zh-CN" dirty="0"/>
+          </a:p>
+          <a:p>
+            <a:r>
+              <a:rPr lang="en-US" altLang="zh-CN" sz="1200" kern="100" dirty="0">
+                <a:latin typeface="Times New Roman" panose="02020603050405020304" pitchFamily="18" charset="0"/>
+                <a:ea typeface="宋体" panose="02010600030101010101" pitchFamily="2" charset="-122"/>
+              </a:rPr>
+              <a:t> [2] </a:t>
+            </a:r>
+            <a:r>
+              <a:rPr lang="en-US" altLang="zh-CN" sz="1200" kern="100" dirty="0" err="1">
+                <a:latin typeface="Times New Roman" panose="02020603050405020304" pitchFamily="18" charset="0"/>
+                <a:ea typeface="宋体" panose="02010600030101010101" pitchFamily="2" charset="-122"/>
+              </a:rPr>
+              <a:t>Shuohang</a:t>
+            </a:r>
+            <a:r>
+              <a:rPr lang="en-US" altLang="zh-CN" sz="1200" kern="100" dirty="0">
+                <a:latin typeface="Times New Roman" panose="02020603050405020304" pitchFamily="18" charset="0"/>
+                <a:ea typeface="宋体" panose="02010600030101010101" pitchFamily="2" charset="-122"/>
+              </a:rPr>
+              <a:t> Wang and Jing Jiang. 2016. Machine comprehension using match-</a:t>
+            </a:r>
+            <a:r>
+              <a:rPr lang="en-US" altLang="zh-CN" sz="1200" kern="100" dirty="0" err="1">
+                <a:latin typeface="Times New Roman" panose="02020603050405020304" pitchFamily="18" charset="0"/>
+                <a:ea typeface="宋体" panose="02010600030101010101" pitchFamily="2" charset="-122"/>
+              </a:rPr>
+              <a:t>lstm</a:t>
+            </a:r>
+            <a:r>
+              <a:rPr lang="en-US" altLang="zh-CN" sz="1200" kern="100" dirty="0">
+                <a:latin typeface="Times New Roman" panose="02020603050405020304" pitchFamily="18" charset="0"/>
+                <a:ea typeface="宋体" panose="02010600030101010101" pitchFamily="2" charset="-122"/>
+              </a:rPr>
+              <a:t> and answer pointer.</a:t>
+            </a:r>
+            <a:r>
+              <a:rPr lang="en-US" altLang="zh-CN" sz="1200" kern="100" dirty="0">
+                <a:latin typeface="宋体" panose="02010600030101010101" pitchFamily="2" charset="-122"/>
+                <a:cs typeface="宋体" panose="02010600030101010101" pitchFamily="2" charset="-122"/>
+              </a:rPr>
+              <a:t> </a:t>
+            </a:r>
+            <a:r>
+              <a:rPr lang="en-US" altLang="zh-CN" sz="1200" i="1" kern="100" dirty="0" err="1">
+                <a:latin typeface="Times New Roman" panose="02020603050405020304" pitchFamily="18" charset="0"/>
+                <a:ea typeface="宋体" panose="02010600030101010101" pitchFamily="2" charset="-122"/>
+              </a:rPr>
+              <a:t>arXiv</a:t>
+            </a:r>
+            <a:r>
+              <a:rPr lang="en-US" altLang="zh-CN" sz="1200" i="1" kern="100" dirty="0">
+                <a:latin typeface="Times New Roman" panose="02020603050405020304" pitchFamily="18" charset="0"/>
+                <a:ea typeface="宋体" panose="02010600030101010101" pitchFamily="2" charset="-122"/>
+              </a:rPr>
+              <a:t> preprint arXiv:1608.07905</a:t>
+            </a:r>
+            <a:r>
+              <a:rPr lang="en-US" altLang="zh-CN" sz="1200" kern="100" dirty="0">
+                <a:latin typeface="Times New Roman" panose="02020603050405020304" pitchFamily="18" charset="0"/>
+                <a:ea typeface="宋体" panose="02010600030101010101" pitchFamily="2" charset="-122"/>
+              </a:rPr>
+              <a:t>.</a:t>
+            </a:r>
+          </a:p>
+          <a:p>
+            <a:pPr marL="0" marR="0" lvl="0" indent="0" algn="l" defTabSz="914400" rtl="0" eaLnBrk="1" fontAlgn="auto" latinLnBrk="0" hangingPunct="1">
+              <a:lnSpc>
+                <a:spcPct val="100000"/>
+              </a:lnSpc>
+              <a:spcBef>
+                <a:spcPts val="0"/>
+              </a:spcBef>
+              <a:spcAft>
+                <a:spcPts val="0"/>
+              </a:spcAft>
+              <a:buClrTx/>
+              <a:buSzTx/>
+              <a:buFontTx/>
+              <a:buNone/>
+              <a:tabLst/>
+              <a:defRPr/>
+            </a:pPr>
+            <a:r>
+              <a:rPr lang="en-US" altLang="zh-CN" sz="1200" kern="100" dirty="0">
+                <a:latin typeface="Times New Roman" panose="02020603050405020304" pitchFamily="18" charset="0"/>
+                <a:ea typeface="宋体" panose="02010600030101010101" pitchFamily="2" charset="-122"/>
+                <a:cs typeface="Times New Roman" panose="02020603050405020304" pitchFamily="18" charset="0"/>
+              </a:rPr>
+              <a:t>[4] </a:t>
+            </a:r>
+            <a:r>
+              <a:rPr lang="en-US" altLang="zh-CN" sz="1200" kern="100" dirty="0" err="1">
+                <a:latin typeface="Times New Roman" panose="02020603050405020304" pitchFamily="18" charset="0"/>
+                <a:ea typeface="宋体" panose="02010600030101010101" pitchFamily="2" charset="-122"/>
+                <a:cs typeface="Times New Roman" panose="02020603050405020304" pitchFamily="18" charset="0"/>
+              </a:rPr>
+              <a:t>Minjoon</a:t>
+            </a:r>
+            <a:r>
+              <a:rPr lang="en-US" altLang="zh-CN" sz="1200" kern="100" dirty="0">
+                <a:latin typeface="Times New Roman" panose="02020603050405020304" pitchFamily="18" charset="0"/>
+                <a:ea typeface="宋体" panose="02010600030101010101" pitchFamily="2" charset="-122"/>
+                <a:cs typeface="Times New Roman" panose="02020603050405020304" pitchFamily="18" charset="0"/>
+              </a:rPr>
+              <a:t> </a:t>
+            </a:r>
+            <a:r>
+              <a:rPr lang="en-US" altLang="zh-CN" sz="1200" kern="100" dirty="0" err="1">
+                <a:latin typeface="Times New Roman" panose="02020603050405020304" pitchFamily="18" charset="0"/>
+                <a:ea typeface="宋体" panose="02010600030101010101" pitchFamily="2" charset="-122"/>
+                <a:cs typeface="Times New Roman" panose="02020603050405020304" pitchFamily="18" charset="0"/>
+              </a:rPr>
+              <a:t>Seo</a:t>
+            </a:r>
+            <a:r>
+              <a:rPr lang="en-US" altLang="zh-CN" sz="1200" kern="100" dirty="0">
+                <a:latin typeface="Times New Roman" panose="02020603050405020304" pitchFamily="18" charset="0"/>
+                <a:ea typeface="宋体" panose="02010600030101010101" pitchFamily="2" charset="-122"/>
+                <a:cs typeface="Times New Roman" panose="02020603050405020304" pitchFamily="18" charset="0"/>
+              </a:rPr>
+              <a:t>, Aniruddha </a:t>
+            </a:r>
+            <a:r>
+              <a:rPr lang="en-US" altLang="zh-CN" sz="1200" kern="100" dirty="0" err="1">
+                <a:latin typeface="Times New Roman" panose="02020603050405020304" pitchFamily="18" charset="0"/>
+                <a:ea typeface="宋体" panose="02010600030101010101" pitchFamily="2" charset="-122"/>
+                <a:cs typeface="Times New Roman" panose="02020603050405020304" pitchFamily="18" charset="0"/>
+              </a:rPr>
+              <a:t>Kembhavi</a:t>
+            </a:r>
+            <a:r>
+              <a:rPr lang="en-US" altLang="zh-CN" sz="1200" kern="100" dirty="0">
+                <a:latin typeface="Times New Roman" panose="02020603050405020304" pitchFamily="18" charset="0"/>
+                <a:ea typeface="宋体" panose="02010600030101010101" pitchFamily="2" charset="-122"/>
+                <a:cs typeface="Times New Roman" panose="02020603050405020304" pitchFamily="18" charset="0"/>
+              </a:rPr>
+              <a:t>, Ali Farhadi, and </a:t>
+            </a:r>
+            <a:r>
+              <a:rPr lang="en-US" altLang="zh-CN" sz="1200" kern="100" dirty="0" err="1">
+                <a:latin typeface="Times New Roman" panose="02020603050405020304" pitchFamily="18" charset="0"/>
+                <a:ea typeface="宋体" panose="02010600030101010101" pitchFamily="2" charset="-122"/>
+                <a:cs typeface="Times New Roman" panose="02020603050405020304" pitchFamily="18" charset="0"/>
+              </a:rPr>
+              <a:t>Hannaneh</a:t>
+            </a:r>
+            <a:r>
+              <a:rPr lang="en-US" altLang="zh-CN" sz="1200" kern="100" dirty="0">
+                <a:latin typeface="Times New Roman" panose="02020603050405020304" pitchFamily="18" charset="0"/>
+                <a:ea typeface="宋体" panose="02010600030101010101" pitchFamily="2" charset="-122"/>
+                <a:cs typeface="Times New Roman" panose="02020603050405020304" pitchFamily="18" charset="0"/>
+              </a:rPr>
+              <a:t> </a:t>
+            </a:r>
+            <a:r>
+              <a:rPr lang="en-US" altLang="zh-CN" sz="1200" kern="100" dirty="0" err="1">
+                <a:latin typeface="Times New Roman" panose="02020603050405020304" pitchFamily="18" charset="0"/>
+                <a:ea typeface="宋体" panose="02010600030101010101" pitchFamily="2" charset="-122"/>
+                <a:cs typeface="Times New Roman" panose="02020603050405020304" pitchFamily="18" charset="0"/>
+              </a:rPr>
+              <a:t>Hajishirzi</a:t>
+            </a:r>
+            <a:r>
+              <a:rPr lang="en-US" altLang="zh-CN" sz="1200" kern="100" dirty="0">
+                <a:latin typeface="Times New Roman" panose="02020603050405020304" pitchFamily="18" charset="0"/>
+                <a:ea typeface="宋体" panose="02010600030101010101" pitchFamily="2" charset="-122"/>
+                <a:cs typeface="Times New Roman" panose="02020603050405020304" pitchFamily="18" charset="0"/>
+              </a:rPr>
+              <a:t>. 2016. Bidirectional attention </a:t>
+            </a:r>
+            <a:r>
+              <a:rPr lang="en-US" altLang="zh-CN" sz="1200" kern="100" dirty="0">
+                <a:latin typeface="MS Gothic" panose="020B0609070205080204" pitchFamily="49" charset="-128"/>
+                <a:ea typeface="宋体" panose="02010600030101010101" pitchFamily="2" charset="-122"/>
+                <a:cs typeface="MS Gothic" panose="020B0609070205080204" pitchFamily="49" charset="-128"/>
+              </a:rPr>
+              <a:t>ﬂ</a:t>
+            </a:r>
+            <a:r>
+              <a:rPr lang="en-US" altLang="zh-CN" sz="1200" kern="100" dirty="0">
+                <a:latin typeface="Times New Roman" panose="02020603050405020304" pitchFamily="18" charset="0"/>
+                <a:ea typeface="宋体" panose="02010600030101010101" pitchFamily="2" charset="-122"/>
+                <a:cs typeface="Times New Roman" panose="02020603050405020304" pitchFamily="18" charset="0"/>
+              </a:rPr>
+              <a:t>ow for machine comprehension.</a:t>
+            </a:r>
+            <a:r>
+              <a:rPr lang="en-US" altLang="zh-CN" sz="1200" i="1" kern="100" dirty="0">
+                <a:latin typeface="Times New Roman" panose="02020603050405020304" pitchFamily="18" charset="0"/>
+                <a:ea typeface="宋体" panose="02010600030101010101" pitchFamily="2" charset="-122"/>
+                <a:cs typeface="Times New Roman" panose="02020603050405020304" pitchFamily="18" charset="0"/>
+              </a:rPr>
+              <a:t> </a:t>
+            </a:r>
+            <a:r>
+              <a:rPr lang="en-US" altLang="zh-CN" sz="1200" i="1" kern="100" dirty="0" err="1">
+                <a:latin typeface="Times New Roman" panose="02020603050405020304" pitchFamily="18" charset="0"/>
+                <a:ea typeface="宋体" panose="02010600030101010101" pitchFamily="2" charset="-122"/>
+                <a:cs typeface="Times New Roman" panose="02020603050405020304" pitchFamily="18" charset="0"/>
+              </a:rPr>
+              <a:t>arXiv</a:t>
+            </a:r>
+            <a:r>
+              <a:rPr lang="en-US" altLang="zh-CN" sz="1200" i="1" kern="100" dirty="0">
+                <a:latin typeface="Times New Roman" panose="02020603050405020304" pitchFamily="18" charset="0"/>
+                <a:ea typeface="宋体" panose="02010600030101010101" pitchFamily="2" charset="-122"/>
+                <a:cs typeface="Times New Roman" panose="02020603050405020304" pitchFamily="18" charset="0"/>
+              </a:rPr>
+              <a:t> preprint arXiv:1611.01603</a:t>
+            </a:r>
+            <a:r>
+              <a:rPr lang="en-US" altLang="zh-CN" sz="1200" kern="100" dirty="0">
+                <a:latin typeface="Times New Roman" panose="02020603050405020304" pitchFamily="18" charset="0"/>
+                <a:ea typeface="宋体" panose="02010600030101010101" pitchFamily="2" charset="-122"/>
+                <a:cs typeface="Times New Roman" panose="02020603050405020304" pitchFamily="18" charset="0"/>
+              </a:rPr>
+              <a:t>.</a:t>
+            </a:r>
+          </a:p>
+          <a:p>
+            <a:pPr marL="0" marR="0" lvl="0" indent="0" algn="l" defTabSz="914400" rtl="0" eaLnBrk="1" fontAlgn="auto" latinLnBrk="0" hangingPunct="1">
+              <a:lnSpc>
+                <a:spcPct val="100000"/>
+              </a:lnSpc>
+              <a:spcBef>
+                <a:spcPts val="0"/>
+              </a:spcBef>
+              <a:spcAft>
+                <a:spcPts val="0"/>
+              </a:spcAft>
+              <a:buClrTx/>
+              <a:buSzTx/>
+              <a:buFontTx/>
+              <a:buNone/>
+              <a:tabLst/>
+              <a:defRPr/>
+            </a:pPr>
+            <a:r>
+              <a:rPr lang="en-US" altLang="zh-CN" sz="1600" kern="100" dirty="0">
+                <a:latin typeface="Times New Roman" panose="02020603050405020304" pitchFamily="18" charset="0"/>
+                <a:ea typeface="宋体" panose="02010600030101010101" pitchFamily="2" charset="-122"/>
+                <a:cs typeface="Times New Roman" panose="02020603050405020304" pitchFamily="18" charset="0"/>
+              </a:rPr>
+              <a:t>[6]</a:t>
+            </a:r>
+            <a:r>
+              <a:rPr lang="en-US" altLang="zh-CN" sz="2000" kern="100" dirty="0">
+                <a:latin typeface="Calibri" panose="020F0502020204030204" pitchFamily="34" charset="0"/>
+                <a:ea typeface="宋体" panose="02010600030101010101" pitchFamily="2" charset="-122"/>
+                <a:cs typeface="Times New Roman" panose="02020603050405020304" pitchFamily="18" charset="0"/>
+              </a:rPr>
+              <a:t> </a:t>
+            </a:r>
+            <a:r>
+              <a:rPr lang="en-US" altLang="zh-CN" sz="1600" kern="100" dirty="0">
+                <a:latin typeface="Times New Roman" panose="02020603050405020304" pitchFamily="18" charset="0"/>
+                <a:ea typeface="宋体" panose="02010600030101010101" pitchFamily="2" charset="-122"/>
+                <a:cs typeface="Times New Roman" panose="02020603050405020304" pitchFamily="18" charset="0"/>
+              </a:rPr>
+              <a:t>Jacob Devlin, Ming-Wei Chang, Kenton Lee, and Kristina Toutanova. 2019. BERT: Pre-training of Deep Bidirectional Transformers for Language Understanding. In </a:t>
+            </a:r>
+            <a:r>
+              <a:rPr lang="en-US" altLang="zh-CN" sz="1600" i="1" kern="100" dirty="0">
+                <a:latin typeface="Times New Roman" panose="02020603050405020304" pitchFamily="18" charset="0"/>
+                <a:ea typeface="宋体" panose="02010600030101010101" pitchFamily="2" charset="-122"/>
+                <a:cs typeface="Times New Roman" panose="02020603050405020304" pitchFamily="18" charset="0"/>
+              </a:rPr>
+              <a:t>Annual Conference of the North American Chapter of the Association for Computational Linguistics (NAACL)</a:t>
+            </a:r>
+            <a:r>
+              <a:rPr lang="en-US" altLang="zh-CN" sz="1600" kern="100" dirty="0">
+                <a:latin typeface="Times New Roman" panose="02020603050405020304" pitchFamily="18" charset="0"/>
+                <a:ea typeface="宋体" panose="02010600030101010101" pitchFamily="2" charset="-122"/>
+                <a:cs typeface="Times New Roman" panose="02020603050405020304" pitchFamily="18" charset="0"/>
+              </a:rPr>
+              <a:t>.</a:t>
+            </a:r>
+            <a:endParaRPr lang="zh-CN" altLang="zh-CN" sz="2000" kern="100" dirty="0">
+              <a:effectLst/>
+              <a:latin typeface="Calibri" panose="020F0502020204030204" pitchFamily="34" charset="0"/>
+              <a:ea typeface="宋体" panose="02010600030101010101" pitchFamily="2" charset="-122"/>
+              <a:cs typeface="Times New Roman" panose="02020603050405020304" pitchFamily="18" charset="0"/>
+            </a:endParaRPr>
+          </a:p>
+          <a:p>
+            <a:pPr marL="0" marR="0" lvl="0" indent="0" algn="l" defTabSz="914400" rtl="0" eaLnBrk="1" fontAlgn="auto" latinLnBrk="0" hangingPunct="1">
+              <a:lnSpc>
+                <a:spcPct val="100000"/>
+              </a:lnSpc>
+              <a:spcBef>
+                <a:spcPts val="0"/>
+              </a:spcBef>
+              <a:spcAft>
+                <a:spcPts val="0"/>
+              </a:spcAft>
+              <a:buClrTx/>
+              <a:buSzTx/>
+              <a:buFontTx/>
+              <a:buNone/>
+              <a:tabLst/>
+              <a:defRPr/>
+            </a:pPr>
+            <a:endParaRPr lang="zh-CN" altLang="zh-CN" sz="1600" kern="100" dirty="0">
+              <a:effectLst/>
+              <a:latin typeface="Calibri" panose="020F0502020204030204" pitchFamily="34" charset="0"/>
+              <a:ea typeface="宋体" panose="02010600030101010101" pitchFamily="2" charset="-122"/>
+              <a:cs typeface="Times New Roman" panose="02020603050405020304" pitchFamily="18" charset="0"/>
+            </a:endParaRPr>
+          </a:p>
+          <a:p>
+            <a:endParaRPr lang="en-US" altLang="zh-CN" dirty="0"/>
           </a:p>
         </p:txBody>
       </p:sp>
@@ -987,7 +1644,7 @@
     </p:spTree>
     <p:extLst>
       <p:ext uri="{BB962C8B-B14F-4D97-AF65-F5344CB8AC3E}">
-        <p14:creationId xmlns:p14="http://schemas.microsoft.com/office/powerpoint/2010/main" val="3134149856"/>
+        <p14:creationId xmlns:p14="http://schemas.microsoft.com/office/powerpoint/2010/main" val="1320799475"/>
       </p:ext>
     </p:extLst>
   </p:cSld>
@@ -1043,41 +1700,7 @@
           <a:p>
             <a:r>
               <a:rPr lang="zh-CN" altLang="en-US" dirty="0"/>
-              <a:t>下边是论文的进展情况和后期安排，对照开题报告中的计划，已经完成计划中到</a:t>
-            </a:r>
-            <a:r>
-              <a:rPr lang="en-US" altLang="zh-CN" dirty="0"/>
-              <a:t>2020.1</a:t>
-            </a:r>
-            <a:r>
-              <a:rPr lang="zh-CN" altLang="en-US" dirty="0"/>
-              <a:t>月之前的所有工作，计划中</a:t>
-            </a:r>
-            <a:r>
-              <a:rPr lang="en-US" altLang="zh-CN" dirty="0"/>
-              <a:t>2020.2</a:t>
-            </a:r>
-            <a:r>
-              <a:rPr lang="zh-CN" altLang="en-US" dirty="0"/>
-              <a:t>到</a:t>
-            </a:r>
-            <a:r>
-              <a:rPr lang="en-US" altLang="zh-CN" dirty="0"/>
-              <a:t>2020.3</a:t>
-            </a:r>
-            <a:r>
-              <a:rPr lang="zh-CN" altLang="en-US" dirty="0"/>
-              <a:t>月的工作完成</a:t>
-            </a:r>
-            <a:r>
-              <a:rPr lang="en-US" altLang="zh-CN" dirty="0"/>
-              <a:t>80%</a:t>
-            </a:r>
-          </a:p>
-          <a:p>
-            <a:r>
-              <a:rPr lang="zh-CN" altLang="en-US" dirty="0"/>
-              <a:t>完成开题中计划的工作内容</a:t>
+              <a:t>加一个小视频</a:t>
             </a:r>
           </a:p>
         </p:txBody>
@@ -1108,7 +1731,7 @@
     </p:spTree>
     <p:extLst>
       <p:ext uri="{BB962C8B-B14F-4D97-AF65-F5344CB8AC3E}">
-        <p14:creationId xmlns:p14="http://schemas.microsoft.com/office/powerpoint/2010/main" val="1895063453"/>
+        <p14:creationId xmlns:p14="http://schemas.microsoft.com/office/powerpoint/2010/main" val="3569892491"/>
       </p:ext>
     </p:extLst>
   </p:cSld>
@@ -1164,7 +1787,22 @@
           <a:p>
             <a:r>
               <a:rPr lang="zh-CN" altLang="en-US" dirty="0"/>
-              <a:t>后期安排是</a:t>
+              <a:t>完成一篇学术论文，可被</a:t>
+            </a:r>
+            <a:r>
+              <a:rPr lang="en-US" altLang="zh-CN" dirty="0" err="1"/>
+              <a:t>ei</a:t>
+            </a:r>
+            <a:r>
+              <a:rPr lang="zh-CN" altLang="en-US" dirty="0"/>
+              <a:t>检索</a:t>
+            </a:r>
+            <a:endParaRPr lang="en-US" altLang="zh-CN" dirty="0"/>
+          </a:p>
+          <a:p>
+            <a:r>
+              <a:rPr lang="zh-CN" altLang="en-US" dirty="0"/>
+              <a:t>提交了一篇专利</a:t>
             </a:r>
           </a:p>
         </p:txBody>
@@ -1195,7 +1833,7 @@
     </p:spTree>
     <p:extLst>
       <p:ext uri="{BB962C8B-B14F-4D97-AF65-F5344CB8AC3E}">
-        <p14:creationId xmlns:p14="http://schemas.microsoft.com/office/powerpoint/2010/main" val="3508732073"/>
+        <p14:creationId xmlns:p14="http://schemas.microsoft.com/office/powerpoint/2010/main" val="3134149856"/>
       </p:ext>
     </p:extLst>
   </p:cSld>
@@ -1249,7 +1887,44 @@
           <a:bodyPr/>
           <a:lstStyle/>
           <a:p>
-            <a:endParaRPr lang="zh-CN" altLang="en-US" dirty="0"/>
+            <a:r>
+              <a:rPr lang="zh-CN" altLang="en-US" dirty="0"/>
+              <a:t>下边是论文的进展情况和后期安排，对照开题报告中的计划，已经完成计划中到</a:t>
+            </a:r>
+            <a:r>
+              <a:rPr lang="en-US" altLang="zh-CN" dirty="0"/>
+              <a:t>2020.1</a:t>
+            </a:r>
+            <a:r>
+              <a:rPr lang="zh-CN" altLang="en-US" dirty="0"/>
+              <a:t>月之前的所有工作，计划中</a:t>
+            </a:r>
+            <a:r>
+              <a:rPr lang="en-US" altLang="zh-CN" dirty="0"/>
+              <a:t>2020.2</a:t>
+            </a:r>
+            <a:r>
+              <a:rPr lang="zh-CN" altLang="en-US" dirty="0"/>
+              <a:t>到</a:t>
+            </a:r>
+            <a:r>
+              <a:rPr lang="en-US" altLang="zh-CN" dirty="0"/>
+              <a:t>2020.3</a:t>
+            </a:r>
+            <a:r>
+              <a:rPr lang="zh-CN" altLang="en-US" dirty="0"/>
+              <a:t>月的工作完成</a:t>
+            </a:r>
+            <a:r>
+              <a:rPr lang="en-US" altLang="zh-CN" dirty="0"/>
+              <a:t>80%</a:t>
+            </a:r>
+          </a:p>
+          <a:p>
+            <a:r>
+              <a:rPr lang="zh-CN" altLang="en-US" dirty="0"/>
+              <a:t>完成开题中计划的工作内容</a:t>
+            </a:r>
           </a:p>
         </p:txBody>
       </p:sp>
@@ -1279,7 +1954,7 @@
     </p:spTree>
     <p:extLst>
       <p:ext uri="{BB962C8B-B14F-4D97-AF65-F5344CB8AC3E}">
-        <p14:creationId xmlns:p14="http://schemas.microsoft.com/office/powerpoint/2010/main" val="2273885423"/>
+        <p14:creationId xmlns:p14="http://schemas.microsoft.com/office/powerpoint/2010/main" val="1895063453"/>
       </p:ext>
     </p:extLst>
   </p:cSld>
@@ -1333,7 +2008,10 @@
           <a:bodyPr/>
           <a:lstStyle/>
           <a:p>
-            <a:endParaRPr lang="zh-CN" altLang="en-US"/>
+            <a:r>
+              <a:rPr lang="zh-CN" altLang="en-US" dirty="0"/>
+              <a:t>后期安排是</a:t>
+            </a:r>
           </a:p>
         </p:txBody>
       </p:sp>
@@ -1363,7 +2041,7 @@
     </p:spTree>
     <p:extLst>
       <p:ext uri="{BB962C8B-B14F-4D97-AF65-F5344CB8AC3E}">
-        <p14:creationId xmlns:p14="http://schemas.microsoft.com/office/powerpoint/2010/main" val="2710582008"/>
+        <p14:creationId xmlns:p14="http://schemas.microsoft.com/office/powerpoint/2010/main" val="3508732073"/>
       </p:ext>
     </p:extLst>
   </p:cSld>
@@ -1447,7 +2125,7 @@
     </p:spTree>
     <p:extLst>
       <p:ext uri="{BB962C8B-B14F-4D97-AF65-F5344CB8AC3E}">
-        <p14:creationId xmlns:p14="http://schemas.microsoft.com/office/powerpoint/2010/main" val="3879336413"/>
+        <p14:creationId xmlns:p14="http://schemas.microsoft.com/office/powerpoint/2010/main" val="2273885423"/>
       </p:ext>
     </p:extLst>
   </p:cSld>
@@ -1531,7 +2209,7 @@
     </p:spTree>
     <p:extLst>
       <p:ext uri="{BB962C8B-B14F-4D97-AF65-F5344CB8AC3E}">
-        <p14:creationId xmlns:p14="http://schemas.microsoft.com/office/powerpoint/2010/main" val="164222446"/>
+        <p14:creationId xmlns:p14="http://schemas.microsoft.com/office/powerpoint/2010/main" val="2710582008"/>
       </p:ext>
     </p:extLst>
   </p:cSld>
@@ -1585,10 +2263,7 @@
           <a:bodyPr/>
           <a:lstStyle/>
           <a:p>
-            <a:r>
-              <a:rPr lang="zh-CN" altLang="en-US" dirty="0"/>
-              <a:t>以上就是我阶段汇报的内容，敬请各位老师指导，谢谢！</a:t>
-            </a:r>
+            <a:endParaRPr lang="zh-CN" altLang="en-US" dirty="0"/>
           </a:p>
         </p:txBody>
       </p:sp>
@@ -1599,7 +2274,7 @@
             <a:spLocks noGrp="1"/>
           </p:cNvSpPr>
           <p:nvPr>
-            <p:ph type="sldNum" sz="quarter" idx="10"/>
+            <p:ph type="sldNum" sz="quarter" idx="5"/>
           </p:nvPr>
         </p:nvSpPr>
         <p:spPr/>
@@ -1607,78 +2282,102 @@
           <a:bodyPr/>
           <a:lstStyle/>
           <a:p>
-            <a:pPr marL="0" marR="0" lvl="0" indent="0" algn="r" defTabSz="914400" rtl="0" eaLnBrk="1" fontAlgn="auto" latinLnBrk="0" hangingPunct="1">
-              <a:lnSpc>
-                <a:spcPct val="100000"/>
-              </a:lnSpc>
-              <a:spcBef>
-                <a:spcPts val="0"/>
-              </a:spcBef>
-              <a:spcAft>
-                <a:spcPts val="0"/>
-              </a:spcAft>
-              <a:buClrTx/>
-              <a:buSzTx/>
-              <a:buFontTx/>
-              <a:buNone/>
-              <a:tabLst/>
-              <a:defRPr/>
-            </a:pPr>
-            <a:fld id="{7392B679-AE23-4750-8FB0-6513430B8953}" type="slidenum">
-              <a:rPr kumimoji="0" lang="zh-CN" altLang="en-US" sz="1200" b="0" i="0" u="none" strike="noStrike" kern="1200" cap="none" spc="0" normalizeH="0" baseline="0" noProof="0" smtClean="0">
-                <a:ln>
-                  <a:noFill/>
-                </a:ln>
-                <a:solidFill>
-                  <a:prstClr val="black"/>
-                </a:solidFill>
-                <a:effectLst/>
-                <a:uLnTx/>
-                <a:uFillTx/>
-                <a:latin typeface="Calibri"/>
-                <a:ea typeface="宋体" panose="02010600030101010101" pitchFamily="2" charset="-122"/>
-                <a:cs typeface="+mn-cs"/>
-              </a:rPr>
-              <a:pPr marL="0" marR="0" lvl="0" indent="0" algn="r" defTabSz="914400" rtl="0" eaLnBrk="1" fontAlgn="auto" latinLnBrk="0" hangingPunct="1">
-                <a:lnSpc>
-                  <a:spcPct val="100000"/>
-                </a:lnSpc>
-                <a:spcBef>
-                  <a:spcPts val="0"/>
-                </a:spcBef>
-                <a:spcAft>
-                  <a:spcPts val="0"/>
-                </a:spcAft>
-                <a:buClrTx/>
-                <a:buSzTx/>
-                <a:buFontTx/>
-                <a:buNone/>
-                <a:tabLst/>
-                <a:defRPr/>
-              </a:pPr>
+            <a:fld id="{74E66229-F215-4686-9A4A-B0813F3F5CE0}" type="slidenum">
+              <a:rPr lang="zh-CN" altLang="en-US" smtClean="0"/>
               <a:t>18</a:t>
             </a:fld>
-            <a:endParaRPr kumimoji="0" lang="zh-CN" altLang="en-US" sz="1200" b="0" i="0" u="none" strike="noStrike" kern="1200" cap="none" spc="0" normalizeH="0" baseline="0" noProof="0">
-              <a:ln>
-                <a:noFill/>
-              </a:ln>
-              <a:solidFill>
-                <a:prstClr val="black"/>
-              </a:solidFill>
-              <a:effectLst/>
-              <a:uLnTx/>
-              <a:uFillTx/>
-              <a:latin typeface="Calibri"/>
-              <a:ea typeface="宋体" panose="02010600030101010101" pitchFamily="2" charset="-122"/>
-              <a:cs typeface="+mn-cs"/>
-            </a:endParaRPr>
+            <a:endParaRPr lang="zh-CN" altLang="en-US"/>
           </a:p>
         </p:txBody>
       </p:sp>
     </p:spTree>
     <p:extLst>
       <p:ext uri="{BB962C8B-B14F-4D97-AF65-F5344CB8AC3E}">
-        <p14:creationId xmlns:p14="http://schemas.microsoft.com/office/powerpoint/2010/main" val="1995211024"/>
+        <p14:creationId xmlns:p14="http://schemas.microsoft.com/office/powerpoint/2010/main" val="3879336413"/>
+      </p:ext>
+    </p:extLst>
+  </p:cSld>
+  <p:clrMapOvr>
+    <a:masterClrMapping/>
+  </p:clrMapOvr>
+</p:notes>
+</file>
+
+<file path=ppt/notesSlides/notesSlide19.xml><?xml version="1.0" encoding="utf-8"?>
+<p:notes xmlns:a="http://schemas.openxmlformats.org/drawingml/2006/main" xmlns:r="http://schemas.openxmlformats.org/officeDocument/2006/relationships" xmlns:p="http://schemas.openxmlformats.org/presentationml/2006/main">
+  <p:cSld>
+    <p:spTree>
+      <p:nvGrpSpPr>
+        <p:cNvPr id="1" name=""/>
+        <p:cNvGrpSpPr/>
+        <p:nvPr/>
+      </p:nvGrpSpPr>
+      <p:grpSpPr>
+        <a:xfrm>
+          <a:off x="0" y="0"/>
+          <a:ext cx="0" cy="0"/>
+          <a:chOff x="0" y="0"/>
+          <a:chExt cx="0" cy="0"/>
+        </a:xfrm>
+      </p:grpSpPr>
+      <p:sp>
+        <p:nvSpPr>
+          <p:cNvPr id="2" name="幻灯片图像占位符 1"/>
+          <p:cNvSpPr>
+            <a:spLocks noGrp="1" noRot="1" noChangeAspect="1"/>
+          </p:cNvSpPr>
+          <p:nvPr>
+            <p:ph type="sldImg"/>
+          </p:nvPr>
+        </p:nvSpPr>
+        <p:spPr/>
+      </p:sp>
+      <p:sp>
+        <p:nvSpPr>
+          <p:cNvPr id="3" name="备注占位符 2"/>
+          <p:cNvSpPr>
+            <a:spLocks noGrp="1"/>
+          </p:cNvSpPr>
+          <p:nvPr>
+            <p:ph type="body" idx="1"/>
+          </p:nvPr>
+        </p:nvSpPr>
+        <p:spPr/>
+        <p:txBody>
+          <a:bodyPr/>
+          <a:lstStyle/>
+          <a:p>
+            <a:endParaRPr lang="zh-CN" altLang="en-US"/>
+          </a:p>
+        </p:txBody>
+      </p:sp>
+      <p:sp>
+        <p:nvSpPr>
+          <p:cNvPr id="4" name="灯片编号占位符 3"/>
+          <p:cNvSpPr>
+            <a:spLocks noGrp="1"/>
+          </p:cNvSpPr>
+          <p:nvPr>
+            <p:ph type="sldNum" sz="quarter" idx="5"/>
+          </p:nvPr>
+        </p:nvSpPr>
+        <p:spPr/>
+        <p:txBody>
+          <a:bodyPr/>
+          <a:lstStyle/>
+          <a:p>
+            <a:fld id="{74E66229-F215-4686-9A4A-B0813F3F5CE0}" type="slidenum">
+              <a:rPr lang="zh-CN" altLang="en-US" smtClean="0"/>
+              <a:t>19</a:t>
+            </a:fld>
+            <a:endParaRPr lang="zh-CN" altLang="en-US"/>
+          </a:p>
+        </p:txBody>
+      </p:sp>
+    </p:spTree>
+    <p:extLst>
+      <p:ext uri="{BB962C8B-B14F-4D97-AF65-F5344CB8AC3E}">
+        <p14:creationId xmlns:p14="http://schemas.microsoft.com/office/powerpoint/2010/main" val="164222446"/>
       </p:ext>
     </p:extLst>
   </p:cSld>
@@ -1834,6 +2533,153 @@
     <p:extLst>
       <p:ext uri="{BB962C8B-B14F-4D97-AF65-F5344CB8AC3E}">
         <p14:creationId xmlns:p14="http://schemas.microsoft.com/office/powerpoint/2010/main" val="157590034"/>
+      </p:ext>
+    </p:extLst>
+  </p:cSld>
+  <p:clrMapOvr>
+    <a:masterClrMapping/>
+  </p:clrMapOvr>
+</p:notes>
+</file>
+
+<file path=ppt/notesSlides/notesSlide20.xml><?xml version="1.0" encoding="utf-8"?>
+<p:notes xmlns:a="http://schemas.openxmlformats.org/drawingml/2006/main" xmlns:r="http://schemas.openxmlformats.org/officeDocument/2006/relationships" xmlns:p="http://schemas.openxmlformats.org/presentationml/2006/main">
+  <p:cSld>
+    <p:spTree>
+      <p:nvGrpSpPr>
+        <p:cNvPr id="1" name=""/>
+        <p:cNvGrpSpPr/>
+        <p:nvPr/>
+      </p:nvGrpSpPr>
+      <p:grpSpPr>
+        <a:xfrm>
+          <a:off x="0" y="0"/>
+          <a:ext cx="0" cy="0"/>
+          <a:chOff x="0" y="0"/>
+          <a:chExt cx="0" cy="0"/>
+        </a:xfrm>
+      </p:grpSpPr>
+      <p:sp>
+        <p:nvSpPr>
+          <p:cNvPr id="2" name="幻灯片图像占位符 1"/>
+          <p:cNvSpPr>
+            <a:spLocks noGrp="1" noRot="1" noChangeAspect="1"/>
+          </p:cNvSpPr>
+          <p:nvPr>
+            <p:ph type="sldImg"/>
+          </p:nvPr>
+        </p:nvSpPr>
+        <p:spPr/>
+      </p:sp>
+      <p:sp>
+        <p:nvSpPr>
+          <p:cNvPr id="3" name="备注占位符 2"/>
+          <p:cNvSpPr>
+            <a:spLocks noGrp="1"/>
+          </p:cNvSpPr>
+          <p:nvPr>
+            <p:ph type="body" idx="1"/>
+          </p:nvPr>
+        </p:nvSpPr>
+        <p:spPr/>
+        <p:txBody>
+          <a:bodyPr/>
+          <a:lstStyle/>
+          <a:p>
+            <a:r>
+              <a:rPr lang="zh-CN" altLang="en-US" dirty="0"/>
+              <a:t>以上就是我阶段汇报的内容，敬请各位老师指导，谢谢！</a:t>
+            </a:r>
+          </a:p>
+        </p:txBody>
+      </p:sp>
+      <p:sp>
+        <p:nvSpPr>
+          <p:cNvPr id="4" name="灯片编号占位符 3"/>
+          <p:cNvSpPr>
+            <a:spLocks noGrp="1"/>
+          </p:cNvSpPr>
+          <p:nvPr>
+            <p:ph type="sldNum" sz="quarter" idx="10"/>
+          </p:nvPr>
+        </p:nvSpPr>
+        <p:spPr/>
+        <p:txBody>
+          <a:bodyPr/>
+          <a:lstStyle/>
+          <a:p>
+            <a:pPr marL="0" marR="0" lvl="0" indent="0" algn="r" defTabSz="914400" rtl="0" eaLnBrk="1" fontAlgn="auto" latinLnBrk="0" hangingPunct="1">
+              <a:lnSpc>
+                <a:spcPct val="100000"/>
+              </a:lnSpc>
+              <a:spcBef>
+                <a:spcPts val="0"/>
+              </a:spcBef>
+              <a:spcAft>
+                <a:spcPts val="0"/>
+              </a:spcAft>
+              <a:buClrTx/>
+              <a:buSzTx/>
+              <a:buFontTx/>
+              <a:buNone/>
+              <a:tabLst/>
+              <a:defRPr/>
+            </a:pPr>
+            <a:fld id="{7392B679-AE23-4750-8FB0-6513430B8953}" type="slidenum">
+              <a:rPr kumimoji="0" lang="zh-CN" altLang="en-US" sz="1200" b="0" i="0" u="none" strike="noStrike" kern="1200" cap="none" spc="0" normalizeH="0" baseline="0" noProof="0" smtClean="0">
+                <a:ln>
+                  <a:noFill/>
+                </a:ln>
+                <a:solidFill>
+                  <a:prstClr val="black"/>
+                </a:solidFill>
+                <a:effectLst/>
+                <a:uLnTx/>
+                <a:uFillTx/>
+                <a:latin typeface="Calibri"/>
+                <a:ea typeface="宋体" panose="02010600030101010101" pitchFamily="2" charset="-122"/>
+                <a:cs typeface="+mn-cs"/>
+              </a:rPr>
+              <a:pPr marL="0" marR="0" lvl="0" indent="0" algn="r" defTabSz="914400" rtl="0" eaLnBrk="1" fontAlgn="auto" latinLnBrk="0" hangingPunct="1">
+                <a:lnSpc>
+                  <a:spcPct val="100000"/>
+                </a:lnSpc>
+                <a:spcBef>
+                  <a:spcPts val="0"/>
+                </a:spcBef>
+                <a:spcAft>
+                  <a:spcPts val="0"/>
+                </a:spcAft>
+                <a:buClrTx/>
+                <a:buSzTx/>
+                <a:buFontTx/>
+                <a:buNone/>
+                <a:tabLst/>
+                <a:defRPr/>
+              </a:pPr>
+              <a:t>20</a:t>
+            </a:fld>
+            <a:endParaRPr kumimoji="0" lang="zh-CN" altLang="en-US" sz="1200" b="0" i="0" u="none" strike="noStrike" kern="1200" cap="none" spc="0" normalizeH="0" baseline="0" noProof="0">
+              <a:ln>
+                <a:noFill/>
+              </a:ln>
+              <a:solidFill>
+                <a:prstClr val="black"/>
+              </a:solidFill>
+              <a:effectLst/>
+              <a:uLnTx/>
+              <a:uFillTx/>
+              <a:latin typeface="Calibri"/>
+              <a:ea typeface="宋体" panose="02010600030101010101" pitchFamily="2" charset="-122"/>
+              <a:cs typeface="+mn-cs"/>
+            </a:endParaRPr>
+          </a:p>
+        </p:txBody>
+      </p:sp>
+    </p:spTree>
+    <p:extLst>
+      <p:ext uri="{BB962C8B-B14F-4D97-AF65-F5344CB8AC3E}">
+        <p14:creationId xmlns:p14="http://schemas.microsoft.com/office/powerpoint/2010/main" val="1995211024"/>
       </p:ext>
     </p:extLst>
   </p:cSld>
@@ -2150,9 +2996,14 @@
               <a:t>第一是基于</a:t>
             </a:r>
             <a:r>
-              <a:rPr lang="en-US" altLang="zh-CN" dirty="0"/>
+              <a:rPr lang="en-US" altLang="zh-CN" dirty="0" smtClean="0"/>
               <a:t>------</a:t>
             </a:r>
+            <a:r>
+              <a:rPr lang="zh-CN" altLang="en-US" dirty="0" smtClean="0"/>
+              <a:t>先介绍编码器</a:t>
+            </a:r>
+            <a:endParaRPr lang="en-US" altLang="zh-CN" dirty="0"/>
           </a:p>
           <a:p>
             <a:endParaRPr lang="zh-CN" altLang="en-US" dirty="0"/>
@@ -2509,345 +3360,19 @@
           <a:bodyPr/>
           <a:lstStyle/>
           <a:p>
-            <a:r>
-              <a:rPr lang="zh-CN" altLang="en-US" dirty="0"/>
-              <a:t>增加，看下论文</a:t>
-            </a:r>
-            <a:endParaRPr lang="en-US" altLang="zh-CN" dirty="0"/>
+            <a:pPr>
+              <a:lnSpc>
+                <a:spcPct val="150000"/>
+              </a:lnSpc>
+            </a:pPr>
+            <a:r>
+              <a:rPr lang="zh-CN" altLang="en-US" sz="1200" dirty="0"/>
+              <a:t>因此对候选答案排序性能的要求很高，且需要融合多方面特征排序。</a:t>
+            </a:r>
+            <a:endParaRPr lang="en-US" altLang="zh-CN" sz="1200" dirty="0"/>
           </a:p>
           <a:p>
-            <a:r>
-              <a:rPr lang="zh-CN" altLang="en-US" dirty="0"/>
-              <a:t>人工标注的效果？</a:t>
-            </a:r>
-            <a:endParaRPr lang="en-US" altLang="zh-CN" dirty="0"/>
-          </a:p>
-          <a:p>
-            <a:r>
-              <a:rPr lang="zh-CN" altLang="en-US" dirty="0"/>
-              <a:t>怎么放这几张图？</a:t>
-            </a:r>
-            <a:endParaRPr lang="en-US" altLang="zh-CN" dirty="0"/>
-          </a:p>
-          <a:p>
-            <a:r>
-              <a:rPr lang="zh-CN" altLang="en-US" dirty="0"/>
-              <a:t>加图说明</a:t>
-            </a:r>
-            <a:endParaRPr lang="en-US" altLang="zh-CN" dirty="0"/>
-          </a:p>
-          <a:p>
-            <a:r>
-              <a:rPr lang="en-US" altLang="zh-CN" sz="1200" kern="100" dirty="0">
-                <a:latin typeface="Times New Roman" panose="02020603050405020304" pitchFamily="18" charset="0"/>
-                <a:ea typeface="宋体" panose="02010600030101010101" pitchFamily="2" charset="-122"/>
-              </a:rPr>
-              <a:t> [2] </a:t>
-            </a:r>
-            <a:r>
-              <a:rPr lang="en-US" altLang="zh-CN" sz="1200" kern="100" dirty="0" err="1">
-                <a:latin typeface="Times New Roman" panose="02020603050405020304" pitchFamily="18" charset="0"/>
-                <a:ea typeface="宋体" panose="02010600030101010101" pitchFamily="2" charset="-122"/>
-              </a:rPr>
-              <a:t>Shuohang</a:t>
-            </a:r>
-            <a:r>
-              <a:rPr lang="en-US" altLang="zh-CN" sz="1200" kern="100" dirty="0">
-                <a:latin typeface="Times New Roman" panose="02020603050405020304" pitchFamily="18" charset="0"/>
-                <a:ea typeface="宋体" panose="02010600030101010101" pitchFamily="2" charset="-122"/>
-              </a:rPr>
-              <a:t> Wang and Jing Jiang. 2016. Machine comprehension using match-</a:t>
-            </a:r>
-            <a:r>
-              <a:rPr lang="en-US" altLang="zh-CN" sz="1200" kern="100" dirty="0" err="1">
-                <a:latin typeface="Times New Roman" panose="02020603050405020304" pitchFamily="18" charset="0"/>
-                <a:ea typeface="宋体" panose="02010600030101010101" pitchFamily="2" charset="-122"/>
-              </a:rPr>
-              <a:t>lstm</a:t>
-            </a:r>
-            <a:r>
-              <a:rPr lang="en-US" altLang="zh-CN" sz="1200" kern="100" dirty="0">
-                <a:latin typeface="Times New Roman" panose="02020603050405020304" pitchFamily="18" charset="0"/>
-                <a:ea typeface="宋体" panose="02010600030101010101" pitchFamily="2" charset="-122"/>
-              </a:rPr>
-              <a:t> and answer pointer.</a:t>
-            </a:r>
-            <a:r>
-              <a:rPr lang="en-US" altLang="zh-CN" sz="1200" kern="100" dirty="0">
-                <a:latin typeface="宋体" panose="02010600030101010101" pitchFamily="2" charset="-122"/>
-                <a:cs typeface="宋体" panose="02010600030101010101" pitchFamily="2" charset="-122"/>
-              </a:rPr>
-              <a:t> </a:t>
-            </a:r>
-            <a:r>
-              <a:rPr lang="en-US" altLang="zh-CN" sz="1200" i="1" kern="100" dirty="0" err="1">
-                <a:latin typeface="Times New Roman" panose="02020603050405020304" pitchFamily="18" charset="0"/>
-                <a:ea typeface="宋体" panose="02010600030101010101" pitchFamily="2" charset="-122"/>
-              </a:rPr>
-              <a:t>arXiv</a:t>
-            </a:r>
-            <a:r>
-              <a:rPr lang="en-US" altLang="zh-CN" sz="1200" i="1" kern="100" dirty="0">
-                <a:latin typeface="Times New Roman" panose="02020603050405020304" pitchFamily="18" charset="0"/>
-                <a:ea typeface="宋体" panose="02010600030101010101" pitchFamily="2" charset="-122"/>
-              </a:rPr>
-              <a:t> preprint arXiv:1608.07905</a:t>
-            </a:r>
-            <a:r>
-              <a:rPr lang="en-US" altLang="zh-CN" sz="1200" kern="100" dirty="0">
-                <a:latin typeface="Times New Roman" panose="02020603050405020304" pitchFamily="18" charset="0"/>
-                <a:ea typeface="宋体" panose="02010600030101010101" pitchFamily="2" charset="-122"/>
-              </a:rPr>
-              <a:t>.</a:t>
-            </a:r>
-          </a:p>
-          <a:p>
-            <a:pPr marL="0" marR="0" lvl="0" indent="0" algn="l" defTabSz="914400" rtl="0" eaLnBrk="1" fontAlgn="auto" latinLnBrk="0" hangingPunct="1">
-              <a:lnSpc>
-                <a:spcPct val="100000"/>
-              </a:lnSpc>
-              <a:spcBef>
-                <a:spcPts val="0"/>
-              </a:spcBef>
-              <a:spcAft>
-                <a:spcPts val="0"/>
-              </a:spcAft>
-              <a:buClrTx/>
-              <a:buSzTx/>
-              <a:buFontTx/>
-              <a:buNone/>
-              <a:tabLst/>
-              <a:defRPr/>
-            </a:pPr>
-            <a:r>
-              <a:rPr lang="en-US" altLang="zh-CN" sz="1200" kern="100" dirty="0">
-                <a:latin typeface="Times New Roman" panose="02020603050405020304" pitchFamily="18" charset="0"/>
-                <a:ea typeface="宋体" panose="02010600030101010101" pitchFamily="2" charset="-122"/>
-                <a:cs typeface="Times New Roman" panose="02020603050405020304" pitchFamily="18" charset="0"/>
-              </a:rPr>
-              <a:t>[4] </a:t>
-            </a:r>
-            <a:r>
-              <a:rPr lang="en-US" altLang="zh-CN" sz="1200" kern="100" dirty="0" err="1">
-                <a:latin typeface="Times New Roman" panose="02020603050405020304" pitchFamily="18" charset="0"/>
-                <a:ea typeface="宋体" panose="02010600030101010101" pitchFamily="2" charset="-122"/>
-                <a:cs typeface="Times New Roman" panose="02020603050405020304" pitchFamily="18" charset="0"/>
-              </a:rPr>
-              <a:t>Minjoon</a:t>
-            </a:r>
-            <a:r>
-              <a:rPr lang="en-US" altLang="zh-CN" sz="1200" kern="100" dirty="0">
-                <a:latin typeface="Times New Roman" panose="02020603050405020304" pitchFamily="18" charset="0"/>
-                <a:ea typeface="宋体" panose="02010600030101010101" pitchFamily="2" charset="-122"/>
-                <a:cs typeface="Times New Roman" panose="02020603050405020304" pitchFamily="18" charset="0"/>
-              </a:rPr>
-              <a:t> </a:t>
-            </a:r>
-            <a:r>
-              <a:rPr lang="en-US" altLang="zh-CN" sz="1200" kern="100" dirty="0" err="1">
-                <a:latin typeface="Times New Roman" panose="02020603050405020304" pitchFamily="18" charset="0"/>
-                <a:ea typeface="宋体" panose="02010600030101010101" pitchFamily="2" charset="-122"/>
-                <a:cs typeface="Times New Roman" panose="02020603050405020304" pitchFamily="18" charset="0"/>
-              </a:rPr>
-              <a:t>Seo</a:t>
-            </a:r>
-            <a:r>
-              <a:rPr lang="en-US" altLang="zh-CN" sz="1200" kern="100" dirty="0">
-                <a:latin typeface="Times New Roman" panose="02020603050405020304" pitchFamily="18" charset="0"/>
-                <a:ea typeface="宋体" panose="02010600030101010101" pitchFamily="2" charset="-122"/>
-                <a:cs typeface="Times New Roman" panose="02020603050405020304" pitchFamily="18" charset="0"/>
-              </a:rPr>
-              <a:t>, Aniruddha </a:t>
-            </a:r>
-            <a:r>
-              <a:rPr lang="en-US" altLang="zh-CN" sz="1200" kern="100" dirty="0" err="1">
-                <a:latin typeface="Times New Roman" panose="02020603050405020304" pitchFamily="18" charset="0"/>
-                <a:ea typeface="宋体" panose="02010600030101010101" pitchFamily="2" charset="-122"/>
-                <a:cs typeface="Times New Roman" panose="02020603050405020304" pitchFamily="18" charset="0"/>
-              </a:rPr>
-              <a:t>Kembhavi</a:t>
-            </a:r>
-            <a:r>
-              <a:rPr lang="en-US" altLang="zh-CN" sz="1200" kern="100" dirty="0">
-                <a:latin typeface="Times New Roman" panose="02020603050405020304" pitchFamily="18" charset="0"/>
-                <a:ea typeface="宋体" panose="02010600030101010101" pitchFamily="2" charset="-122"/>
-                <a:cs typeface="Times New Roman" panose="02020603050405020304" pitchFamily="18" charset="0"/>
-              </a:rPr>
-              <a:t>, Ali Farhadi, and </a:t>
-            </a:r>
-            <a:r>
-              <a:rPr lang="en-US" altLang="zh-CN" sz="1200" kern="100" dirty="0" err="1">
-                <a:latin typeface="Times New Roman" panose="02020603050405020304" pitchFamily="18" charset="0"/>
-                <a:ea typeface="宋体" panose="02010600030101010101" pitchFamily="2" charset="-122"/>
-                <a:cs typeface="Times New Roman" panose="02020603050405020304" pitchFamily="18" charset="0"/>
-              </a:rPr>
-              <a:t>Hannaneh</a:t>
-            </a:r>
-            <a:r>
-              <a:rPr lang="en-US" altLang="zh-CN" sz="1200" kern="100" dirty="0">
-                <a:latin typeface="Times New Roman" panose="02020603050405020304" pitchFamily="18" charset="0"/>
-                <a:ea typeface="宋体" panose="02010600030101010101" pitchFamily="2" charset="-122"/>
-                <a:cs typeface="Times New Roman" panose="02020603050405020304" pitchFamily="18" charset="0"/>
-              </a:rPr>
-              <a:t> </a:t>
-            </a:r>
-            <a:r>
-              <a:rPr lang="en-US" altLang="zh-CN" sz="1200" kern="100" dirty="0" err="1">
-                <a:latin typeface="Times New Roman" panose="02020603050405020304" pitchFamily="18" charset="0"/>
-                <a:ea typeface="宋体" panose="02010600030101010101" pitchFamily="2" charset="-122"/>
-                <a:cs typeface="Times New Roman" panose="02020603050405020304" pitchFamily="18" charset="0"/>
-              </a:rPr>
-              <a:t>Hajishirzi</a:t>
-            </a:r>
-            <a:r>
-              <a:rPr lang="en-US" altLang="zh-CN" sz="1200" kern="100" dirty="0">
-                <a:latin typeface="Times New Roman" panose="02020603050405020304" pitchFamily="18" charset="0"/>
-                <a:ea typeface="宋体" panose="02010600030101010101" pitchFamily="2" charset="-122"/>
-                <a:cs typeface="Times New Roman" panose="02020603050405020304" pitchFamily="18" charset="0"/>
-              </a:rPr>
-              <a:t>. 2016. Bidirectional attention </a:t>
-            </a:r>
-            <a:r>
-              <a:rPr lang="en-US" altLang="zh-CN" sz="1200" kern="100" dirty="0">
-                <a:latin typeface="MS Gothic" panose="020B0609070205080204" pitchFamily="49" charset="-128"/>
-                <a:ea typeface="宋体" panose="02010600030101010101" pitchFamily="2" charset="-122"/>
-                <a:cs typeface="MS Gothic" panose="020B0609070205080204" pitchFamily="49" charset="-128"/>
-              </a:rPr>
-              <a:t>ﬂ</a:t>
-            </a:r>
-            <a:r>
-              <a:rPr lang="en-US" altLang="zh-CN" sz="1200" kern="100" dirty="0">
-                <a:latin typeface="Times New Roman" panose="02020603050405020304" pitchFamily="18" charset="0"/>
-                <a:ea typeface="宋体" panose="02010600030101010101" pitchFamily="2" charset="-122"/>
-                <a:cs typeface="Times New Roman" panose="02020603050405020304" pitchFamily="18" charset="0"/>
-              </a:rPr>
-              <a:t>ow for machine comprehension.</a:t>
-            </a:r>
-            <a:r>
-              <a:rPr lang="en-US" altLang="zh-CN" sz="1200" i="1" kern="100" dirty="0">
-                <a:latin typeface="Times New Roman" panose="02020603050405020304" pitchFamily="18" charset="0"/>
-                <a:ea typeface="宋体" panose="02010600030101010101" pitchFamily="2" charset="-122"/>
-                <a:cs typeface="Times New Roman" panose="02020603050405020304" pitchFamily="18" charset="0"/>
-              </a:rPr>
-              <a:t> </a:t>
-            </a:r>
-            <a:r>
-              <a:rPr lang="en-US" altLang="zh-CN" sz="1200" i="1" kern="100" dirty="0" err="1">
-                <a:latin typeface="Times New Roman" panose="02020603050405020304" pitchFamily="18" charset="0"/>
-                <a:ea typeface="宋体" panose="02010600030101010101" pitchFamily="2" charset="-122"/>
-                <a:cs typeface="Times New Roman" panose="02020603050405020304" pitchFamily="18" charset="0"/>
-              </a:rPr>
-              <a:t>arXiv</a:t>
-            </a:r>
-            <a:r>
-              <a:rPr lang="en-US" altLang="zh-CN" sz="1200" i="1" kern="100" dirty="0">
-                <a:latin typeface="Times New Roman" panose="02020603050405020304" pitchFamily="18" charset="0"/>
-                <a:ea typeface="宋体" panose="02010600030101010101" pitchFamily="2" charset="-122"/>
-                <a:cs typeface="Times New Roman" panose="02020603050405020304" pitchFamily="18" charset="0"/>
-              </a:rPr>
-              <a:t> preprint arXiv:1611.01603</a:t>
-            </a:r>
-            <a:r>
-              <a:rPr lang="en-US" altLang="zh-CN" sz="1200" kern="100" dirty="0">
-                <a:latin typeface="Times New Roman" panose="02020603050405020304" pitchFamily="18" charset="0"/>
-                <a:ea typeface="宋体" panose="02010600030101010101" pitchFamily="2" charset="-122"/>
-                <a:cs typeface="Times New Roman" panose="02020603050405020304" pitchFamily="18" charset="0"/>
-              </a:rPr>
-              <a:t>.</a:t>
-            </a:r>
-          </a:p>
-          <a:p>
-            <a:pPr marL="0" marR="0" lvl="0" indent="0" algn="l" defTabSz="914400" rtl="0" eaLnBrk="1" fontAlgn="auto" latinLnBrk="0" hangingPunct="1">
-              <a:lnSpc>
-                <a:spcPct val="100000"/>
-              </a:lnSpc>
-              <a:spcBef>
-                <a:spcPts val="0"/>
-              </a:spcBef>
-              <a:spcAft>
-                <a:spcPts val="0"/>
-              </a:spcAft>
-              <a:buClrTx/>
-              <a:buSzTx/>
-              <a:buFontTx/>
-              <a:buNone/>
-              <a:tabLst/>
-              <a:defRPr/>
-            </a:pPr>
-            <a:r>
-              <a:rPr lang="en-US" altLang="zh-CN" sz="1600" kern="100" dirty="0">
-                <a:latin typeface="Times New Roman" panose="02020603050405020304" pitchFamily="18" charset="0"/>
-                <a:ea typeface="宋体" panose="02010600030101010101" pitchFamily="2" charset="-122"/>
-                <a:cs typeface="Times New Roman" panose="02020603050405020304" pitchFamily="18" charset="0"/>
-              </a:rPr>
-              <a:t>[6]</a:t>
-            </a:r>
-            <a:r>
-              <a:rPr lang="en-US" altLang="zh-CN" sz="2000" kern="100" dirty="0">
-                <a:latin typeface="Calibri" panose="020F0502020204030204" pitchFamily="34" charset="0"/>
-                <a:ea typeface="宋体" panose="02010600030101010101" pitchFamily="2" charset="-122"/>
-                <a:cs typeface="Times New Roman" panose="02020603050405020304" pitchFamily="18" charset="0"/>
-              </a:rPr>
-              <a:t> </a:t>
-            </a:r>
-            <a:r>
-              <a:rPr lang="en-US" altLang="zh-CN" sz="1600" kern="100" dirty="0">
-                <a:latin typeface="Times New Roman" panose="02020603050405020304" pitchFamily="18" charset="0"/>
-                <a:ea typeface="宋体" panose="02010600030101010101" pitchFamily="2" charset="-122"/>
-                <a:cs typeface="Times New Roman" panose="02020603050405020304" pitchFamily="18" charset="0"/>
-              </a:rPr>
-              <a:t>Jacob Devlin, Ming-Wei Chang, Kenton Lee, and Kristina Toutanova. 2019. BERT: Pre-training of Deep Bidirectional Transformers for Language Understanding. In </a:t>
-            </a:r>
-            <a:r>
-              <a:rPr lang="en-US" altLang="zh-CN" sz="1600" i="1" kern="100" dirty="0">
-                <a:latin typeface="Times New Roman" panose="02020603050405020304" pitchFamily="18" charset="0"/>
-                <a:ea typeface="宋体" panose="02010600030101010101" pitchFamily="2" charset="-122"/>
-                <a:cs typeface="Times New Roman" panose="02020603050405020304" pitchFamily="18" charset="0"/>
-              </a:rPr>
-              <a:t>Annual Conference of the North American Chapter of the Association for Computational Linguistics (NAACL)</a:t>
-            </a:r>
-            <a:r>
-              <a:rPr lang="en-US" altLang="zh-CN" sz="1600" kern="100" dirty="0">
-                <a:latin typeface="Times New Roman" panose="02020603050405020304" pitchFamily="18" charset="0"/>
-                <a:ea typeface="宋体" panose="02010600030101010101" pitchFamily="2" charset="-122"/>
-                <a:cs typeface="Times New Roman" panose="02020603050405020304" pitchFamily="18" charset="0"/>
-              </a:rPr>
-              <a:t>.</a:t>
-            </a:r>
-            <a:endParaRPr lang="zh-CN" altLang="zh-CN" sz="2000" kern="100" dirty="0">
-              <a:effectLst/>
-              <a:latin typeface="Calibri" panose="020F0502020204030204" pitchFamily="34" charset="0"/>
-              <a:ea typeface="宋体" panose="02010600030101010101" pitchFamily="2" charset="-122"/>
-              <a:cs typeface="Times New Roman" panose="02020603050405020304" pitchFamily="18" charset="0"/>
-            </a:endParaRPr>
-          </a:p>
-          <a:p>
-            <a:pPr marL="0" marR="0" lvl="0" indent="0" algn="l" defTabSz="914400" rtl="0" eaLnBrk="1" fontAlgn="auto" latinLnBrk="0" hangingPunct="1">
-              <a:lnSpc>
-                <a:spcPct val="100000"/>
-              </a:lnSpc>
-              <a:spcBef>
-                <a:spcPts val="0"/>
-              </a:spcBef>
-              <a:spcAft>
-                <a:spcPts val="0"/>
-              </a:spcAft>
-              <a:buClrTx/>
-              <a:buSzTx/>
-              <a:buFontTx/>
-              <a:buNone/>
-              <a:tabLst/>
-              <a:defRPr/>
-            </a:pPr>
-            <a:endParaRPr lang="zh-CN" altLang="zh-CN" sz="1600" kern="100" dirty="0">
-              <a:effectLst/>
-              <a:latin typeface="Calibri" panose="020F0502020204030204" pitchFamily="34" charset="0"/>
-              <a:ea typeface="宋体" panose="02010600030101010101" pitchFamily="2" charset="-122"/>
-              <a:cs typeface="Times New Roman" panose="02020603050405020304" pitchFamily="18" charset="0"/>
-            </a:endParaRPr>
-          </a:p>
-          <a:p>
-            <a:endParaRPr lang="en-US" altLang="zh-CN" dirty="0"/>
+            <a:endParaRPr lang="en-US" altLang="zh-CN" sz="1200" dirty="0"/>
           </a:p>
         </p:txBody>
       </p:sp>
@@ -2877,7 +3402,7 @@
     </p:spTree>
     <p:extLst>
       <p:ext uri="{BB962C8B-B14F-4D97-AF65-F5344CB8AC3E}">
-        <p14:creationId xmlns:p14="http://schemas.microsoft.com/office/powerpoint/2010/main" val="4207834024"/>
+        <p14:creationId xmlns:p14="http://schemas.microsoft.com/office/powerpoint/2010/main" val="4026782484"/>
       </p:ext>
     </p:extLst>
   </p:cSld>
@@ -5339,6 +5864,996 @@
 </file>
 
 <file path=ppt/slides/slide10.xml><?xml version="1.0" encoding="utf-8"?>
+<p:sld xmlns:a="http://schemas.openxmlformats.org/drawingml/2006/main" xmlns:r="http://schemas.openxmlformats.org/officeDocument/2006/relationships" xmlns:p="http://schemas.openxmlformats.org/presentationml/2006/main">
+  <p:cSld>
+    <p:spTree>
+      <p:nvGrpSpPr>
+        <p:cNvPr id="1" name=""/>
+        <p:cNvGrpSpPr/>
+        <p:nvPr/>
+      </p:nvGrpSpPr>
+      <p:grpSpPr>
+        <a:xfrm>
+          <a:off x="0" y="0"/>
+          <a:ext cx="0" cy="0"/>
+          <a:chOff x="0" y="0"/>
+          <a:chExt cx="0" cy="0"/>
+        </a:xfrm>
+      </p:grpSpPr>
+      <p:sp>
+        <p:nvSpPr>
+          <p:cNvPr id="23" name="矩形 22">
+            <a:extLst>
+              <a:ext uri="{FF2B5EF4-FFF2-40B4-BE49-F238E27FC236}">
+                <a16:creationId xmlns:a16="http://schemas.microsoft.com/office/drawing/2014/main" id="{9F03B8B3-56B5-4410-BC18-5715C184676B}"/>
+              </a:ext>
+            </a:extLst>
+          </p:cNvPr>
+          <p:cNvSpPr/>
+          <p:nvPr/>
+        </p:nvSpPr>
+        <p:spPr>
+          <a:xfrm>
+            <a:off x="505172" y="906751"/>
+            <a:ext cx="4581178" cy="461665"/>
+          </a:xfrm>
+          <a:prstGeom prst="rect">
+            <a:avLst/>
+          </a:prstGeom>
+          <a:noFill/>
+        </p:spPr>
+        <p:txBody>
+          <a:bodyPr wrap="square" rtlCol="0">
+            <a:spAutoFit/>
+          </a:bodyPr>
+          <a:lstStyle/>
+          <a:p>
+            <a:pPr marL="342900" indent="-342900">
+              <a:buFont typeface="Wingdings" panose="05000000000000000000" pitchFamily="2" charset="2"/>
+              <a:buChar char="p"/>
+            </a:pPr>
+            <a:r>
+              <a:rPr lang="zh-CN" altLang="en-US" sz="2400" b="1" dirty="0" smtClean="0">
+                <a:solidFill>
+                  <a:schemeClr val="accent1"/>
+                </a:solidFill>
+                <a:latin typeface="华文宋体" panose="02010600040101010101" pitchFamily="2" charset="-122"/>
+                <a:ea typeface="华文宋体" panose="02010600040101010101" pitchFamily="2" charset="-122"/>
+              </a:rPr>
+              <a:t>实验结果</a:t>
+            </a:r>
+            <a:endParaRPr lang="zh-CN" altLang="en-US" sz="2400" b="1" dirty="0">
+              <a:solidFill>
+                <a:schemeClr val="accent1"/>
+              </a:solidFill>
+              <a:latin typeface="华文宋体" panose="02010600040101010101" pitchFamily="2" charset="-122"/>
+              <a:ea typeface="华文宋体" panose="02010600040101010101" pitchFamily="2" charset="-122"/>
+            </a:endParaRPr>
+          </a:p>
+        </p:txBody>
+      </p:sp>
+      <p:cxnSp>
+        <p:nvCxnSpPr>
+          <p:cNvPr id="24" name="直接连接符 23">
+            <a:extLst>
+              <a:ext uri="{FF2B5EF4-FFF2-40B4-BE49-F238E27FC236}">
+                <a16:creationId xmlns:a16="http://schemas.microsoft.com/office/drawing/2014/main" id="{4E5C8373-EB2C-46CD-BAC5-4BD76312D2BA}"/>
+              </a:ext>
+            </a:extLst>
+          </p:cNvPr>
+          <p:cNvCxnSpPr>
+            <a:cxnSpLocks/>
+          </p:cNvCxnSpPr>
+          <p:nvPr/>
+        </p:nvCxnSpPr>
+        <p:spPr>
+          <a:xfrm>
+            <a:off x="0" y="804129"/>
+            <a:ext cx="12192000" cy="0"/>
+          </a:xfrm>
+          <a:prstGeom prst="line">
+            <a:avLst/>
+          </a:prstGeom>
+          <a:ln w="76200">
+            <a:solidFill>
+              <a:schemeClr val="accent1"/>
+            </a:solidFill>
+          </a:ln>
+        </p:spPr>
+        <p:style>
+          <a:lnRef idx="2">
+            <a:schemeClr val="accent1"/>
+          </a:lnRef>
+          <a:fillRef idx="0">
+            <a:schemeClr val="accent1"/>
+          </a:fillRef>
+          <a:effectRef idx="1">
+            <a:schemeClr val="accent1"/>
+          </a:effectRef>
+          <a:fontRef idx="minor">
+            <a:schemeClr val="tx1"/>
+          </a:fontRef>
+        </p:style>
+      </p:cxnSp>
+      <p:pic>
+        <p:nvPicPr>
+          <p:cNvPr id="25" name="图片 24">
+            <a:extLst>
+              <a:ext uri="{FF2B5EF4-FFF2-40B4-BE49-F238E27FC236}">
+                <a16:creationId xmlns:a16="http://schemas.microsoft.com/office/drawing/2014/main" id="{4851099A-1E06-41B9-ADCB-4FFD1210D0B2}"/>
+              </a:ext>
+            </a:extLst>
+          </p:cNvPr>
+          <p:cNvPicPr>
+            <a:picLocks noChangeAspect="1"/>
+          </p:cNvPicPr>
+          <p:nvPr/>
+        </p:nvPicPr>
+        <p:blipFill>
+          <a:blip r:embed="rId3">
+            <a:extLst>
+              <a:ext uri="{28A0092B-C50C-407E-A947-70E740481C1C}">
+                <a14:useLocalDpi xmlns:a14="http://schemas.microsoft.com/office/drawing/2010/main" val="0"/>
+              </a:ext>
+            </a:extLst>
+          </a:blip>
+          <a:stretch>
+            <a:fillRect/>
+          </a:stretch>
+        </p:blipFill>
+        <p:spPr>
+          <a:xfrm>
+            <a:off x="9497893" y="40126"/>
+            <a:ext cx="2694107" cy="725541"/>
+          </a:xfrm>
+          <a:prstGeom prst="rect">
+            <a:avLst/>
+          </a:prstGeom>
+        </p:spPr>
+      </p:pic>
+      <p:sp>
+        <p:nvSpPr>
+          <p:cNvPr id="26" name="文本框 25">
+            <a:extLst>
+              <a:ext uri="{FF2B5EF4-FFF2-40B4-BE49-F238E27FC236}">
+                <a16:creationId xmlns:a16="http://schemas.microsoft.com/office/drawing/2014/main" id="{5F6C798D-C08F-48E4-A95E-008AB45F34F3}"/>
+              </a:ext>
+            </a:extLst>
+          </p:cNvPr>
+          <p:cNvSpPr txBox="1"/>
+          <p:nvPr/>
+        </p:nvSpPr>
+        <p:spPr>
+          <a:xfrm>
+            <a:off x="0" y="7044"/>
+            <a:ext cx="10787742" cy="523220"/>
+          </a:xfrm>
+          <a:prstGeom prst="rect">
+            <a:avLst/>
+          </a:prstGeom>
+          <a:noFill/>
+        </p:spPr>
+        <p:txBody>
+          <a:bodyPr wrap="square" rtlCol="0">
+            <a:spAutoFit/>
+          </a:bodyPr>
+          <a:lstStyle/>
+          <a:p>
+            <a:pPr marL="457200" indent="-457200">
+              <a:buFont typeface="Wingdings" panose="05000000000000000000" pitchFamily="2" charset="2"/>
+              <a:buChar char="n"/>
+            </a:pPr>
+            <a:r>
+              <a:rPr lang="zh-CN" altLang="en-US" sz="2800" b="1" dirty="0">
+                <a:solidFill>
+                  <a:schemeClr val="accent1"/>
+                </a:solidFill>
+                <a:latin typeface="华文宋体" panose="02010600040101010101" pitchFamily="2" charset="-122"/>
+                <a:ea typeface="华文宋体" panose="02010600040101010101" pitchFamily="2" charset="-122"/>
+              </a:rPr>
+              <a:t>基于</a:t>
+            </a:r>
+            <a:r>
+              <a:rPr lang="en-US" altLang="zh-CN" sz="2800" b="1" dirty="0">
+                <a:solidFill>
+                  <a:schemeClr val="accent1"/>
+                </a:solidFill>
+                <a:latin typeface="华文宋体" panose="02010600040101010101" pitchFamily="2" charset="-122"/>
+                <a:ea typeface="华文宋体" panose="02010600040101010101" pitchFamily="2" charset="-122"/>
+              </a:rPr>
+              <a:t>BERT</a:t>
+            </a:r>
+            <a:r>
+              <a:rPr lang="zh-CN" altLang="en-US" sz="2800" b="1" dirty="0">
+                <a:solidFill>
+                  <a:schemeClr val="accent1"/>
+                </a:solidFill>
+                <a:latin typeface="华文宋体" panose="02010600040101010101" pitchFamily="2" charset="-122"/>
+                <a:ea typeface="华文宋体" panose="02010600040101010101" pitchFamily="2" charset="-122"/>
+              </a:rPr>
+              <a:t>和句法依存关系注意力机制的阅读理解模型</a:t>
+            </a:r>
+          </a:p>
+        </p:txBody>
+      </p:sp>
+      <p:sp>
+        <p:nvSpPr>
+          <p:cNvPr id="16" name="矩形 15">
+            <a:extLst>
+              <a:ext uri="{FF2B5EF4-FFF2-40B4-BE49-F238E27FC236}">
+                <a16:creationId xmlns:a16="http://schemas.microsoft.com/office/drawing/2014/main" id="{3D0A19AE-D40F-4622-9DCD-831CA85D9DDD}"/>
+              </a:ext>
+            </a:extLst>
+          </p:cNvPr>
+          <p:cNvSpPr/>
+          <p:nvPr/>
+        </p:nvSpPr>
+        <p:spPr>
+          <a:xfrm>
+            <a:off x="1586135" y="6260010"/>
+            <a:ext cx="2419252" cy="307777"/>
+          </a:xfrm>
+          <a:prstGeom prst="rect">
+            <a:avLst/>
+          </a:prstGeom>
+        </p:spPr>
+        <p:txBody>
+          <a:bodyPr wrap="none">
+            <a:spAutoFit/>
+          </a:bodyPr>
+          <a:lstStyle/>
+          <a:p>
+            <a:r>
+              <a:rPr lang="en-US" altLang="zh-CN" sz="1400" kern="100" dirty="0" smtClean="0">
+                <a:latin typeface="Times New Roman" panose="02020603050405020304" pitchFamily="18" charset="0"/>
+                <a:ea typeface="楷体" panose="02010609060101010101" pitchFamily="49" charset="-122"/>
+                <a:cs typeface="Times New Roman" panose="02020603050405020304" pitchFamily="18" charset="0"/>
+              </a:rPr>
+              <a:t>PCNN-AD</a:t>
+            </a:r>
+            <a:r>
+              <a:rPr lang="zh-CN" altLang="en-US" sz="1400" kern="100" dirty="0" smtClean="0">
+                <a:latin typeface="楷体" panose="02010609060101010101" pitchFamily="49" charset="-122"/>
+                <a:ea typeface="楷体" panose="02010609060101010101" pitchFamily="49" charset="-122"/>
+                <a:cs typeface="Times New Roman" panose="02020603050405020304" pitchFamily="18" charset="0"/>
+              </a:rPr>
+              <a:t>模型对比实验结果</a:t>
+            </a:r>
+            <a:endParaRPr lang="zh-CN" altLang="en-US" sz="1400" kern="100" dirty="0">
+              <a:latin typeface="楷体" panose="02010609060101010101" pitchFamily="49" charset="-122"/>
+              <a:ea typeface="楷体" panose="02010609060101010101" pitchFamily="49" charset="-122"/>
+              <a:cs typeface="Times New Roman" panose="02020603050405020304" pitchFamily="18" charset="0"/>
+            </a:endParaRPr>
+          </a:p>
+        </p:txBody>
+      </p:sp>
+      <p:pic>
+        <p:nvPicPr>
+          <p:cNvPr id="10" name="图片 9"/>
+          <p:cNvPicPr>
+            <a:picLocks noChangeAspect="1"/>
+          </p:cNvPicPr>
+          <p:nvPr/>
+        </p:nvPicPr>
+        <p:blipFill>
+          <a:blip r:embed="rId4"/>
+          <a:stretch>
+            <a:fillRect/>
+          </a:stretch>
+        </p:blipFill>
+        <p:spPr>
+          <a:xfrm>
+            <a:off x="7655442" y="3903610"/>
+            <a:ext cx="3354932" cy="2255106"/>
+          </a:xfrm>
+          <a:prstGeom prst="rect">
+            <a:avLst/>
+          </a:prstGeom>
+        </p:spPr>
+      </p:pic>
+      <p:sp>
+        <p:nvSpPr>
+          <p:cNvPr id="18" name="矩形 17">
+            <a:extLst>
+              <a:ext uri="{FF2B5EF4-FFF2-40B4-BE49-F238E27FC236}">
+                <a16:creationId xmlns:a16="http://schemas.microsoft.com/office/drawing/2014/main" id="{3D0A19AE-D40F-4622-9DCD-831CA85D9DDD}"/>
+              </a:ext>
+            </a:extLst>
+          </p:cNvPr>
+          <p:cNvSpPr/>
+          <p:nvPr/>
+        </p:nvSpPr>
+        <p:spPr>
+          <a:xfrm>
+            <a:off x="8194353" y="6341936"/>
+            <a:ext cx="2170787" cy="307777"/>
+          </a:xfrm>
+          <a:prstGeom prst="rect">
+            <a:avLst/>
+          </a:prstGeom>
+        </p:spPr>
+        <p:txBody>
+          <a:bodyPr wrap="none">
+            <a:spAutoFit/>
+          </a:bodyPr>
+          <a:lstStyle/>
+          <a:p>
+            <a:r>
+              <a:rPr lang="en-US" altLang="zh-CN" sz="1400" kern="100" dirty="0" smtClean="0">
+                <a:latin typeface="Times New Roman" panose="02020603050405020304" pitchFamily="18" charset="0"/>
+                <a:ea typeface="楷体" panose="02010609060101010101" pitchFamily="49" charset="-122"/>
+                <a:cs typeface="Times New Roman" panose="02020603050405020304" pitchFamily="18" charset="0"/>
+              </a:rPr>
+              <a:t>PCNN\CNN</a:t>
+            </a:r>
+            <a:r>
+              <a:rPr lang="zh-CN" altLang="en-US" sz="1400" kern="100" dirty="0" smtClean="0">
+                <a:latin typeface="楷体" panose="02010609060101010101" pitchFamily="49" charset="-122"/>
+                <a:ea typeface="楷体" panose="02010609060101010101" pitchFamily="49" charset="-122"/>
+                <a:cs typeface="Times New Roman" panose="02020603050405020304" pitchFamily="18" charset="0"/>
+              </a:rPr>
+              <a:t>模型</a:t>
+            </a:r>
+            <a:r>
+              <a:rPr lang="en-US" altLang="zh-CN" sz="1400" kern="100" dirty="0" smtClean="0">
+                <a:latin typeface="楷体" panose="02010609060101010101" pitchFamily="49" charset="-122"/>
+                <a:ea typeface="楷体" panose="02010609060101010101" pitchFamily="49" charset="-122"/>
+                <a:cs typeface="Times New Roman" panose="02020603050405020304" pitchFamily="18" charset="0"/>
+              </a:rPr>
+              <a:t>PR</a:t>
+            </a:r>
+            <a:r>
+              <a:rPr lang="zh-CN" altLang="en-US" sz="1400" kern="100" dirty="0" smtClean="0">
+                <a:latin typeface="楷体" panose="02010609060101010101" pitchFamily="49" charset="-122"/>
+                <a:ea typeface="楷体" panose="02010609060101010101" pitchFamily="49" charset="-122"/>
+                <a:cs typeface="Times New Roman" panose="02020603050405020304" pitchFamily="18" charset="0"/>
+              </a:rPr>
+              <a:t>曲线图</a:t>
+            </a:r>
+            <a:endParaRPr lang="zh-CN" altLang="en-US" sz="1400" kern="100" dirty="0">
+              <a:latin typeface="楷体" panose="02010609060101010101" pitchFamily="49" charset="-122"/>
+              <a:ea typeface="楷体" panose="02010609060101010101" pitchFamily="49" charset="-122"/>
+              <a:cs typeface="Times New Roman" panose="02020603050405020304" pitchFamily="18" charset="0"/>
+            </a:endParaRPr>
+          </a:p>
+        </p:txBody>
+      </p:sp>
+      <p:pic>
+        <p:nvPicPr>
+          <p:cNvPr id="3" name="图片 2"/>
+          <p:cNvPicPr>
+            <a:picLocks noChangeAspect="1"/>
+          </p:cNvPicPr>
+          <p:nvPr/>
+        </p:nvPicPr>
+        <p:blipFill>
+          <a:blip r:embed="rId5"/>
+          <a:stretch>
+            <a:fillRect/>
+          </a:stretch>
+        </p:blipFill>
+        <p:spPr>
+          <a:xfrm>
+            <a:off x="388214" y="1617379"/>
+            <a:ext cx="5622142" cy="4315588"/>
+          </a:xfrm>
+          <a:prstGeom prst="rect">
+            <a:avLst/>
+          </a:prstGeom>
+        </p:spPr>
+      </p:pic>
+      <p:pic>
+        <p:nvPicPr>
+          <p:cNvPr id="15" name="图片 14"/>
+          <p:cNvPicPr/>
+          <p:nvPr/>
+        </p:nvPicPr>
+        <p:blipFill>
+          <a:blip r:embed="rId6"/>
+          <a:stretch>
+            <a:fillRect/>
+          </a:stretch>
+        </p:blipFill>
+        <p:spPr>
+          <a:xfrm>
+            <a:off x="7655442" y="1137583"/>
+            <a:ext cx="3248611" cy="2157794"/>
+          </a:xfrm>
+          <a:prstGeom prst="rect">
+            <a:avLst/>
+          </a:prstGeom>
+        </p:spPr>
+      </p:pic>
+      <p:sp>
+        <p:nvSpPr>
+          <p:cNvPr id="17" name="矩形 16">
+            <a:extLst>
+              <a:ext uri="{FF2B5EF4-FFF2-40B4-BE49-F238E27FC236}">
+                <a16:creationId xmlns:a16="http://schemas.microsoft.com/office/drawing/2014/main" id="{3D0A19AE-D40F-4622-9DCD-831CA85D9DDD}"/>
+              </a:ext>
+            </a:extLst>
+          </p:cNvPr>
+          <p:cNvSpPr/>
+          <p:nvPr/>
+        </p:nvSpPr>
+        <p:spPr>
+          <a:xfrm>
+            <a:off x="8648804" y="3389099"/>
+            <a:ext cx="1261884" cy="307777"/>
+          </a:xfrm>
+          <a:prstGeom prst="rect">
+            <a:avLst/>
+          </a:prstGeom>
+        </p:spPr>
+        <p:txBody>
+          <a:bodyPr wrap="none">
+            <a:spAutoFit/>
+          </a:bodyPr>
+          <a:lstStyle/>
+          <a:p>
+            <a:r>
+              <a:rPr lang="zh-CN" altLang="en-US" sz="1400" kern="100" dirty="0" smtClean="0">
+                <a:latin typeface="Times New Roman" panose="02020603050405020304" pitchFamily="18" charset="0"/>
+                <a:ea typeface="楷体" panose="02010609060101010101" pitchFamily="49" charset="-122"/>
+                <a:cs typeface="Times New Roman" panose="02020603050405020304" pitchFamily="18" charset="0"/>
+              </a:rPr>
+              <a:t>模型参数设置</a:t>
+            </a:r>
+            <a:endParaRPr lang="zh-CN" altLang="en-US" sz="1400" kern="100" dirty="0">
+              <a:latin typeface="楷体" panose="02010609060101010101" pitchFamily="49" charset="-122"/>
+              <a:ea typeface="楷体" panose="02010609060101010101" pitchFamily="49" charset="-122"/>
+              <a:cs typeface="Times New Roman" panose="02020603050405020304" pitchFamily="18" charset="0"/>
+            </a:endParaRPr>
+          </a:p>
+        </p:txBody>
+      </p:sp>
+    </p:spTree>
+    <p:extLst>
+      <p:ext uri="{BB962C8B-B14F-4D97-AF65-F5344CB8AC3E}">
+        <p14:creationId xmlns:p14="http://schemas.microsoft.com/office/powerpoint/2010/main" val="4263151214"/>
+      </p:ext>
+    </p:extLst>
+  </p:cSld>
+  <p:clrMapOvr>
+    <a:masterClrMapping/>
+  </p:clrMapOvr>
+  <mc:AlternateContent xmlns:mc="http://schemas.openxmlformats.org/markup-compatibility/2006" xmlns:p14="http://schemas.microsoft.com/office/powerpoint/2010/main">
+    <mc:Choice Requires="p14">
+      <p:transition spd="med" p14:dur="700">
+        <p:fade/>
+      </p:transition>
+    </mc:Choice>
+    <mc:Fallback xmlns="">
+      <p:transition spd="med">
+        <p:fade/>
+      </p:transition>
+    </mc:Fallback>
+  </mc:AlternateContent>
+</p:sld>
+</file>
+
+<file path=ppt/slides/slide11.xml><?xml version="1.0" encoding="utf-8"?>
+<p:sld xmlns:a="http://schemas.openxmlformats.org/drawingml/2006/main" xmlns:r="http://schemas.openxmlformats.org/officeDocument/2006/relationships" xmlns:p="http://schemas.openxmlformats.org/presentationml/2006/main">
+  <p:cSld>
+    <p:spTree>
+      <p:nvGrpSpPr>
+        <p:cNvPr id="1" name=""/>
+        <p:cNvGrpSpPr/>
+        <p:nvPr/>
+      </p:nvGrpSpPr>
+      <p:grpSpPr>
+        <a:xfrm>
+          <a:off x="0" y="0"/>
+          <a:ext cx="0" cy="0"/>
+          <a:chOff x="0" y="0"/>
+          <a:chExt cx="0" cy="0"/>
+        </a:xfrm>
+      </p:grpSpPr>
+      <p:sp>
+        <p:nvSpPr>
+          <p:cNvPr id="7" name="矩形 6">
+            <a:extLst>
+              <a:ext uri="{FF2B5EF4-FFF2-40B4-BE49-F238E27FC236}">
+                <a16:creationId xmlns:a16="http://schemas.microsoft.com/office/drawing/2014/main" id="{3D0A19AE-D40F-4622-9DCD-831CA85D9DDD}"/>
+              </a:ext>
+            </a:extLst>
+          </p:cNvPr>
+          <p:cNvSpPr/>
+          <p:nvPr/>
+        </p:nvSpPr>
+        <p:spPr>
+          <a:xfrm>
+            <a:off x="7839504" y="6185032"/>
+            <a:ext cx="2518638" cy="307777"/>
+          </a:xfrm>
+          <a:prstGeom prst="rect">
+            <a:avLst/>
+          </a:prstGeom>
+        </p:spPr>
+        <p:txBody>
+          <a:bodyPr wrap="none">
+            <a:spAutoFit/>
+          </a:bodyPr>
+          <a:lstStyle/>
+          <a:p>
+            <a:r>
+              <a:rPr lang="zh-CN" altLang="en-US" sz="1400" kern="100" dirty="0" smtClean="0">
+                <a:latin typeface="+mn-ea"/>
+                <a:cs typeface="Times New Roman" panose="02020603050405020304" pitchFamily="18" charset="0"/>
+              </a:rPr>
+              <a:t>各关系类型数据量扩充后结果</a:t>
+            </a:r>
+            <a:endParaRPr lang="zh-CN" altLang="en-US" sz="1400" kern="100" dirty="0">
+              <a:latin typeface="+mn-ea"/>
+              <a:cs typeface="Times New Roman" panose="02020603050405020304" pitchFamily="18" charset="0"/>
+            </a:endParaRPr>
+          </a:p>
+        </p:txBody>
+      </p:sp>
+      <p:sp>
+        <p:nvSpPr>
+          <p:cNvPr id="23" name="矩形 22">
+            <a:extLst>
+              <a:ext uri="{FF2B5EF4-FFF2-40B4-BE49-F238E27FC236}">
+                <a16:creationId xmlns:a16="http://schemas.microsoft.com/office/drawing/2014/main" id="{9F03B8B3-56B5-4410-BC18-5715C184676B}"/>
+              </a:ext>
+            </a:extLst>
+          </p:cNvPr>
+          <p:cNvSpPr/>
+          <p:nvPr/>
+        </p:nvSpPr>
+        <p:spPr>
+          <a:xfrm>
+            <a:off x="505172" y="906751"/>
+            <a:ext cx="4581178" cy="461665"/>
+          </a:xfrm>
+          <a:prstGeom prst="rect">
+            <a:avLst/>
+          </a:prstGeom>
+          <a:noFill/>
+        </p:spPr>
+        <p:txBody>
+          <a:bodyPr wrap="square" rtlCol="0">
+            <a:spAutoFit/>
+          </a:bodyPr>
+          <a:lstStyle/>
+          <a:p>
+            <a:pPr marL="342900" indent="-342900">
+              <a:buFont typeface="Wingdings" panose="05000000000000000000" pitchFamily="2" charset="2"/>
+              <a:buChar char="p"/>
+            </a:pPr>
+            <a:r>
+              <a:rPr lang="zh-CN" altLang="en-US" sz="2400" b="1" dirty="0" smtClean="0">
+                <a:solidFill>
+                  <a:schemeClr val="accent1"/>
+                </a:solidFill>
+                <a:latin typeface="华文宋体" panose="02010600040101010101" pitchFamily="2" charset="-122"/>
+                <a:ea typeface="华文宋体" panose="02010600040101010101" pitchFamily="2" charset="-122"/>
+              </a:rPr>
+              <a:t>实验结果</a:t>
+            </a:r>
+            <a:endParaRPr lang="zh-CN" altLang="en-US" sz="2400" b="1" dirty="0">
+              <a:solidFill>
+                <a:schemeClr val="accent1"/>
+              </a:solidFill>
+              <a:latin typeface="华文宋体" panose="02010600040101010101" pitchFamily="2" charset="-122"/>
+              <a:ea typeface="华文宋体" panose="02010600040101010101" pitchFamily="2" charset="-122"/>
+            </a:endParaRPr>
+          </a:p>
+        </p:txBody>
+      </p:sp>
+      <p:cxnSp>
+        <p:nvCxnSpPr>
+          <p:cNvPr id="24" name="直接连接符 23">
+            <a:extLst>
+              <a:ext uri="{FF2B5EF4-FFF2-40B4-BE49-F238E27FC236}">
+                <a16:creationId xmlns:a16="http://schemas.microsoft.com/office/drawing/2014/main" id="{4E5C8373-EB2C-46CD-BAC5-4BD76312D2BA}"/>
+              </a:ext>
+            </a:extLst>
+          </p:cNvPr>
+          <p:cNvCxnSpPr>
+            <a:cxnSpLocks/>
+          </p:cNvCxnSpPr>
+          <p:nvPr/>
+        </p:nvCxnSpPr>
+        <p:spPr>
+          <a:xfrm>
+            <a:off x="0" y="804129"/>
+            <a:ext cx="12192000" cy="0"/>
+          </a:xfrm>
+          <a:prstGeom prst="line">
+            <a:avLst/>
+          </a:prstGeom>
+          <a:ln w="76200">
+            <a:solidFill>
+              <a:schemeClr val="accent1"/>
+            </a:solidFill>
+          </a:ln>
+        </p:spPr>
+        <p:style>
+          <a:lnRef idx="2">
+            <a:schemeClr val="accent1"/>
+          </a:lnRef>
+          <a:fillRef idx="0">
+            <a:schemeClr val="accent1"/>
+          </a:fillRef>
+          <a:effectRef idx="1">
+            <a:schemeClr val="accent1"/>
+          </a:effectRef>
+          <a:fontRef idx="minor">
+            <a:schemeClr val="tx1"/>
+          </a:fontRef>
+        </p:style>
+      </p:cxnSp>
+      <p:pic>
+        <p:nvPicPr>
+          <p:cNvPr id="25" name="图片 24">
+            <a:extLst>
+              <a:ext uri="{FF2B5EF4-FFF2-40B4-BE49-F238E27FC236}">
+                <a16:creationId xmlns:a16="http://schemas.microsoft.com/office/drawing/2014/main" id="{4851099A-1E06-41B9-ADCB-4FFD1210D0B2}"/>
+              </a:ext>
+            </a:extLst>
+          </p:cNvPr>
+          <p:cNvPicPr>
+            <a:picLocks noChangeAspect="1"/>
+          </p:cNvPicPr>
+          <p:nvPr/>
+        </p:nvPicPr>
+        <p:blipFill>
+          <a:blip r:embed="rId3">
+            <a:extLst>
+              <a:ext uri="{28A0092B-C50C-407E-A947-70E740481C1C}">
+                <a14:useLocalDpi xmlns:a14="http://schemas.microsoft.com/office/drawing/2010/main" val="0"/>
+              </a:ext>
+            </a:extLst>
+          </a:blip>
+          <a:stretch>
+            <a:fillRect/>
+          </a:stretch>
+        </p:blipFill>
+        <p:spPr>
+          <a:xfrm>
+            <a:off x="9497893" y="40126"/>
+            <a:ext cx="2694107" cy="725541"/>
+          </a:xfrm>
+          <a:prstGeom prst="rect">
+            <a:avLst/>
+          </a:prstGeom>
+        </p:spPr>
+      </p:pic>
+      <p:sp>
+        <p:nvSpPr>
+          <p:cNvPr id="26" name="文本框 25">
+            <a:extLst>
+              <a:ext uri="{FF2B5EF4-FFF2-40B4-BE49-F238E27FC236}">
+                <a16:creationId xmlns:a16="http://schemas.microsoft.com/office/drawing/2014/main" id="{5F6C798D-C08F-48E4-A95E-008AB45F34F3}"/>
+              </a:ext>
+            </a:extLst>
+          </p:cNvPr>
+          <p:cNvSpPr txBox="1"/>
+          <p:nvPr/>
+        </p:nvSpPr>
+        <p:spPr>
+          <a:xfrm>
+            <a:off x="0" y="7044"/>
+            <a:ext cx="10787742" cy="523220"/>
+          </a:xfrm>
+          <a:prstGeom prst="rect">
+            <a:avLst/>
+          </a:prstGeom>
+          <a:noFill/>
+        </p:spPr>
+        <p:txBody>
+          <a:bodyPr wrap="square" rtlCol="0">
+            <a:spAutoFit/>
+          </a:bodyPr>
+          <a:lstStyle/>
+          <a:p>
+            <a:pPr marL="457200" indent="-457200">
+              <a:buFont typeface="Wingdings" panose="05000000000000000000" pitchFamily="2" charset="2"/>
+              <a:buChar char="n"/>
+            </a:pPr>
+            <a:r>
+              <a:rPr lang="zh-CN" altLang="en-US" sz="2800" b="1" dirty="0">
+                <a:solidFill>
+                  <a:schemeClr val="accent1"/>
+                </a:solidFill>
+                <a:latin typeface="华文宋体" panose="02010600040101010101" pitchFamily="2" charset="-122"/>
+                <a:ea typeface="华文宋体" panose="02010600040101010101" pitchFamily="2" charset="-122"/>
+              </a:rPr>
+              <a:t>基于</a:t>
+            </a:r>
+            <a:r>
+              <a:rPr lang="en-US" altLang="zh-CN" sz="2800" b="1" dirty="0">
+                <a:solidFill>
+                  <a:schemeClr val="accent1"/>
+                </a:solidFill>
+                <a:latin typeface="华文宋体" panose="02010600040101010101" pitchFamily="2" charset="-122"/>
+                <a:ea typeface="华文宋体" panose="02010600040101010101" pitchFamily="2" charset="-122"/>
+              </a:rPr>
+              <a:t>BERT</a:t>
+            </a:r>
+            <a:r>
+              <a:rPr lang="zh-CN" altLang="en-US" sz="2800" b="1" dirty="0">
+                <a:solidFill>
+                  <a:schemeClr val="accent1"/>
+                </a:solidFill>
+                <a:latin typeface="华文宋体" panose="02010600040101010101" pitchFamily="2" charset="-122"/>
+                <a:ea typeface="华文宋体" panose="02010600040101010101" pitchFamily="2" charset="-122"/>
+              </a:rPr>
+              <a:t>和句法依存关系注意力机制的阅读理解模型</a:t>
+            </a:r>
+          </a:p>
+        </p:txBody>
+      </p:sp>
+      <p:pic>
+        <p:nvPicPr>
+          <p:cNvPr id="14" name="图片 13"/>
+          <p:cNvPicPr>
+            <a:picLocks noChangeAspect="1"/>
+          </p:cNvPicPr>
+          <p:nvPr/>
+        </p:nvPicPr>
+        <p:blipFill>
+          <a:blip r:embed="rId4"/>
+          <a:stretch>
+            <a:fillRect/>
+          </a:stretch>
+        </p:blipFill>
+        <p:spPr>
+          <a:xfrm>
+            <a:off x="7529697" y="3344548"/>
+            <a:ext cx="3435961" cy="2687188"/>
+          </a:xfrm>
+          <a:prstGeom prst="rect">
+            <a:avLst/>
+          </a:prstGeom>
+        </p:spPr>
+      </p:pic>
+      <p:pic>
+        <p:nvPicPr>
+          <p:cNvPr id="4" name="图片 3"/>
+          <p:cNvPicPr>
+            <a:picLocks noChangeAspect="1"/>
+          </p:cNvPicPr>
+          <p:nvPr/>
+        </p:nvPicPr>
+        <p:blipFill>
+          <a:blip r:embed="rId5"/>
+          <a:stretch>
+            <a:fillRect/>
+          </a:stretch>
+        </p:blipFill>
+        <p:spPr>
+          <a:xfrm>
+            <a:off x="948143" y="1521712"/>
+            <a:ext cx="7895238" cy="1257143"/>
+          </a:xfrm>
+          <a:prstGeom prst="rect">
+            <a:avLst/>
+          </a:prstGeom>
+        </p:spPr>
+      </p:pic>
+      <p:sp>
+        <p:nvSpPr>
+          <p:cNvPr id="15" name="矩形 14">
+            <a:extLst>
+              <a:ext uri="{FF2B5EF4-FFF2-40B4-BE49-F238E27FC236}">
+                <a16:creationId xmlns:a16="http://schemas.microsoft.com/office/drawing/2014/main" id="{831F41C9-7B5D-4991-BF26-73159B42C589}"/>
+              </a:ext>
+            </a:extLst>
+          </p:cNvPr>
+          <p:cNvSpPr/>
+          <p:nvPr/>
+        </p:nvSpPr>
+        <p:spPr>
+          <a:xfrm>
+            <a:off x="505172" y="3496436"/>
+            <a:ext cx="6682437" cy="2031325"/>
+          </a:xfrm>
+          <a:prstGeom prst="rect">
+            <a:avLst/>
+          </a:prstGeom>
+        </p:spPr>
+        <p:txBody>
+          <a:bodyPr wrap="square">
+            <a:spAutoFit/>
+          </a:bodyPr>
+          <a:lstStyle/>
+          <a:p>
+            <a:r>
+              <a:rPr lang="zh-CN" altLang="zh-CN" dirty="0">
+                <a:latin typeface="宋体" panose="02010600030101010101" pitchFamily="2" charset="-122"/>
+                <a:ea typeface="宋体" panose="02010600030101010101" pitchFamily="2" charset="-122"/>
+              </a:rPr>
+              <a:t>为了证明生成对抗网络的选择器的效果，本文将原始</a:t>
+            </a:r>
+            <a:r>
+              <a:rPr lang="en-US" altLang="zh-CN" dirty="0">
+                <a:latin typeface="宋体" panose="02010600030101010101" pitchFamily="2" charset="-122"/>
+                <a:ea typeface="宋体" panose="02010600030101010101" pitchFamily="2" charset="-122"/>
+              </a:rPr>
+              <a:t>CNN</a:t>
+            </a:r>
+            <a:r>
+              <a:rPr lang="zh-CN" altLang="zh-CN" dirty="0">
+                <a:latin typeface="宋体" panose="02010600030101010101" pitchFamily="2" charset="-122"/>
+                <a:ea typeface="宋体" panose="02010600030101010101" pitchFamily="2" charset="-122"/>
+              </a:rPr>
+              <a:t>和</a:t>
+            </a:r>
+            <a:r>
+              <a:rPr lang="en-US" altLang="zh-CN" dirty="0">
+                <a:latin typeface="宋体" panose="02010600030101010101" pitchFamily="2" charset="-122"/>
+                <a:ea typeface="宋体" panose="02010600030101010101" pitchFamily="2" charset="-122"/>
+              </a:rPr>
+              <a:t>PCNN</a:t>
+            </a:r>
+            <a:r>
+              <a:rPr lang="zh-CN" altLang="zh-CN" dirty="0">
+                <a:latin typeface="宋体" panose="02010600030101010101" pitchFamily="2" charset="-122"/>
+                <a:ea typeface="宋体" panose="02010600030101010101" pitchFamily="2" charset="-122"/>
+              </a:rPr>
+              <a:t>模型分别在噪声数据和经过筛选的数据两种情况下分别训练，得出结果如</a:t>
+            </a:r>
+            <a:r>
+              <a:rPr lang="zh-CN" altLang="zh-CN" dirty="0" smtClean="0">
+                <a:latin typeface="宋体" panose="02010600030101010101" pitchFamily="2" charset="-122"/>
+                <a:ea typeface="宋体" panose="02010600030101010101" pitchFamily="2" charset="-122"/>
+              </a:rPr>
+              <a:t>表所</a:t>
+            </a:r>
+            <a:r>
+              <a:rPr lang="zh-CN" altLang="zh-CN" dirty="0">
+                <a:latin typeface="宋体" panose="02010600030101010101" pitchFamily="2" charset="-122"/>
+                <a:ea typeface="宋体" panose="02010600030101010101" pitchFamily="2" charset="-122"/>
+              </a:rPr>
+              <a:t>示</a:t>
+            </a:r>
+            <a:r>
+              <a:rPr lang="zh-CN" altLang="zh-CN" dirty="0" smtClean="0">
+                <a:latin typeface="宋体" panose="02010600030101010101" pitchFamily="2" charset="-122"/>
+                <a:ea typeface="宋体" panose="02010600030101010101" pitchFamily="2" charset="-122"/>
+              </a:rPr>
+              <a:t>。</a:t>
+            </a:r>
+            <a:endParaRPr lang="en-US" altLang="zh-CN" dirty="0" smtClean="0">
+              <a:latin typeface="宋体" panose="02010600030101010101" pitchFamily="2" charset="-122"/>
+              <a:ea typeface="宋体" panose="02010600030101010101" pitchFamily="2" charset="-122"/>
+            </a:endParaRPr>
+          </a:p>
+          <a:p>
+            <a:r>
+              <a:rPr lang="zh-CN" altLang="zh-CN" dirty="0">
+                <a:latin typeface="宋体" panose="02010600030101010101" pitchFamily="2" charset="-122"/>
+                <a:ea typeface="宋体" panose="02010600030101010101" pitchFamily="2" charset="-122"/>
+              </a:rPr>
+              <a:t>在噪声数据的影响下原有模型的关系抽取效果有着明显的下降，因为训练集混入了大量不准确数据，而经过</a:t>
+            </a:r>
+            <a:r>
+              <a:rPr lang="en-US" altLang="zh-CN" dirty="0">
+                <a:latin typeface="宋体" panose="02010600030101010101" pitchFamily="2" charset="-122"/>
+                <a:ea typeface="宋体" panose="02010600030101010101" pitchFamily="2" charset="-122"/>
+              </a:rPr>
+              <a:t>GAN</a:t>
+            </a:r>
+            <a:r>
+              <a:rPr lang="zh-CN" altLang="zh-CN" dirty="0">
+                <a:latin typeface="宋体" panose="02010600030101010101" pitchFamily="2" charset="-122"/>
+                <a:ea typeface="宋体" panose="02010600030101010101" pitchFamily="2" charset="-122"/>
+              </a:rPr>
+              <a:t>网络中选择器筛选后得到的训练数据有着明显的效果提升，这说明了选择器能够有效的选择出用于训练的可靠数据。</a:t>
+            </a:r>
+          </a:p>
+        </p:txBody>
+      </p:sp>
+    </p:spTree>
+    <p:extLst>
+      <p:ext uri="{BB962C8B-B14F-4D97-AF65-F5344CB8AC3E}">
+        <p14:creationId xmlns:p14="http://schemas.microsoft.com/office/powerpoint/2010/main" val="216434031"/>
+      </p:ext>
+    </p:extLst>
+  </p:cSld>
+  <p:clrMapOvr>
+    <a:masterClrMapping/>
+  </p:clrMapOvr>
+  <mc:AlternateContent xmlns:mc="http://schemas.openxmlformats.org/markup-compatibility/2006" xmlns:p14="http://schemas.microsoft.com/office/powerpoint/2010/main">
+    <mc:Choice Requires="p14">
+      <p:transition spd="med" p14:dur="700">
+        <p:fade/>
+      </p:transition>
+    </mc:Choice>
+    <mc:Fallback xmlns="">
+      <p:transition spd="med">
+        <p:fade/>
+      </p:transition>
+    </mc:Fallback>
+  </mc:AlternateContent>
+  <p:timing>
+    <p:tnLst>
+      <p:par>
+        <p:cTn id="1" dur="indefinite" restart="never" nodeType="tmRoot">
+          <p:childTnLst>
+            <p:seq concurrent="1" nextAc="seek">
+              <p:cTn id="2" dur="indefinite" nodeType="mainSeq">
+                <p:childTnLst>
+                  <p:par>
+                    <p:cTn id="3" fill="hold">
+                      <p:stCondLst>
+                        <p:cond delay="indefinite"/>
+                        <p:cond evt="onBegin" delay="0">
+                          <p:tn val="2"/>
+                        </p:cond>
+                      </p:stCondLst>
+                      <p:childTnLst>
+                        <p:par>
+                          <p:cTn id="4" fill="hold">
+                            <p:stCondLst>
+                              <p:cond delay="0"/>
+                            </p:stCondLst>
+                            <p:childTnLst>
+                              <p:par>
+                                <p:cTn id="5" presetID="1" presetClass="entr" presetSubtype="0" fill="hold" grpId="0" nodeType="withEffect">
+                                  <p:stCondLst>
+                                    <p:cond delay="0"/>
+                                  </p:stCondLst>
+                                  <p:childTnLst>
+                                    <p:set>
+                                      <p:cBhvr>
+                                        <p:cTn id="6" dur="1" fill="hold">
+                                          <p:stCondLst>
+                                            <p:cond delay="0"/>
+                                          </p:stCondLst>
+                                        </p:cTn>
+                                        <p:tgtEl>
+                                          <p:spTgt spid="15"/>
+                                        </p:tgtEl>
+                                        <p:attrNameLst>
+                                          <p:attrName>style.visibility</p:attrName>
+                                        </p:attrNameLst>
+                                      </p:cBhvr>
+                                      <p:to>
+                                        <p:strVal val="visible"/>
+                                      </p:to>
+                                    </p:set>
+                                  </p:childTnLst>
+                                </p:cTn>
+                              </p:par>
+                            </p:childTnLst>
+                          </p:cTn>
+                        </p:par>
+                      </p:childTnLst>
+                    </p:cTn>
+                  </p:par>
+                </p:childTnLst>
+              </p:cTn>
+              <p:prevCondLst>
+                <p:cond evt="onPrev" delay="0">
+                  <p:tgtEl>
+                    <p:sldTgt/>
+                  </p:tgtEl>
+                </p:cond>
+              </p:prevCondLst>
+              <p:nextCondLst>
+                <p:cond evt="onNext" delay="0">
+                  <p:tgtEl>
+                    <p:sldTgt/>
+                  </p:tgtEl>
+                </p:cond>
+              </p:nextCondLst>
+            </p:seq>
+          </p:childTnLst>
+        </p:cTn>
+      </p:par>
+    </p:tnLst>
+    <p:bldLst>
+      <p:bldP spid="15" grpId="0"/>
+    </p:bldLst>
+  </p:timing>
+</p:sld>
+</file>
+
+<file path=ppt/slides/slide12.xml><?xml version="1.0" encoding="utf-8"?>
 <p:sld xmlns:a="http://schemas.openxmlformats.org/drawingml/2006/main" xmlns:r="http://schemas.openxmlformats.org/officeDocument/2006/relationships" xmlns:p="http://schemas.openxmlformats.org/presentationml/2006/main">
   <p:cSld>
     <p:spTree>
@@ -8758,7 +10273,7 @@
 </p:sld>
 </file>
 
-<file path=ppt/slides/slide11.xml><?xml version="1.0" encoding="utf-8"?>
+<file path=ppt/slides/slide13.xml><?xml version="1.0" encoding="utf-8"?>
 <p:sld xmlns:a="http://schemas.openxmlformats.org/drawingml/2006/main" xmlns:r="http://schemas.openxmlformats.org/officeDocument/2006/relationships" xmlns:p="http://schemas.openxmlformats.org/presentationml/2006/main">
   <p:cSld>
     <p:spTree>
@@ -9096,7 +10611,7 @@
 </p:sld>
 </file>
 
-<file path=ppt/slides/slide12.xml><?xml version="1.0" encoding="utf-8"?>
+<file path=ppt/slides/slide14.xml><?xml version="1.0" encoding="utf-8"?>
 <p:sld xmlns:a="http://schemas.openxmlformats.org/drawingml/2006/main" xmlns:r="http://schemas.openxmlformats.org/officeDocument/2006/relationships" xmlns:p="http://schemas.openxmlformats.org/presentationml/2006/main">
   <p:cSld>
     <p:spTree>
@@ -10513,7 +12028,7 @@
 </p:sld>
 </file>
 
-<file path=ppt/slides/slide13.xml><?xml version="1.0" encoding="utf-8"?>
+<file path=ppt/slides/slide15.xml><?xml version="1.0" encoding="utf-8"?>
 <p:sld xmlns:a="http://schemas.openxmlformats.org/drawingml/2006/main" xmlns:r="http://schemas.openxmlformats.org/officeDocument/2006/relationships" xmlns:p="http://schemas.openxmlformats.org/presentationml/2006/main">
   <p:cSld>
     <p:spTree>
@@ -11409,7 +12924,7 @@
 </p:sld>
 </file>
 
-<file path=ppt/slides/slide14.xml><?xml version="1.0" encoding="utf-8"?>
+<file path=ppt/slides/slide16.xml><?xml version="1.0" encoding="utf-8"?>
 <p:sld xmlns:a="http://schemas.openxmlformats.org/drawingml/2006/main" xmlns:r="http://schemas.openxmlformats.org/officeDocument/2006/relationships" xmlns:p="http://schemas.openxmlformats.org/presentationml/2006/main">
   <p:cSld>
     <p:spTree>
@@ -12078,7 +13593,7 @@
 </p:sld>
 </file>
 
-<file path=ppt/slides/slide15.xml><?xml version="1.0" encoding="utf-8"?>
+<file path=ppt/slides/slide17.xml><?xml version="1.0" encoding="utf-8"?>
 <p:sld xmlns:a="http://schemas.openxmlformats.org/drawingml/2006/main" xmlns:r="http://schemas.openxmlformats.org/officeDocument/2006/relationships" xmlns:p="http://schemas.openxmlformats.org/presentationml/2006/main">
   <p:cSld>
     <p:spTree>
@@ -12958,7 +14473,7 @@
 </p:sld>
 </file>
 
-<file path=ppt/slides/slide16.xml><?xml version="1.0" encoding="utf-8"?>
+<file path=ppt/slides/slide18.xml><?xml version="1.0" encoding="utf-8"?>
 <p:sld xmlns:a="http://schemas.openxmlformats.org/drawingml/2006/main" xmlns:r="http://schemas.openxmlformats.org/officeDocument/2006/relationships" xmlns:p="http://schemas.openxmlformats.org/presentationml/2006/main">
   <p:cSld>
     <p:spTree>
@@ -13771,7 +15286,7 @@
 </p:sld>
 </file>
 
-<file path=ppt/slides/slide17.xml><?xml version="1.0" encoding="utf-8"?>
+<file path=ppt/slides/slide19.xml><?xml version="1.0" encoding="utf-8"?>
 <p:sld xmlns:a="http://schemas.openxmlformats.org/drawingml/2006/main" xmlns:r="http://schemas.openxmlformats.org/officeDocument/2006/relationships" xmlns:p="http://schemas.openxmlformats.org/presentationml/2006/main">
   <p:cSld>
     <p:spTree>
@@ -14657,7 +16172,834 @@
 </p:sld>
 </file>
 
-<file path=ppt/slides/slide18.xml><?xml version="1.0" encoding="utf-8"?>
+<file path=ppt/slides/slide2.xml><?xml version="1.0" encoding="utf-8"?>
+<p:sld xmlns:a="http://schemas.openxmlformats.org/drawingml/2006/main" xmlns:r="http://schemas.openxmlformats.org/officeDocument/2006/relationships" xmlns:p="http://schemas.openxmlformats.org/presentationml/2006/main">
+  <p:cSld>
+    <p:spTree>
+      <p:nvGrpSpPr>
+        <p:cNvPr id="1" name=""/>
+        <p:cNvGrpSpPr/>
+        <p:nvPr/>
+      </p:nvGrpSpPr>
+      <p:grpSpPr>
+        <a:xfrm>
+          <a:off x="0" y="0"/>
+          <a:ext cx="0" cy="0"/>
+          <a:chOff x="0" y="0"/>
+          <a:chExt cx="0" cy="0"/>
+        </a:xfrm>
+      </p:grpSpPr>
+      <p:grpSp>
+        <p:nvGrpSpPr>
+          <p:cNvPr id="6" name="组合 5">
+            <a:extLst>
+              <a:ext uri="{FF2B5EF4-FFF2-40B4-BE49-F238E27FC236}">
+                <a16:creationId xmlns:a16="http://schemas.microsoft.com/office/drawing/2014/main" id="{03409A12-4A3D-4CB6-82E0-78EC69260704}"/>
+              </a:ext>
+            </a:extLst>
+          </p:cNvPr>
+          <p:cNvGrpSpPr/>
+          <p:nvPr/>
+        </p:nvGrpSpPr>
+        <p:grpSpPr>
+          <a:xfrm>
+            <a:off x="0" y="-32166"/>
+            <a:ext cx="3970655" cy="836295"/>
+            <a:chOff x="0" y="452755"/>
+            <a:chExt cx="3970655" cy="836295"/>
+          </a:xfrm>
+        </p:grpSpPr>
+        <p:sp>
+          <p:nvSpPr>
+            <p:cNvPr id="29" name="矩形 28"/>
+            <p:cNvSpPr/>
+            <p:nvPr/>
+          </p:nvSpPr>
+          <p:spPr>
+            <a:xfrm>
+              <a:off x="0" y="452755"/>
+              <a:ext cx="3970655" cy="836295"/>
+            </a:xfrm>
+            <a:prstGeom prst="rect">
+              <a:avLst/>
+            </a:prstGeom>
+            <a:solidFill>
+              <a:srgbClr val="0070C0"/>
+            </a:solidFill>
+            <a:ln>
+              <a:noFill/>
+            </a:ln>
+          </p:spPr>
+          <p:style>
+            <a:lnRef idx="2">
+              <a:schemeClr val="accent1">
+                <a:shade val="50000"/>
+              </a:schemeClr>
+            </a:lnRef>
+            <a:fillRef idx="1">
+              <a:schemeClr val="accent1"/>
+            </a:fillRef>
+            <a:effectRef idx="0">
+              <a:schemeClr val="accent1"/>
+            </a:effectRef>
+            <a:fontRef idx="minor">
+              <a:schemeClr val="lt1"/>
+            </a:fontRef>
+          </p:style>
+          <p:txBody>
+            <a:bodyPr rtlCol="0" anchor="ctr"/>
+            <a:lstStyle/>
+            <a:p>
+              <a:pPr marL="0" marR="0" lvl="0" indent="0" algn="ctr" defTabSz="914400" rtl="0" eaLnBrk="1" fontAlgn="auto" latinLnBrk="0" hangingPunct="1">
+                <a:lnSpc>
+                  <a:spcPct val="100000"/>
+                </a:lnSpc>
+                <a:spcBef>
+                  <a:spcPts val="0"/>
+                </a:spcBef>
+                <a:spcAft>
+                  <a:spcPts val="0"/>
+                </a:spcAft>
+                <a:buClrTx/>
+                <a:buSzTx/>
+                <a:buFontTx/>
+                <a:buNone/>
+                <a:tabLst/>
+                <a:defRPr/>
+              </a:pPr>
+              <a:endParaRPr kumimoji="0" lang="zh-CN" altLang="en-US" sz="1800" b="0" i="0" u="none" strike="noStrike" kern="1200" cap="none" spc="0" normalizeH="0" baseline="0" noProof="0">
+                <a:ln>
+                  <a:noFill/>
+                </a:ln>
+                <a:solidFill>
+                  <a:srgbClr val="FFFFFF"/>
+                </a:solidFill>
+                <a:effectLst/>
+                <a:uLnTx/>
+                <a:uFillTx/>
+                <a:latin typeface="微软雅黑"/>
+                <a:ea typeface="微软雅黑"/>
+                <a:cs typeface="+mn-cs"/>
+              </a:endParaRPr>
+            </a:p>
+          </p:txBody>
+        </p:sp>
+        <p:sp>
+          <p:nvSpPr>
+            <p:cNvPr id="30" name="文本框 29"/>
+            <p:cNvSpPr txBox="1"/>
+            <p:nvPr/>
+          </p:nvSpPr>
+          <p:spPr>
+            <a:xfrm>
+              <a:off x="144204" y="523354"/>
+              <a:ext cx="3340100" cy="645160"/>
+            </a:xfrm>
+            <a:prstGeom prst="rect">
+              <a:avLst/>
+            </a:prstGeom>
+            <a:noFill/>
+          </p:spPr>
+          <p:txBody>
+            <a:bodyPr wrap="square" rtlCol="0">
+              <a:spAutoFit/>
+            </a:bodyPr>
+            <a:lstStyle/>
+            <a:p>
+              <a:pPr marL="0" marR="0" lvl="0" indent="0" algn="ctr" defTabSz="914400" rtl="0" eaLnBrk="1" fontAlgn="auto" latinLnBrk="0" hangingPunct="1">
+                <a:lnSpc>
+                  <a:spcPct val="100000"/>
+                </a:lnSpc>
+                <a:spcBef>
+                  <a:spcPts val="0"/>
+                </a:spcBef>
+                <a:spcAft>
+                  <a:spcPts val="0"/>
+                </a:spcAft>
+                <a:buClrTx/>
+                <a:buSzTx/>
+                <a:buFontTx/>
+                <a:buNone/>
+                <a:tabLst/>
+                <a:defRPr/>
+              </a:pPr>
+              <a:r>
+                <a:rPr kumimoji="0" lang="zh-CN" altLang="en-US" sz="3600" b="0" i="0" u="none" strike="noStrike" kern="1200" cap="none" spc="0" normalizeH="0" baseline="0" noProof="0" dirty="0">
+                  <a:ln>
+                    <a:noFill/>
+                  </a:ln>
+                  <a:solidFill>
+                    <a:srgbClr val="FFFFFF"/>
+                  </a:solidFill>
+                  <a:effectLst/>
+                  <a:uLnTx/>
+                  <a:uFillTx/>
+                  <a:latin typeface="Arial" panose="020B0604020202020204" pitchFamily="34" charset="0"/>
+                  <a:ea typeface="方正清刻本悦宋简体" panose="02000000000000000000" charset="-122"/>
+                  <a:cs typeface="+mn-cs"/>
+                </a:rPr>
+                <a:t>目 录 </a:t>
+              </a:r>
+              <a:r>
+                <a:rPr kumimoji="0" lang="en-US" altLang="zh-CN" sz="3600" b="0" i="0" u="none" strike="noStrike" kern="1200" cap="none" spc="0" normalizeH="0" baseline="0" noProof="0" dirty="0">
+                  <a:ln>
+                    <a:noFill/>
+                  </a:ln>
+                  <a:solidFill>
+                    <a:srgbClr val="FFFFFF"/>
+                  </a:solidFill>
+                  <a:effectLst/>
+                  <a:uLnTx/>
+                  <a:uFillTx/>
+                  <a:latin typeface="Arial" panose="020B0604020202020204" pitchFamily="34" charset="0"/>
+                  <a:ea typeface="方正清刻本悦宋简体" panose="02000000000000000000" charset="-122"/>
+                  <a:cs typeface="+mn-cs"/>
+                </a:rPr>
+                <a:t>/ </a:t>
+              </a:r>
+              <a:r>
+                <a:rPr kumimoji="0" lang="en-US" altLang="zh-CN" sz="2400" b="0" i="0" u="none" strike="noStrike" kern="1200" cap="none" spc="0" normalizeH="0" baseline="0" noProof="0" dirty="0">
+                  <a:ln>
+                    <a:noFill/>
+                  </a:ln>
+                  <a:solidFill>
+                    <a:srgbClr val="FFFFFF"/>
+                  </a:solidFill>
+                  <a:effectLst/>
+                  <a:uLnTx/>
+                  <a:uFillTx/>
+                  <a:latin typeface="Arial" panose="020B0604020202020204" pitchFamily="34" charset="0"/>
+                  <a:ea typeface="方正清刻本悦宋简体" panose="02000000000000000000" charset="-122"/>
+                  <a:cs typeface="+mn-cs"/>
+                </a:rPr>
+                <a:t>CONTENTS</a:t>
+              </a:r>
+            </a:p>
+          </p:txBody>
+        </p:sp>
+      </p:grpSp>
+      <p:grpSp>
+        <p:nvGrpSpPr>
+          <p:cNvPr id="3" name="组合 2">
+            <a:extLst>
+              <a:ext uri="{FF2B5EF4-FFF2-40B4-BE49-F238E27FC236}">
+                <a16:creationId xmlns:a16="http://schemas.microsoft.com/office/drawing/2014/main" id="{7CFB17F4-1F8D-4B03-A4C7-967F443750AE}"/>
+              </a:ext>
+            </a:extLst>
+          </p:cNvPr>
+          <p:cNvGrpSpPr/>
+          <p:nvPr/>
+        </p:nvGrpSpPr>
+        <p:grpSpPr>
+          <a:xfrm>
+            <a:off x="615182" y="1528894"/>
+            <a:ext cx="7362958" cy="3728945"/>
+            <a:chOff x="978683" y="2054448"/>
+            <a:chExt cx="4951728" cy="3728945"/>
+          </a:xfrm>
+        </p:grpSpPr>
+        <p:sp>
+          <p:nvSpPr>
+            <p:cNvPr id="32" name="文本框 31"/>
+            <p:cNvSpPr txBox="1"/>
+            <p:nvPr/>
+          </p:nvSpPr>
+          <p:spPr>
+            <a:xfrm>
+              <a:off x="1959757" y="2054448"/>
+              <a:ext cx="3970654" cy="523220"/>
+            </a:xfrm>
+            <a:prstGeom prst="rect">
+              <a:avLst/>
+            </a:prstGeom>
+            <a:noFill/>
+          </p:spPr>
+          <p:txBody>
+            <a:bodyPr wrap="square" rtlCol="0">
+              <a:spAutoFit/>
+            </a:bodyPr>
+            <a:lstStyle/>
+            <a:p>
+              <a:pPr marL="0" marR="0" lvl="0" indent="0" algn="l" defTabSz="914400" rtl="0" eaLnBrk="1" fontAlgn="auto" latinLnBrk="0" hangingPunct="1">
+                <a:lnSpc>
+                  <a:spcPct val="100000"/>
+                </a:lnSpc>
+                <a:spcBef>
+                  <a:spcPts val="0"/>
+                </a:spcBef>
+                <a:spcAft>
+                  <a:spcPts val="0"/>
+                </a:spcAft>
+                <a:buClrTx/>
+                <a:buSzTx/>
+                <a:buFontTx/>
+                <a:buNone/>
+                <a:tabLst/>
+                <a:defRPr/>
+              </a:pPr>
+              <a:r>
+                <a:rPr kumimoji="0" lang="zh-CN" altLang="en-US" sz="2800" b="1" i="0" u="none" strike="noStrike" kern="1200" cap="none" spc="0" normalizeH="0" baseline="0" noProof="0" dirty="0">
+                  <a:ln>
+                    <a:noFill/>
+                  </a:ln>
+                  <a:solidFill>
+                    <a:srgbClr val="0070C0"/>
+                  </a:solidFill>
+                  <a:effectLst/>
+                  <a:uLnTx/>
+                  <a:uFillTx/>
+                  <a:latin typeface="微软雅黑" panose="020B0503020204020204" charset="-122"/>
+                  <a:ea typeface="微软雅黑" panose="020B0503020204020204" charset="-122"/>
+                  <a:cs typeface="+mn-cs"/>
+                  <a:sym typeface="+mn-ea"/>
+                </a:rPr>
+                <a:t>研究背景和研究内容</a:t>
+              </a:r>
+            </a:p>
+          </p:txBody>
+        </p:sp>
+        <p:grpSp>
+          <p:nvGrpSpPr>
+            <p:cNvPr id="2" name="组合 1">
+              <a:extLst>
+                <a:ext uri="{FF2B5EF4-FFF2-40B4-BE49-F238E27FC236}">
+                  <a16:creationId xmlns:a16="http://schemas.microsoft.com/office/drawing/2014/main" id="{4518BA11-721A-4DA4-A02B-F97BA10E0C56}"/>
+                </a:ext>
+              </a:extLst>
+            </p:cNvPr>
+            <p:cNvGrpSpPr/>
+            <p:nvPr/>
+          </p:nvGrpSpPr>
+          <p:grpSpPr>
+            <a:xfrm>
+              <a:off x="978683" y="2058582"/>
+              <a:ext cx="4231269" cy="3724811"/>
+              <a:chOff x="5975985" y="2260600"/>
+              <a:chExt cx="4231269" cy="3724811"/>
+            </a:xfrm>
+          </p:grpSpPr>
+          <p:sp>
+            <p:nvSpPr>
+              <p:cNvPr id="31" name="文本框 30"/>
+              <p:cNvSpPr txBox="1"/>
+              <p:nvPr/>
+            </p:nvSpPr>
+            <p:spPr>
+              <a:xfrm>
+                <a:off x="5975985" y="2260600"/>
+                <a:ext cx="730250" cy="646331"/>
+              </a:xfrm>
+              <a:prstGeom prst="rect">
+                <a:avLst/>
+              </a:prstGeom>
+              <a:solidFill>
+                <a:srgbClr val="0070C0"/>
+              </a:solidFill>
+              <a:ln>
+                <a:noFill/>
+              </a:ln>
+            </p:spPr>
+            <p:txBody>
+              <a:bodyPr wrap="square" rtlCol="0">
+                <a:spAutoFit/>
+              </a:bodyPr>
+              <a:lstStyle/>
+              <a:p>
+                <a:pPr marL="0" marR="0" lvl="0" indent="0" algn="ctr" defTabSz="914400" rtl="0" eaLnBrk="1" fontAlgn="auto" latinLnBrk="0" hangingPunct="1">
+                  <a:lnSpc>
+                    <a:spcPct val="100000"/>
+                  </a:lnSpc>
+                  <a:spcBef>
+                    <a:spcPts val="0"/>
+                  </a:spcBef>
+                  <a:spcAft>
+                    <a:spcPts val="0"/>
+                  </a:spcAft>
+                  <a:buClrTx/>
+                  <a:buSzTx/>
+                  <a:buFontTx/>
+                  <a:buNone/>
+                  <a:tabLst/>
+                  <a:defRPr/>
+                </a:pPr>
+                <a:r>
+                  <a:rPr kumimoji="0" lang="en-US" altLang="zh-CN" sz="3600" b="1" i="0" u="none" strike="noStrike" kern="1200" cap="none" spc="0" normalizeH="0" baseline="0" noProof="0" dirty="0">
+                    <a:ln>
+                      <a:noFill/>
+                    </a:ln>
+                    <a:solidFill>
+                      <a:srgbClr val="FFFFFF"/>
+                    </a:solidFill>
+                    <a:effectLst/>
+                    <a:uLnTx/>
+                    <a:uFillTx/>
+                    <a:latin typeface="Arial" panose="020B0604020202020204" pitchFamily="34" charset="0"/>
+                    <a:ea typeface="微软雅黑"/>
+                    <a:cs typeface="+mn-cs"/>
+                  </a:rPr>
+                  <a:t>01</a:t>
+                </a:r>
+              </a:p>
+            </p:txBody>
+          </p:sp>
+          <p:sp>
+            <p:nvSpPr>
+              <p:cNvPr id="34" name="文本框 33"/>
+              <p:cNvSpPr txBox="1"/>
+              <p:nvPr/>
+            </p:nvSpPr>
+            <p:spPr>
+              <a:xfrm>
+                <a:off x="5975985" y="3293745"/>
+                <a:ext cx="730250" cy="646331"/>
+              </a:xfrm>
+              <a:prstGeom prst="rect">
+                <a:avLst/>
+              </a:prstGeom>
+              <a:solidFill>
+                <a:srgbClr val="0070C0"/>
+              </a:solidFill>
+              <a:ln>
+                <a:noFill/>
+              </a:ln>
+            </p:spPr>
+            <p:txBody>
+              <a:bodyPr wrap="square" rtlCol="0">
+                <a:spAutoFit/>
+              </a:bodyPr>
+              <a:lstStyle/>
+              <a:p>
+                <a:pPr marL="0" marR="0" lvl="0" indent="0" algn="ctr" defTabSz="914400" rtl="0" eaLnBrk="1" fontAlgn="auto" latinLnBrk="0" hangingPunct="1">
+                  <a:lnSpc>
+                    <a:spcPct val="100000"/>
+                  </a:lnSpc>
+                  <a:spcBef>
+                    <a:spcPts val="0"/>
+                  </a:spcBef>
+                  <a:spcAft>
+                    <a:spcPts val="0"/>
+                  </a:spcAft>
+                  <a:buClrTx/>
+                  <a:buSzTx/>
+                  <a:buFontTx/>
+                  <a:buNone/>
+                  <a:tabLst/>
+                  <a:defRPr/>
+                </a:pPr>
+                <a:r>
+                  <a:rPr kumimoji="0" lang="en-US" altLang="zh-CN" sz="3600" b="1" i="0" u="none" strike="noStrike" kern="1200" cap="none" spc="0" normalizeH="0" baseline="0" noProof="0">
+                    <a:ln>
+                      <a:noFill/>
+                    </a:ln>
+                    <a:solidFill>
+                      <a:srgbClr val="FFFFFF"/>
+                    </a:solidFill>
+                    <a:effectLst/>
+                    <a:uLnTx/>
+                    <a:uFillTx/>
+                    <a:latin typeface="Arial" panose="020B0604020202020204" pitchFamily="34" charset="0"/>
+                    <a:ea typeface="微软雅黑"/>
+                    <a:cs typeface="+mn-cs"/>
+                  </a:rPr>
+                  <a:t>02</a:t>
+                </a:r>
+              </a:p>
+            </p:txBody>
+          </p:sp>
+          <p:sp>
+            <p:nvSpPr>
+              <p:cNvPr id="35" name="文本框 34"/>
+              <p:cNvSpPr txBox="1"/>
+              <p:nvPr/>
+            </p:nvSpPr>
+            <p:spPr>
+              <a:xfrm>
+                <a:off x="6957059" y="3403745"/>
+                <a:ext cx="3250195" cy="954107"/>
+              </a:xfrm>
+              <a:prstGeom prst="rect">
+                <a:avLst/>
+              </a:prstGeom>
+              <a:noFill/>
+            </p:spPr>
+            <p:txBody>
+              <a:bodyPr wrap="square" rtlCol="0">
+                <a:spAutoFit/>
+              </a:bodyPr>
+              <a:lstStyle/>
+              <a:p>
+                <a:pPr marL="0" marR="0" lvl="0" indent="0" algn="l" defTabSz="914400" rtl="0" eaLnBrk="1" fontAlgn="auto" latinLnBrk="0" hangingPunct="1">
+                  <a:lnSpc>
+                    <a:spcPct val="100000"/>
+                  </a:lnSpc>
+                  <a:spcBef>
+                    <a:spcPts val="0"/>
+                  </a:spcBef>
+                  <a:spcAft>
+                    <a:spcPts val="0"/>
+                  </a:spcAft>
+                  <a:buClrTx/>
+                  <a:buSzTx/>
+                  <a:buFontTx/>
+                  <a:buNone/>
+                  <a:tabLst/>
+                  <a:defRPr/>
+                </a:pPr>
+                <a:r>
+                  <a:rPr lang="zh-CN" altLang="en-US" sz="2800" b="1" dirty="0">
+                    <a:solidFill>
+                      <a:srgbClr val="0070C0"/>
+                    </a:solidFill>
+                    <a:latin typeface="微软雅黑" panose="020B0503020204020204" charset="-122"/>
+                    <a:ea typeface="微软雅黑" panose="020B0503020204020204" charset="-122"/>
+                    <a:sym typeface="+mn-ea"/>
+                  </a:rPr>
+                  <a:t>论文关键点研究方案</a:t>
+                </a:r>
+              </a:p>
+            </p:txBody>
+          </p:sp>
+          <p:sp>
+            <p:nvSpPr>
+              <p:cNvPr id="37" name="文本框 36"/>
+              <p:cNvSpPr txBox="1"/>
+              <p:nvPr/>
+            </p:nvSpPr>
+            <p:spPr>
+              <a:xfrm>
+                <a:off x="5975985" y="4323080"/>
+                <a:ext cx="730250" cy="646331"/>
+              </a:xfrm>
+              <a:prstGeom prst="rect">
+                <a:avLst/>
+              </a:prstGeom>
+              <a:solidFill>
+                <a:srgbClr val="0070C0"/>
+              </a:solidFill>
+              <a:ln>
+                <a:noFill/>
+              </a:ln>
+            </p:spPr>
+            <p:txBody>
+              <a:bodyPr wrap="square" rtlCol="0">
+                <a:spAutoFit/>
+              </a:bodyPr>
+              <a:lstStyle/>
+              <a:p>
+                <a:pPr marL="0" marR="0" lvl="0" indent="0" algn="ctr" defTabSz="914400" rtl="0" eaLnBrk="1" fontAlgn="auto" latinLnBrk="0" hangingPunct="1">
+                  <a:lnSpc>
+                    <a:spcPct val="100000"/>
+                  </a:lnSpc>
+                  <a:spcBef>
+                    <a:spcPts val="0"/>
+                  </a:spcBef>
+                  <a:spcAft>
+                    <a:spcPts val="0"/>
+                  </a:spcAft>
+                  <a:buClrTx/>
+                  <a:buSzTx/>
+                  <a:buFontTx/>
+                  <a:buNone/>
+                  <a:tabLst/>
+                  <a:defRPr/>
+                </a:pPr>
+                <a:r>
+                  <a:rPr kumimoji="0" lang="en-US" altLang="zh-CN" sz="3600" b="1" i="0" u="none" strike="noStrike" kern="1200" cap="none" spc="0" normalizeH="0" baseline="0" noProof="0">
+                    <a:ln>
+                      <a:noFill/>
+                    </a:ln>
+                    <a:solidFill>
+                      <a:srgbClr val="FFFFFF"/>
+                    </a:solidFill>
+                    <a:effectLst/>
+                    <a:uLnTx/>
+                    <a:uFillTx/>
+                    <a:latin typeface="Arial" panose="020B0604020202020204" pitchFamily="34" charset="0"/>
+                    <a:ea typeface="微软雅黑"/>
+                    <a:cs typeface="+mn-cs"/>
+                  </a:rPr>
+                  <a:t>03</a:t>
+                </a:r>
+              </a:p>
+            </p:txBody>
+          </p:sp>
+          <p:sp>
+            <p:nvSpPr>
+              <p:cNvPr id="38" name="文本框 37"/>
+              <p:cNvSpPr txBox="1"/>
+              <p:nvPr/>
+            </p:nvSpPr>
+            <p:spPr>
+              <a:xfrm>
+                <a:off x="6982629" y="4430712"/>
+                <a:ext cx="2490470" cy="523220"/>
+              </a:xfrm>
+              <a:prstGeom prst="rect">
+                <a:avLst/>
+              </a:prstGeom>
+              <a:noFill/>
+            </p:spPr>
+            <p:txBody>
+              <a:bodyPr wrap="square" rtlCol="0">
+                <a:spAutoFit/>
+              </a:bodyPr>
+              <a:lstStyle>
+                <a:defPPr>
+                  <a:defRPr lang="zh-CN"/>
+                </a:defPPr>
+                <a:lvl1pPr marR="0" lvl="0" indent="0" fontAlgn="auto">
+                  <a:lnSpc>
+                    <a:spcPct val="100000"/>
+                  </a:lnSpc>
+                  <a:spcBef>
+                    <a:spcPts val="0"/>
+                  </a:spcBef>
+                  <a:spcAft>
+                    <a:spcPts val="0"/>
+                  </a:spcAft>
+                  <a:buClrTx/>
+                  <a:buSzTx/>
+                  <a:buFontTx/>
+                  <a:buNone/>
+                  <a:tabLst/>
+                  <a:defRPr sz="2400" b="1">
+                    <a:solidFill>
+                      <a:srgbClr val="0070C0"/>
+                    </a:solidFill>
+                    <a:latin typeface="微软雅黑" panose="020B0503020204020204" charset="-122"/>
+                    <a:ea typeface="微软雅黑" panose="020B0503020204020204" charset="-122"/>
+                  </a:defRPr>
+                </a:lvl1pPr>
+              </a:lstStyle>
+              <a:p>
+                <a:r>
+                  <a:rPr lang="zh-CN" altLang="en-US" sz="2800" dirty="0">
+                    <a:sym typeface="+mn-ea"/>
+                  </a:rPr>
+                  <a:t>研究成果</a:t>
+                </a:r>
+              </a:p>
+            </p:txBody>
+          </p:sp>
+          <p:sp>
+            <p:nvSpPr>
+              <p:cNvPr id="40" name="文本框 39"/>
+              <p:cNvSpPr txBox="1"/>
+              <p:nvPr/>
+            </p:nvSpPr>
+            <p:spPr>
+              <a:xfrm>
+                <a:off x="5975985" y="5339080"/>
+                <a:ext cx="730250" cy="646331"/>
+              </a:xfrm>
+              <a:prstGeom prst="rect">
+                <a:avLst/>
+              </a:prstGeom>
+              <a:solidFill>
+                <a:srgbClr val="0070C0"/>
+              </a:solidFill>
+              <a:ln>
+                <a:noFill/>
+              </a:ln>
+            </p:spPr>
+            <p:txBody>
+              <a:bodyPr wrap="square" rtlCol="0">
+                <a:spAutoFit/>
+              </a:bodyPr>
+              <a:lstStyle/>
+              <a:p>
+                <a:pPr marL="0" marR="0" lvl="0" indent="0" algn="ctr" defTabSz="914400" rtl="0" eaLnBrk="1" fontAlgn="auto" latinLnBrk="0" hangingPunct="1">
+                  <a:lnSpc>
+                    <a:spcPct val="100000"/>
+                  </a:lnSpc>
+                  <a:spcBef>
+                    <a:spcPts val="0"/>
+                  </a:spcBef>
+                  <a:spcAft>
+                    <a:spcPts val="0"/>
+                  </a:spcAft>
+                  <a:buClrTx/>
+                  <a:buSzTx/>
+                  <a:buFontTx/>
+                  <a:buNone/>
+                  <a:tabLst/>
+                  <a:defRPr/>
+                </a:pPr>
+                <a:r>
+                  <a:rPr kumimoji="0" lang="en-US" altLang="zh-CN" sz="3600" b="1" i="0" u="none" strike="noStrike" kern="1200" cap="none" spc="0" normalizeH="0" baseline="0" noProof="0">
+                    <a:ln>
+                      <a:noFill/>
+                    </a:ln>
+                    <a:solidFill>
+                      <a:srgbClr val="FFFFFF"/>
+                    </a:solidFill>
+                    <a:effectLst/>
+                    <a:uLnTx/>
+                    <a:uFillTx/>
+                    <a:latin typeface="Arial" panose="020B0604020202020204" pitchFamily="34" charset="0"/>
+                    <a:ea typeface="微软雅黑"/>
+                    <a:cs typeface="+mn-cs"/>
+                  </a:rPr>
+                  <a:t>04</a:t>
+                </a:r>
+              </a:p>
+            </p:txBody>
+          </p:sp>
+          <p:sp>
+            <p:nvSpPr>
+              <p:cNvPr id="41" name="文本框 40"/>
+              <p:cNvSpPr txBox="1"/>
+              <p:nvPr/>
+            </p:nvSpPr>
+            <p:spPr>
+              <a:xfrm>
+                <a:off x="6982629" y="5400029"/>
+                <a:ext cx="2490470" cy="523220"/>
+              </a:xfrm>
+              <a:prstGeom prst="rect">
+                <a:avLst/>
+              </a:prstGeom>
+              <a:noFill/>
+            </p:spPr>
+            <p:txBody>
+              <a:bodyPr wrap="square" rtlCol="0">
+                <a:spAutoFit/>
+              </a:bodyPr>
+              <a:lstStyle/>
+              <a:p>
+                <a:pPr marL="0" marR="0" lvl="0" indent="0" algn="l" defTabSz="914400" rtl="0" eaLnBrk="1" fontAlgn="auto" latinLnBrk="0" hangingPunct="1">
+                  <a:lnSpc>
+                    <a:spcPct val="100000"/>
+                  </a:lnSpc>
+                  <a:spcBef>
+                    <a:spcPts val="0"/>
+                  </a:spcBef>
+                  <a:spcAft>
+                    <a:spcPts val="0"/>
+                  </a:spcAft>
+                  <a:buClrTx/>
+                  <a:buSzTx/>
+                  <a:buFontTx/>
+                  <a:buNone/>
+                  <a:tabLst/>
+                  <a:defRPr/>
+                </a:pPr>
+                <a:r>
+                  <a:rPr lang="zh-CN" altLang="en-US" sz="2800" b="1" dirty="0">
+                    <a:solidFill>
+                      <a:srgbClr val="0070C0"/>
+                    </a:solidFill>
+                    <a:latin typeface="微软雅黑" panose="020B0503020204020204" charset="-122"/>
+                    <a:ea typeface="微软雅黑" panose="020B0503020204020204" charset="-122"/>
+                    <a:sym typeface="+mn-ea"/>
+                  </a:rPr>
+                  <a:t>进展情况及后期安排</a:t>
+                </a:r>
+              </a:p>
+            </p:txBody>
+          </p:sp>
+        </p:grpSp>
+      </p:grpSp>
+      <p:cxnSp>
+        <p:nvCxnSpPr>
+          <p:cNvPr id="21" name="直接连接符 20">
+            <a:extLst>
+              <a:ext uri="{FF2B5EF4-FFF2-40B4-BE49-F238E27FC236}">
+                <a16:creationId xmlns:a16="http://schemas.microsoft.com/office/drawing/2014/main" id="{B3847DA7-F6BF-4664-BC31-ECF21991B68A}"/>
+              </a:ext>
+            </a:extLst>
+          </p:cNvPr>
+          <p:cNvCxnSpPr>
+            <a:cxnSpLocks/>
+          </p:cNvCxnSpPr>
+          <p:nvPr/>
+        </p:nvCxnSpPr>
+        <p:spPr>
+          <a:xfrm>
+            <a:off x="0" y="804129"/>
+            <a:ext cx="12192000" cy="0"/>
+          </a:xfrm>
+          <a:prstGeom prst="line">
+            <a:avLst/>
+          </a:prstGeom>
+          <a:ln w="76200">
+            <a:solidFill>
+              <a:schemeClr val="accent1"/>
+            </a:solidFill>
+          </a:ln>
+        </p:spPr>
+        <p:style>
+          <a:lnRef idx="2">
+            <a:schemeClr val="accent1"/>
+          </a:lnRef>
+          <a:fillRef idx="0">
+            <a:schemeClr val="accent1"/>
+          </a:fillRef>
+          <a:effectRef idx="1">
+            <a:schemeClr val="accent1"/>
+          </a:effectRef>
+          <a:fontRef idx="minor">
+            <a:schemeClr val="tx1"/>
+          </a:fontRef>
+        </p:style>
+      </p:cxnSp>
+      <p:pic>
+        <p:nvPicPr>
+          <p:cNvPr id="18" name="图片 17">
+            <a:extLst>
+              <a:ext uri="{FF2B5EF4-FFF2-40B4-BE49-F238E27FC236}">
+                <a16:creationId xmlns:a16="http://schemas.microsoft.com/office/drawing/2014/main" id="{4C53FB0E-A8B7-42F6-9E32-6DE100344992}"/>
+              </a:ext>
+            </a:extLst>
+          </p:cNvPr>
+          <p:cNvPicPr>
+            <a:picLocks noChangeAspect="1"/>
+          </p:cNvPicPr>
+          <p:nvPr/>
+        </p:nvPicPr>
+        <p:blipFill>
+          <a:blip r:embed="rId3">
+            <a:extLst>
+              <a:ext uri="{28A0092B-C50C-407E-A947-70E740481C1C}">
+                <a14:useLocalDpi xmlns:a14="http://schemas.microsoft.com/office/drawing/2010/main" val="0"/>
+              </a:ext>
+            </a:extLst>
+          </a:blip>
+          <a:stretch>
+            <a:fillRect/>
+          </a:stretch>
+        </p:blipFill>
+        <p:spPr>
+          <a:xfrm>
+            <a:off x="9497893" y="40126"/>
+            <a:ext cx="2694107" cy="725541"/>
+          </a:xfrm>
+          <a:prstGeom prst="rect">
+            <a:avLst/>
+          </a:prstGeom>
+        </p:spPr>
+      </p:pic>
+    </p:spTree>
+  </p:cSld>
+  <p:clrMapOvr>
+    <a:masterClrMapping/>
+  </p:clrMapOvr>
+  <mc:AlternateContent xmlns:mc="http://schemas.openxmlformats.org/markup-compatibility/2006" xmlns:p14="http://schemas.microsoft.com/office/powerpoint/2010/main">
+    <mc:Choice Requires="p14">
+      <p:transition spd="med" p14:dur="700">
+        <p:fade/>
+      </p:transition>
+    </mc:Choice>
+    <mc:Fallback xmlns="">
+      <p:transition spd="med">
+        <p:fade/>
+      </p:transition>
+    </mc:Fallback>
+  </mc:AlternateContent>
+</p:sld>
+</file>
+
+<file path=ppt/slides/slide20.xml><?xml version="1.0" encoding="utf-8"?>
 <p:sld xmlns:a="http://schemas.openxmlformats.org/drawingml/2006/main" xmlns:r="http://schemas.openxmlformats.org/officeDocument/2006/relationships" xmlns:p="http://schemas.openxmlformats.org/presentationml/2006/main">
   <p:cSld>
     <p:bg>
@@ -17918,833 +20260,6 @@
 </p:sld>
 </file>
 
-<file path=ppt/slides/slide2.xml><?xml version="1.0" encoding="utf-8"?>
-<p:sld xmlns:a="http://schemas.openxmlformats.org/drawingml/2006/main" xmlns:r="http://schemas.openxmlformats.org/officeDocument/2006/relationships" xmlns:p="http://schemas.openxmlformats.org/presentationml/2006/main">
-  <p:cSld>
-    <p:spTree>
-      <p:nvGrpSpPr>
-        <p:cNvPr id="1" name=""/>
-        <p:cNvGrpSpPr/>
-        <p:nvPr/>
-      </p:nvGrpSpPr>
-      <p:grpSpPr>
-        <a:xfrm>
-          <a:off x="0" y="0"/>
-          <a:ext cx="0" cy="0"/>
-          <a:chOff x="0" y="0"/>
-          <a:chExt cx="0" cy="0"/>
-        </a:xfrm>
-      </p:grpSpPr>
-      <p:grpSp>
-        <p:nvGrpSpPr>
-          <p:cNvPr id="6" name="组合 5">
-            <a:extLst>
-              <a:ext uri="{FF2B5EF4-FFF2-40B4-BE49-F238E27FC236}">
-                <a16:creationId xmlns:a16="http://schemas.microsoft.com/office/drawing/2014/main" id="{03409A12-4A3D-4CB6-82E0-78EC69260704}"/>
-              </a:ext>
-            </a:extLst>
-          </p:cNvPr>
-          <p:cNvGrpSpPr/>
-          <p:nvPr/>
-        </p:nvGrpSpPr>
-        <p:grpSpPr>
-          <a:xfrm>
-            <a:off x="0" y="-32166"/>
-            <a:ext cx="3970655" cy="836295"/>
-            <a:chOff x="0" y="452755"/>
-            <a:chExt cx="3970655" cy="836295"/>
-          </a:xfrm>
-        </p:grpSpPr>
-        <p:sp>
-          <p:nvSpPr>
-            <p:cNvPr id="29" name="矩形 28"/>
-            <p:cNvSpPr/>
-            <p:nvPr/>
-          </p:nvSpPr>
-          <p:spPr>
-            <a:xfrm>
-              <a:off x="0" y="452755"/>
-              <a:ext cx="3970655" cy="836295"/>
-            </a:xfrm>
-            <a:prstGeom prst="rect">
-              <a:avLst/>
-            </a:prstGeom>
-            <a:solidFill>
-              <a:srgbClr val="0070C0"/>
-            </a:solidFill>
-            <a:ln>
-              <a:noFill/>
-            </a:ln>
-          </p:spPr>
-          <p:style>
-            <a:lnRef idx="2">
-              <a:schemeClr val="accent1">
-                <a:shade val="50000"/>
-              </a:schemeClr>
-            </a:lnRef>
-            <a:fillRef idx="1">
-              <a:schemeClr val="accent1"/>
-            </a:fillRef>
-            <a:effectRef idx="0">
-              <a:schemeClr val="accent1"/>
-            </a:effectRef>
-            <a:fontRef idx="minor">
-              <a:schemeClr val="lt1"/>
-            </a:fontRef>
-          </p:style>
-          <p:txBody>
-            <a:bodyPr rtlCol="0" anchor="ctr"/>
-            <a:lstStyle/>
-            <a:p>
-              <a:pPr marL="0" marR="0" lvl="0" indent="0" algn="ctr" defTabSz="914400" rtl="0" eaLnBrk="1" fontAlgn="auto" latinLnBrk="0" hangingPunct="1">
-                <a:lnSpc>
-                  <a:spcPct val="100000"/>
-                </a:lnSpc>
-                <a:spcBef>
-                  <a:spcPts val="0"/>
-                </a:spcBef>
-                <a:spcAft>
-                  <a:spcPts val="0"/>
-                </a:spcAft>
-                <a:buClrTx/>
-                <a:buSzTx/>
-                <a:buFontTx/>
-                <a:buNone/>
-                <a:tabLst/>
-                <a:defRPr/>
-              </a:pPr>
-              <a:endParaRPr kumimoji="0" lang="zh-CN" altLang="en-US" sz="1800" b="0" i="0" u="none" strike="noStrike" kern="1200" cap="none" spc="0" normalizeH="0" baseline="0" noProof="0">
-                <a:ln>
-                  <a:noFill/>
-                </a:ln>
-                <a:solidFill>
-                  <a:srgbClr val="FFFFFF"/>
-                </a:solidFill>
-                <a:effectLst/>
-                <a:uLnTx/>
-                <a:uFillTx/>
-                <a:latin typeface="微软雅黑"/>
-                <a:ea typeface="微软雅黑"/>
-                <a:cs typeface="+mn-cs"/>
-              </a:endParaRPr>
-            </a:p>
-          </p:txBody>
-        </p:sp>
-        <p:sp>
-          <p:nvSpPr>
-            <p:cNvPr id="30" name="文本框 29"/>
-            <p:cNvSpPr txBox="1"/>
-            <p:nvPr/>
-          </p:nvSpPr>
-          <p:spPr>
-            <a:xfrm>
-              <a:off x="144204" y="523354"/>
-              <a:ext cx="3340100" cy="645160"/>
-            </a:xfrm>
-            <a:prstGeom prst="rect">
-              <a:avLst/>
-            </a:prstGeom>
-            <a:noFill/>
-          </p:spPr>
-          <p:txBody>
-            <a:bodyPr wrap="square" rtlCol="0">
-              <a:spAutoFit/>
-            </a:bodyPr>
-            <a:lstStyle/>
-            <a:p>
-              <a:pPr marL="0" marR="0" lvl="0" indent="0" algn="ctr" defTabSz="914400" rtl="0" eaLnBrk="1" fontAlgn="auto" latinLnBrk="0" hangingPunct="1">
-                <a:lnSpc>
-                  <a:spcPct val="100000"/>
-                </a:lnSpc>
-                <a:spcBef>
-                  <a:spcPts val="0"/>
-                </a:spcBef>
-                <a:spcAft>
-                  <a:spcPts val="0"/>
-                </a:spcAft>
-                <a:buClrTx/>
-                <a:buSzTx/>
-                <a:buFontTx/>
-                <a:buNone/>
-                <a:tabLst/>
-                <a:defRPr/>
-              </a:pPr>
-              <a:r>
-                <a:rPr kumimoji="0" lang="zh-CN" altLang="en-US" sz="3600" b="0" i="0" u="none" strike="noStrike" kern="1200" cap="none" spc="0" normalizeH="0" baseline="0" noProof="0" dirty="0">
-                  <a:ln>
-                    <a:noFill/>
-                  </a:ln>
-                  <a:solidFill>
-                    <a:srgbClr val="FFFFFF"/>
-                  </a:solidFill>
-                  <a:effectLst/>
-                  <a:uLnTx/>
-                  <a:uFillTx/>
-                  <a:latin typeface="Arial" panose="020B0604020202020204" pitchFamily="34" charset="0"/>
-                  <a:ea typeface="方正清刻本悦宋简体" panose="02000000000000000000" charset="-122"/>
-                  <a:cs typeface="+mn-cs"/>
-                </a:rPr>
-                <a:t>目 录 </a:t>
-              </a:r>
-              <a:r>
-                <a:rPr kumimoji="0" lang="en-US" altLang="zh-CN" sz="3600" b="0" i="0" u="none" strike="noStrike" kern="1200" cap="none" spc="0" normalizeH="0" baseline="0" noProof="0" dirty="0">
-                  <a:ln>
-                    <a:noFill/>
-                  </a:ln>
-                  <a:solidFill>
-                    <a:srgbClr val="FFFFFF"/>
-                  </a:solidFill>
-                  <a:effectLst/>
-                  <a:uLnTx/>
-                  <a:uFillTx/>
-                  <a:latin typeface="Arial" panose="020B0604020202020204" pitchFamily="34" charset="0"/>
-                  <a:ea typeface="方正清刻本悦宋简体" panose="02000000000000000000" charset="-122"/>
-                  <a:cs typeface="+mn-cs"/>
-                </a:rPr>
-                <a:t>/ </a:t>
-              </a:r>
-              <a:r>
-                <a:rPr kumimoji="0" lang="en-US" altLang="zh-CN" sz="2400" b="0" i="0" u="none" strike="noStrike" kern="1200" cap="none" spc="0" normalizeH="0" baseline="0" noProof="0" dirty="0">
-                  <a:ln>
-                    <a:noFill/>
-                  </a:ln>
-                  <a:solidFill>
-                    <a:srgbClr val="FFFFFF"/>
-                  </a:solidFill>
-                  <a:effectLst/>
-                  <a:uLnTx/>
-                  <a:uFillTx/>
-                  <a:latin typeface="Arial" panose="020B0604020202020204" pitchFamily="34" charset="0"/>
-                  <a:ea typeface="方正清刻本悦宋简体" panose="02000000000000000000" charset="-122"/>
-                  <a:cs typeface="+mn-cs"/>
-                </a:rPr>
-                <a:t>CONTENTS</a:t>
-              </a:r>
-            </a:p>
-          </p:txBody>
-        </p:sp>
-      </p:grpSp>
-      <p:grpSp>
-        <p:nvGrpSpPr>
-          <p:cNvPr id="3" name="组合 2">
-            <a:extLst>
-              <a:ext uri="{FF2B5EF4-FFF2-40B4-BE49-F238E27FC236}">
-                <a16:creationId xmlns:a16="http://schemas.microsoft.com/office/drawing/2014/main" id="{7CFB17F4-1F8D-4B03-A4C7-967F443750AE}"/>
-              </a:ext>
-            </a:extLst>
-          </p:cNvPr>
-          <p:cNvGrpSpPr/>
-          <p:nvPr/>
-        </p:nvGrpSpPr>
-        <p:grpSpPr>
-          <a:xfrm>
-            <a:off x="615182" y="1528894"/>
-            <a:ext cx="7362958" cy="3728945"/>
-            <a:chOff x="978683" y="2054448"/>
-            <a:chExt cx="4951728" cy="3728945"/>
-          </a:xfrm>
-        </p:grpSpPr>
-        <p:sp>
-          <p:nvSpPr>
-            <p:cNvPr id="32" name="文本框 31"/>
-            <p:cNvSpPr txBox="1"/>
-            <p:nvPr/>
-          </p:nvSpPr>
-          <p:spPr>
-            <a:xfrm>
-              <a:off x="1959757" y="2054448"/>
-              <a:ext cx="3970654" cy="523220"/>
-            </a:xfrm>
-            <a:prstGeom prst="rect">
-              <a:avLst/>
-            </a:prstGeom>
-            <a:noFill/>
-          </p:spPr>
-          <p:txBody>
-            <a:bodyPr wrap="square" rtlCol="0">
-              <a:spAutoFit/>
-            </a:bodyPr>
-            <a:lstStyle/>
-            <a:p>
-              <a:pPr marL="0" marR="0" lvl="0" indent="0" algn="l" defTabSz="914400" rtl="0" eaLnBrk="1" fontAlgn="auto" latinLnBrk="0" hangingPunct="1">
-                <a:lnSpc>
-                  <a:spcPct val="100000"/>
-                </a:lnSpc>
-                <a:spcBef>
-                  <a:spcPts val="0"/>
-                </a:spcBef>
-                <a:spcAft>
-                  <a:spcPts val="0"/>
-                </a:spcAft>
-                <a:buClrTx/>
-                <a:buSzTx/>
-                <a:buFontTx/>
-                <a:buNone/>
-                <a:tabLst/>
-                <a:defRPr/>
-              </a:pPr>
-              <a:r>
-                <a:rPr kumimoji="0" lang="zh-CN" altLang="en-US" sz="2800" b="1" i="0" u="none" strike="noStrike" kern="1200" cap="none" spc="0" normalizeH="0" baseline="0" noProof="0" dirty="0">
-                  <a:ln>
-                    <a:noFill/>
-                  </a:ln>
-                  <a:solidFill>
-                    <a:srgbClr val="0070C0"/>
-                  </a:solidFill>
-                  <a:effectLst/>
-                  <a:uLnTx/>
-                  <a:uFillTx/>
-                  <a:latin typeface="微软雅黑" panose="020B0503020204020204" charset="-122"/>
-                  <a:ea typeface="微软雅黑" panose="020B0503020204020204" charset="-122"/>
-                  <a:cs typeface="+mn-cs"/>
-                  <a:sym typeface="+mn-ea"/>
-                </a:rPr>
-                <a:t>研究背景和研究内容</a:t>
-              </a:r>
-            </a:p>
-          </p:txBody>
-        </p:sp>
-        <p:grpSp>
-          <p:nvGrpSpPr>
-            <p:cNvPr id="2" name="组合 1">
-              <a:extLst>
-                <a:ext uri="{FF2B5EF4-FFF2-40B4-BE49-F238E27FC236}">
-                  <a16:creationId xmlns:a16="http://schemas.microsoft.com/office/drawing/2014/main" id="{4518BA11-721A-4DA4-A02B-F97BA10E0C56}"/>
-                </a:ext>
-              </a:extLst>
-            </p:cNvPr>
-            <p:cNvGrpSpPr/>
-            <p:nvPr/>
-          </p:nvGrpSpPr>
-          <p:grpSpPr>
-            <a:xfrm>
-              <a:off x="978683" y="2058582"/>
-              <a:ext cx="4231269" cy="3724811"/>
-              <a:chOff x="5975985" y="2260600"/>
-              <a:chExt cx="4231269" cy="3724811"/>
-            </a:xfrm>
-          </p:grpSpPr>
-          <p:sp>
-            <p:nvSpPr>
-              <p:cNvPr id="31" name="文本框 30"/>
-              <p:cNvSpPr txBox="1"/>
-              <p:nvPr/>
-            </p:nvSpPr>
-            <p:spPr>
-              <a:xfrm>
-                <a:off x="5975985" y="2260600"/>
-                <a:ext cx="730250" cy="646331"/>
-              </a:xfrm>
-              <a:prstGeom prst="rect">
-                <a:avLst/>
-              </a:prstGeom>
-              <a:solidFill>
-                <a:srgbClr val="0070C0"/>
-              </a:solidFill>
-              <a:ln>
-                <a:noFill/>
-              </a:ln>
-            </p:spPr>
-            <p:txBody>
-              <a:bodyPr wrap="square" rtlCol="0">
-                <a:spAutoFit/>
-              </a:bodyPr>
-              <a:lstStyle/>
-              <a:p>
-                <a:pPr marL="0" marR="0" lvl="0" indent="0" algn="ctr" defTabSz="914400" rtl="0" eaLnBrk="1" fontAlgn="auto" latinLnBrk="0" hangingPunct="1">
-                  <a:lnSpc>
-                    <a:spcPct val="100000"/>
-                  </a:lnSpc>
-                  <a:spcBef>
-                    <a:spcPts val="0"/>
-                  </a:spcBef>
-                  <a:spcAft>
-                    <a:spcPts val="0"/>
-                  </a:spcAft>
-                  <a:buClrTx/>
-                  <a:buSzTx/>
-                  <a:buFontTx/>
-                  <a:buNone/>
-                  <a:tabLst/>
-                  <a:defRPr/>
-                </a:pPr>
-                <a:r>
-                  <a:rPr kumimoji="0" lang="en-US" altLang="zh-CN" sz="3600" b="1" i="0" u="none" strike="noStrike" kern="1200" cap="none" spc="0" normalizeH="0" baseline="0" noProof="0" dirty="0">
-                    <a:ln>
-                      <a:noFill/>
-                    </a:ln>
-                    <a:solidFill>
-                      <a:srgbClr val="FFFFFF"/>
-                    </a:solidFill>
-                    <a:effectLst/>
-                    <a:uLnTx/>
-                    <a:uFillTx/>
-                    <a:latin typeface="Arial" panose="020B0604020202020204" pitchFamily="34" charset="0"/>
-                    <a:ea typeface="微软雅黑"/>
-                    <a:cs typeface="+mn-cs"/>
-                  </a:rPr>
-                  <a:t>01</a:t>
-                </a:r>
-              </a:p>
-            </p:txBody>
-          </p:sp>
-          <p:sp>
-            <p:nvSpPr>
-              <p:cNvPr id="34" name="文本框 33"/>
-              <p:cNvSpPr txBox="1"/>
-              <p:nvPr/>
-            </p:nvSpPr>
-            <p:spPr>
-              <a:xfrm>
-                <a:off x="5975985" y="3293745"/>
-                <a:ext cx="730250" cy="646331"/>
-              </a:xfrm>
-              <a:prstGeom prst="rect">
-                <a:avLst/>
-              </a:prstGeom>
-              <a:solidFill>
-                <a:srgbClr val="0070C0"/>
-              </a:solidFill>
-              <a:ln>
-                <a:noFill/>
-              </a:ln>
-            </p:spPr>
-            <p:txBody>
-              <a:bodyPr wrap="square" rtlCol="0">
-                <a:spAutoFit/>
-              </a:bodyPr>
-              <a:lstStyle/>
-              <a:p>
-                <a:pPr marL="0" marR="0" lvl="0" indent="0" algn="ctr" defTabSz="914400" rtl="0" eaLnBrk="1" fontAlgn="auto" latinLnBrk="0" hangingPunct="1">
-                  <a:lnSpc>
-                    <a:spcPct val="100000"/>
-                  </a:lnSpc>
-                  <a:spcBef>
-                    <a:spcPts val="0"/>
-                  </a:spcBef>
-                  <a:spcAft>
-                    <a:spcPts val="0"/>
-                  </a:spcAft>
-                  <a:buClrTx/>
-                  <a:buSzTx/>
-                  <a:buFontTx/>
-                  <a:buNone/>
-                  <a:tabLst/>
-                  <a:defRPr/>
-                </a:pPr>
-                <a:r>
-                  <a:rPr kumimoji="0" lang="en-US" altLang="zh-CN" sz="3600" b="1" i="0" u="none" strike="noStrike" kern="1200" cap="none" spc="0" normalizeH="0" baseline="0" noProof="0">
-                    <a:ln>
-                      <a:noFill/>
-                    </a:ln>
-                    <a:solidFill>
-                      <a:srgbClr val="FFFFFF"/>
-                    </a:solidFill>
-                    <a:effectLst/>
-                    <a:uLnTx/>
-                    <a:uFillTx/>
-                    <a:latin typeface="Arial" panose="020B0604020202020204" pitchFamily="34" charset="0"/>
-                    <a:ea typeface="微软雅黑"/>
-                    <a:cs typeface="+mn-cs"/>
-                  </a:rPr>
-                  <a:t>02</a:t>
-                </a:r>
-              </a:p>
-            </p:txBody>
-          </p:sp>
-          <p:sp>
-            <p:nvSpPr>
-              <p:cNvPr id="35" name="文本框 34"/>
-              <p:cNvSpPr txBox="1"/>
-              <p:nvPr/>
-            </p:nvSpPr>
-            <p:spPr>
-              <a:xfrm>
-                <a:off x="6957059" y="3403745"/>
-                <a:ext cx="3250195" cy="954107"/>
-              </a:xfrm>
-              <a:prstGeom prst="rect">
-                <a:avLst/>
-              </a:prstGeom>
-              <a:noFill/>
-            </p:spPr>
-            <p:txBody>
-              <a:bodyPr wrap="square" rtlCol="0">
-                <a:spAutoFit/>
-              </a:bodyPr>
-              <a:lstStyle/>
-              <a:p>
-                <a:pPr marL="0" marR="0" lvl="0" indent="0" algn="l" defTabSz="914400" rtl="0" eaLnBrk="1" fontAlgn="auto" latinLnBrk="0" hangingPunct="1">
-                  <a:lnSpc>
-                    <a:spcPct val="100000"/>
-                  </a:lnSpc>
-                  <a:spcBef>
-                    <a:spcPts val="0"/>
-                  </a:spcBef>
-                  <a:spcAft>
-                    <a:spcPts val="0"/>
-                  </a:spcAft>
-                  <a:buClrTx/>
-                  <a:buSzTx/>
-                  <a:buFontTx/>
-                  <a:buNone/>
-                  <a:tabLst/>
-                  <a:defRPr/>
-                </a:pPr>
-                <a:r>
-                  <a:rPr lang="zh-CN" altLang="en-US" sz="2800" b="1" dirty="0">
-                    <a:solidFill>
-                      <a:srgbClr val="0070C0"/>
-                    </a:solidFill>
-                    <a:latin typeface="微软雅黑" panose="020B0503020204020204" charset="-122"/>
-                    <a:ea typeface="微软雅黑" panose="020B0503020204020204" charset="-122"/>
-                    <a:sym typeface="+mn-ea"/>
-                  </a:rPr>
-                  <a:t>论文关键点研究方案</a:t>
-                </a:r>
-              </a:p>
-            </p:txBody>
-          </p:sp>
-          <p:sp>
-            <p:nvSpPr>
-              <p:cNvPr id="37" name="文本框 36"/>
-              <p:cNvSpPr txBox="1"/>
-              <p:nvPr/>
-            </p:nvSpPr>
-            <p:spPr>
-              <a:xfrm>
-                <a:off x="5975985" y="4323080"/>
-                <a:ext cx="730250" cy="646331"/>
-              </a:xfrm>
-              <a:prstGeom prst="rect">
-                <a:avLst/>
-              </a:prstGeom>
-              <a:solidFill>
-                <a:srgbClr val="0070C0"/>
-              </a:solidFill>
-              <a:ln>
-                <a:noFill/>
-              </a:ln>
-            </p:spPr>
-            <p:txBody>
-              <a:bodyPr wrap="square" rtlCol="0">
-                <a:spAutoFit/>
-              </a:bodyPr>
-              <a:lstStyle/>
-              <a:p>
-                <a:pPr marL="0" marR="0" lvl="0" indent="0" algn="ctr" defTabSz="914400" rtl="0" eaLnBrk="1" fontAlgn="auto" latinLnBrk="0" hangingPunct="1">
-                  <a:lnSpc>
-                    <a:spcPct val="100000"/>
-                  </a:lnSpc>
-                  <a:spcBef>
-                    <a:spcPts val="0"/>
-                  </a:spcBef>
-                  <a:spcAft>
-                    <a:spcPts val="0"/>
-                  </a:spcAft>
-                  <a:buClrTx/>
-                  <a:buSzTx/>
-                  <a:buFontTx/>
-                  <a:buNone/>
-                  <a:tabLst/>
-                  <a:defRPr/>
-                </a:pPr>
-                <a:r>
-                  <a:rPr kumimoji="0" lang="en-US" altLang="zh-CN" sz="3600" b="1" i="0" u="none" strike="noStrike" kern="1200" cap="none" spc="0" normalizeH="0" baseline="0" noProof="0">
-                    <a:ln>
-                      <a:noFill/>
-                    </a:ln>
-                    <a:solidFill>
-                      <a:srgbClr val="FFFFFF"/>
-                    </a:solidFill>
-                    <a:effectLst/>
-                    <a:uLnTx/>
-                    <a:uFillTx/>
-                    <a:latin typeface="Arial" panose="020B0604020202020204" pitchFamily="34" charset="0"/>
-                    <a:ea typeface="微软雅黑"/>
-                    <a:cs typeface="+mn-cs"/>
-                  </a:rPr>
-                  <a:t>03</a:t>
-                </a:r>
-              </a:p>
-            </p:txBody>
-          </p:sp>
-          <p:sp>
-            <p:nvSpPr>
-              <p:cNvPr id="38" name="文本框 37"/>
-              <p:cNvSpPr txBox="1"/>
-              <p:nvPr/>
-            </p:nvSpPr>
-            <p:spPr>
-              <a:xfrm>
-                <a:off x="6982629" y="4430712"/>
-                <a:ext cx="2490470" cy="523220"/>
-              </a:xfrm>
-              <a:prstGeom prst="rect">
-                <a:avLst/>
-              </a:prstGeom>
-              <a:noFill/>
-            </p:spPr>
-            <p:txBody>
-              <a:bodyPr wrap="square" rtlCol="0">
-                <a:spAutoFit/>
-              </a:bodyPr>
-              <a:lstStyle>
-                <a:defPPr>
-                  <a:defRPr lang="zh-CN"/>
-                </a:defPPr>
-                <a:lvl1pPr marR="0" lvl="0" indent="0" fontAlgn="auto">
-                  <a:lnSpc>
-                    <a:spcPct val="100000"/>
-                  </a:lnSpc>
-                  <a:spcBef>
-                    <a:spcPts val="0"/>
-                  </a:spcBef>
-                  <a:spcAft>
-                    <a:spcPts val="0"/>
-                  </a:spcAft>
-                  <a:buClrTx/>
-                  <a:buSzTx/>
-                  <a:buFontTx/>
-                  <a:buNone/>
-                  <a:tabLst/>
-                  <a:defRPr sz="2400" b="1">
-                    <a:solidFill>
-                      <a:srgbClr val="0070C0"/>
-                    </a:solidFill>
-                    <a:latin typeface="微软雅黑" panose="020B0503020204020204" charset="-122"/>
-                    <a:ea typeface="微软雅黑" panose="020B0503020204020204" charset="-122"/>
-                  </a:defRPr>
-                </a:lvl1pPr>
-              </a:lstStyle>
-              <a:p>
-                <a:r>
-                  <a:rPr lang="zh-CN" altLang="en-US" sz="2800" dirty="0">
-                    <a:sym typeface="+mn-ea"/>
-                  </a:rPr>
-                  <a:t>研究成果</a:t>
-                </a:r>
-              </a:p>
-            </p:txBody>
-          </p:sp>
-          <p:sp>
-            <p:nvSpPr>
-              <p:cNvPr id="40" name="文本框 39"/>
-              <p:cNvSpPr txBox="1"/>
-              <p:nvPr/>
-            </p:nvSpPr>
-            <p:spPr>
-              <a:xfrm>
-                <a:off x="5975985" y="5339080"/>
-                <a:ext cx="730250" cy="646331"/>
-              </a:xfrm>
-              <a:prstGeom prst="rect">
-                <a:avLst/>
-              </a:prstGeom>
-              <a:solidFill>
-                <a:srgbClr val="0070C0"/>
-              </a:solidFill>
-              <a:ln>
-                <a:noFill/>
-              </a:ln>
-            </p:spPr>
-            <p:txBody>
-              <a:bodyPr wrap="square" rtlCol="0">
-                <a:spAutoFit/>
-              </a:bodyPr>
-              <a:lstStyle/>
-              <a:p>
-                <a:pPr marL="0" marR="0" lvl="0" indent="0" algn="ctr" defTabSz="914400" rtl="0" eaLnBrk="1" fontAlgn="auto" latinLnBrk="0" hangingPunct="1">
-                  <a:lnSpc>
-                    <a:spcPct val="100000"/>
-                  </a:lnSpc>
-                  <a:spcBef>
-                    <a:spcPts val="0"/>
-                  </a:spcBef>
-                  <a:spcAft>
-                    <a:spcPts val="0"/>
-                  </a:spcAft>
-                  <a:buClrTx/>
-                  <a:buSzTx/>
-                  <a:buFontTx/>
-                  <a:buNone/>
-                  <a:tabLst/>
-                  <a:defRPr/>
-                </a:pPr>
-                <a:r>
-                  <a:rPr kumimoji="0" lang="en-US" altLang="zh-CN" sz="3600" b="1" i="0" u="none" strike="noStrike" kern="1200" cap="none" spc="0" normalizeH="0" baseline="0" noProof="0">
-                    <a:ln>
-                      <a:noFill/>
-                    </a:ln>
-                    <a:solidFill>
-                      <a:srgbClr val="FFFFFF"/>
-                    </a:solidFill>
-                    <a:effectLst/>
-                    <a:uLnTx/>
-                    <a:uFillTx/>
-                    <a:latin typeface="Arial" panose="020B0604020202020204" pitchFamily="34" charset="0"/>
-                    <a:ea typeface="微软雅黑"/>
-                    <a:cs typeface="+mn-cs"/>
-                  </a:rPr>
-                  <a:t>04</a:t>
-                </a:r>
-              </a:p>
-            </p:txBody>
-          </p:sp>
-          <p:sp>
-            <p:nvSpPr>
-              <p:cNvPr id="41" name="文本框 40"/>
-              <p:cNvSpPr txBox="1"/>
-              <p:nvPr/>
-            </p:nvSpPr>
-            <p:spPr>
-              <a:xfrm>
-                <a:off x="6982629" y="5400029"/>
-                <a:ext cx="2490470" cy="523220"/>
-              </a:xfrm>
-              <a:prstGeom prst="rect">
-                <a:avLst/>
-              </a:prstGeom>
-              <a:noFill/>
-            </p:spPr>
-            <p:txBody>
-              <a:bodyPr wrap="square" rtlCol="0">
-                <a:spAutoFit/>
-              </a:bodyPr>
-              <a:lstStyle/>
-              <a:p>
-                <a:pPr marL="0" marR="0" lvl="0" indent="0" algn="l" defTabSz="914400" rtl="0" eaLnBrk="1" fontAlgn="auto" latinLnBrk="0" hangingPunct="1">
-                  <a:lnSpc>
-                    <a:spcPct val="100000"/>
-                  </a:lnSpc>
-                  <a:spcBef>
-                    <a:spcPts val="0"/>
-                  </a:spcBef>
-                  <a:spcAft>
-                    <a:spcPts val="0"/>
-                  </a:spcAft>
-                  <a:buClrTx/>
-                  <a:buSzTx/>
-                  <a:buFontTx/>
-                  <a:buNone/>
-                  <a:tabLst/>
-                  <a:defRPr/>
-                </a:pPr>
-                <a:r>
-                  <a:rPr lang="zh-CN" altLang="en-US" sz="2800" b="1" dirty="0">
-                    <a:solidFill>
-                      <a:srgbClr val="0070C0"/>
-                    </a:solidFill>
-                    <a:latin typeface="微软雅黑" panose="020B0503020204020204" charset="-122"/>
-                    <a:ea typeface="微软雅黑" panose="020B0503020204020204" charset="-122"/>
-                    <a:sym typeface="+mn-ea"/>
-                  </a:rPr>
-                  <a:t>进展情况及后期安排</a:t>
-                </a:r>
-              </a:p>
-            </p:txBody>
-          </p:sp>
-        </p:grpSp>
-      </p:grpSp>
-      <p:cxnSp>
-        <p:nvCxnSpPr>
-          <p:cNvPr id="21" name="直接连接符 20">
-            <a:extLst>
-              <a:ext uri="{FF2B5EF4-FFF2-40B4-BE49-F238E27FC236}">
-                <a16:creationId xmlns:a16="http://schemas.microsoft.com/office/drawing/2014/main" id="{B3847DA7-F6BF-4664-BC31-ECF21991B68A}"/>
-              </a:ext>
-            </a:extLst>
-          </p:cNvPr>
-          <p:cNvCxnSpPr>
-            <a:cxnSpLocks/>
-          </p:cNvCxnSpPr>
-          <p:nvPr/>
-        </p:nvCxnSpPr>
-        <p:spPr>
-          <a:xfrm>
-            <a:off x="0" y="804129"/>
-            <a:ext cx="12192000" cy="0"/>
-          </a:xfrm>
-          <a:prstGeom prst="line">
-            <a:avLst/>
-          </a:prstGeom>
-          <a:ln w="76200">
-            <a:solidFill>
-              <a:schemeClr val="accent1"/>
-            </a:solidFill>
-          </a:ln>
-        </p:spPr>
-        <p:style>
-          <a:lnRef idx="2">
-            <a:schemeClr val="accent1"/>
-          </a:lnRef>
-          <a:fillRef idx="0">
-            <a:schemeClr val="accent1"/>
-          </a:fillRef>
-          <a:effectRef idx="1">
-            <a:schemeClr val="accent1"/>
-          </a:effectRef>
-          <a:fontRef idx="minor">
-            <a:schemeClr val="tx1"/>
-          </a:fontRef>
-        </p:style>
-      </p:cxnSp>
-      <p:pic>
-        <p:nvPicPr>
-          <p:cNvPr id="18" name="图片 17">
-            <a:extLst>
-              <a:ext uri="{FF2B5EF4-FFF2-40B4-BE49-F238E27FC236}">
-                <a16:creationId xmlns:a16="http://schemas.microsoft.com/office/drawing/2014/main" id="{4C53FB0E-A8B7-42F6-9E32-6DE100344992}"/>
-              </a:ext>
-            </a:extLst>
-          </p:cNvPr>
-          <p:cNvPicPr>
-            <a:picLocks noChangeAspect="1"/>
-          </p:cNvPicPr>
-          <p:nvPr/>
-        </p:nvPicPr>
-        <p:blipFill>
-          <a:blip r:embed="rId3">
-            <a:extLst>
-              <a:ext uri="{28A0092B-C50C-407E-A947-70E740481C1C}">
-                <a14:useLocalDpi xmlns:a14="http://schemas.microsoft.com/office/drawing/2010/main" val="0"/>
-              </a:ext>
-            </a:extLst>
-          </a:blip>
-          <a:stretch>
-            <a:fillRect/>
-          </a:stretch>
-        </p:blipFill>
-        <p:spPr>
-          <a:xfrm>
-            <a:off x="9497893" y="40126"/>
-            <a:ext cx="2694107" cy="725541"/>
-          </a:xfrm>
-          <a:prstGeom prst="rect">
-            <a:avLst/>
-          </a:prstGeom>
-        </p:spPr>
-      </p:pic>
-    </p:spTree>
-  </p:cSld>
-  <p:clrMapOvr>
-    <a:masterClrMapping/>
-  </p:clrMapOvr>
-  <mc:AlternateContent xmlns:mc="http://schemas.openxmlformats.org/markup-compatibility/2006" xmlns:p14="http://schemas.microsoft.com/office/powerpoint/2010/main">
-    <mc:Choice Requires="p14">
-      <p:transition spd="med" p14:dur="700">
-        <p:fade/>
-      </p:transition>
-    </mc:Choice>
-    <mc:Fallback xmlns="">
-      <p:transition spd="med">
-        <p:fade/>
-      </p:transition>
-    </mc:Fallback>
-  </mc:AlternateContent>
-</p:sld>
-</file>
-
 <file path=ppt/slides/slide3.xml><?xml version="1.0" encoding="utf-8"?>
 <p:sld xmlns:a="http://schemas.openxmlformats.org/drawingml/2006/main" xmlns:r="http://schemas.openxmlformats.org/officeDocument/2006/relationships" xmlns:p="http://schemas.openxmlformats.org/presentationml/2006/main">
   <p:cSld>
@@ -23782,7 +25297,7 @@
                   <a:t>LSTM</a:t>
                 </a:r>
                 <a:r>
-                  <a:rPr lang="zh-CN" altLang="en-US" smtClean="0"/>
+                  <a:rPr lang="zh-CN" altLang="en-US" dirty="0" smtClean="0"/>
                   <a:t>效果更好。</a:t>
                 </a:r>
                 <a:endParaRPr lang="en-US" altLang="zh-CN" dirty="0" smtClean="0"/>
@@ -24411,14 +25926,911 @@
         </p:blipFill>
         <p:spPr>
           <a:xfrm>
-            <a:off x="5257800" y="1890197"/>
-            <a:ext cx="6600825" cy="3406262"/>
+            <a:off x="5592116" y="2062715"/>
+            <a:ext cx="6266509" cy="3233743"/>
           </a:xfrm>
           <a:prstGeom prst="rect">
             <a:avLst/>
           </a:prstGeom>
         </p:spPr>
       </p:pic>
+      <mc:AlternateContent xmlns:mc="http://schemas.openxmlformats.org/markup-compatibility/2006">
+        <mc:Choice xmlns:a14="http://schemas.microsoft.com/office/drawing/2010/main" Requires="a14">
+          <p:sp>
+            <p:nvSpPr>
+              <p:cNvPr id="2" name="矩形 1"/>
+              <p:cNvSpPr/>
+              <p:nvPr/>
+            </p:nvSpPr>
+            <p:spPr>
+              <a:xfrm>
+                <a:off x="-742508" y="2609685"/>
+                <a:ext cx="7823791" cy="780150"/>
+              </a:xfrm>
+              <a:prstGeom prst="rect">
+                <a:avLst/>
+              </a:prstGeom>
+            </p:spPr>
+            <p:txBody>
+              <a:bodyPr wrap="square">
+                <a:spAutoFit/>
+              </a:bodyPr>
+              <a:lstStyle/>
+              <a:p>
+                <a:pPr marL="266700" marR="266700" indent="266700" algn="just">
+                  <a:lnSpc>
+                    <a:spcPct val="120000"/>
+                  </a:lnSpc>
+                  <a:spcBef>
+                    <a:spcPts val="600"/>
+                  </a:spcBef>
+                  <a:spcAft>
+                    <a:spcPts val="0"/>
+                  </a:spcAft>
+                </a:pPr>
+                <a14:m>
+                  <m:oMathPara xmlns:m="http://schemas.openxmlformats.org/officeDocument/2006/math">
+                    <m:oMathParaPr>
+                      <m:jc m:val="centerGroup"/>
+                    </m:oMathParaPr>
+                    <m:oMath xmlns:m="http://schemas.openxmlformats.org/officeDocument/2006/math">
+                      <m:r>
+                        <m:rPr>
+                          <m:sty m:val="p"/>
+                        </m:rPr>
+                        <a:rPr lang="en-US" altLang="zh-CN" kern="100">
+                          <a:latin typeface="Cambria Math" panose="02040503050406030204" pitchFamily="18" charset="0"/>
+                          <a:ea typeface="宋体" panose="02010600030101010101" pitchFamily="2" charset="-122"/>
+                        </a:rPr>
+                        <m:t>max</m:t>
+                      </m:r>
+                      <m:sSub>
+                        <m:sSubPr>
+                          <m:ctrlPr>
+                            <a:rPr lang="zh-CN" altLang="zh-CN" i="1" kern="100">
+                              <a:latin typeface="Cambria Math" panose="02040503050406030204" pitchFamily="18" charset="0"/>
+                              <a:ea typeface="Cambria Math" panose="02040503050406030204" pitchFamily="18" charset="0"/>
+                            </a:rPr>
+                          </m:ctrlPr>
+                        </m:sSubPr>
+                        <m:e>
+                          <m:r>
+                            <a:rPr lang="en-US" altLang="zh-CN" i="1" kern="100">
+                              <a:latin typeface="Cambria Math" panose="02040503050406030204" pitchFamily="18" charset="0"/>
+                              <a:ea typeface="宋体" panose="02010600030101010101" pitchFamily="2" charset="-122"/>
+                            </a:rPr>
+                            <m:t>𝔼</m:t>
+                          </m:r>
+                        </m:e>
+                        <m:sub>
+                          <m:r>
+                            <m:rPr>
+                              <m:sty m:val="p"/>
+                            </m:rPr>
+                            <a:rPr lang="en-US" altLang="zh-CN" kern="100">
+                              <a:latin typeface="Cambria Math" panose="02040503050406030204" pitchFamily="18" charset="0"/>
+                              <a:ea typeface="宋体" panose="02010600030101010101" pitchFamily="2" charset="-122"/>
+                            </a:rPr>
+                            <m:t>x</m:t>
+                          </m:r>
+                        </m:sub>
+                      </m:sSub>
+                      <m:r>
+                        <a:rPr lang="en-US" altLang="zh-CN" i="1" kern="100">
+                          <a:latin typeface="Cambria Math" panose="02040503050406030204" pitchFamily="18" charset="0"/>
+                          <a:ea typeface="宋体" panose="02010600030101010101" pitchFamily="2" charset="-122"/>
+                        </a:rPr>
+                        <m:t>~</m:t>
+                      </m:r>
+                      <m:sSub>
+                        <m:sSubPr>
+                          <m:ctrlPr>
+                            <a:rPr lang="zh-CN" altLang="zh-CN" i="1" kern="100">
+                              <a:latin typeface="Cambria Math" panose="02040503050406030204" pitchFamily="18" charset="0"/>
+                              <a:ea typeface="Cambria Math" panose="02040503050406030204" pitchFamily="18" charset="0"/>
+                            </a:rPr>
+                          </m:ctrlPr>
+                        </m:sSubPr>
+                        <m:e>
+                          <m:r>
+                            <a:rPr lang="en-US" altLang="zh-CN" i="1" kern="100">
+                              <a:latin typeface="Cambria Math" panose="02040503050406030204" pitchFamily="18" charset="0"/>
+                              <a:ea typeface="宋体" panose="02010600030101010101" pitchFamily="2" charset="-122"/>
+                            </a:rPr>
+                            <m:t>𝑃</m:t>
+                          </m:r>
+                        </m:e>
+                        <m:sub>
+                          <m:r>
+                            <a:rPr lang="en-US" altLang="zh-CN" i="1" kern="100">
+                              <a:latin typeface="Cambria Math" panose="02040503050406030204" pitchFamily="18" charset="0"/>
+                              <a:ea typeface="宋体" panose="02010600030101010101" pitchFamily="2" charset="-122"/>
+                            </a:rPr>
+                            <m:t>𝑆𝐷</m:t>
+                          </m:r>
+                        </m:sub>
+                      </m:sSub>
+                      <m:d>
+                        <m:dPr>
+                          <m:begChr m:val="["/>
+                          <m:endChr m:val="]"/>
+                          <m:ctrlPr>
+                            <a:rPr lang="zh-CN" altLang="zh-CN" i="1" kern="100">
+                              <a:latin typeface="Cambria Math" panose="02040503050406030204" pitchFamily="18" charset="0"/>
+                              <a:ea typeface="Cambria Math" panose="02040503050406030204" pitchFamily="18" charset="0"/>
+                            </a:rPr>
+                          </m:ctrlPr>
+                        </m:dPr>
+                        <m:e>
+                          <m:func>
+                            <m:funcPr>
+                              <m:ctrlPr>
+                                <a:rPr lang="zh-CN" altLang="zh-CN" i="1" kern="100">
+                                  <a:latin typeface="Cambria Math" panose="02040503050406030204" pitchFamily="18" charset="0"/>
+                                  <a:ea typeface="Cambria Math" panose="02040503050406030204" pitchFamily="18" charset="0"/>
+                                </a:rPr>
+                              </m:ctrlPr>
+                            </m:funcPr>
+                            <m:fName>
+                              <m:r>
+                                <m:rPr>
+                                  <m:sty m:val="p"/>
+                                </m:rPr>
+                                <a:rPr lang="en-US" altLang="zh-CN" kern="100">
+                                  <a:latin typeface="Cambria Math" panose="02040503050406030204" pitchFamily="18" charset="0"/>
+                                  <a:ea typeface="宋体" panose="02010600030101010101" pitchFamily="2" charset="-122"/>
+                                </a:rPr>
+                                <m:t>log</m:t>
+                              </m:r>
+                            </m:fName>
+                            <m:e>
+                              <m:d>
+                                <m:dPr>
+                                  <m:ctrlPr>
+                                    <a:rPr lang="zh-CN" altLang="zh-CN" i="1" kern="100">
+                                      <a:latin typeface="Cambria Math" panose="02040503050406030204" pitchFamily="18" charset="0"/>
+                                      <a:ea typeface="Cambria Math" panose="02040503050406030204" pitchFamily="18" charset="0"/>
+                                    </a:rPr>
+                                  </m:ctrlPr>
+                                </m:dPr>
+                                <m:e>
+                                  <m:r>
+                                    <a:rPr lang="en-US" altLang="zh-CN" i="1" kern="100">
+                                      <a:latin typeface="Cambria Math" panose="02040503050406030204" pitchFamily="18" charset="0"/>
+                                      <a:ea typeface="宋体" panose="02010600030101010101" pitchFamily="2" charset="-122"/>
+                                    </a:rPr>
+                                    <m:t>𝑃</m:t>
+                                  </m:r>
+                                  <m:d>
+                                    <m:dPr>
+                                      <m:ctrlPr>
+                                        <a:rPr lang="zh-CN" altLang="zh-CN" i="1" kern="100">
+                                          <a:latin typeface="Cambria Math" panose="02040503050406030204" pitchFamily="18" charset="0"/>
+                                          <a:ea typeface="Cambria Math" panose="02040503050406030204" pitchFamily="18" charset="0"/>
+                                        </a:rPr>
+                                      </m:ctrlPr>
+                                    </m:dPr>
+                                    <m:e>
+                                      <m:r>
+                                        <a:rPr lang="en-US" altLang="zh-CN" i="1" kern="100">
+                                          <a:latin typeface="Cambria Math" panose="02040503050406030204" pitchFamily="18" charset="0"/>
+                                          <a:ea typeface="宋体" panose="02010600030101010101" pitchFamily="2" charset="-122"/>
+                                        </a:rPr>
+                                        <m:t>𝑟</m:t>
+                                      </m:r>
+                                    </m:e>
+                                    <m:e>
+                                      <m:r>
+                                        <a:rPr lang="en-US" altLang="zh-CN" i="1" kern="100">
+                                          <a:latin typeface="Cambria Math" panose="02040503050406030204" pitchFamily="18" charset="0"/>
+                                          <a:ea typeface="宋体" panose="02010600030101010101" pitchFamily="2" charset="-122"/>
+                                        </a:rPr>
+                                        <m:t>𝑠</m:t>
+                                      </m:r>
+                                    </m:e>
+                                  </m:d>
+                                </m:e>
+                              </m:d>
+                            </m:e>
+                          </m:func>
+                        </m:e>
+                      </m:d>
+                      <m:r>
+                        <a:rPr lang="en-US" altLang="zh-CN" i="1" kern="100">
+                          <a:latin typeface="Cambria Math" panose="02040503050406030204" pitchFamily="18" charset="0"/>
+                          <a:ea typeface="宋体" panose="02010600030101010101" pitchFamily="2" charset="-122"/>
+                        </a:rPr>
+                        <m:t>+</m:t>
+                      </m:r>
+                      <m:sSub>
+                        <m:sSubPr>
+                          <m:ctrlPr>
+                            <a:rPr lang="zh-CN" altLang="zh-CN" i="1" kern="100">
+                              <a:latin typeface="Cambria Math" panose="02040503050406030204" pitchFamily="18" charset="0"/>
+                              <a:ea typeface="Cambria Math" panose="02040503050406030204" pitchFamily="18" charset="0"/>
+                            </a:rPr>
+                          </m:ctrlPr>
+                        </m:sSubPr>
+                        <m:e>
+                          <m:r>
+                            <a:rPr lang="en-US" altLang="zh-CN" i="1" kern="100">
+                              <a:latin typeface="Cambria Math" panose="02040503050406030204" pitchFamily="18" charset="0"/>
+                              <a:ea typeface="宋体" panose="02010600030101010101" pitchFamily="2" charset="-122"/>
+                            </a:rPr>
+                            <m:t>𝔼</m:t>
+                          </m:r>
+                        </m:e>
+                        <m:sub>
+                          <m:r>
+                            <m:rPr>
+                              <m:sty m:val="p"/>
+                            </m:rPr>
+                            <a:rPr lang="en-US" altLang="zh-CN" kern="100">
+                              <a:latin typeface="Cambria Math" panose="02040503050406030204" pitchFamily="18" charset="0"/>
+                              <a:ea typeface="宋体" panose="02010600030101010101" pitchFamily="2" charset="-122"/>
+                            </a:rPr>
+                            <m:t>x</m:t>
+                          </m:r>
+                        </m:sub>
+                      </m:sSub>
+                      <m:r>
+                        <a:rPr lang="en-US" altLang="zh-CN" i="1" kern="100">
+                          <a:latin typeface="Cambria Math" panose="02040503050406030204" pitchFamily="18" charset="0"/>
+                          <a:ea typeface="宋体" panose="02010600030101010101" pitchFamily="2" charset="-122"/>
+                        </a:rPr>
+                        <m:t>~</m:t>
+                      </m:r>
+                      <m:sSub>
+                        <m:sSubPr>
+                          <m:ctrlPr>
+                            <a:rPr lang="zh-CN" altLang="zh-CN" i="1" kern="100">
+                              <a:latin typeface="Cambria Math" panose="02040503050406030204" pitchFamily="18" charset="0"/>
+                              <a:ea typeface="Cambria Math" panose="02040503050406030204" pitchFamily="18" charset="0"/>
+                            </a:rPr>
+                          </m:ctrlPr>
+                        </m:sSubPr>
+                        <m:e>
+                          <m:r>
+                            <a:rPr lang="en-US" altLang="zh-CN" i="1" kern="100">
+                              <a:latin typeface="Cambria Math" panose="02040503050406030204" pitchFamily="18" charset="0"/>
+                              <a:ea typeface="宋体" panose="02010600030101010101" pitchFamily="2" charset="-122"/>
+                            </a:rPr>
+                            <m:t>𝑃</m:t>
+                          </m:r>
+                        </m:e>
+                        <m:sub>
+                          <m:r>
+                            <a:rPr lang="en-US" altLang="zh-CN" i="1" kern="100">
+                              <a:latin typeface="Cambria Math" panose="02040503050406030204" pitchFamily="18" charset="0"/>
+                              <a:ea typeface="宋体" panose="02010600030101010101" pitchFamily="2" charset="-122"/>
+                            </a:rPr>
+                            <m:t>𝑁𝐷</m:t>
+                          </m:r>
+                        </m:sub>
+                      </m:sSub>
+                      <m:d>
+                        <m:dPr>
+                          <m:begChr m:val="["/>
+                          <m:endChr m:val="]"/>
+                          <m:ctrlPr>
+                            <a:rPr lang="zh-CN" altLang="zh-CN" i="1" kern="100">
+                              <a:latin typeface="Cambria Math" panose="02040503050406030204" pitchFamily="18" charset="0"/>
+                              <a:ea typeface="Cambria Math" panose="02040503050406030204" pitchFamily="18" charset="0"/>
+                            </a:rPr>
+                          </m:ctrlPr>
+                        </m:dPr>
+                        <m:e>
+                          <m:func>
+                            <m:funcPr>
+                              <m:ctrlPr>
+                                <a:rPr lang="zh-CN" altLang="zh-CN" i="1" kern="100">
+                                  <a:latin typeface="Cambria Math" panose="02040503050406030204" pitchFamily="18" charset="0"/>
+                                  <a:ea typeface="Cambria Math" panose="02040503050406030204" pitchFamily="18" charset="0"/>
+                                </a:rPr>
+                              </m:ctrlPr>
+                            </m:funcPr>
+                            <m:fName>
+                              <m:r>
+                                <a:rPr lang="en-US" altLang="zh-CN" kern="100">
+                                  <a:latin typeface="Cambria Math" panose="02040503050406030204" pitchFamily="18" charset="0"/>
+                                  <a:ea typeface="宋体" panose="02010600030101010101" pitchFamily="2" charset="-122"/>
+                                </a:rPr>
+                                <m:t>1</m:t>
+                              </m:r>
+                              <m:r>
+                                <a:rPr lang="en-US" altLang="zh-CN" i="1" kern="100">
+                                  <a:latin typeface="Cambria Math" panose="02040503050406030204" pitchFamily="18" charset="0"/>
+                                  <a:ea typeface="宋体" panose="02010600030101010101" pitchFamily="2" charset="-122"/>
+                                </a:rPr>
+                                <m:t>−</m:t>
+                              </m:r>
+                              <m:r>
+                                <m:rPr>
+                                  <m:sty m:val="p"/>
+                                </m:rPr>
+                                <a:rPr lang="en-US" altLang="zh-CN" kern="100">
+                                  <a:latin typeface="Cambria Math" panose="02040503050406030204" pitchFamily="18" charset="0"/>
+                                  <a:ea typeface="宋体" panose="02010600030101010101" pitchFamily="2" charset="-122"/>
+                                </a:rPr>
+                                <m:t>log</m:t>
+                              </m:r>
+                            </m:fName>
+                            <m:e>
+                              <m:d>
+                                <m:dPr>
+                                  <m:ctrlPr>
+                                    <a:rPr lang="zh-CN" altLang="zh-CN" i="1" kern="100">
+                                      <a:latin typeface="Cambria Math" panose="02040503050406030204" pitchFamily="18" charset="0"/>
+                                      <a:ea typeface="Cambria Math" panose="02040503050406030204" pitchFamily="18" charset="0"/>
+                                    </a:rPr>
+                                  </m:ctrlPr>
+                                </m:dPr>
+                                <m:e>
+                                  <m:r>
+                                    <a:rPr lang="en-US" altLang="zh-CN" i="1" kern="100">
+                                      <a:latin typeface="Cambria Math" panose="02040503050406030204" pitchFamily="18" charset="0"/>
+                                      <a:ea typeface="宋体" panose="02010600030101010101" pitchFamily="2" charset="-122"/>
+                                    </a:rPr>
+                                    <m:t>𝑃</m:t>
+                                  </m:r>
+                                  <m:d>
+                                    <m:dPr>
+                                      <m:ctrlPr>
+                                        <a:rPr lang="zh-CN" altLang="zh-CN" i="1" kern="100">
+                                          <a:latin typeface="Cambria Math" panose="02040503050406030204" pitchFamily="18" charset="0"/>
+                                          <a:ea typeface="Cambria Math" panose="02040503050406030204" pitchFamily="18" charset="0"/>
+                                        </a:rPr>
+                                      </m:ctrlPr>
+                                    </m:dPr>
+                                    <m:e>
+                                      <m:r>
+                                        <a:rPr lang="en-US" altLang="zh-CN" i="1" kern="100">
+                                          <a:latin typeface="Cambria Math" panose="02040503050406030204" pitchFamily="18" charset="0"/>
+                                          <a:ea typeface="宋体" panose="02010600030101010101" pitchFamily="2" charset="-122"/>
+                                        </a:rPr>
+                                        <m:t>𝑟</m:t>
+                                      </m:r>
+                                    </m:e>
+                                    <m:e>
+                                      <m:r>
+                                        <a:rPr lang="en-US" altLang="zh-CN" i="1" kern="100">
+                                          <a:latin typeface="Cambria Math" panose="02040503050406030204" pitchFamily="18" charset="0"/>
+                                          <a:ea typeface="宋体" panose="02010600030101010101" pitchFamily="2" charset="-122"/>
+                                        </a:rPr>
+                                        <m:t>𝑠</m:t>
+                                      </m:r>
+                                    </m:e>
+                                  </m:d>
+                                </m:e>
+                              </m:d>
+                            </m:e>
+                          </m:func>
+                        </m:e>
+                      </m:d>
+                      <m:r>
+                        <a:rPr lang="en-US" altLang="zh-CN" i="1" kern="100">
+                          <a:latin typeface="Cambria Math" panose="02040503050406030204" pitchFamily="18" charset="0"/>
+                          <a:ea typeface="宋体" panose="02010600030101010101" pitchFamily="2" charset="-122"/>
+                        </a:rPr>
+                        <m:t>,</m:t>
+                      </m:r>
+                    </m:oMath>
+                  </m:oMathPara>
+                </a14:m>
+                <a:endParaRPr lang="zh-CN" altLang="zh-CN" kern="100" dirty="0">
+                  <a:latin typeface="Times New Roman" panose="02020603050405020304" pitchFamily="18" charset="0"/>
+                  <a:ea typeface="宋体" panose="02010600030101010101" pitchFamily="2" charset="-122"/>
+                </a:endParaRPr>
+              </a:p>
+              <a:p>
+                <a14:m>
+                  <m:oMathPara xmlns:m="http://schemas.openxmlformats.org/officeDocument/2006/math">
+                    <m:oMathParaPr>
+                      <m:jc m:val="centerGroup"/>
+                    </m:oMathParaPr>
+                    <m:oMath xmlns:m="http://schemas.openxmlformats.org/officeDocument/2006/math">
+                      <m:eqArr>
+                        <m:eqArrPr>
+                          <m:ctrlPr>
+                            <a:rPr lang="zh-CN" altLang="zh-CN" i="1">
+                              <a:effectLst/>
+                              <a:latin typeface="Cambria Math" panose="02040503050406030204" pitchFamily="18" charset="0"/>
+                              <a:ea typeface="Cambria Math" panose="02040503050406030204" pitchFamily="18" charset="0"/>
+                            </a:rPr>
+                          </m:ctrlPr>
+                        </m:eqArrPr>
+                        <m:e>
+                          <m:r>
+                            <m:rPr>
+                              <m:sty m:val="p"/>
+                            </m:rPr>
+                            <a:rPr lang="en-US" altLang="zh-CN" kern="100">
+                              <a:latin typeface="Cambria Math" panose="02040503050406030204" pitchFamily="18" charset="0"/>
+                              <a:ea typeface="宋体" panose="02010600030101010101" pitchFamily="2" charset="-122"/>
+                              <a:cs typeface="Times New Roman" panose="02020603050405020304" pitchFamily="18" charset="0"/>
+                            </a:rPr>
+                            <m:t>max</m:t>
+                          </m:r>
+                          <m:sSub>
+                            <m:sSubPr>
+                              <m:ctrlPr>
+                                <a:rPr lang="zh-CN" altLang="zh-CN" i="1">
+                                  <a:effectLst/>
+                                  <a:latin typeface="Cambria Math" panose="02040503050406030204" pitchFamily="18" charset="0"/>
+                                  <a:ea typeface="Cambria Math" panose="02040503050406030204" pitchFamily="18" charset="0"/>
+                                </a:rPr>
+                              </m:ctrlPr>
+                            </m:sSubPr>
+                            <m:e>
+                              <m:r>
+                                <a:rPr lang="en-US" altLang="zh-CN" i="1" kern="100">
+                                  <a:latin typeface="Cambria Math" panose="02040503050406030204" pitchFamily="18" charset="0"/>
+                                  <a:ea typeface="宋体" panose="02010600030101010101" pitchFamily="2" charset="-122"/>
+                                  <a:cs typeface="Times New Roman" panose="02020603050405020304" pitchFamily="18" charset="0"/>
+                                </a:rPr>
+                                <m:t>𝔼</m:t>
+                              </m:r>
+                            </m:e>
+                            <m:sub>
+                              <m:r>
+                                <m:rPr>
+                                  <m:sty m:val="p"/>
+                                </m:rPr>
+                                <a:rPr lang="en-US" altLang="zh-CN" kern="100">
+                                  <a:latin typeface="Cambria Math" panose="02040503050406030204" pitchFamily="18" charset="0"/>
+                                  <a:ea typeface="宋体" panose="02010600030101010101" pitchFamily="2" charset="-122"/>
+                                  <a:cs typeface="Times New Roman" panose="02020603050405020304" pitchFamily="18" charset="0"/>
+                                </a:rPr>
+                                <m:t>x</m:t>
+                              </m:r>
+                            </m:sub>
+                          </m:sSub>
+                          <m:r>
+                            <a:rPr lang="en-US" altLang="zh-CN" i="1" kern="100">
+                              <a:latin typeface="Cambria Math" panose="02040503050406030204" pitchFamily="18" charset="0"/>
+                              <a:ea typeface="宋体" panose="02010600030101010101" pitchFamily="2" charset="-122"/>
+                              <a:cs typeface="Times New Roman" panose="02020603050405020304" pitchFamily="18" charset="0"/>
+                            </a:rPr>
+                            <m:t>~</m:t>
+                          </m:r>
+                          <m:sSub>
+                            <m:sSubPr>
+                              <m:ctrlPr>
+                                <a:rPr lang="zh-CN" altLang="zh-CN" i="1">
+                                  <a:effectLst/>
+                                  <a:latin typeface="Cambria Math" panose="02040503050406030204" pitchFamily="18" charset="0"/>
+                                  <a:ea typeface="Cambria Math" panose="02040503050406030204" pitchFamily="18" charset="0"/>
+                                </a:rPr>
+                              </m:ctrlPr>
+                            </m:sSubPr>
+                            <m:e>
+                              <m:r>
+                                <a:rPr lang="en-US" altLang="zh-CN" i="1" kern="100">
+                                  <a:latin typeface="Cambria Math" panose="02040503050406030204" pitchFamily="18" charset="0"/>
+                                  <a:ea typeface="宋体" panose="02010600030101010101" pitchFamily="2" charset="-122"/>
+                                  <a:cs typeface="Times New Roman" panose="02020603050405020304" pitchFamily="18" charset="0"/>
+                                </a:rPr>
+                                <m:t>𝑃</m:t>
+                              </m:r>
+                            </m:e>
+                            <m:sub>
+                              <m:r>
+                                <a:rPr lang="en-US" altLang="zh-CN" i="1" kern="100">
+                                  <a:latin typeface="Cambria Math" panose="02040503050406030204" pitchFamily="18" charset="0"/>
+                                  <a:ea typeface="宋体" panose="02010600030101010101" pitchFamily="2" charset="-122"/>
+                                  <a:cs typeface="Times New Roman" panose="02020603050405020304" pitchFamily="18" charset="0"/>
+                                </a:rPr>
+                                <m:t>𝑁𝐷</m:t>
+                              </m:r>
+                            </m:sub>
+                          </m:sSub>
+                          <m:d>
+                            <m:dPr>
+                              <m:begChr m:val="["/>
+                              <m:endChr m:val="]"/>
+                              <m:ctrlPr>
+                                <a:rPr lang="zh-CN" altLang="zh-CN" i="1">
+                                  <a:effectLst/>
+                                  <a:latin typeface="Cambria Math" panose="02040503050406030204" pitchFamily="18" charset="0"/>
+                                  <a:ea typeface="Cambria Math" panose="02040503050406030204" pitchFamily="18" charset="0"/>
+                                </a:rPr>
+                              </m:ctrlPr>
+                            </m:dPr>
+                            <m:e>
+                              <m:func>
+                                <m:funcPr>
+                                  <m:ctrlPr>
+                                    <a:rPr lang="zh-CN" altLang="zh-CN" i="1">
+                                      <a:effectLst/>
+                                      <a:latin typeface="Cambria Math" panose="02040503050406030204" pitchFamily="18" charset="0"/>
+                                      <a:ea typeface="Cambria Math" panose="02040503050406030204" pitchFamily="18" charset="0"/>
+                                    </a:rPr>
+                                  </m:ctrlPr>
+                                </m:funcPr>
+                                <m:fName>
+                                  <m:r>
+                                    <m:rPr>
+                                      <m:sty m:val="p"/>
+                                    </m:rPr>
+                                    <a:rPr lang="en-US" altLang="zh-CN" kern="100">
+                                      <a:latin typeface="Cambria Math" panose="02040503050406030204" pitchFamily="18" charset="0"/>
+                                      <a:ea typeface="宋体" panose="02010600030101010101" pitchFamily="2" charset="-122"/>
+                                      <a:cs typeface="Times New Roman" panose="02020603050405020304" pitchFamily="18" charset="0"/>
+                                    </a:rPr>
+                                    <m:t>log</m:t>
+                                  </m:r>
+                                </m:fName>
+                                <m:e>
+                                  <m:d>
+                                    <m:dPr>
+                                      <m:ctrlPr>
+                                        <a:rPr lang="zh-CN" altLang="zh-CN" i="1">
+                                          <a:effectLst/>
+                                          <a:latin typeface="Cambria Math" panose="02040503050406030204" pitchFamily="18" charset="0"/>
+                                          <a:ea typeface="Cambria Math" panose="02040503050406030204" pitchFamily="18" charset="0"/>
+                                        </a:rPr>
+                                      </m:ctrlPr>
+                                    </m:dPr>
+                                    <m:e>
+                                      <m:r>
+                                        <a:rPr lang="en-US" altLang="zh-CN" i="1" kern="100">
+                                          <a:latin typeface="Cambria Math" panose="02040503050406030204" pitchFamily="18" charset="0"/>
+                                          <a:ea typeface="宋体" panose="02010600030101010101" pitchFamily="2" charset="-122"/>
+                                          <a:cs typeface="Times New Roman" panose="02020603050405020304" pitchFamily="18" charset="0"/>
+                                        </a:rPr>
+                                        <m:t>𝑃</m:t>
+                                      </m:r>
+                                      <m:d>
+                                        <m:dPr>
+                                          <m:ctrlPr>
+                                            <a:rPr lang="zh-CN" altLang="zh-CN" i="1">
+                                              <a:effectLst/>
+                                              <a:latin typeface="Cambria Math" panose="02040503050406030204" pitchFamily="18" charset="0"/>
+                                              <a:ea typeface="Cambria Math" panose="02040503050406030204" pitchFamily="18" charset="0"/>
+                                            </a:rPr>
+                                          </m:ctrlPr>
+                                        </m:dPr>
+                                        <m:e>
+                                          <m:r>
+                                            <a:rPr lang="en-US" altLang="zh-CN" i="1" kern="100">
+                                              <a:latin typeface="Cambria Math" panose="02040503050406030204" pitchFamily="18" charset="0"/>
+                                              <a:ea typeface="宋体" panose="02010600030101010101" pitchFamily="2" charset="-122"/>
+                                              <a:cs typeface="Times New Roman" panose="02020603050405020304" pitchFamily="18" charset="0"/>
+                                            </a:rPr>
+                                            <m:t>𝑟</m:t>
+                                          </m:r>
+                                        </m:e>
+                                        <m:e>
+                                          <m:r>
+                                            <a:rPr lang="en-US" altLang="zh-CN" i="1" kern="100">
+                                              <a:latin typeface="Cambria Math" panose="02040503050406030204" pitchFamily="18" charset="0"/>
+                                              <a:ea typeface="宋体" panose="02010600030101010101" pitchFamily="2" charset="-122"/>
+                                              <a:cs typeface="Times New Roman" panose="02020603050405020304" pitchFamily="18" charset="0"/>
+                                            </a:rPr>
+                                            <m:t>𝑠</m:t>
+                                          </m:r>
+                                        </m:e>
+                                      </m:d>
+                                    </m:e>
+                                  </m:d>
+                                </m:e>
+                              </m:func>
+                            </m:e>
+                          </m:d>
+                          <m:r>
+                            <a:rPr lang="en-US" altLang="zh-CN" i="1" kern="100">
+                              <a:latin typeface="Cambria Math" panose="02040503050406030204" pitchFamily="18" charset="0"/>
+                              <a:ea typeface="宋体" panose="02010600030101010101" pitchFamily="2" charset="-122"/>
+                              <a:cs typeface="Times New Roman" panose="02020603050405020304" pitchFamily="18" charset="0"/>
+                            </a:rPr>
+                            <m:t>#</m:t>
+                          </m:r>
+                        </m:e>
+                      </m:eqArr>
+                    </m:oMath>
+                  </m:oMathPara>
+                </a14:m>
+                <a:endParaRPr lang="zh-CN" altLang="en-US" dirty="0"/>
+              </a:p>
+            </p:txBody>
+          </p:sp>
+        </mc:Choice>
+        <mc:Fallback>
+          <p:sp>
+            <p:nvSpPr>
+              <p:cNvPr id="2" name="矩形 1"/>
+              <p:cNvSpPr>
+                <a:spLocks noRot="1" noChangeAspect="1" noMove="1" noResize="1" noEditPoints="1" noAdjustHandles="1" noChangeArrowheads="1" noChangeShapeType="1" noTextEdit="1"/>
+              </p:cNvSpPr>
+              <p:nvPr/>
+            </p:nvSpPr>
+            <p:spPr>
+              <a:xfrm>
+                <a:off x="-742508" y="2609685"/>
+                <a:ext cx="7823791" cy="780150"/>
+              </a:xfrm>
+              <a:prstGeom prst="rect">
+                <a:avLst/>
+              </a:prstGeom>
+              <a:blipFill>
+                <a:blip r:embed="rId5"/>
+                <a:stretch>
+                  <a:fillRect b="-4688"/>
+                </a:stretch>
+              </a:blipFill>
+            </p:spPr>
+            <p:txBody>
+              <a:bodyPr/>
+              <a:lstStyle/>
+              <a:p>
+                <a:r>
+                  <a:rPr lang="zh-CN" altLang="en-US">
+                    <a:noFill/>
+                  </a:rPr>
+                  <a:t> </a:t>
+                </a:r>
+              </a:p>
+            </p:txBody>
+          </p:sp>
+        </mc:Fallback>
+      </mc:AlternateContent>
+      <p:sp>
+        <p:nvSpPr>
+          <p:cNvPr id="9" name="矩形 8">
+            <a:extLst>
+              <a:ext uri="{FF2B5EF4-FFF2-40B4-BE49-F238E27FC236}">
+                <a16:creationId xmlns:a16="http://schemas.microsoft.com/office/drawing/2014/main" id="{831F41C9-7B5D-4991-BF26-73159B42C589}"/>
+              </a:ext>
+            </a:extLst>
+          </p:cNvPr>
+          <p:cNvSpPr/>
+          <p:nvPr/>
+        </p:nvSpPr>
+        <p:spPr>
+          <a:xfrm>
+            <a:off x="242521" y="2066479"/>
+            <a:ext cx="5349595" cy="461665"/>
+          </a:xfrm>
+          <a:prstGeom prst="rect">
+            <a:avLst/>
+          </a:prstGeom>
+        </p:spPr>
+        <p:txBody>
+          <a:bodyPr wrap="square">
+            <a:spAutoFit/>
+          </a:bodyPr>
+          <a:lstStyle/>
+          <a:p>
+            <a:r>
+              <a:rPr lang="zh-CN" altLang="en-US" sz="2400" b="1" dirty="0" smtClean="0">
+                <a:solidFill>
+                  <a:schemeClr val="accent1"/>
+                </a:solidFill>
+                <a:latin typeface="华文宋体" panose="02010600040101010101" pitchFamily="2" charset="-122"/>
+                <a:ea typeface="华文宋体" panose="02010600040101010101" pitchFamily="2" charset="-122"/>
+              </a:rPr>
+              <a:t>（</a:t>
+            </a:r>
+            <a:r>
+              <a:rPr lang="en-US" altLang="zh-CN" sz="2400" b="1" dirty="0" smtClean="0">
+                <a:solidFill>
+                  <a:schemeClr val="accent1"/>
+                </a:solidFill>
+                <a:latin typeface="华文宋体" panose="02010600040101010101" pitchFamily="2" charset="-122"/>
+                <a:ea typeface="华文宋体" panose="02010600040101010101" pitchFamily="2" charset="-122"/>
+              </a:rPr>
+              <a:t>1</a:t>
+            </a:r>
+            <a:r>
+              <a:rPr lang="zh-CN" altLang="en-US" sz="2400" b="1" dirty="0" smtClean="0">
+                <a:solidFill>
+                  <a:schemeClr val="accent1"/>
+                </a:solidFill>
+                <a:latin typeface="华文宋体" panose="02010600040101010101" pitchFamily="2" charset="-122"/>
+                <a:ea typeface="华文宋体" panose="02010600040101010101" pitchFamily="2" charset="-122"/>
+              </a:rPr>
+              <a:t>）生成对抗网络核心公式</a:t>
+            </a:r>
+            <a:endParaRPr lang="en-US" altLang="zh-CN" dirty="0" smtClean="0"/>
+          </a:p>
+        </p:txBody>
+      </p:sp>
+      <mc:AlternateContent xmlns:mc="http://schemas.openxmlformats.org/markup-compatibility/2006">
+        <mc:Choice xmlns:a14="http://schemas.microsoft.com/office/drawing/2010/main" Requires="a14">
+          <p:sp>
+            <p:nvSpPr>
+              <p:cNvPr id="10" name="矩形 9">
+                <a:extLst>
+                  <a:ext uri="{FF2B5EF4-FFF2-40B4-BE49-F238E27FC236}">
+                    <a16:creationId xmlns:a16="http://schemas.microsoft.com/office/drawing/2014/main" id="{831F41C9-7B5D-4991-BF26-73159B42C589}"/>
+                  </a:ext>
+                </a:extLst>
+              </p:cNvPr>
+              <p:cNvSpPr/>
+              <p:nvPr/>
+            </p:nvSpPr>
+            <p:spPr>
+              <a:xfrm>
+                <a:off x="242520" y="3531651"/>
+                <a:ext cx="5349595" cy="1846659"/>
+              </a:xfrm>
+              <a:prstGeom prst="rect">
+                <a:avLst/>
+              </a:prstGeom>
+            </p:spPr>
+            <p:txBody>
+              <a:bodyPr wrap="square">
+                <a:spAutoFit/>
+              </a:bodyPr>
+              <a:lstStyle/>
+              <a:p>
+                <a:r>
+                  <a:rPr lang="zh-CN" altLang="en-US" sz="2400" b="1" dirty="0" smtClean="0">
+                    <a:solidFill>
+                      <a:schemeClr val="accent1"/>
+                    </a:solidFill>
+                    <a:latin typeface="华文宋体" panose="02010600040101010101" pitchFamily="2" charset="-122"/>
+                    <a:ea typeface="华文宋体" panose="02010600040101010101" pitchFamily="2" charset="-122"/>
+                  </a:rPr>
+                  <a:t>（</a:t>
+                </a:r>
+                <a:r>
+                  <a:rPr lang="en-US" altLang="zh-CN" sz="2400" b="1" dirty="0" smtClean="0">
+                    <a:solidFill>
+                      <a:schemeClr val="accent1"/>
+                    </a:solidFill>
+                    <a:latin typeface="华文宋体" panose="02010600040101010101" pitchFamily="2" charset="-122"/>
+                    <a:ea typeface="华文宋体" panose="02010600040101010101" pitchFamily="2" charset="-122"/>
+                  </a:rPr>
+                  <a:t>2</a:t>
+                </a:r>
+                <a:r>
+                  <a:rPr lang="zh-CN" altLang="en-US" sz="2400" b="1" dirty="0" smtClean="0">
+                    <a:solidFill>
+                      <a:schemeClr val="accent1"/>
+                    </a:solidFill>
+                    <a:latin typeface="华文宋体" panose="02010600040101010101" pitchFamily="2" charset="-122"/>
+                    <a:ea typeface="华文宋体" panose="02010600040101010101" pitchFamily="2" charset="-122"/>
+                  </a:rPr>
+                  <a:t>）训练目标</a:t>
+                </a:r>
+                <a:endParaRPr lang="en-US" altLang="zh-CN" sz="2400" b="1" dirty="0" smtClean="0">
+                  <a:solidFill>
+                    <a:schemeClr val="accent1"/>
+                  </a:solidFill>
+                  <a:latin typeface="华文宋体" panose="02010600040101010101" pitchFamily="2" charset="-122"/>
+                  <a:ea typeface="华文宋体" panose="02010600040101010101" pitchFamily="2" charset="-122"/>
+                </a:endParaRPr>
+              </a:p>
+              <a:p>
+                <a:r>
+                  <a:rPr lang="zh-CN" altLang="zh-CN" dirty="0"/>
+                  <a:t>判别器和选择器对抗训练后，可以训练出一个选择器，能够将噪声数据里的有效数据筛选出来，一个判别器能够对给定的句子</a:t>
+                </a:r>
+                <a14:m>
+                  <m:oMath xmlns:m="http://schemas.openxmlformats.org/officeDocument/2006/math">
+                    <m:r>
+                      <m:rPr>
+                        <m:sty m:val="p"/>
+                      </m:rPr>
+                      <a:rPr lang="en-US" altLang="zh-CN"/>
+                      <m:t>s</m:t>
+                    </m:r>
+                    <m:d>
+                      <m:dPr>
+                        <m:ctrlPr>
+                          <a:rPr lang="zh-CN" altLang="zh-CN" i="1"/>
+                        </m:ctrlPr>
+                      </m:dPr>
+                      <m:e>
+                        <m:sSub>
+                          <m:sSubPr>
+                            <m:ctrlPr>
+                              <a:rPr lang="zh-CN" altLang="zh-CN" i="1"/>
+                            </m:ctrlPr>
+                          </m:sSubPr>
+                          <m:e>
+                            <m:r>
+                              <m:rPr>
+                                <m:sty m:val="p"/>
+                              </m:rPr>
+                              <a:rPr lang="en-US" altLang="zh-CN"/>
+                              <m:t>e</m:t>
+                            </m:r>
+                          </m:e>
+                          <m:sub>
+                            <m:r>
+                              <a:rPr lang="en-US" altLang="zh-CN"/>
+                              <m:t>1</m:t>
+                            </m:r>
+                          </m:sub>
+                        </m:sSub>
+                        <m:r>
+                          <a:rPr lang="en-US" altLang="zh-CN"/>
+                          <m:t>,</m:t>
+                        </m:r>
+                        <m:sSub>
+                          <m:sSubPr>
+                            <m:ctrlPr>
+                              <a:rPr lang="zh-CN" altLang="zh-CN" i="1"/>
+                            </m:ctrlPr>
+                          </m:sSubPr>
+                          <m:e>
+                            <m:r>
+                              <m:rPr>
+                                <m:sty m:val="p"/>
+                              </m:rPr>
+                              <a:rPr lang="en-US" altLang="zh-CN"/>
+                              <m:t>e</m:t>
+                            </m:r>
+                          </m:e>
+                          <m:sub>
+                            <m:r>
+                              <a:rPr lang="en-US" altLang="zh-CN"/>
+                              <m:t>2</m:t>
+                            </m:r>
+                          </m:sub>
+                        </m:sSub>
+                      </m:e>
+                    </m:d>
+                  </m:oMath>
+                </a14:m>
+                <a:r>
+                  <a:rPr lang="zh-CN" altLang="zh-CN" dirty="0"/>
+                  <a:t>进行关系抽取，预测其所属的正确关系。</a:t>
+                </a:r>
+              </a:p>
+              <a:p>
+                <a:endParaRPr lang="en-US" altLang="zh-CN" dirty="0" smtClean="0"/>
+              </a:p>
+            </p:txBody>
+          </p:sp>
+        </mc:Choice>
+        <mc:Fallback>
+          <p:sp>
+            <p:nvSpPr>
+              <p:cNvPr id="10" name="矩形 9">
+                <a:extLst>
+                  <a:ext uri="{FF2B5EF4-FFF2-40B4-BE49-F238E27FC236}">
+                    <a16:creationId xmlns:a16="http://schemas.microsoft.com/office/drawing/2014/main" id="{831F41C9-7B5D-4991-BF26-73159B42C589}"/>
+                  </a:ext>
+                </a:extLst>
+              </p:cNvPr>
+              <p:cNvSpPr>
+                <a:spLocks noRot="1" noChangeAspect="1" noMove="1" noResize="1" noEditPoints="1" noAdjustHandles="1" noChangeArrowheads="1" noChangeShapeType="1" noTextEdit="1"/>
+              </p:cNvSpPr>
+              <p:nvPr/>
+            </p:nvSpPr>
+            <p:spPr>
+              <a:xfrm>
+                <a:off x="242520" y="3531651"/>
+                <a:ext cx="5349595" cy="1846659"/>
+              </a:xfrm>
+              <a:prstGeom prst="rect">
+                <a:avLst/>
+              </a:prstGeom>
+              <a:blipFill>
+                <a:blip r:embed="rId6"/>
+                <a:stretch>
+                  <a:fillRect l="-1824" t="-2640" r="-798"/>
+                </a:stretch>
+              </a:blipFill>
+            </p:spPr>
+            <p:txBody>
+              <a:bodyPr/>
+              <a:lstStyle/>
+              <a:p>
+                <a:r>
+                  <a:rPr lang="zh-CN" altLang="en-US">
+                    <a:noFill/>
+                  </a:rPr>
+                  <a:t> </a:t>
+                </a:r>
+              </a:p>
+            </p:txBody>
+          </p:sp>
+        </mc:Fallback>
+      </mc:AlternateContent>
     </p:spTree>
     <p:extLst>
       <p:ext uri="{BB962C8B-B14F-4D97-AF65-F5344CB8AC3E}">
@@ -24441,6 +26853,115 @@
       </p:transition>
     </mc:Fallback>
   </mc:AlternateContent>
+  <p:timing>
+    <p:tnLst>
+      <p:par>
+        <p:cTn id="1" dur="indefinite" restart="never" nodeType="tmRoot">
+          <p:childTnLst>
+            <p:seq concurrent="1" nextAc="seek">
+              <p:cTn id="2" dur="indefinite" nodeType="mainSeq">
+                <p:childTnLst>
+                  <p:par>
+                    <p:cTn id="3" fill="hold">
+                      <p:stCondLst>
+                        <p:cond delay="indefinite"/>
+                        <p:cond evt="onBegin" delay="0">
+                          <p:tn val="2"/>
+                        </p:cond>
+                      </p:stCondLst>
+                      <p:childTnLst>
+                        <p:par>
+                          <p:cTn id="4" fill="hold">
+                            <p:stCondLst>
+                              <p:cond delay="0"/>
+                            </p:stCondLst>
+                            <p:childTnLst>
+                              <p:par>
+                                <p:cTn id="5" presetID="1" presetClass="entr" presetSubtype="0" fill="hold" grpId="0" nodeType="withEffect">
+                                  <p:stCondLst>
+                                    <p:cond delay="0"/>
+                                  </p:stCondLst>
+                                  <p:childTnLst>
+                                    <p:set>
+                                      <p:cBhvr>
+                                        <p:cTn id="6" dur="1" fill="hold">
+                                          <p:stCondLst>
+                                            <p:cond delay="0"/>
+                                          </p:stCondLst>
+                                        </p:cTn>
+                                        <p:tgtEl>
+                                          <p:spTgt spid="9"/>
+                                        </p:tgtEl>
+                                        <p:attrNameLst>
+                                          <p:attrName>style.visibility</p:attrName>
+                                        </p:attrNameLst>
+                                      </p:cBhvr>
+                                      <p:to>
+                                        <p:strVal val="visible"/>
+                                      </p:to>
+                                    </p:set>
+                                  </p:childTnLst>
+                                </p:cTn>
+                              </p:par>
+                              <p:par>
+                                <p:cTn id="7" presetID="1" presetClass="entr" presetSubtype="0" fill="hold" grpId="0" nodeType="withEffect">
+                                  <p:stCondLst>
+                                    <p:cond delay="0"/>
+                                  </p:stCondLst>
+                                  <p:childTnLst>
+                                    <p:set>
+                                      <p:cBhvr>
+                                        <p:cTn id="8" dur="1" fill="hold">
+                                          <p:stCondLst>
+                                            <p:cond delay="0"/>
+                                          </p:stCondLst>
+                                        </p:cTn>
+                                        <p:tgtEl>
+                                          <p:spTgt spid="10"/>
+                                        </p:tgtEl>
+                                        <p:attrNameLst>
+                                          <p:attrName>style.visibility</p:attrName>
+                                        </p:attrNameLst>
+                                      </p:cBhvr>
+                                      <p:to>
+                                        <p:strVal val="visible"/>
+                                      </p:to>
+                                    </p:set>
+                                  </p:childTnLst>
+                                </p:cTn>
+                              </p:par>
+                            </p:childTnLst>
+                          </p:cTn>
+                        </p:par>
+                      </p:childTnLst>
+                    </p:cTn>
+                  </p:par>
+                </p:childTnLst>
+              </p:cTn>
+              <p:prevCondLst>
+                <p:cond evt="onPrev" delay="0">
+                  <p:tgtEl>
+                    <p:sldTgt/>
+                  </p:tgtEl>
+                </p:cond>
+              </p:prevCondLst>
+              <p:nextCondLst>
+                <p:cond evt="onNext" delay="0">
+                  <p:tgtEl>
+                    <p:sldTgt/>
+                  </p:tgtEl>
+                </p:cond>
+              </p:nextCondLst>
+            </p:seq>
+          </p:childTnLst>
+        </p:cTn>
+      </p:par>
+    </p:tnLst>
+    <p:bldLst>
+      <p:bldP spid="9" grpId="0"/>
+      <p:bldP spid="10" grpId="0"/>
+    </p:bldLst>
+  </p:timing>
 </p:sld>
 </file>
 
@@ -24463,61 +26984,65 @@
       </p:grpSpPr>
       <p:sp>
         <p:nvSpPr>
-          <p:cNvPr id="7" name="矩形 6">
+          <p:cNvPr id="58" name="文本框 57">
             <a:extLst>
               <a:ext uri="{FF2B5EF4-FFF2-40B4-BE49-F238E27FC236}">
-                <a16:creationId xmlns:a16="http://schemas.microsoft.com/office/drawing/2014/main" id="{3D0A19AE-D40F-4622-9DCD-831CA85D9DDD}"/>
+                <a16:creationId xmlns:a16="http://schemas.microsoft.com/office/drawing/2014/main" id="{CB2DE184-0A3B-499A-8FE4-F945D7993FF7}"/>
               </a:ext>
             </a:extLst>
           </p:cNvPr>
-          <p:cNvSpPr/>
+          <p:cNvSpPr txBox="1"/>
           <p:nvPr/>
         </p:nvSpPr>
         <p:spPr>
           <a:xfrm>
-            <a:off x="7690648" y="6053643"/>
-            <a:ext cx="2518638" cy="307777"/>
+            <a:off x="0" y="40126"/>
+            <a:ext cx="11229702" cy="523220"/>
           </a:xfrm>
           <a:prstGeom prst="rect">
             <a:avLst/>
           </a:prstGeom>
+          <a:noFill/>
         </p:spPr>
         <p:txBody>
-          <a:bodyPr wrap="none">
+          <a:bodyPr wrap="square" rtlCol="0">
             <a:spAutoFit/>
           </a:bodyPr>
           <a:lstStyle/>
           <a:p>
-            <a:r>
-              <a:rPr lang="zh-CN" altLang="en-US" sz="1400" kern="100" dirty="0" smtClean="0">
-                <a:latin typeface="+mn-ea"/>
-                <a:cs typeface="Times New Roman" panose="02020603050405020304" pitchFamily="18" charset="0"/>
-              </a:rPr>
-              <a:t>各关系类型数据量扩充后结果</a:t>
-            </a:r>
-            <a:endParaRPr lang="zh-CN" altLang="en-US" sz="1400" kern="100" dirty="0">
-              <a:latin typeface="+mn-ea"/>
-              <a:cs typeface="Times New Roman" panose="02020603050405020304" pitchFamily="18" charset="0"/>
-            </a:endParaRPr>
+            <a:pPr marL="457200" indent="-457200">
+              <a:buFont typeface="Wingdings" panose="05000000000000000000" pitchFamily="2" charset="2"/>
+              <a:buChar char="n"/>
+            </a:pPr>
+            <a:r>
+              <a:rPr lang="zh-CN" altLang="en-US" sz="2800" b="1" dirty="0">
+                <a:solidFill>
+                  <a:schemeClr val="accent1"/>
+                </a:solidFill>
+                <a:latin typeface="华文宋体" panose="02010600040101010101" pitchFamily="2" charset="-122"/>
+                <a:ea typeface="华文宋体" panose="02010600040101010101" pitchFamily="2" charset="-122"/>
+              </a:rPr>
+              <a:t>融合蕴含关系特征和其它文本特征的候选答案排序模型</a:t>
+            </a:r>
           </a:p>
         </p:txBody>
       </p:sp>
       <p:sp>
         <p:nvSpPr>
-          <p:cNvPr id="23" name="矩形 22">
+          <p:cNvPr id="59" name="文本框 58">
             <a:extLst>
               <a:ext uri="{FF2B5EF4-FFF2-40B4-BE49-F238E27FC236}">
-                <a16:creationId xmlns:a16="http://schemas.microsoft.com/office/drawing/2014/main" id="{9F03B8B3-56B5-4410-BC18-5715C184676B}"/>
+                <a16:creationId xmlns:a16="http://schemas.microsoft.com/office/drawing/2014/main" id="{F77626EA-E1DD-4031-BD23-DB80A5E3FB25}"/>
               </a:ext>
             </a:extLst>
           </p:cNvPr>
-          <p:cNvSpPr/>
+          <p:cNvSpPr txBox="1"/>
           <p:nvPr/>
         </p:nvSpPr>
         <p:spPr>
           <a:xfrm>
-            <a:off x="505172" y="906751"/>
-            <a:ext cx="4581178" cy="461665"/>
+            <a:off x="426770" y="1044913"/>
+            <a:ext cx="4011880" cy="461665"/>
           </a:xfrm>
           <a:prstGeom prst="rect">
             <a:avLst/>
@@ -24535,6 +27060,16 @@
               <a:buChar char="p"/>
             </a:pPr>
             <a:r>
+              <a:rPr lang="zh-CN" altLang="en-US" sz="2400" b="1" dirty="0">
+                <a:solidFill>
+                  <a:schemeClr val="accent1"/>
+                </a:solidFill>
+                <a:latin typeface="华文宋体" panose="02010600040101010101" pitchFamily="2" charset="-122"/>
+                <a:ea typeface="华文宋体" panose="02010600040101010101" pitchFamily="2" charset="-122"/>
+              </a:rPr>
+              <a:t>生成对抗</a:t>
+            </a:r>
+            <a:r>
               <a:rPr lang="zh-CN" altLang="en-US" sz="2400" b="1" dirty="0" smtClean="0">
                 <a:solidFill>
                   <a:schemeClr val="accent1"/>
@@ -24542,7 +27077,7 @@
                 <a:latin typeface="华文宋体" panose="02010600040101010101" pitchFamily="2" charset="-122"/>
                 <a:ea typeface="华文宋体" panose="02010600040101010101" pitchFamily="2" charset="-122"/>
               </a:rPr>
-              <a:t>实验结果</a:t>
+              <a:t>训练方法</a:t>
             </a:r>
             <a:endParaRPr lang="zh-CN" altLang="en-US" sz="2400" b="1" dirty="0">
               <a:solidFill>
@@ -24556,10 +27091,10 @@
       </p:sp>
       <p:cxnSp>
         <p:nvCxnSpPr>
-          <p:cNvPr id="24" name="直接连接符 23">
+          <p:cNvPr id="16" name="直接连接符 15">
             <a:extLst>
               <a:ext uri="{FF2B5EF4-FFF2-40B4-BE49-F238E27FC236}">
-                <a16:creationId xmlns:a16="http://schemas.microsoft.com/office/drawing/2014/main" id="{4E5C8373-EB2C-46CD-BAC5-4BD76312D2BA}"/>
+                <a16:creationId xmlns:a16="http://schemas.microsoft.com/office/drawing/2014/main" id="{F01905C2-F007-40A5-BD48-EECE3413171B}"/>
               </a:ext>
             </a:extLst>
           </p:cNvPr>
@@ -24599,10 +27134,10 @@
       </p:cxnSp>
       <p:pic>
         <p:nvPicPr>
-          <p:cNvPr id="25" name="图片 24">
+          <p:cNvPr id="18" name="图片 17">
             <a:extLst>
               <a:ext uri="{FF2B5EF4-FFF2-40B4-BE49-F238E27FC236}">
-                <a16:creationId xmlns:a16="http://schemas.microsoft.com/office/drawing/2014/main" id="{4851099A-1E06-41B9-ADCB-4FFD1210D0B2}"/>
+                <a16:creationId xmlns:a16="http://schemas.microsoft.com/office/drawing/2014/main" id="{F37F2C39-73D0-4C15-84B4-E847D7EDFF06}"/>
               </a:ext>
             </a:extLst>
           </p:cNvPr>
@@ -24633,125 +27168,284 @@
           </a:prstGeom>
         </p:spPr>
       </p:pic>
-      <p:sp>
-        <p:nvSpPr>
-          <p:cNvPr id="26" name="文本框 25">
+      <p:cxnSp>
+        <p:nvCxnSpPr>
+          <p:cNvPr id="19" name="直接连接符 18">
             <a:extLst>
               <a:ext uri="{FF2B5EF4-FFF2-40B4-BE49-F238E27FC236}">
-                <a16:creationId xmlns:a16="http://schemas.microsoft.com/office/drawing/2014/main" id="{5F6C798D-C08F-48E4-A95E-008AB45F34F3}"/>
+                <a16:creationId xmlns:a16="http://schemas.microsoft.com/office/drawing/2014/main" id="{C559B087-1BCB-4D7E-8C27-86AA88DEC470}"/>
               </a:ext>
             </a:extLst>
           </p:cNvPr>
-          <p:cNvSpPr txBox="1"/>
+          <p:cNvCxnSpPr>
+            <a:cxnSpLocks/>
+          </p:cNvCxnSpPr>
           <p:nvPr/>
-        </p:nvSpPr>
+        </p:nvCxnSpPr>
         <p:spPr>
           <a:xfrm>
-            <a:off x="0" y="7044"/>
-            <a:ext cx="10787742" cy="523220"/>
+            <a:off x="0" y="6239691"/>
+            <a:ext cx="12192000" cy="0"/>
           </a:xfrm>
-          <a:prstGeom prst="rect">
+          <a:prstGeom prst="line">
             <a:avLst/>
           </a:prstGeom>
-          <a:noFill/>
+          <a:ln w="76200">
+            <a:solidFill>
+              <a:schemeClr val="accent1"/>
+            </a:solidFill>
+          </a:ln>
         </p:spPr>
-        <p:txBody>
-          <a:bodyPr wrap="square" rtlCol="0">
-            <a:spAutoFit/>
-          </a:bodyPr>
-          <a:lstStyle/>
-          <a:p>
-            <a:pPr marL="457200" indent="-457200">
-              <a:buFont typeface="Wingdings" panose="05000000000000000000" pitchFamily="2" charset="2"/>
-              <a:buChar char="n"/>
-            </a:pPr>
-            <a:r>
-              <a:rPr lang="zh-CN" altLang="en-US" sz="2800" b="1" dirty="0">
-                <a:solidFill>
-                  <a:schemeClr val="accent1"/>
-                </a:solidFill>
-                <a:latin typeface="华文宋体" panose="02010600040101010101" pitchFamily="2" charset="-122"/>
-                <a:ea typeface="华文宋体" panose="02010600040101010101" pitchFamily="2" charset="-122"/>
-              </a:rPr>
-              <a:t>基于</a:t>
-            </a:r>
-            <a:r>
-              <a:rPr lang="en-US" altLang="zh-CN" sz="2800" b="1" dirty="0">
-                <a:solidFill>
-                  <a:schemeClr val="accent1"/>
-                </a:solidFill>
-                <a:latin typeface="华文宋体" panose="02010600040101010101" pitchFamily="2" charset="-122"/>
-                <a:ea typeface="华文宋体" panose="02010600040101010101" pitchFamily="2" charset="-122"/>
-              </a:rPr>
-              <a:t>BERT</a:t>
-            </a:r>
-            <a:r>
-              <a:rPr lang="zh-CN" altLang="en-US" sz="2800" b="1" dirty="0">
-                <a:solidFill>
-                  <a:schemeClr val="accent1"/>
-                </a:solidFill>
-                <a:latin typeface="华文宋体" panose="02010600040101010101" pitchFamily="2" charset="-122"/>
-                <a:ea typeface="华文宋体" panose="02010600040101010101" pitchFamily="2" charset="-122"/>
-              </a:rPr>
-              <a:t>和句法依存关系注意力机制的阅读理解模型</a:t>
-            </a:r>
-          </a:p>
-        </p:txBody>
-      </p:sp>
-      <p:pic>
-        <p:nvPicPr>
-          <p:cNvPr id="6" name="图片 5"/>
-          <p:cNvPicPr>
-            <a:picLocks noChangeAspect="1"/>
-          </p:cNvPicPr>
-          <p:nvPr/>
-        </p:nvPicPr>
-        <p:blipFill>
-          <a:blip r:embed="rId4"/>
-          <a:stretch>
-            <a:fillRect/>
-          </a:stretch>
-        </p:blipFill>
-        <p:spPr>
-          <a:xfrm>
-            <a:off x="5867418" y="1388012"/>
-            <a:ext cx="5916507" cy="4627167"/>
-          </a:xfrm>
-          <a:prstGeom prst="rect">
-            <a:avLst/>
-          </a:prstGeom>
-        </p:spPr>
-      </p:pic>
-      <p:pic>
-        <p:nvPicPr>
-          <p:cNvPr id="9" name="图片 8"/>
-          <p:cNvPicPr>
-            <a:picLocks noChangeAspect="1"/>
-          </p:cNvPicPr>
-          <p:nvPr/>
-        </p:nvPicPr>
-        <p:blipFill>
-          <a:blip r:embed="rId5"/>
-          <a:stretch>
-            <a:fillRect/>
-          </a:stretch>
-        </p:blipFill>
-        <p:spPr>
-          <a:xfrm>
-            <a:off x="781980" y="1388013"/>
-            <a:ext cx="4209524" cy="1800000"/>
-          </a:xfrm>
-          <a:prstGeom prst="rect">
-            <a:avLst/>
-          </a:prstGeom>
-        </p:spPr>
-      </p:pic>
+        <p:style>
+          <a:lnRef idx="2">
+            <a:schemeClr val="accent1"/>
+          </a:lnRef>
+          <a:fillRef idx="0">
+            <a:schemeClr val="accent1"/>
+          </a:fillRef>
+          <a:effectRef idx="1">
+            <a:schemeClr val="accent1"/>
+          </a:effectRef>
+          <a:fontRef idx="minor">
+            <a:schemeClr val="tx1"/>
+          </a:fontRef>
+        </p:style>
+      </p:cxnSp>
+      <mc:AlternateContent xmlns:mc="http://schemas.openxmlformats.org/markup-compatibility/2006">
+        <mc:Choice xmlns:a14="http://schemas.microsoft.com/office/drawing/2010/main" Requires="a14">
+          <p:sp>
+            <p:nvSpPr>
+              <p:cNvPr id="2" name="矩形 1"/>
+              <p:cNvSpPr/>
+              <p:nvPr/>
+            </p:nvSpPr>
+            <p:spPr>
+              <a:xfrm>
+                <a:off x="-1061485" y="4767913"/>
+                <a:ext cx="7823791" cy="898259"/>
+              </a:xfrm>
+              <a:prstGeom prst="rect">
+                <a:avLst/>
+              </a:prstGeom>
+            </p:spPr>
+            <p:txBody>
+              <a:bodyPr wrap="square">
+                <a:spAutoFit/>
+              </a:bodyPr>
+              <a:lstStyle/>
+              <a:p>
+                <a:pPr marL="266700" marR="266700" indent="266700" algn="just">
+                  <a:lnSpc>
+                    <a:spcPct val="120000"/>
+                  </a:lnSpc>
+                  <a:spcBef>
+                    <a:spcPts val="600"/>
+                  </a:spcBef>
+                  <a:spcAft>
+                    <a:spcPts val="0"/>
+                  </a:spcAft>
+                </a:pPr>
+                <a14:m>
+                  <m:oMathPara xmlns:m="http://schemas.openxmlformats.org/officeDocument/2006/math">
+                    <m:oMathParaPr>
+                      <m:jc m:val="centerGroup"/>
+                    </m:oMathParaPr>
+                    <m:oMath xmlns:m="http://schemas.openxmlformats.org/officeDocument/2006/math">
+                      <m:sSub>
+                        <m:sSubPr>
+                          <m:ctrlPr>
+                            <a:rPr lang="zh-CN" altLang="zh-CN" i="1"/>
+                          </m:ctrlPr>
+                        </m:sSubPr>
+                        <m:e>
+                          <m:r>
+                            <m:rPr>
+                              <m:sty m:val="p"/>
+                            </m:rPr>
+                            <a:rPr lang="en-US" altLang="zh-CN"/>
+                            <m:t>L</m:t>
+                          </m:r>
+                        </m:e>
+                        <m:sub>
+                          <m:r>
+                            <m:rPr>
+                              <m:sty m:val="p"/>
+                            </m:rPr>
+                            <a:rPr lang="en-US" altLang="zh-CN"/>
+                            <m:t>S</m:t>
+                          </m:r>
+                        </m:sub>
+                      </m:sSub>
+                      <m:r>
+                        <a:rPr lang="en-US" altLang="zh-CN" i="1"/>
+                        <m:t>=−</m:t>
+                      </m:r>
+                      <m:nary>
+                        <m:naryPr>
+                          <m:chr m:val="∑"/>
+                          <m:limLoc m:val="undOvr"/>
+                          <m:ctrlPr>
+                            <a:rPr lang="zh-CN" altLang="zh-CN" i="1"/>
+                          </m:ctrlPr>
+                        </m:naryPr>
+                        <m:sub>
+                          <m:r>
+                            <a:rPr lang="en-US" altLang="zh-CN" i="1"/>
+                            <m:t>𝑥</m:t>
+                          </m:r>
+                          <m:r>
+                            <a:rPr lang="en-US" altLang="zh-CN" i="1"/>
+                            <m:t>=</m:t>
+                          </m:r>
+                          <m:r>
+                            <a:rPr lang="en-US" altLang="zh-CN" i="1"/>
+                            <m:t>𝑁𝐷</m:t>
+                          </m:r>
+                        </m:sub>
+                        <m:sup>
+                          <m:r>
+                            <a:rPr lang="en-US" altLang="zh-CN" i="1"/>
+                            <m:t> </m:t>
+                          </m:r>
+                        </m:sup>
+                        <m:e>
+                          <m:sSub>
+                            <m:sSubPr>
+                              <m:ctrlPr>
+                                <a:rPr lang="zh-CN" altLang="zh-CN" i="1"/>
+                              </m:ctrlPr>
+                            </m:sSubPr>
+                            <m:e>
+                              <m:r>
+                                <a:rPr lang="en-US" altLang="zh-CN" i="1"/>
+                                <m:t>𝑃</m:t>
+                              </m:r>
+                            </m:e>
+                            <m:sub>
+                              <m:r>
+                                <a:rPr lang="en-US" altLang="zh-CN" i="1"/>
+                                <m:t>𝑁𝐷</m:t>
+                              </m:r>
+                            </m:sub>
+                          </m:sSub>
+                          <m:d>
+                            <m:dPr>
+                              <m:ctrlPr>
+                                <a:rPr lang="zh-CN" altLang="zh-CN" i="1"/>
+                              </m:ctrlPr>
+                            </m:dPr>
+                            <m:e>
+                              <m:r>
+                                <a:rPr lang="en-US" altLang="zh-CN" i="1"/>
+                                <m:t>𝑥</m:t>
+                              </m:r>
+                            </m:e>
+                          </m:d>
+                          <m:func>
+                            <m:funcPr>
+                              <m:ctrlPr>
+                                <a:rPr lang="zh-CN" altLang="zh-CN" i="1"/>
+                              </m:ctrlPr>
+                            </m:funcPr>
+                            <m:fName>
+                              <m:r>
+                                <m:rPr>
+                                  <m:sty m:val="p"/>
+                                </m:rPr>
+                                <a:rPr lang="en-US" altLang="zh-CN"/>
+                                <m:t>log</m:t>
+                              </m:r>
+                            </m:fName>
+                            <m:e>
+                              <m:d>
+                                <m:dPr>
+                                  <m:ctrlPr>
+                                    <a:rPr lang="zh-CN" altLang="zh-CN" i="1"/>
+                                  </m:ctrlPr>
+                                </m:dPr>
+                                <m:e>
+                                  <m:r>
+                                    <a:rPr lang="en-US" altLang="zh-CN" i="1"/>
+                                    <m:t>𝑃</m:t>
+                                  </m:r>
+                                  <m:d>
+                                    <m:dPr>
+                                      <m:ctrlPr>
+                                        <a:rPr lang="zh-CN" altLang="zh-CN" i="1"/>
+                                      </m:ctrlPr>
+                                    </m:dPr>
+                                    <m:e>
+                                      <m:r>
+                                        <a:rPr lang="en-US" altLang="zh-CN" i="1"/>
+                                        <m:t>𝑟</m:t>
+                                      </m:r>
+                                    </m:e>
+                                    <m:e>
+                                      <m:r>
+                                        <a:rPr lang="en-US" altLang="zh-CN" i="1"/>
+                                        <m:t>𝑠</m:t>
+                                      </m:r>
+                                    </m:e>
+                                  </m:d>
+                                </m:e>
+                              </m:d>
+                            </m:e>
+                          </m:func>
+                        </m:e>
+                      </m:nary>
+                    </m:oMath>
+                  </m:oMathPara>
+                </a14:m>
+                <a:endParaRPr lang="zh-CN" altLang="en-US" dirty="0"/>
+              </a:p>
+            </p:txBody>
+          </p:sp>
+        </mc:Choice>
+        <mc:Fallback>
+          <p:sp>
+            <p:nvSpPr>
+              <p:cNvPr id="2" name="矩形 1"/>
+              <p:cNvSpPr>
+                <a:spLocks noRot="1" noChangeAspect="1" noMove="1" noResize="1" noEditPoints="1" noAdjustHandles="1" noChangeArrowheads="1" noChangeShapeType="1" noTextEdit="1"/>
+              </p:cNvSpPr>
+              <p:nvPr/>
+            </p:nvSpPr>
+            <p:spPr>
+              <a:xfrm>
+                <a:off x="-1061485" y="4767913"/>
+                <a:ext cx="7823791" cy="898259"/>
+              </a:xfrm>
+              <a:prstGeom prst="rect">
+                <a:avLst/>
+              </a:prstGeom>
+              <a:blipFill>
+                <a:blip r:embed="rId4"/>
+                <a:stretch>
+                  <a:fillRect/>
+                </a:stretch>
+              </a:blipFill>
+            </p:spPr>
+            <p:txBody>
+              <a:bodyPr/>
+              <a:lstStyle/>
+              <a:p>
+                <a:r>
+                  <a:rPr lang="zh-CN" altLang="en-US">
+                    <a:noFill/>
+                  </a:rPr>
+                  <a:t> </a:t>
+                </a:r>
+              </a:p>
+            </p:txBody>
+          </p:sp>
+        </mc:Fallback>
+      </mc:AlternateContent>
       <p:sp>
         <p:nvSpPr>
-          <p:cNvPr id="16" name="矩形 15">
+          <p:cNvPr id="9" name="矩形 8">
             <a:extLst>
               <a:ext uri="{FF2B5EF4-FFF2-40B4-BE49-F238E27FC236}">
-                <a16:creationId xmlns:a16="http://schemas.microsoft.com/office/drawing/2014/main" id="{3D0A19AE-D40F-4622-9DCD-831CA85D9DDD}"/>
+                <a16:creationId xmlns:a16="http://schemas.microsoft.com/office/drawing/2014/main" id="{831F41C9-7B5D-4991-BF26-73159B42C589}"/>
               </a:ext>
             </a:extLst>
           </p:cNvPr>
@@ -24760,73 +27454,59 @@
         </p:nvSpPr>
         <p:spPr>
           <a:xfrm>
-            <a:off x="1677116" y="3207610"/>
-            <a:ext cx="2419252" cy="307777"/>
+            <a:off x="265256" y="1827299"/>
+            <a:ext cx="5349595" cy="461665"/>
           </a:xfrm>
           <a:prstGeom prst="rect">
             <a:avLst/>
           </a:prstGeom>
         </p:spPr>
         <p:txBody>
-          <a:bodyPr wrap="none">
+          <a:bodyPr wrap="square">
             <a:spAutoFit/>
           </a:bodyPr>
           <a:lstStyle/>
           <a:p>
             <a:r>
-              <a:rPr lang="en-US" altLang="zh-CN" sz="1400" kern="100" dirty="0" smtClean="0">
-                <a:latin typeface="Times New Roman" panose="02020603050405020304" pitchFamily="18" charset="0"/>
-                <a:ea typeface="楷体" panose="02010609060101010101" pitchFamily="49" charset="-122"/>
-                <a:cs typeface="Times New Roman" panose="02020603050405020304" pitchFamily="18" charset="0"/>
-              </a:rPr>
-              <a:t>PCNN-AD</a:t>
-            </a:r>
-            <a:r>
-              <a:rPr lang="zh-CN" altLang="en-US" sz="1400" kern="100" dirty="0" smtClean="0">
-                <a:latin typeface="楷体" panose="02010609060101010101" pitchFamily="49" charset="-122"/>
-                <a:ea typeface="楷体" panose="02010609060101010101" pitchFamily="49" charset="-122"/>
-                <a:cs typeface="Times New Roman" panose="02020603050405020304" pitchFamily="18" charset="0"/>
-              </a:rPr>
-              <a:t>模型对比实验结果</a:t>
-            </a:r>
-            <a:endParaRPr lang="zh-CN" altLang="en-US" sz="1400" kern="100" dirty="0">
-              <a:latin typeface="楷体" panose="02010609060101010101" pitchFamily="49" charset="-122"/>
-              <a:ea typeface="楷体" panose="02010609060101010101" pitchFamily="49" charset="-122"/>
-              <a:cs typeface="Times New Roman" panose="02020603050405020304" pitchFamily="18" charset="0"/>
-            </a:endParaRPr>
+              <a:rPr lang="zh-CN" altLang="en-US" sz="2400" b="1" dirty="0" smtClean="0">
+                <a:solidFill>
+                  <a:schemeClr val="accent1"/>
+                </a:solidFill>
+                <a:latin typeface="华文宋体" panose="02010600040101010101" pitchFamily="2" charset="-122"/>
+                <a:ea typeface="华文宋体" panose="02010600040101010101" pitchFamily="2" charset="-122"/>
+              </a:rPr>
+              <a:t>（</a:t>
+            </a:r>
+            <a:r>
+              <a:rPr lang="en-US" altLang="zh-CN" sz="2400" b="1" dirty="0" smtClean="0">
+                <a:solidFill>
+                  <a:schemeClr val="accent1"/>
+                </a:solidFill>
+                <a:latin typeface="华文宋体" panose="02010600040101010101" pitchFamily="2" charset="-122"/>
+                <a:ea typeface="华文宋体" panose="02010600040101010101" pitchFamily="2" charset="-122"/>
+              </a:rPr>
+              <a:t>1</a:t>
+            </a:r>
+            <a:r>
+              <a:rPr lang="zh-CN" altLang="en-US" sz="2400" b="1" dirty="0" smtClean="0">
+                <a:solidFill>
+                  <a:schemeClr val="accent1"/>
+                </a:solidFill>
+                <a:latin typeface="华文宋体" panose="02010600040101010101" pitchFamily="2" charset="-122"/>
+                <a:ea typeface="华文宋体" panose="02010600040101010101" pitchFamily="2" charset="-122"/>
+              </a:rPr>
+              <a:t>）选择器</a:t>
+            </a:r>
+            <a:endParaRPr lang="en-US" altLang="zh-CN" dirty="0" smtClean="0"/>
           </a:p>
         </p:txBody>
       </p:sp>
-      <p:pic>
-        <p:nvPicPr>
-          <p:cNvPr id="10" name="图片 9"/>
-          <p:cNvPicPr>
-            <a:picLocks noChangeAspect="1"/>
-          </p:cNvPicPr>
-          <p:nvPr/>
-        </p:nvPicPr>
-        <p:blipFill>
-          <a:blip r:embed="rId6"/>
-          <a:stretch>
-            <a:fillRect/>
-          </a:stretch>
-        </p:blipFill>
-        <p:spPr>
-          <a:xfrm>
-            <a:off x="781980" y="3534984"/>
-            <a:ext cx="4126000" cy="2773399"/>
-          </a:xfrm>
-          <a:prstGeom prst="rect">
-            <a:avLst/>
-          </a:prstGeom>
-        </p:spPr>
-      </p:pic>
       <p:sp>
         <p:nvSpPr>
-          <p:cNvPr id="18" name="矩形 17">
+          <p:cNvPr id="10" name="矩形 9">
             <a:extLst>
               <a:ext uri="{FF2B5EF4-FFF2-40B4-BE49-F238E27FC236}">
-                <a16:creationId xmlns:a16="http://schemas.microsoft.com/office/drawing/2014/main" id="{3D0A19AE-D40F-4622-9DCD-831CA85D9DDD}"/>
+                <a16:creationId xmlns:a16="http://schemas.microsoft.com/office/drawing/2014/main" id="{831F41C9-7B5D-4991-BF26-73159B42C589}"/>
               </a:ext>
             </a:extLst>
           </p:cNvPr>
@@ -24835,63 +27515,930 @@
         </p:nvSpPr>
         <p:spPr>
           <a:xfrm>
-            <a:off x="1759586" y="6308383"/>
-            <a:ext cx="2170787" cy="307777"/>
+            <a:off x="6356241" y="1827299"/>
+            <a:ext cx="5349595" cy="461665"/>
           </a:xfrm>
           <a:prstGeom prst="rect">
             <a:avLst/>
           </a:prstGeom>
         </p:spPr>
         <p:txBody>
-          <a:bodyPr wrap="none">
+          <a:bodyPr wrap="square">
             <a:spAutoFit/>
           </a:bodyPr>
           <a:lstStyle/>
           <a:p>
             <a:r>
-              <a:rPr lang="en-US" altLang="zh-CN" sz="1400" kern="100" dirty="0" smtClean="0">
-                <a:latin typeface="Times New Roman" panose="02020603050405020304" pitchFamily="18" charset="0"/>
-                <a:ea typeface="楷体" panose="02010609060101010101" pitchFamily="49" charset="-122"/>
-                <a:cs typeface="Times New Roman" panose="02020603050405020304" pitchFamily="18" charset="0"/>
-              </a:rPr>
-              <a:t>PCNN\CNN</a:t>
-            </a:r>
-            <a:r>
-              <a:rPr lang="zh-CN" altLang="en-US" sz="1400" kern="100" dirty="0" smtClean="0">
-                <a:latin typeface="楷体" panose="02010609060101010101" pitchFamily="49" charset="-122"/>
-                <a:ea typeface="楷体" panose="02010609060101010101" pitchFamily="49" charset="-122"/>
-                <a:cs typeface="Times New Roman" panose="02020603050405020304" pitchFamily="18" charset="0"/>
-              </a:rPr>
-              <a:t>模型</a:t>
-            </a:r>
-            <a:r>
-              <a:rPr lang="en-US" altLang="zh-CN" sz="1400" kern="100" dirty="0" smtClean="0">
-                <a:latin typeface="楷体" panose="02010609060101010101" pitchFamily="49" charset="-122"/>
-                <a:ea typeface="楷体" panose="02010609060101010101" pitchFamily="49" charset="-122"/>
-                <a:cs typeface="Times New Roman" panose="02020603050405020304" pitchFamily="18" charset="0"/>
-              </a:rPr>
-              <a:t>PR</a:t>
-            </a:r>
-            <a:r>
-              <a:rPr lang="zh-CN" altLang="en-US" sz="1400" kern="100" dirty="0" smtClean="0">
-                <a:latin typeface="楷体" panose="02010609060101010101" pitchFamily="49" charset="-122"/>
-                <a:ea typeface="楷体" panose="02010609060101010101" pitchFamily="49" charset="-122"/>
-                <a:cs typeface="Times New Roman" panose="02020603050405020304" pitchFamily="18" charset="0"/>
-              </a:rPr>
-              <a:t>曲线图</a:t>
-            </a:r>
-            <a:endParaRPr lang="zh-CN" altLang="en-US" sz="1400" kern="100" dirty="0">
-              <a:latin typeface="楷体" panose="02010609060101010101" pitchFamily="49" charset="-122"/>
-              <a:ea typeface="楷体" panose="02010609060101010101" pitchFamily="49" charset="-122"/>
-              <a:cs typeface="Times New Roman" panose="02020603050405020304" pitchFamily="18" charset="0"/>
-            </a:endParaRPr>
+              <a:rPr lang="zh-CN" altLang="en-US" sz="2400" b="1" dirty="0" smtClean="0">
+                <a:solidFill>
+                  <a:schemeClr val="accent1"/>
+                </a:solidFill>
+                <a:latin typeface="华文宋体" panose="02010600040101010101" pitchFamily="2" charset="-122"/>
+                <a:ea typeface="华文宋体" panose="02010600040101010101" pitchFamily="2" charset="-122"/>
+              </a:rPr>
+              <a:t>（</a:t>
+            </a:r>
+            <a:r>
+              <a:rPr lang="en-US" altLang="zh-CN" sz="2400" b="1" dirty="0" smtClean="0">
+                <a:solidFill>
+                  <a:schemeClr val="accent1"/>
+                </a:solidFill>
+                <a:latin typeface="华文宋体" panose="02010600040101010101" pitchFamily="2" charset="-122"/>
+                <a:ea typeface="华文宋体" panose="02010600040101010101" pitchFamily="2" charset="-122"/>
+              </a:rPr>
+              <a:t>2</a:t>
+            </a:r>
+            <a:r>
+              <a:rPr lang="zh-CN" altLang="en-US" sz="2400" b="1" dirty="0" smtClean="0">
+                <a:solidFill>
+                  <a:schemeClr val="accent1"/>
+                </a:solidFill>
+                <a:latin typeface="华文宋体" panose="02010600040101010101" pitchFamily="2" charset="-122"/>
+                <a:ea typeface="华文宋体" panose="02010600040101010101" pitchFamily="2" charset="-122"/>
+              </a:rPr>
+              <a:t>）判别器</a:t>
+            </a:r>
+            <a:endParaRPr lang="en-US" altLang="zh-CN" dirty="0" smtClean="0"/>
           </a:p>
         </p:txBody>
       </p:sp>
+      <mc:AlternateContent xmlns:mc="http://schemas.openxmlformats.org/markup-compatibility/2006">
+        <mc:Choice xmlns:a14="http://schemas.microsoft.com/office/drawing/2010/main" Requires="a14">
+          <p:sp>
+            <p:nvSpPr>
+              <p:cNvPr id="4" name="矩形 3"/>
+              <p:cNvSpPr/>
+              <p:nvPr/>
+            </p:nvSpPr>
+            <p:spPr>
+              <a:xfrm>
+                <a:off x="6124352" y="2481421"/>
+                <a:ext cx="5794745" cy="1698927"/>
+              </a:xfrm>
+              <a:prstGeom prst="rect">
+                <a:avLst/>
+              </a:prstGeom>
+            </p:spPr>
+            <p:txBody>
+              <a:bodyPr wrap="square">
+                <a:spAutoFit/>
+              </a:bodyPr>
+              <a:lstStyle/>
+              <a:p>
+                <a:pPr marL="266700" marR="266700" indent="266700" algn="just">
+                  <a:lnSpc>
+                    <a:spcPct val="120000"/>
+                  </a:lnSpc>
+                  <a:spcBef>
+                    <a:spcPts val="600"/>
+                  </a:spcBef>
+                  <a:spcAft>
+                    <a:spcPts val="0"/>
+                  </a:spcAft>
+                </a:pPr>
+                <a:r>
+                  <a:rPr lang="zh-CN" altLang="zh-CN" kern="100" dirty="0">
+                    <a:latin typeface="Times New Roman" panose="02020603050405020304" pitchFamily="18" charset="0"/>
+                    <a:ea typeface="宋体" panose="02010600030101010101" pitchFamily="2" charset="-122"/>
+                  </a:rPr>
+                  <a:t>给定一个包含两个实体的句子</a:t>
+                </a:r>
+                <a14:m>
+                  <m:oMath xmlns:m="http://schemas.openxmlformats.org/officeDocument/2006/math">
+                    <m:r>
+                      <m:rPr>
+                        <m:sty m:val="p"/>
+                      </m:rPr>
+                      <a:rPr lang="en-US" altLang="zh-CN" kern="100">
+                        <a:latin typeface="Cambria Math" panose="02040503050406030204" pitchFamily="18" charset="0"/>
+                        <a:ea typeface="宋体" panose="02010600030101010101" pitchFamily="2" charset="-122"/>
+                      </a:rPr>
+                      <m:t>s</m:t>
+                    </m:r>
+                    <m:r>
+                      <a:rPr lang="en-US" altLang="zh-CN" kern="100">
+                        <a:latin typeface="Cambria Math" panose="02040503050406030204" pitchFamily="18" charset="0"/>
+                        <a:ea typeface="宋体" panose="02010600030101010101" pitchFamily="2" charset="-122"/>
+                      </a:rPr>
+                      <m:t>(</m:t>
+                    </m:r>
+                    <m:sSub>
+                      <m:sSubPr>
+                        <m:ctrlPr>
+                          <a:rPr lang="zh-CN" altLang="zh-CN" i="1" kern="100">
+                            <a:latin typeface="Cambria Math" panose="02040503050406030204" pitchFamily="18" charset="0"/>
+                            <a:ea typeface="Cambria Math" panose="02040503050406030204" pitchFamily="18" charset="0"/>
+                          </a:rPr>
+                        </m:ctrlPr>
+                      </m:sSubPr>
+                      <m:e>
+                        <m:r>
+                          <m:rPr>
+                            <m:sty m:val="p"/>
+                          </m:rPr>
+                          <a:rPr lang="en-US" altLang="zh-CN" kern="100">
+                            <a:latin typeface="Cambria Math" panose="02040503050406030204" pitchFamily="18" charset="0"/>
+                            <a:ea typeface="宋体" panose="02010600030101010101" pitchFamily="2" charset="-122"/>
+                          </a:rPr>
+                          <m:t>e</m:t>
+                        </m:r>
+                      </m:e>
+                      <m:sub>
+                        <m:r>
+                          <a:rPr lang="en-US" altLang="zh-CN" kern="100">
+                            <a:latin typeface="Cambria Math" panose="02040503050406030204" pitchFamily="18" charset="0"/>
+                            <a:ea typeface="宋体" panose="02010600030101010101" pitchFamily="2" charset="-122"/>
+                          </a:rPr>
+                          <m:t>1</m:t>
+                        </m:r>
+                      </m:sub>
+                    </m:sSub>
+                    <m:r>
+                      <a:rPr lang="en-US" altLang="zh-CN" kern="100">
+                        <a:latin typeface="Cambria Math" panose="02040503050406030204" pitchFamily="18" charset="0"/>
+                        <a:ea typeface="宋体" panose="02010600030101010101" pitchFamily="2" charset="-122"/>
+                      </a:rPr>
+                      <m:t>,</m:t>
+                    </m:r>
+                    <m:sSub>
+                      <m:sSubPr>
+                        <m:ctrlPr>
+                          <a:rPr lang="zh-CN" altLang="zh-CN" i="1" kern="100">
+                            <a:latin typeface="Cambria Math" panose="02040503050406030204" pitchFamily="18" charset="0"/>
+                            <a:ea typeface="Cambria Math" panose="02040503050406030204" pitchFamily="18" charset="0"/>
+                          </a:rPr>
+                        </m:ctrlPr>
+                      </m:sSubPr>
+                      <m:e>
+                        <m:r>
+                          <m:rPr>
+                            <m:sty m:val="p"/>
+                          </m:rPr>
+                          <a:rPr lang="en-US" altLang="zh-CN" kern="100">
+                            <a:latin typeface="Cambria Math" panose="02040503050406030204" pitchFamily="18" charset="0"/>
+                            <a:ea typeface="宋体" panose="02010600030101010101" pitchFamily="2" charset="-122"/>
+                          </a:rPr>
+                          <m:t>e</m:t>
+                        </m:r>
+                      </m:e>
+                      <m:sub>
+                        <m:r>
+                          <a:rPr lang="en-US" altLang="zh-CN" kern="100">
+                            <a:latin typeface="Cambria Math" panose="02040503050406030204" pitchFamily="18" charset="0"/>
+                            <a:ea typeface="宋体" panose="02010600030101010101" pitchFamily="2" charset="-122"/>
+                          </a:rPr>
+                          <m:t>2</m:t>
+                        </m:r>
+                      </m:sub>
+                    </m:sSub>
+                    <m:r>
+                      <a:rPr lang="en-US" altLang="zh-CN" kern="100">
+                        <a:latin typeface="Cambria Math" panose="02040503050406030204" pitchFamily="18" charset="0"/>
+                        <a:ea typeface="宋体" panose="02010600030101010101" pitchFamily="2" charset="-122"/>
+                      </a:rPr>
+                      <m:t>)</m:t>
+                    </m:r>
+                  </m:oMath>
+                </a14:m>
+                <a:r>
+                  <a:rPr lang="zh-CN" altLang="zh-CN" kern="100" dirty="0">
+                    <a:latin typeface="Times New Roman" panose="02020603050405020304" pitchFamily="18" charset="0"/>
+                    <a:ea typeface="宋体" panose="02010600030101010101" pitchFamily="2" charset="-122"/>
+                  </a:rPr>
+                  <a:t>，判别器需要预测该句子属于关系</a:t>
+                </a:r>
+                <a:r>
+                  <a:rPr lang="en-US" altLang="zh-CN" kern="100" dirty="0">
+                    <a:latin typeface="Times New Roman" panose="02020603050405020304" pitchFamily="18" charset="0"/>
+                    <a:ea typeface="宋体" panose="02010600030101010101" pitchFamily="2" charset="-122"/>
+                  </a:rPr>
+                  <a:t>r</a:t>
+                </a:r>
+                <a:r>
+                  <a:rPr lang="zh-CN" altLang="zh-CN" kern="100" dirty="0">
+                    <a:latin typeface="Times New Roman" panose="02020603050405020304" pitchFamily="18" charset="0"/>
+                    <a:ea typeface="宋体" panose="02010600030101010101" pitchFamily="2" charset="-122"/>
+                  </a:rPr>
+                  <a:t>的概率。通过编码器获得句子表示</a:t>
+                </a:r>
+                <a14:m>
+                  <m:oMath xmlns:m="http://schemas.openxmlformats.org/officeDocument/2006/math">
+                    <m:sSub>
+                      <m:sSubPr>
+                        <m:ctrlPr>
+                          <a:rPr lang="zh-CN" altLang="zh-CN" i="1" kern="100">
+                            <a:latin typeface="Cambria Math" panose="02040503050406030204" pitchFamily="18" charset="0"/>
+                            <a:ea typeface="Cambria Math" panose="02040503050406030204" pitchFamily="18" charset="0"/>
+                          </a:rPr>
+                        </m:ctrlPr>
+                      </m:sSubPr>
+                      <m:e>
+                        <m:r>
+                          <m:rPr>
+                            <m:sty m:val="p"/>
+                          </m:rPr>
+                          <a:rPr lang="en-US" altLang="zh-CN" kern="100">
+                            <a:latin typeface="Cambria Math" panose="02040503050406030204" pitchFamily="18" charset="0"/>
+                            <a:ea typeface="宋体" panose="02010600030101010101" pitchFamily="2" charset="-122"/>
+                          </a:rPr>
+                          <m:t>f</m:t>
+                        </m:r>
+                      </m:e>
+                      <m:sub>
+                        <m:r>
+                          <m:rPr>
+                            <m:sty m:val="p"/>
+                          </m:rPr>
+                          <a:rPr lang="en-US" altLang="zh-CN" kern="100">
+                            <a:latin typeface="Cambria Math" panose="02040503050406030204" pitchFamily="18" charset="0"/>
+                            <a:ea typeface="宋体" panose="02010600030101010101" pitchFamily="2" charset="-122"/>
+                          </a:rPr>
+                          <m:t>x</m:t>
+                        </m:r>
+                      </m:sub>
+                    </m:sSub>
+                  </m:oMath>
+                </a14:m>
+                <a:r>
+                  <a:rPr lang="zh-CN" altLang="zh-CN" kern="100" dirty="0">
+                    <a:latin typeface="Times New Roman" panose="02020603050405020304" pitchFamily="18" charset="0"/>
+                    <a:ea typeface="宋体" panose="02010600030101010101" pitchFamily="2" charset="-122"/>
+                  </a:rPr>
+                  <a:t>后，该特征向量输入到一个</a:t>
+                </a:r>
+                <a:r>
+                  <a:rPr lang="en-US" altLang="zh-CN" kern="100" dirty="0" err="1">
+                    <a:latin typeface="Times New Roman" panose="02020603050405020304" pitchFamily="18" charset="0"/>
+                    <a:ea typeface="宋体" panose="02010600030101010101" pitchFamily="2" charset="-122"/>
+                  </a:rPr>
+                  <a:t>softmax</a:t>
+                </a:r>
+                <a:r>
+                  <a:rPr lang="zh-CN" altLang="zh-CN" kern="100" dirty="0">
+                    <a:latin typeface="Times New Roman" panose="02020603050405020304" pitchFamily="18" charset="0"/>
+                    <a:ea typeface="宋体" panose="02010600030101010101" pitchFamily="2" charset="-122"/>
+                  </a:rPr>
+                  <a:t>层获得</a:t>
+                </a:r>
+                <a:r>
+                  <a:rPr lang="zh-CN" altLang="zh-CN" kern="100" dirty="0" smtClean="0">
+                    <a:latin typeface="Times New Roman" panose="02020603050405020304" pitchFamily="18" charset="0"/>
+                    <a:ea typeface="宋体" panose="02010600030101010101" pitchFamily="2" charset="-122"/>
+                  </a:rPr>
+                  <a:t>概率</a:t>
+                </a:r>
+                <a:r>
+                  <a:rPr lang="zh-CN" altLang="en-US" kern="100" dirty="0" smtClean="0">
+                    <a:latin typeface="Times New Roman" panose="02020603050405020304" pitchFamily="18" charset="0"/>
+                    <a:ea typeface="宋体" panose="02010600030101010101" pitchFamily="2" charset="-122"/>
+                  </a:rPr>
+                  <a:t>，该模型损失函数如下</a:t>
+                </a:r>
+                <a:r>
+                  <a:rPr lang="zh-CN" altLang="zh-CN" kern="100" dirty="0" smtClean="0">
+                    <a:latin typeface="Times New Roman" panose="02020603050405020304" pitchFamily="18" charset="0"/>
+                    <a:ea typeface="宋体" panose="02010600030101010101" pitchFamily="2" charset="-122"/>
+                  </a:rPr>
+                  <a:t>。</a:t>
+                </a:r>
+                <a:endParaRPr lang="zh-CN" altLang="zh-CN" kern="100" dirty="0">
+                  <a:latin typeface="Times New Roman" panose="02020603050405020304" pitchFamily="18" charset="0"/>
+                  <a:ea typeface="宋体" panose="02010600030101010101" pitchFamily="2" charset="-122"/>
+                </a:endParaRPr>
+              </a:p>
+              <a:p>
+                <a:endParaRPr lang="zh-CN" altLang="en-US" dirty="0"/>
+              </a:p>
+            </p:txBody>
+          </p:sp>
+        </mc:Choice>
+        <mc:Fallback>
+          <p:sp>
+            <p:nvSpPr>
+              <p:cNvPr id="4" name="矩形 3"/>
+              <p:cNvSpPr>
+                <a:spLocks noRot="1" noChangeAspect="1" noMove="1" noResize="1" noEditPoints="1" noAdjustHandles="1" noChangeArrowheads="1" noChangeShapeType="1" noTextEdit="1"/>
+              </p:cNvSpPr>
+              <p:nvPr/>
+            </p:nvSpPr>
+            <p:spPr>
+              <a:xfrm>
+                <a:off x="6124352" y="2481421"/>
+                <a:ext cx="5794745" cy="1698927"/>
+              </a:xfrm>
+              <a:prstGeom prst="rect">
+                <a:avLst/>
+              </a:prstGeom>
+              <a:blipFill>
+                <a:blip r:embed="rId5"/>
+                <a:stretch>
+                  <a:fillRect t="-1075"/>
+                </a:stretch>
+              </a:blipFill>
+            </p:spPr>
+            <p:txBody>
+              <a:bodyPr/>
+              <a:lstStyle/>
+              <a:p>
+                <a:r>
+                  <a:rPr lang="zh-CN" altLang="en-US">
+                    <a:noFill/>
+                  </a:rPr>
+                  <a:t> </a:t>
+                </a:r>
+              </a:p>
+            </p:txBody>
+          </p:sp>
+        </mc:Fallback>
+      </mc:AlternateContent>
+      <mc:AlternateContent xmlns:mc="http://schemas.openxmlformats.org/markup-compatibility/2006">
+        <mc:Choice xmlns:a14="http://schemas.microsoft.com/office/drawing/2010/main" Requires="a14">
+          <p:sp>
+            <p:nvSpPr>
+              <p:cNvPr id="5" name="矩形 4"/>
+              <p:cNvSpPr/>
+              <p:nvPr/>
+            </p:nvSpPr>
+            <p:spPr>
+              <a:xfrm>
+                <a:off x="265256" y="2475871"/>
+                <a:ext cx="5349595" cy="1477328"/>
+              </a:xfrm>
+              <a:prstGeom prst="rect">
+                <a:avLst/>
+              </a:prstGeom>
+            </p:spPr>
+            <p:txBody>
+              <a:bodyPr wrap="square">
+                <a:spAutoFit/>
+              </a:bodyPr>
+              <a:lstStyle/>
+              <a:p>
+                <a:r>
+                  <a:rPr lang="zh-CN" altLang="zh-CN" kern="100" dirty="0">
+                    <a:latin typeface="Times New Roman" panose="02020603050405020304" pitchFamily="18" charset="0"/>
+                    <a:ea typeface="宋体" panose="02010600030101010101" pitchFamily="2" charset="-122"/>
+                    <a:cs typeface="Times New Roman" panose="02020603050405020304" pitchFamily="18" charset="0"/>
+                  </a:rPr>
+                  <a:t>选择器即为</a:t>
+                </a:r>
+                <a:r>
+                  <a:rPr lang="en-US" altLang="zh-CN" kern="100" dirty="0">
+                    <a:latin typeface="Times New Roman" panose="02020603050405020304" pitchFamily="18" charset="0"/>
+                    <a:ea typeface="宋体" panose="02010600030101010101" pitchFamily="2" charset="-122"/>
+                  </a:rPr>
+                  <a:t>GAN</a:t>
+                </a:r>
+                <a:r>
+                  <a:rPr lang="zh-CN" altLang="zh-CN" kern="100" dirty="0">
+                    <a:latin typeface="Times New Roman" panose="02020603050405020304" pitchFamily="18" charset="0"/>
+                    <a:ea typeface="宋体" panose="02010600030101010101" pitchFamily="2" charset="-122"/>
+                    <a:cs typeface="Times New Roman" panose="02020603050405020304" pitchFamily="18" charset="0"/>
+                  </a:rPr>
+                  <a:t>中的生成网络，在编码器的基础上增加了一个输出层，给定一个含有两个实体的句子和实体间的关系，输出该句子中两个实体关系正确的概率。给定句子</a:t>
+                </a:r>
+                <a:r>
+                  <a:rPr lang="en-US" altLang="zh-CN" kern="100" dirty="0">
+                    <a:latin typeface="Times New Roman" panose="02020603050405020304" pitchFamily="18" charset="0"/>
+                    <a:ea typeface="宋体" panose="02010600030101010101" pitchFamily="2" charset="-122"/>
+                  </a:rPr>
+                  <a:t>s</a:t>
+                </a:r>
+                <a:r>
+                  <a:rPr lang="zh-CN" altLang="zh-CN" kern="100" dirty="0">
+                    <a:latin typeface="Times New Roman" panose="02020603050405020304" pitchFamily="18" charset="0"/>
+                    <a:ea typeface="宋体" panose="02010600030101010101" pitchFamily="2" charset="-122"/>
+                    <a:cs typeface="Times New Roman" panose="02020603050405020304" pitchFamily="18" charset="0"/>
+                  </a:rPr>
+                  <a:t>经过编码器后获得句子特征向量</a:t>
+                </a:r>
+                <a14:m>
+                  <m:oMath xmlns:m="http://schemas.openxmlformats.org/officeDocument/2006/math">
+                    <m:sSub>
+                      <m:sSubPr>
+                        <m:ctrlPr>
+                          <a:rPr lang="zh-CN" altLang="zh-CN" i="1">
+                            <a:effectLst/>
+                            <a:latin typeface="Cambria Math" panose="02040503050406030204" pitchFamily="18" charset="0"/>
+                            <a:ea typeface="Cambria Math" panose="02040503050406030204" pitchFamily="18" charset="0"/>
+                          </a:rPr>
+                        </m:ctrlPr>
+                      </m:sSubPr>
+                      <m:e>
+                        <m:r>
+                          <m:rPr>
+                            <m:sty m:val="p"/>
+                          </m:rPr>
+                          <a:rPr lang="en-US" altLang="zh-CN" kern="100">
+                            <a:latin typeface="Cambria Math" panose="02040503050406030204" pitchFamily="18" charset="0"/>
+                            <a:ea typeface="宋体" panose="02010600030101010101" pitchFamily="2" charset="-122"/>
+                            <a:cs typeface="Times New Roman" panose="02020603050405020304" pitchFamily="18" charset="0"/>
+                          </a:rPr>
+                          <m:t>f</m:t>
+                        </m:r>
+                      </m:e>
+                      <m:sub>
+                        <m:r>
+                          <m:rPr>
+                            <m:sty m:val="p"/>
+                          </m:rPr>
+                          <a:rPr lang="en-US" altLang="zh-CN" kern="100">
+                            <a:latin typeface="Cambria Math" panose="02040503050406030204" pitchFamily="18" charset="0"/>
+                            <a:ea typeface="宋体" panose="02010600030101010101" pitchFamily="2" charset="-122"/>
+                            <a:cs typeface="Times New Roman" panose="02020603050405020304" pitchFamily="18" charset="0"/>
+                          </a:rPr>
+                          <m:t>x</m:t>
+                        </m:r>
+                      </m:sub>
+                    </m:sSub>
+                  </m:oMath>
+                </a14:m>
+                <a:r>
+                  <a:rPr lang="zh-CN" altLang="zh-CN" kern="100" dirty="0">
+                    <a:latin typeface="Times New Roman" panose="02020603050405020304" pitchFamily="18" charset="0"/>
+                    <a:ea typeface="宋体" panose="02010600030101010101" pitchFamily="2" charset="-122"/>
+                    <a:cs typeface="Times New Roman" panose="02020603050405020304" pitchFamily="18" charset="0"/>
+                  </a:rPr>
+                  <a:t>，选择器计算</a:t>
+                </a:r>
+                <a:r>
+                  <a:rPr lang="en-US" altLang="zh-CN" kern="100" dirty="0">
+                    <a:latin typeface="Times New Roman" panose="02020603050405020304" pitchFamily="18" charset="0"/>
+                    <a:ea typeface="宋体" panose="02010600030101010101" pitchFamily="2" charset="-122"/>
+                  </a:rPr>
+                  <a:t>ND</a:t>
+                </a:r>
+                <a:r>
+                  <a:rPr lang="zh-CN" altLang="zh-CN" kern="100" dirty="0">
+                    <a:latin typeface="Times New Roman" panose="02020603050405020304" pitchFamily="18" charset="0"/>
+                    <a:ea typeface="宋体" panose="02010600030101010101" pitchFamily="2" charset="-122"/>
+                    <a:cs typeface="Times New Roman" panose="02020603050405020304" pitchFamily="18" charset="0"/>
+                  </a:rPr>
+                  <a:t>数据中关系标注准确的概率，</a:t>
+                </a:r>
+                <a:endParaRPr lang="zh-CN" altLang="en-US" dirty="0"/>
+              </a:p>
+            </p:txBody>
+          </p:sp>
+        </mc:Choice>
+        <mc:Fallback>
+          <p:sp>
+            <p:nvSpPr>
+              <p:cNvPr id="5" name="矩形 4"/>
+              <p:cNvSpPr>
+                <a:spLocks noRot="1" noChangeAspect="1" noMove="1" noResize="1" noEditPoints="1" noAdjustHandles="1" noChangeArrowheads="1" noChangeShapeType="1" noTextEdit="1"/>
+              </p:cNvSpPr>
+              <p:nvPr/>
+            </p:nvSpPr>
+            <p:spPr>
+              <a:xfrm>
+                <a:off x="265256" y="2475871"/>
+                <a:ext cx="5349595" cy="1477328"/>
+              </a:xfrm>
+              <a:prstGeom prst="rect">
+                <a:avLst/>
+              </a:prstGeom>
+              <a:blipFill>
+                <a:blip r:embed="rId6"/>
+                <a:stretch>
+                  <a:fillRect l="-1026" t="-2893" r="-456" b="-6198"/>
+                </a:stretch>
+              </a:blipFill>
+            </p:spPr>
+            <p:txBody>
+              <a:bodyPr/>
+              <a:lstStyle/>
+              <a:p>
+                <a:r>
+                  <a:rPr lang="zh-CN" altLang="en-US">
+                    <a:noFill/>
+                  </a:rPr>
+                  <a:t> </a:t>
+                </a:r>
+              </a:p>
+            </p:txBody>
+          </p:sp>
+        </mc:Fallback>
+      </mc:AlternateContent>
+      <mc:AlternateContent xmlns:mc="http://schemas.openxmlformats.org/markup-compatibility/2006">
+        <mc:Choice xmlns:a14="http://schemas.microsoft.com/office/drawing/2010/main" Requires="a14">
+          <p:sp>
+            <p:nvSpPr>
+              <p:cNvPr id="6" name="矩形 5"/>
+              <p:cNvSpPr/>
+              <p:nvPr/>
+            </p:nvSpPr>
+            <p:spPr>
+              <a:xfrm>
+                <a:off x="5834461" y="4901347"/>
+                <a:ext cx="6200865" cy="764825"/>
+              </a:xfrm>
+              <a:prstGeom prst="rect">
+                <a:avLst/>
+              </a:prstGeom>
+            </p:spPr>
+            <p:txBody>
+              <a:bodyPr wrap="none">
+                <a:spAutoFit/>
+              </a:bodyPr>
+              <a:lstStyle/>
+              <a:p>
+                <a14:m>
+                  <m:oMathPara xmlns:m="http://schemas.openxmlformats.org/officeDocument/2006/math">
+                    <m:oMathParaPr>
+                      <m:jc m:val="centerGroup"/>
+                    </m:oMathParaPr>
+                    <m:oMath xmlns:m="http://schemas.openxmlformats.org/officeDocument/2006/math">
+                      <m:sSub>
+                        <m:sSubPr>
+                          <m:ctrlPr>
+                            <a:rPr lang="zh-CN" altLang="zh-CN" i="1">
+                              <a:latin typeface="Cambria Math" panose="02040503050406030204" pitchFamily="18" charset="0"/>
+                            </a:rPr>
+                          </m:ctrlPr>
+                        </m:sSubPr>
+                        <m:e>
+                          <m:r>
+                            <m:rPr>
+                              <m:sty m:val="p"/>
+                            </m:rPr>
+                            <a:rPr lang="en-US" altLang="zh-CN">
+                              <a:latin typeface="Cambria Math" panose="02040503050406030204" pitchFamily="18" charset="0"/>
+                            </a:rPr>
+                            <m:t>L</m:t>
+                          </m:r>
+                        </m:e>
+                        <m:sub>
+                          <m:r>
+                            <m:rPr>
+                              <m:sty m:val="p"/>
+                            </m:rPr>
+                            <a:rPr lang="en-US" altLang="zh-CN">
+                              <a:latin typeface="Cambria Math" panose="02040503050406030204" pitchFamily="18" charset="0"/>
+                            </a:rPr>
+                            <m:t>D</m:t>
+                          </m:r>
+                        </m:sub>
+                      </m:sSub>
+                      <m:r>
+                        <a:rPr lang="en-US" altLang="zh-CN" i="1">
+                          <a:latin typeface="Cambria Math" panose="02040503050406030204" pitchFamily="18" charset="0"/>
+                        </a:rPr>
+                        <m:t>=−</m:t>
+                      </m:r>
+                      <m:nary>
+                        <m:naryPr>
+                          <m:chr m:val="∑"/>
+                          <m:limLoc m:val="undOvr"/>
+                          <m:ctrlPr>
+                            <a:rPr lang="zh-CN" altLang="zh-CN" i="1">
+                              <a:latin typeface="Cambria Math" panose="02040503050406030204" pitchFamily="18" charset="0"/>
+                            </a:rPr>
+                          </m:ctrlPr>
+                        </m:naryPr>
+                        <m:sub>
+                          <m:r>
+                            <a:rPr lang="en-US" altLang="zh-CN" i="1">
+                              <a:latin typeface="Cambria Math" panose="02040503050406030204" pitchFamily="18" charset="0"/>
+                            </a:rPr>
+                            <m:t>𝑥</m:t>
+                          </m:r>
+                          <m:r>
+                            <a:rPr lang="en-US" altLang="zh-CN" i="1">
+                              <a:latin typeface="Cambria Math" panose="02040503050406030204" pitchFamily="18" charset="0"/>
+                            </a:rPr>
+                            <m:t>=</m:t>
+                          </m:r>
+                          <m:r>
+                            <a:rPr lang="en-US" altLang="zh-CN" i="1">
+                              <a:latin typeface="Cambria Math" panose="02040503050406030204" pitchFamily="18" charset="0"/>
+                            </a:rPr>
+                            <m:t>𝑆𝐷</m:t>
+                          </m:r>
+                        </m:sub>
+                        <m:sup>
+                          <m:r>
+                            <a:rPr lang="en-US" altLang="zh-CN" i="1">
+                              <a:latin typeface="Cambria Math" panose="02040503050406030204" pitchFamily="18" charset="0"/>
+                            </a:rPr>
+                            <m:t> </m:t>
+                          </m:r>
+                        </m:sup>
+                        <m:e>
+                          <m:f>
+                            <m:fPr>
+                              <m:ctrlPr>
+                                <a:rPr lang="zh-CN" altLang="zh-CN" i="1">
+                                  <a:latin typeface="Cambria Math" panose="02040503050406030204" pitchFamily="18" charset="0"/>
+                                </a:rPr>
+                              </m:ctrlPr>
+                            </m:fPr>
+                            <m:num>
+                              <m:r>
+                                <a:rPr lang="en-US" altLang="zh-CN" i="1">
+                                  <a:latin typeface="Cambria Math" panose="02040503050406030204" pitchFamily="18" charset="0"/>
+                                </a:rPr>
+                                <m:t>1</m:t>
+                              </m:r>
+                            </m:num>
+                            <m:den>
+                              <m:d>
+                                <m:dPr>
+                                  <m:begChr m:val="|"/>
+                                  <m:endChr m:val="|"/>
+                                  <m:ctrlPr>
+                                    <a:rPr lang="zh-CN" altLang="zh-CN" i="1">
+                                      <a:latin typeface="Cambria Math" panose="02040503050406030204" pitchFamily="18" charset="0"/>
+                                    </a:rPr>
+                                  </m:ctrlPr>
+                                </m:dPr>
+                                <m:e>
+                                  <m:r>
+                                    <a:rPr lang="en-US" altLang="zh-CN" i="1">
+                                      <a:latin typeface="Cambria Math" panose="02040503050406030204" pitchFamily="18" charset="0"/>
+                                    </a:rPr>
+                                    <m:t>𝑆𝐷</m:t>
+                                  </m:r>
+                                </m:e>
+                              </m:d>
+                            </m:den>
+                          </m:f>
+                          <m:func>
+                            <m:funcPr>
+                              <m:ctrlPr>
+                                <a:rPr lang="zh-CN" altLang="zh-CN" i="1">
+                                  <a:latin typeface="Cambria Math" panose="02040503050406030204" pitchFamily="18" charset="0"/>
+                                </a:rPr>
+                              </m:ctrlPr>
+                            </m:funcPr>
+                            <m:fName>
+                              <m:r>
+                                <m:rPr>
+                                  <m:sty m:val="p"/>
+                                </m:rPr>
+                                <a:rPr lang="en-US" altLang="zh-CN">
+                                  <a:latin typeface="Cambria Math" panose="02040503050406030204" pitchFamily="18" charset="0"/>
+                                </a:rPr>
+                                <m:t>log</m:t>
+                              </m:r>
+                            </m:fName>
+                            <m:e>
+                              <m:d>
+                                <m:dPr>
+                                  <m:ctrlPr>
+                                    <a:rPr lang="zh-CN" altLang="zh-CN" i="1">
+                                      <a:latin typeface="Cambria Math" panose="02040503050406030204" pitchFamily="18" charset="0"/>
+                                    </a:rPr>
+                                  </m:ctrlPr>
+                                </m:dPr>
+                                <m:e>
+                                  <m:r>
+                                    <a:rPr lang="en-US" altLang="zh-CN" i="1">
+                                      <a:latin typeface="Cambria Math" panose="02040503050406030204" pitchFamily="18" charset="0"/>
+                                    </a:rPr>
+                                    <m:t>𝑃</m:t>
+                                  </m:r>
+                                  <m:d>
+                                    <m:dPr>
+                                      <m:ctrlPr>
+                                        <a:rPr lang="zh-CN" altLang="zh-CN" i="1">
+                                          <a:latin typeface="Cambria Math" panose="02040503050406030204" pitchFamily="18" charset="0"/>
+                                        </a:rPr>
+                                      </m:ctrlPr>
+                                    </m:dPr>
+                                    <m:e>
+                                      <m:r>
+                                        <a:rPr lang="en-US" altLang="zh-CN" i="1">
+                                          <a:latin typeface="Cambria Math" panose="02040503050406030204" pitchFamily="18" charset="0"/>
+                                        </a:rPr>
+                                        <m:t>𝑟</m:t>
+                                      </m:r>
+                                    </m:e>
+                                    <m:e>
+                                      <m:r>
+                                        <a:rPr lang="en-US" altLang="zh-CN" i="1">
+                                          <a:latin typeface="Cambria Math" panose="02040503050406030204" pitchFamily="18" charset="0"/>
+                                        </a:rPr>
+                                        <m:t>𝑠</m:t>
+                                      </m:r>
+                                    </m:e>
+                                  </m:d>
+                                </m:e>
+                              </m:d>
+                            </m:e>
+                          </m:func>
+                        </m:e>
+                      </m:nary>
+                      <m:r>
+                        <a:rPr lang="en-US" altLang="zh-CN" i="1">
+                          <a:latin typeface="Cambria Math" panose="02040503050406030204" pitchFamily="18" charset="0"/>
+                        </a:rPr>
+                        <m:t>−</m:t>
+                      </m:r>
+                      <m:nary>
+                        <m:naryPr>
+                          <m:chr m:val="∑"/>
+                          <m:limLoc m:val="undOvr"/>
+                          <m:ctrlPr>
+                            <a:rPr lang="zh-CN" altLang="zh-CN" i="1">
+                              <a:latin typeface="Cambria Math" panose="02040503050406030204" pitchFamily="18" charset="0"/>
+                            </a:rPr>
+                          </m:ctrlPr>
+                        </m:naryPr>
+                        <m:sub>
+                          <m:r>
+                            <a:rPr lang="en-US" altLang="zh-CN" i="1">
+                              <a:latin typeface="Cambria Math" panose="02040503050406030204" pitchFamily="18" charset="0"/>
+                            </a:rPr>
+                            <m:t>𝑥</m:t>
+                          </m:r>
+                          <m:r>
+                            <a:rPr lang="en-US" altLang="zh-CN" i="1">
+                              <a:latin typeface="Cambria Math" panose="02040503050406030204" pitchFamily="18" charset="0"/>
+                            </a:rPr>
+                            <m:t>=</m:t>
+                          </m:r>
+                          <m:r>
+                            <a:rPr lang="en-US" altLang="zh-CN" i="1">
+                              <a:latin typeface="Cambria Math" panose="02040503050406030204" pitchFamily="18" charset="0"/>
+                            </a:rPr>
+                            <m:t>𝑁𝐷</m:t>
+                          </m:r>
+                        </m:sub>
+                        <m:sup>
+                          <m:r>
+                            <a:rPr lang="en-US" altLang="zh-CN" i="1">
+                              <a:latin typeface="Cambria Math" panose="02040503050406030204" pitchFamily="18" charset="0"/>
+                            </a:rPr>
+                            <m:t> </m:t>
+                          </m:r>
+                        </m:sup>
+                        <m:e>
+                          <m:sSub>
+                            <m:sSubPr>
+                              <m:ctrlPr>
+                                <a:rPr lang="zh-CN" altLang="zh-CN" i="1">
+                                  <a:latin typeface="Cambria Math" panose="02040503050406030204" pitchFamily="18" charset="0"/>
+                                </a:rPr>
+                              </m:ctrlPr>
+                            </m:sSubPr>
+                            <m:e>
+                              <m:r>
+                                <a:rPr lang="en-US" altLang="zh-CN" i="1">
+                                  <a:latin typeface="Cambria Math" panose="02040503050406030204" pitchFamily="18" charset="0"/>
+                                </a:rPr>
+                                <m:t>𝑃</m:t>
+                              </m:r>
+                            </m:e>
+                            <m:sub>
+                              <m:r>
+                                <a:rPr lang="en-US" altLang="zh-CN" i="1">
+                                  <a:latin typeface="Cambria Math" panose="02040503050406030204" pitchFamily="18" charset="0"/>
+                                </a:rPr>
+                                <m:t>𝑁𝐷</m:t>
+                              </m:r>
+                            </m:sub>
+                          </m:sSub>
+                          <m:d>
+                            <m:dPr>
+                              <m:ctrlPr>
+                                <a:rPr lang="zh-CN" altLang="zh-CN" i="1">
+                                  <a:latin typeface="Cambria Math" panose="02040503050406030204" pitchFamily="18" charset="0"/>
+                                </a:rPr>
+                              </m:ctrlPr>
+                            </m:dPr>
+                            <m:e>
+                              <m:r>
+                                <a:rPr lang="en-US" altLang="zh-CN" i="1">
+                                  <a:latin typeface="Cambria Math" panose="02040503050406030204" pitchFamily="18" charset="0"/>
+                                </a:rPr>
+                                <m:t>𝑥</m:t>
+                              </m:r>
+                            </m:e>
+                          </m:d>
+                          <m:func>
+                            <m:funcPr>
+                              <m:ctrlPr>
+                                <a:rPr lang="zh-CN" altLang="zh-CN" i="1">
+                                  <a:latin typeface="Cambria Math" panose="02040503050406030204" pitchFamily="18" charset="0"/>
+                                </a:rPr>
+                              </m:ctrlPr>
+                            </m:funcPr>
+                            <m:fName>
+                              <m:r>
+                                <m:rPr>
+                                  <m:sty m:val="p"/>
+                                </m:rPr>
+                                <a:rPr lang="en-US" altLang="zh-CN">
+                                  <a:latin typeface="Cambria Math" panose="02040503050406030204" pitchFamily="18" charset="0"/>
+                                </a:rPr>
+                                <m:t>log</m:t>
+                              </m:r>
+                            </m:fName>
+                            <m:e>
+                              <m:d>
+                                <m:dPr>
+                                  <m:ctrlPr>
+                                    <a:rPr lang="zh-CN" altLang="zh-CN" i="1">
+                                      <a:latin typeface="Cambria Math" panose="02040503050406030204" pitchFamily="18" charset="0"/>
+                                    </a:rPr>
+                                  </m:ctrlPr>
+                                </m:dPr>
+                                <m:e>
+                                  <m:r>
+                                    <a:rPr lang="en-US" altLang="zh-CN" i="1">
+                                      <a:latin typeface="Cambria Math" panose="02040503050406030204" pitchFamily="18" charset="0"/>
+                                    </a:rPr>
+                                    <m:t>1−</m:t>
+                                  </m:r>
+                                  <m:r>
+                                    <a:rPr lang="en-US" altLang="zh-CN" i="1">
+                                      <a:latin typeface="Cambria Math" panose="02040503050406030204" pitchFamily="18" charset="0"/>
+                                    </a:rPr>
+                                    <m:t>𝑃</m:t>
+                                  </m:r>
+                                  <m:d>
+                                    <m:dPr>
+                                      <m:ctrlPr>
+                                        <a:rPr lang="zh-CN" altLang="zh-CN" i="1">
+                                          <a:latin typeface="Cambria Math" panose="02040503050406030204" pitchFamily="18" charset="0"/>
+                                        </a:rPr>
+                                      </m:ctrlPr>
+                                    </m:dPr>
+                                    <m:e>
+                                      <m:r>
+                                        <a:rPr lang="en-US" altLang="zh-CN" i="1">
+                                          <a:latin typeface="Cambria Math" panose="02040503050406030204" pitchFamily="18" charset="0"/>
+                                        </a:rPr>
+                                        <m:t>𝑟</m:t>
+                                      </m:r>
+                                    </m:e>
+                                    <m:e>
+                                      <m:r>
+                                        <a:rPr lang="en-US" altLang="zh-CN" i="1">
+                                          <a:latin typeface="Cambria Math" panose="02040503050406030204" pitchFamily="18" charset="0"/>
+                                        </a:rPr>
+                                        <m:t>𝑠</m:t>
+                                      </m:r>
+                                    </m:e>
+                                  </m:d>
+                                </m:e>
+                              </m:d>
+                            </m:e>
+                          </m:func>
+                        </m:e>
+                      </m:nary>
+                    </m:oMath>
+                  </m:oMathPara>
+                </a14:m>
+                <a:endParaRPr lang="zh-CN" altLang="en-US" dirty="0"/>
+              </a:p>
+            </p:txBody>
+          </p:sp>
+        </mc:Choice>
+        <mc:Fallback>
+          <p:sp>
+            <p:nvSpPr>
+              <p:cNvPr id="6" name="矩形 5"/>
+              <p:cNvSpPr>
+                <a:spLocks noRot="1" noChangeAspect="1" noMove="1" noResize="1" noEditPoints="1" noAdjustHandles="1" noChangeArrowheads="1" noChangeShapeType="1" noTextEdit="1"/>
+              </p:cNvSpPr>
+              <p:nvPr/>
+            </p:nvSpPr>
+            <p:spPr>
+              <a:xfrm>
+                <a:off x="5834461" y="4901347"/>
+                <a:ext cx="6200865" cy="764825"/>
+              </a:xfrm>
+              <a:prstGeom prst="rect">
+                <a:avLst/>
+              </a:prstGeom>
+              <a:blipFill>
+                <a:blip r:embed="rId7"/>
+                <a:stretch>
+                  <a:fillRect/>
+                </a:stretch>
+              </a:blipFill>
+            </p:spPr>
+            <p:txBody>
+              <a:bodyPr/>
+              <a:lstStyle/>
+              <a:p>
+                <a:r>
+                  <a:rPr lang="zh-CN" altLang="en-US">
+                    <a:noFill/>
+                  </a:rPr>
+                  <a:t> </a:t>
+                </a:r>
+              </a:p>
+            </p:txBody>
+          </p:sp>
+        </mc:Fallback>
+      </mc:AlternateContent>
     </p:spTree>
     <p:extLst>
       <p:ext uri="{BB962C8B-B14F-4D97-AF65-F5344CB8AC3E}">
-        <p14:creationId xmlns:p14="http://schemas.microsoft.com/office/powerpoint/2010/main" val="4263151214"/>
+        <p14:creationId xmlns:p14="http://schemas.microsoft.com/office/powerpoint/2010/main" val="272052004"/>
       </p:ext>
     </p:extLst>
   </p:cSld>
@@ -24910,6 +28457,115 @@
       </p:transition>
     </mc:Fallback>
   </mc:AlternateContent>
+  <p:timing>
+    <p:tnLst>
+      <p:par>
+        <p:cTn id="1" dur="indefinite" restart="never" nodeType="tmRoot">
+          <p:childTnLst>
+            <p:seq concurrent="1" nextAc="seek">
+              <p:cTn id="2" dur="indefinite" nodeType="mainSeq">
+                <p:childTnLst>
+                  <p:par>
+                    <p:cTn id="3" fill="hold">
+                      <p:stCondLst>
+                        <p:cond delay="indefinite"/>
+                        <p:cond evt="onBegin" delay="0">
+                          <p:tn val="2"/>
+                        </p:cond>
+                      </p:stCondLst>
+                      <p:childTnLst>
+                        <p:par>
+                          <p:cTn id="4" fill="hold">
+                            <p:stCondLst>
+                              <p:cond delay="0"/>
+                            </p:stCondLst>
+                            <p:childTnLst>
+                              <p:par>
+                                <p:cTn id="5" presetID="1" presetClass="entr" presetSubtype="0" fill="hold" grpId="0" nodeType="withEffect">
+                                  <p:stCondLst>
+                                    <p:cond delay="0"/>
+                                  </p:stCondLst>
+                                  <p:childTnLst>
+                                    <p:set>
+                                      <p:cBhvr>
+                                        <p:cTn id="6" dur="1" fill="hold">
+                                          <p:stCondLst>
+                                            <p:cond delay="0"/>
+                                          </p:stCondLst>
+                                        </p:cTn>
+                                        <p:tgtEl>
+                                          <p:spTgt spid="9"/>
+                                        </p:tgtEl>
+                                        <p:attrNameLst>
+                                          <p:attrName>style.visibility</p:attrName>
+                                        </p:attrNameLst>
+                                      </p:cBhvr>
+                                      <p:to>
+                                        <p:strVal val="visible"/>
+                                      </p:to>
+                                    </p:set>
+                                  </p:childTnLst>
+                                </p:cTn>
+                              </p:par>
+                              <p:par>
+                                <p:cTn id="7" presetID="1" presetClass="entr" presetSubtype="0" fill="hold" grpId="0" nodeType="withEffect">
+                                  <p:stCondLst>
+                                    <p:cond delay="0"/>
+                                  </p:stCondLst>
+                                  <p:childTnLst>
+                                    <p:set>
+                                      <p:cBhvr>
+                                        <p:cTn id="8" dur="1" fill="hold">
+                                          <p:stCondLst>
+                                            <p:cond delay="0"/>
+                                          </p:stCondLst>
+                                        </p:cTn>
+                                        <p:tgtEl>
+                                          <p:spTgt spid="10"/>
+                                        </p:tgtEl>
+                                        <p:attrNameLst>
+                                          <p:attrName>style.visibility</p:attrName>
+                                        </p:attrNameLst>
+                                      </p:cBhvr>
+                                      <p:to>
+                                        <p:strVal val="visible"/>
+                                      </p:to>
+                                    </p:set>
+                                  </p:childTnLst>
+                                </p:cTn>
+                              </p:par>
+                            </p:childTnLst>
+                          </p:cTn>
+                        </p:par>
+                      </p:childTnLst>
+                    </p:cTn>
+                  </p:par>
+                </p:childTnLst>
+              </p:cTn>
+              <p:prevCondLst>
+                <p:cond evt="onPrev" delay="0">
+                  <p:tgtEl>
+                    <p:sldTgt/>
+                  </p:tgtEl>
+                </p:cond>
+              </p:prevCondLst>
+              <p:nextCondLst>
+                <p:cond evt="onNext" delay="0">
+                  <p:tgtEl>
+                    <p:sldTgt/>
+                  </p:tgtEl>
+                </p:cond>
+              </p:nextCondLst>
+            </p:seq>
+          </p:childTnLst>
+        </p:cTn>
+      </p:par>
+    </p:tnLst>
+    <p:bldLst>
+      <p:bldP spid="9" grpId="0"/>
+      <p:bldP spid="10" grpId="0"/>
+    </p:bldLst>
+  </p:timing>
 </p:sld>
 </file>
 
